--- a/2025/2025-03-21-AI-Updates.pptx
+++ b/2025/2025-03-21-AI-Updates.pptx
@@ -5,7 +5,7 @@
     <p:sldMasterId id="2147483661" r:id="rId1"/>
   </p:sldMasterIdLst>
   <p:notesMasterIdLst>
-    <p:notesMasterId r:id="rId23"/>
+    <p:notesMasterId r:id="rId25"/>
   </p:notesMasterIdLst>
   <p:sldIdLst>
     <p:sldId id="256" r:id="rId2"/>
@@ -29,16 +29,18 @@
     <p:sldId id="274" r:id="rId20"/>
     <p:sldId id="275" r:id="rId21"/>
     <p:sldId id="276" r:id="rId22"/>
+    <p:sldId id="277" r:id="rId23"/>
+    <p:sldId id="278" r:id="rId24"/>
   </p:sldIdLst>
   <p:sldSz cx="9144000" cy="5143500" type="screen16x9"/>
   <p:notesSz cx="6858000" cy="9144000"/>
   <p:embeddedFontLst>
     <p:embeddedFont>
       <p:font typeface="Roboto Mono" pitchFamily="49" charset="0"/>
-      <p:regular r:id="rId24"/>
-      <p:bold r:id="rId25"/>
-      <p:italic r:id="rId26"/>
-      <p:boldItalic r:id="rId27"/>
+      <p:regular r:id="rId26"/>
+      <p:bold r:id="rId27"/>
+      <p:italic r:id="rId28"/>
+      <p:boldItalic r:id="rId29"/>
     </p:embeddedFont>
   </p:embeddedFontLst>
   <p:defaultTextStyle>
@@ -979,7 +981,7 @@
   <p:cSld>
     <p:spTree>
       <p:nvGrpSpPr>
-        <p:cNvPr id="1" name="Shape 145"/>
+        <p:cNvPr id="1" name="Shape 156"/>
         <p:cNvGrpSpPr/>
         <p:nvPr/>
       </p:nvGrpSpPr>
@@ -993,7 +995,7 @@
       </p:grpSpPr>
       <p:sp>
         <p:nvSpPr>
-          <p:cNvPr id="146" name="Google Shape;146;g34426cd5f39_0_0:notes"/>
+          <p:cNvPr id="157" name="Google Shape;157;g3445d801aff_1_15:notes"/>
           <p:cNvSpPr>
             <a:spLocks noGrp="1" noRot="1" noChangeAspect="1"/>
           </p:cNvSpPr>
@@ -1044,7 +1046,7 @@
       </p:sp>
       <p:sp>
         <p:nvSpPr>
-          <p:cNvPr id="147" name="Google Shape;147;g34426cd5f39_0_0:notes"/>
+          <p:cNvPr id="158" name="Google Shape;158;g3445d801aff_1_15:notes"/>
           <p:cNvSpPr txBox="1">
             <a:spLocks noGrp="1"/>
           </p:cNvSpPr>
@@ -1101,7 +1103,7 @@
   <p:cSld>
     <p:spTree>
       <p:nvGrpSpPr>
-        <p:cNvPr id="1" name="Shape 153"/>
+        <p:cNvPr id="1" name="Shape 165"/>
         <p:cNvGrpSpPr/>
         <p:nvPr/>
       </p:nvGrpSpPr>
@@ -1115,7 +1117,7 @@
       </p:grpSpPr>
       <p:sp>
         <p:nvSpPr>
-          <p:cNvPr id="154" name="Google Shape;154;g34426cd5f39_0_12:notes"/>
+          <p:cNvPr id="166" name="Google Shape;166;g34426cd5f39_0_0:notes"/>
           <p:cNvSpPr>
             <a:spLocks noGrp="1" noRot="1" noChangeAspect="1"/>
           </p:cNvSpPr>
@@ -1166,7 +1168,7 @@
       </p:sp>
       <p:sp>
         <p:nvSpPr>
-          <p:cNvPr id="155" name="Google Shape;155;g34426cd5f39_0_12:notes"/>
+          <p:cNvPr id="167" name="Google Shape;167;g34426cd5f39_0_0:notes"/>
           <p:cNvSpPr txBox="1">
             <a:spLocks noGrp="1"/>
           </p:cNvSpPr>
@@ -1223,7 +1225,7 @@
   <p:cSld>
     <p:spTree>
       <p:nvGrpSpPr>
-        <p:cNvPr id="1" name="Shape 162"/>
+        <p:cNvPr id="1" name="Shape 173"/>
         <p:cNvGrpSpPr/>
         <p:nvPr/>
       </p:nvGrpSpPr>
@@ -1237,7 +1239,7 @@
       </p:grpSpPr>
       <p:sp>
         <p:nvSpPr>
-          <p:cNvPr id="163" name="Google Shape;163;g344288afe8e_0_2:notes"/>
+          <p:cNvPr id="174" name="Google Shape;174;g34426cd5f39_0_12:notes"/>
           <p:cNvSpPr>
             <a:spLocks noGrp="1" noRot="1" noChangeAspect="1"/>
           </p:cNvSpPr>
@@ -1288,7 +1290,7 @@
       </p:sp>
       <p:sp>
         <p:nvSpPr>
-          <p:cNvPr id="164" name="Google Shape;164;g344288afe8e_0_2:notes"/>
+          <p:cNvPr id="175" name="Google Shape;175;g34426cd5f39_0_12:notes"/>
           <p:cNvSpPr txBox="1">
             <a:spLocks noGrp="1"/>
           </p:cNvSpPr>
@@ -1345,7 +1347,7 @@
   <p:cSld>
     <p:spTree>
       <p:nvGrpSpPr>
-        <p:cNvPr id="1" name="Shape 172"/>
+        <p:cNvPr id="1" name="Shape 182"/>
         <p:cNvGrpSpPr/>
         <p:nvPr/>
       </p:nvGrpSpPr>
@@ -1359,7 +1361,7 @@
       </p:grpSpPr>
       <p:sp>
         <p:nvSpPr>
-          <p:cNvPr id="173" name="Google Shape;173;g344524503c7_1_2:notes"/>
+          <p:cNvPr id="183" name="Google Shape;183;g344288afe8e_0_2:notes"/>
           <p:cNvSpPr>
             <a:spLocks noGrp="1" noRot="1" noChangeAspect="1"/>
           </p:cNvSpPr>
@@ -1410,7 +1412,7 @@
       </p:sp>
       <p:sp>
         <p:nvSpPr>
-          <p:cNvPr id="174" name="Google Shape;174;g344524503c7_1_2:notes"/>
+          <p:cNvPr id="184" name="Google Shape;184;g344288afe8e_0_2:notes"/>
           <p:cNvSpPr txBox="1">
             <a:spLocks noGrp="1"/>
           </p:cNvSpPr>
@@ -1467,7 +1469,7 @@
   <p:cSld>
     <p:spTree>
       <p:nvGrpSpPr>
-        <p:cNvPr id="1" name="Shape 179"/>
+        <p:cNvPr id="1" name="Shape 192"/>
         <p:cNvGrpSpPr/>
         <p:nvPr/>
       </p:nvGrpSpPr>
@@ -1481,7 +1483,7 @@
       </p:grpSpPr>
       <p:sp>
         <p:nvSpPr>
-          <p:cNvPr id="180" name="Google Shape;180;g3445d801aff_1_26:notes"/>
+          <p:cNvPr id="193" name="Google Shape;193;g344524503c7_1_2:notes"/>
           <p:cNvSpPr>
             <a:spLocks noGrp="1" noRot="1" noChangeAspect="1"/>
           </p:cNvSpPr>
@@ -1532,7 +1534,7 @@
       </p:sp>
       <p:sp>
         <p:nvSpPr>
-          <p:cNvPr id="181" name="Google Shape;181;g3445d801aff_1_26:notes"/>
+          <p:cNvPr id="194" name="Google Shape;194;g344524503c7_1_2:notes"/>
           <p:cNvSpPr txBox="1">
             <a:spLocks noGrp="1"/>
           </p:cNvSpPr>
@@ -1589,7 +1591,7 @@
   <p:cSld>
     <p:spTree>
       <p:nvGrpSpPr>
-        <p:cNvPr id="1" name="Shape 192"/>
+        <p:cNvPr id="1" name="Shape 199"/>
         <p:cNvGrpSpPr/>
         <p:nvPr/>
       </p:nvGrpSpPr>
@@ -1603,7 +1605,7 @@
       </p:grpSpPr>
       <p:sp>
         <p:nvSpPr>
-          <p:cNvPr id="193" name="Google Shape;193;g34426cd5f39_0_22:notes"/>
+          <p:cNvPr id="200" name="Google Shape;200;g3445d801aff_1_26:notes"/>
           <p:cNvSpPr>
             <a:spLocks noGrp="1" noRot="1" noChangeAspect="1"/>
           </p:cNvSpPr>
@@ -1654,7 +1656,7 @@
       </p:sp>
       <p:sp>
         <p:nvSpPr>
-          <p:cNvPr id="194" name="Google Shape;194;g34426cd5f39_0_22:notes"/>
+          <p:cNvPr id="201" name="Google Shape;201;g3445d801aff_1_26:notes"/>
           <p:cNvSpPr txBox="1">
             <a:spLocks noGrp="1"/>
           </p:cNvSpPr>
@@ -1711,7 +1713,7 @@
   <p:cSld>
     <p:spTree>
       <p:nvGrpSpPr>
-        <p:cNvPr id="1" name="Shape 199"/>
+        <p:cNvPr id="1" name="Shape 212"/>
         <p:cNvGrpSpPr/>
         <p:nvPr/>
       </p:nvGrpSpPr>
@@ -1725,7 +1727,7 @@
       </p:grpSpPr>
       <p:sp>
         <p:nvSpPr>
-          <p:cNvPr id="200" name="Google Shape;200;g34208cd0b1d_0_0:notes"/>
+          <p:cNvPr id="213" name="Google Shape;213;g34426cd5f39_0_22:notes"/>
           <p:cNvSpPr>
             <a:spLocks noGrp="1" noRot="1" noChangeAspect="1"/>
           </p:cNvSpPr>
@@ -1776,7 +1778,7 @@
       </p:sp>
       <p:sp>
         <p:nvSpPr>
-          <p:cNvPr id="201" name="Google Shape;201;g34208cd0b1d_0_0:notes"/>
+          <p:cNvPr id="214" name="Google Shape;214;g34426cd5f39_0_22:notes"/>
           <p:cNvSpPr txBox="1">
             <a:spLocks noGrp="1"/>
           </p:cNvSpPr>
@@ -1833,7 +1835,7 @@
   <p:cSld>
     <p:spTree>
       <p:nvGrpSpPr>
-        <p:cNvPr id="1" name="Shape 207"/>
+        <p:cNvPr id="1" name="Shape 220"/>
         <p:cNvGrpSpPr/>
         <p:nvPr/>
       </p:nvGrpSpPr>
@@ -1847,7 +1849,129 @@
       </p:grpSpPr>
       <p:sp>
         <p:nvSpPr>
-          <p:cNvPr id="208" name="Google Shape;208;g2f03ac7ac9f_0_5:notes"/>
+          <p:cNvPr id="221" name="Google Shape;221;g34208cd0b1d_0_0:notes"/>
+          <p:cNvSpPr>
+            <a:spLocks noGrp="1" noRot="1" noChangeAspect="1"/>
+          </p:cNvSpPr>
+          <p:nvPr>
+            <p:ph type="sldImg" idx="2"/>
+          </p:nvPr>
+        </p:nvSpPr>
+        <p:spPr>
+          <a:xfrm>
+            <a:off x="381000" y="685800"/>
+            <a:ext cx="6096000" cy="3429000"/>
+          </a:xfrm>
+          <a:custGeom>
+            <a:avLst/>
+            <a:gdLst/>
+            <a:ahLst/>
+            <a:cxnLst/>
+            <a:rect l="l" t="t" r="r" b="b"/>
+            <a:pathLst>
+              <a:path w="120000" h="120000" extrusionOk="0">
+                <a:moveTo>
+                  <a:pt x="0" y="0"/>
+                </a:moveTo>
+                <a:lnTo>
+                  <a:pt x="120000" y="0"/>
+                </a:lnTo>
+                <a:lnTo>
+                  <a:pt x="120000" y="120000"/>
+                </a:lnTo>
+                <a:lnTo>
+                  <a:pt x="0" y="120000"/>
+                </a:lnTo>
+                <a:close/>
+              </a:path>
+            </a:pathLst>
+          </a:custGeom>
+          <a:noFill/>
+          <a:ln w="9525" cap="flat" cmpd="sng">
+            <a:solidFill>
+              <a:srgbClr val="000000"/>
+            </a:solidFill>
+            <a:prstDash val="solid"/>
+            <a:round/>
+            <a:headEnd type="none" w="sm" len="sm"/>
+            <a:tailEnd type="none" w="sm" len="sm"/>
+          </a:ln>
+        </p:spPr>
+      </p:sp>
+      <p:sp>
+        <p:nvSpPr>
+          <p:cNvPr id="222" name="Google Shape;222;g34208cd0b1d_0_0:notes"/>
+          <p:cNvSpPr txBox="1">
+            <a:spLocks noGrp="1"/>
+          </p:cNvSpPr>
+          <p:nvPr>
+            <p:ph type="body" idx="1"/>
+          </p:nvPr>
+        </p:nvSpPr>
+        <p:spPr>
+          <a:xfrm>
+            <a:off x="685800" y="4343400"/>
+            <a:ext cx="5486400" cy="4114800"/>
+          </a:xfrm>
+          <a:prstGeom prst="rect">
+            <a:avLst/>
+          </a:prstGeom>
+          <a:noFill/>
+          <a:ln>
+            <a:noFill/>
+          </a:ln>
+        </p:spPr>
+        <p:txBody>
+          <a:bodyPr spcFirstLastPara="1" wrap="square" lIns="91425" tIns="91425" rIns="91425" bIns="91425" anchor="t" anchorCtr="0">
+            <a:noAutofit/>
+          </a:bodyPr>
+          <a:lstStyle/>
+          <a:p>
+            <a:pPr marL="0" lvl="0" indent="0" algn="l" rtl="0">
+              <a:lnSpc>
+                <a:spcPct val="100000"/>
+              </a:lnSpc>
+              <a:spcBef>
+                <a:spcPts val="0"/>
+              </a:spcBef>
+              <a:spcAft>
+                <a:spcPts val="0"/>
+              </a:spcAft>
+              <a:buSzPts val="1100"/>
+              <a:buNone/>
+            </a:pPr>
+            <a:endParaRPr/>
+          </a:p>
+        </p:txBody>
+      </p:sp>
+    </p:spTree>
+  </p:cSld>
+  <p:clrMapOvr>
+    <a:masterClrMapping/>
+  </p:clrMapOvr>
+</p:notes>
+</file>
+
+<file path=ppt/notesSlides/notesSlide18.xml><?xml version="1.0" encoding="utf-8"?>
+<p:notes xmlns:a="http://schemas.openxmlformats.org/drawingml/2006/main" xmlns:r="http://schemas.openxmlformats.org/officeDocument/2006/relationships" xmlns:p="http://schemas.openxmlformats.org/presentationml/2006/main" showMasterSp="0" showMasterPhAnim="0">
+  <p:cSld>
+    <p:spTree>
+      <p:nvGrpSpPr>
+        <p:cNvPr id="1" name="Shape 228"/>
+        <p:cNvGrpSpPr/>
+        <p:nvPr/>
+      </p:nvGrpSpPr>
+      <p:grpSpPr>
+        <a:xfrm>
+          <a:off x="0" y="0"/>
+          <a:ext cx="0" cy="0"/>
+          <a:chOff x="0" y="0"/>
+          <a:chExt cx="0" cy="0"/>
+        </a:xfrm>
+      </p:grpSpPr>
+      <p:sp>
+        <p:nvSpPr>
+          <p:cNvPr id="229" name="Google Shape;229;g2f03ac7ac9f_0_5:notes"/>
           <p:cNvSpPr>
             <a:spLocks noGrp="1" noRot="1" noChangeAspect="1"/>
           </p:cNvSpPr>
@@ -1898,7 +2022,7 @@
       </p:sp>
       <p:sp>
         <p:nvSpPr>
-          <p:cNvPr id="209" name="Google Shape;209;g2f03ac7ac9f_0_5:notes"/>
+          <p:cNvPr id="230" name="Google Shape;230;g2f03ac7ac9f_0_5:notes"/>
           <p:cNvSpPr txBox="1">
             <a:spLocks noGrp="1"/>
           </p:cNvSpPr>
@@ -1950,12 +2074,12 @@
 </p:notes>
 </file>
 
-<file path=ppt/notesSlides/notesSlide18.xml><?xml version="1.0" encoding="utf-8"?>
+<file path=ppt/notesSlides/notesSlide19.xml><?xml version="1.0" encoding="utf-8"?>
 <p:notes xmlns:a="http://schemas.openxmlformats.org/drawingml/2006/main" xmlns:r="http://schemas.openxmlformats.org/officeDocument/2006/relationships" xmlns:p="http://schemas.openxmlformats.org/presentationml/2006/main" showMasterSp="0" showMasterPhAnim="0">
   <p:cSld>
     <p:spTree>
       <p:nvGrpSpPr>
-        <p:cNvPr id="1" name="Shape 267"/>
+        <p:cNvPr id="1" name="Shape 288"/>
         <p:cNvGrpSpPr/>
         <p:nvPr/>
       </p:nvGrpSpPr>
@@ -1969,7 +2093,7 @@
       </p:grpSpPr>
       <p:sp>
         <p:nvSpPr>
-          <p:cNvPr id="268" name="Google Shape;268;g2dcea13964c_1_9:notes"/>
+          <p:cNvPr id="289" name="Google Shape;289;g2dcea13964c_1_9:notes"/>
           <p:cNvSpPr>
             <a:spLocks noGrp="1" noRot="1" noChangeAspect="1"/>
           </p:cNvSpPr>
@@ -2020,129 +2144,7 @@
       </p:sp>
       <p:sp>
         <p:nvSpPr>
-          <p:cNvPr id="269" name="Google Shape;269;g2dcea13964c_1_9:notes"/>
-          <p:cNvSpPr txBox="1">
-            <a:spLocks noGrp="1"/>
-          </p:cNvSpPr>
-          <p:nvPr>
-            <p:ph type="body" idx="1"/>
-          </p:nvPr>
-        </p:nvSpPr>
-        <p:spPr>
-          <a:xfrm>
-            <a:off x="685800" y="4343400"/>
-            <a:ext cx="5486400" cy="4114800"/>
-          </a:xfrm>
-          <a:prstGeom prst="rect">
-            <a:avLst/>
-          </a:prstGeom>
-          <a:noFill/>
-          <a:ln>
-            <a:noFill/>
-          </a:ln>
-        </p:spPr>
-        <p:txBody>
-          <a:bodyPr spcFirstLastPara="1" wrap="square" lIns="91425" tIns="91425" rIns="91425" bIns="91425" anchor="t" anchorCtr="0">
-            <a:noAutofit/>
-          </a:bodyPr>
-          <a:lstStyle/>
-          <a:p>
-            <a:pPr marL="0" lvl="0" indent="0" algn="l" rtl="0">
-              <a:lnSpc>
-                <a:spcPct val="100000"/>
-              </a:lnSpc>
-              <a:spcBef>
-                <a:spcPts val="0"/>
-              </a:spcBef>
-              <a:spcAft>
-                <a:spcPts val="0"/>
-              </a:spcAft>
-              <a:buSzPts val="1100"/>
-              <a:buNone/>
-            </a:pPr>
-            <a:endParaRPr/>
-          </a:p>
-        </p:txBody>
-      </p:sp>
-    </p:spTree>
-  </p:cSld>
-  <p:clrMapOvr>
-    <a:masterClrMapping/>
-  </p:clrMapOvr>
-</p:notes>
-</file>
-
-<file path=ppt/notesSlides/notesSlide19.xml><?xml version="1.0" encoding="utf-8"?>
-<p:notes xmlns:a="http://schemas.openxmlformats.org/drawingml/2006/main" xmlns:r="http://schemas.openxmlformats.org/officeDocument/2006/relationships" xmlns:p="http://schemas.openxmlformats.org/presentationml/2006/main" showMasterSp="0" showMasterPhAnim="0">
-  <p:cSld>
-    <p:spTree>
-      <p:nvGrpSpPr>
-        <p:cNvPr id="1" name="Shape 274"/>
-        <p:cNvGrpSpPr/>
-        <p:nvPr/>
-      </p:nvGrpSpPr>
-      <p:grpSpPr>
-        <a:xfrm>
-          <a:off x="0" y="0"/>
-          <a:ext cx="0" cy="0"/>
-          <a:chOff x="0" y="0"/>
-          <a:chExt cx="0" cy="0"/>
-        </a:xfrm>
-      </p:grpSpPr>
-      <p:sp>
-        <p:nvSpPr>
-          <p:cNvPr id="275" name="Google Shape;275;g2e40055f527_1_0:notes"/>
-          <p:cNvSpPr>
-            <a:spLocks noGrp="1" noRot="1" noChangeAspect="1"/>
-          </p:cNvSpPr>
-          <p:nvPr>
-            <p:ph type="sldImg" idx="2"/>
-          </p:nvPr>
-        </p:nvSpPr>
-        <p:spPr>
-          <a:xfrm>
-            <a:off x="381300" y="685800"/>
-            <a:ext cx="6096000" cy="3429000"/>
-          </a:xfrm>
-          <a:custGeom>
-            <a:avLst/>
-            <a:gdLst/>
-            <a:ahLst/>
-            <a:cxnLst/>
-            <a:rect l="l" t="t" r="r" b="b"/>
-            <a:pathLst>
-              <a:path w="120000" h="120000" extrusionOk="0">
-                <a:moveTo>
-                  <a:pt x="0" y="0"/>
-                </a:moveTo>
-                <a:lnTo>
-                  <a:pt x="120000" y="0"/>
-                </a:lnTo>
-                <a:lnTo>
-                  <a:pt x="120000" y="120000"/>
-                </a:lnTo>
-                <a:lnTo>
-                  <a:pt x="0" y="120000"/>
-                </a:lnTo>
-                <a:close/>
-              </a:path>
-            </a:pathLst>
-          </a:custGeom>
-          <a:noFill/>
-          <a:ln w="9525" cap="flat" cmpd="sng">
-            <a:solidFill>
-              <a:srgbClr val="000000"/>
-            </a:solidFill>
-            <a:prstDash val="solid"/>
-            <a:round/>
-            <a:headEnd type="none" w="sm" len="sm"/>
-            <a:tailEnd type="none" w="sm" len="sm"/>
-          </a:ln>
-        </p:spPr>
-      </p:sp>
-      <p:sp>
-        <p:nvSpPr>
-          <p:cNvPr id="276" name="Google Shape;276;g2e40055f527_1_0:notes"/>
+          <p:cNvPr id="290" name="Google Shape;290;g2dcea13964c_1_9:notes"/>
           <p:cNvSpPr txBox="1">
             <a:spLocks noGrp="1"/>
           </p:cNvSpPr>
@@ -2321,7 +2323,7 @@
   <p:cSld>
     <p:spTree>
       <p:nvGrpSpPr>
-        <p:cNvPr id="1" name="Shape 287"/>
+        <p:cNvPr id="1" name="Shape 295"/>
         <p:cNvGrpSpPr/>
         <p:nvPr/>
       </p:nvGrpSpPr>
@@ -2335,7 +2337,251 @@
       </p:grpSpPr>
       <p:sp>
         <p:nvSpPr>
-          <p:cNvPr id="288" name="Google Shape;288;p22:notes"/>
+          <p:cNvPr id="296" name="Google Shape;296;g2e40055f527_1_0:notes"/>
+          <p:cNvSpPr>
+            <a:spLocks noGrp="1" noRot="1" noChangeAspect="1"/>
+          </p:cNvSpPr>
+          <p:nvPr>
+            <p:ph type="sldImg" idx="2"/>
+          </p:nvPr>
+        </p:nvSpPr>
+        <p:spPr>
+          <a:xfrm>
+            <a:off x="381300" y="685800"/>
+            <a:ext cx="6096000" cy="3429000"/>
+          </a:xfrm>
+          <a:custGeom>
+            <a:avLst/>
+            <a:gdLst/>
+            <a:ahLst/>
+            <a:cxnLst/>
+            <a:rect l="l" t="t" r="r" b="b"/>
+            <a:pathLst>
+              <a:path w="120000" h="120000" extrusionOk="0">
+                <a:moveTo>
+                  <a:pt x="0" y="0"/>
+                </a:moveTo>
+                <a:lnTo>
+                  <a:pt x="120000" y="0"/>
+                </a:lnTo>
+                <a:lnTo>
+                  <a:pt x="120000" y="120000"/>
+                </a:lnTo>
+                <a:lnTo>
+                  <a:pt x="0" y="120000"/>
+                </a:lnTo>
+                <a:close/>
+              </a:path>
+            </a:pathLst>
+          </a:custGeom>
+          <a:noFill/>
+          <a:ln w="9525" cap="flat" cmpd="sng">
+            <a:solidFill>
+              <a:srgbClr val="000000"/>
+            </a:solidFill>
+            <a:prstDash val="solid"/>
+            <a:round/>
+            <a:headEnd type="none" w="sm" len="sm"/>
+            <a:tailEnd type="none" w="sm" len="sm"/>
+          </a:ln>
+        </p:spPr>
+      </p:sp>
+      <p:sp>
+        <p:nvSpPr>
+          <p:cNvPr id="297" name="Google Shape;297;g2e40055f527_1_0:notes"/>
+          <p:cNvSpPr txBox="1">
+            <a:spLocks noGrp="1"/>
+          </p:cNvSpPr>
+          <p:nvPr>
+            <p:ph type="body" idx="1"/>
+          </p:nvPr>
+        </p:nvSpPr>
+        <p:spPr>
+          <a:xfrm>
+            <a:off x="685800" y="4343400"/>
+            <a:ext cx="5486400" cy="4114800"/>
+          </a:xfrm>
+          <a:prstGeom prst="rect">
+            <a:avLst/>
+          </a:prstGeom>
+          <a:noFill/>
+          <a:ln>
+            <a:noFill/>
+          </a:ln>
+        </p:spPr>
+        <p:txBody>
+          <a:bodyPr spcFirstLastPara="1" wrap="square" lIns="91425" tIns="91425" rIns="91425" bIns="91425" anchor="t" anchorCtr="0">
+            <a:noAutofit/>
+          </a:bodyPr>
+          <a:lstStyle/>
+          <a:p>
+            <a:pPr marL="0" lvl="0" indent="0" algn="l" rtl="0">
+              <a:lnSpc>
+                <a:spcPct val="100000"/>
+              </a:lnSpc>
+              <a:spcBef>
+                <a:spcPts val="0"/>
+              </a:spcBef>
+              <a:spcAft>
+                <a:spcPts val="0"/>
+              </a:spcAft>
+              <a:buSzPts val="1100"/>
+              <a:buNone/>
+            </a:pPr>
+            <a:endParaRPr/>
+          </a:p>
+        </p:txBody>
+      </p:sp>
+    </p:spTree>
+  </p:cSld>
+  <p:clrMapOvr>
+    <a:masterClrMapping/>
+  </p:clrMapOvr>
+</p:notes>
+</file>
+
+<file path=ppt/notesSlides/notesSlide21.xml><?xml version="1.0" encoding="utf-8"?>
+<p:notes xmlns:a="http://schemas.openxmlformats.org/drawingml/2006/main" xmlns:r="http://schemas.openxmlformats.org/officeDocument/2006/relationships" xmlns:p="http://schemas.openxmlformats.org/presentationml/2006/main" showMasterSp="0" showMasterPhAnim="0">
+  <p:cSld>
+    <p:spTree>
+      <p:nvGrpSpPr>
+        <p:cNvPr id="1" name="Shape 308"/>
+        <p:cNvGrpSpPr/>
+        <p:nvPr/>
+      </p:nvGrpSpPr>
+      <p:grpSpPr>
+        <a:xfrm>
+          <a:off x="0" y="0"/>
+          <a:ext cx="0" cy="0"/>
+          <a:chOff x="0" y="0"/>
+          <a:chExt cx="0" cy="0"/>
+        </a:xfrm>
+      </p:grpSpPr>
+      <p:sp>
+        <p:nvSpPr>
+          <p:cNvPr id="309" name="Google Shape;309;g344662d92fa_2_0:notes"/>
+          <p:cNvSpPr>
+            <a:spLocks noGrp="1" noRot="1" noChangeAspect="1"/>
+          </p:cNvSpPr>
+          <p:nvPr>
+            <p:ph type="sldImg" idx="2"/>
+          </p:nvPr>
+        </p:nvSpPr>
+        <p:spPr>
+          <a:xfrm>
+            <a:off x="381300" y="685800"/>
+            <a:ext cx="6096000" cy="3429000"/>
+          </a:xfrm>
+          <a:custGeom>
+            <a:avLst/>
+            <a:gdLst/>
+            <a:ahLst/>
+            <a:cxnLst/>
+            <a:rect l="l" t="t" r="r" b="b"/>
+            <a:pathLst>
+              <a:path w="120000" h="120000" extrusionOk="0">
+                <a:moveTo>
+                  <a:pt x="0" y="0"/>
+                </a:moveTo>
+                <a:lnTo>
+                  <a:pt x="120000" y="0"/>
+                </a:lnTo>
+                <a:lnTo>
+                  <a:pt x="120000" y="120000"/>
+                </a:lnTo>
+                <a:lnTo>
+                  <a:pt x="0" y="120000"/>
+                </a:lnTo>
+                <a:close/>
+              </a:path>
+            </a:pathLst>
+          </a:custGeom>
+          <a:noFill/>
+          <a:ln w="9525" cap="flat" cmpd="sng">
+            <a:solidFill>
+              <a:srgbClr val="000000"/>
+            </a:solidFill>
+            <a:prstDash val="solid"/>
+            <a:round/>
+            <a:headEnd type="none" w="sm" len="sm"/>
+            <a:tailEnd type="none" w="sm" len="sm"/>
+          </a:ln>
+        </p:spPr>
+      </p:sp>
+      <p:sp>
+        <p:nvSpPr>
+          <p:cNvPr id="310" name="Google Shape;310;g344662d92fa_2_0:notes"/>
+          <p:cNvSpPr txBox="1">
+            <a:spLocks noGrp="1"/>
+          </p:cNvSpPr>
+          <p:nvPr>
+            <p:ph type="body" idx="1"/>
+          </p:nvPr>
+        </p:nvSpPr>
+        <p:spPr>
+          <a:xfrm>
+            <a:off x="685800" y="4343400"/>
+            <a:ext cx="5486400" cy="4114800"/>
+          </a:xfrm>
+          <a:prstGeom prst="rect">
+            <a:avLst/>
+          </a:prstGeom>
+          <a:noFill/>
+          <a:ln>
+            <a:noFill/>
+          </a:ln>
+        </p:spPr>
+        <p:txBody>
+          <a:bodyPr spcFirstLastPara="1" wrap="square" lIns="91425" tIns="91425" rIns="91425" bIns="91425" anchor="t" anchorCtr="0">
+            <a:noAutofit/>
+          </a:bodyPr>
+          <a:lstStyle/>
+          <a:p>
+            <a:pPr marL="0" lvl="0" indent="0" algn="l" rtl="0">
+              <a:lnSpc>
+                <a:spcPct val="100000"/>
+              </a:lnSpc>
+              <a:spcBef>
+                <a:spcPts val="0"/>
+              </a:spcBef>
+              <a:spcAft>
+                <a:spcPts val="0"/>
+              </a:spcAft>
+              <a:buSzPts val="1100"/>
+              <a:buNone/>
+            </a:pPr>
+            <a:endParaRPr/>
+          </a:p>
+        </p:txBody>
+      </p:sp>
+    </p:spTree>
+  </p:cSld>
+  <p:clrMapOvr>
+    <a:masterClrMapping/>
+  </p:clrMapOvr>
+</p:notes>
+</file>
+
+<file path=ppt/notesSlides/notesSlide22.xml><?xml version="1.0" encoding="utf-8"?>
+<p:notes xmlns:a="http://schemas.openxmlformats.org/drawingml/2006/main" xmlns:r="http://schemas.openxmlformats.org/officeDocument/2006/relationships" xmlns:p="http://schemas.openxmlformats.org/presentationml/2006/main" showMasterSp="0" showMasterPhAnim="0">
+  <p:cSld>
+    <p:spTree>
+      <p:nvGrpSpPr>
+        <p:cNvPr id="1" name="Shape 317"/>
+        <p:cNvGrpSpPr/>
+        <p:nvPr/>
+      </p:nvGrpSpPr>
+      <p:grpSpPr>
+        <a:xfrm>
+          <a:off x="0" y="0"/>
+          <a:ext cx="0" cy="0"/>
+          <a:chOff x="0" y="0"/>
+          <a:chExt cx="0" cy="0"/>
+        </a:xfrm>
+      </p:grpSpPr>
+      <p:sp>
+        <p:nvSpPr>
+          <p:cNvPr id="318" name="Google Shape;318;p22:notes"/>
           <p:cNvSpPr>
             <a:spLocks noGrp="1" noRot="1" noChangeAspect="1"/>
           </p:cNvSpPr>
@@ -2386,7 +2632,7 @@
       </p:sp>
       <p:sp>
         <p:nvSpPr>
-          <p:cNvPr id="289" name="Google Shape;289;p22:notes"/>
+          <p:cNvPr id="319" name="Google Shape;319;p22:notes"/>
           <p:cNvSpPr txBox="1">
             <a:spLocks noGrp="1"/>
           </p:cNvSpPr>
@@ -2438,12 +2684,12 @@
 </p:notes>
 </file>
 
-<file path=ppt/notesSlides/notesSlide21.xml><?xml version="1.0" encoding="utf-8"?>
+<file path=ppt/notesSlides/notesSlide23.xml><?xml version="1.0" encoding="utf-8"?>
 <p:notes xmlns:a="http://schemas.openxmlformats.org/drawingml/2006/main" xmlns:r="http://schemas.openxmlformats.org/officeDocument/2006/relationships" xmlns:p="http://schemas.openxmlformats.org/presentationml/2006/main" showMasterSp="0" showMasterPhAnim="0">
   <p:cSld>
     <p:spTree>
       <p:nvGrpSpPr>
-        <p:cNvPr id="1" name="Shape 297"/>
+        <p:cNvPr id="1" name="Shape 327"/>
         <p:cNvGrpSpPr/>
         <p:nvPr/>
       </p:nvGrpSpPr>
@@ -2457,7 +2703,7 @@
       </p:grpSpPr>
       <p:sp>
         <p:nvSpPr>
-          <p:cNvPr id="298" name="Google Shape;298;p23:notes"/>
+          <p:cNvPr id="328" name="Google Shape;328;p23:notes"/>
           <p:cNvSpPr>
             <a:spLocks noGrp="1" noRot="1" noChangeAspect="1"/>
           </p:cNvSpPr>
@@ -2508,7 +2754,7 @@
       </p:sp>
       <p:sp>
         <p:nvSpPr>
-          <p:cNvPr id="299" name="Google Shape;299;p23:notes"/>
+          <p:cNvPr id="329" name="Google Shape;329;p23:notes"/>
           <p:cNvSpPr txBox="1">
             <a:spLocks noGrp="1"/>
           </p:cNvSpPr>
@@ -3175,7 +3421,7 @@
   <p:cSld>
     <p:spTree>
       <p:nvGrpSpPr>
-        <p:cNvPr id="1" name="Shape 129"/>
+        <p:cNvPr id="1" name="Shape 136"/>
         <p:cNvGrpSpPr/>
         <p:nvPr/>
       </p:nvGrpSpPr>
@@ -3189,7 +3435,7 @@
       </p:grpSpPr>
       <p:sp>
         <p:nvSpPr>
-          <p:cNvPr id="130" name="Google Shape;130;g344378d0f6d_2_0:notes"/>
+          <p:cNvPr id="137" name="Google Shape;137;g3445fd681c6_2_0:notes"/>
           <p:cNvSpPr>
             <a:spLocks noGrp="1" noRot="1" noChangeAspect="1"/>
           </p:cNvSpPr>
@@ -3240,7 +3486,7 @@
       </p:sp>
       <p:sp>
         <p:nvSpPr>
-          <p:cNvPr id="131" name="Google Shape;131;g344378d0f6d_2_0:notes"/>
+          <p:cNvPr id="138" name="Google Shape;138;g3445fd681c6_2_0:notes"/>
           <p:cNvSpPr txBox="1">
             <a:spLocks noGrp="1"/>
           </p:cNvSpPr>
@@ -3297,7 +3543,7 @@
   <p:cSld>
     <p:spTree>
       <p:nvGrpSpPr>
-        <p:cNvPr id="1" name="Shape 138"/>
+        <p:cNvPr id="1" name="Shape 145"/>
         <p:cNvGrpSpPr/>
         <p:nvPr/>
       </p:nvGrpSpPr>
@@ -3311,7 +3557,7 @@
       </p:grpSpPr>
       <p:sp>
         <p:nvSpPr>
-          <p:cNvPr id="139" name="Google Shape;139;g3445d801aff_1_15:notes"/>
+          <p:cNvPr id="146" name="Google Shape;146;g344378d0f6d_2_0:notes"/>
           <p:cNvSpPr>
             <a:spLocks noGrp="1" noRot="1" noChangeAspect="1"/>
           </p:cNvSpPr>
@@ -3362,7 +3608,7 @@
       </p:sp>
       <p:sp>
         <p:nvSpPr>
-          <p:cNvPr id="140" name="Google Shape;140;g3445d801aff_1_15:notes"/>
+          <p:cNvPr id="147" name="Google Shape;147;g344378d0f6d_2_0:notes"/>
           <p:cNvSpPr txBox="1">
             <a:spLocks noGrp="1"/>
           </p:cNvSpPr>
@@ -12685,8 +12931,8 @@
         </p:nvSpPr>
         <p:spPr>
           <a:xfrm>
-            <a:off x="78651" y="1353863"/>
-            <a:ext cx="4420200" cy="1496100"/>
+            <a:off x="78651" y="966788"/>
+            <a:ext cx="4420200" cy="1634700"/>
           </a:xfrm>
           <a:prstGeom prst="rect">
             <a:avLst/>
@@ -12710,7 +12956,7 @@
           </a:bodyPr>
           <a:lstStyle/>
           <a:p>
-            <a:pPr marL="228600" lvl="0" indent="-215900" algn="l" rtl="0">
+            <a:pPr marL="228600" lvl="0" indent="-209550" algn="l" rtl="0">
               <a:spcBef>
                 <a:spcPts val="0"/>
               </a:spcBef>
@@ -12720,12 +12966,12 @@
               <a:buClr>
                 <a:srgbClr val="3C78D8"/>
               </a:buClr>
-              <a:buSzPts val="1600"/>
+              <a:buSzPts val="1500"/>
               <a:buFont typeface="Calibri"/>
               <a:buChar char="●"/>
             </a:pPr>
             <a:r>
-              <a:rPr lang="en" sz="1600" b="1">
+              <a:rPr lang="en" sz="1500" b="1">
                 <a:solidFill>
                   <a:srgbClr val="3C78D8"/>
                 </a:solidFill>
@@ -12736,7 +12982,7 @@
               </a:rPr>
               <a:t>Manus AI - 2 models, 29 tools</a:t>
             </a:r>
-            <a:endParaRPr sz="1600" b="1">
+            <a:endParaRPr sz="1500" b="1">
               <a:solidFill>
                 <a:srgbClr val="3C78D8"/>
               </a:solidFill>
@@ -12747,7 +12993,7 @@
             </a:endParaRPr>
           </a:p>
           <a:p>
-            <a:pPr marL="228600" lvl="0" indent="-215900" algn="l" rtl="0">
+            <a:pPr marL="228600" lvl="0" indent="-209550" algn="l" rtl="0">
               <a:spcBef>
                 <a:spcPts val="0"/>
               </a:spcBef>
@@ -12757,12 +13003,12 @@
               <a:buClr>
                 <a:srgbClr val="3C78D8"/>
               </a:buClr>
-              <a:buSzPts val="1600"/>
+              <a:buSzPts val="1500"/>
               <a:buFont typeface="Calibri"/>
               <a:buChar char="●"/>
             </a:pPr>
             <a:r>
-              <a:rPr lang="en" sz="1600" b="1">
+              <a:rPr lang="en" sz="1500" b="1">
                 <a:solidFill>
                   <a:srgbClr val="3C78D8"/>
                 </a:solidFill>
@@ -12773,7 +13019,7 @@
               </a:rPr>
               <a:t>Open Manus</a:t>
             </a:r>
-            <a:endParaRPr sz="1600" b="1">
+            <a:endParaRPr sz="1500" b="1">
               <a:solidFill>
                 <a:srgbClr val="3C78D8"/>
               </a:solidFill>
@@ -12784,7 +13030,7 @@
             </a:endParaRPr>
           </a:p>
           <a:p>
-            <a:pPr marL="228600" lvl="0" indent="-215900" algn="l" rtl="0">
+            <a:pPr marL="228600" lvl="0" indent="-209550" algn="l" rtl="0">
               <a:spcBef>
                 <a:spcPts val="0"/>
               </a:spcBef>
@@ -12794,12 +13040,12 @@
               <a:buClr>
                 <a:srgbClr val="3C78D8"/>
               </a:buClr>
-              <a:buSzPts val="1600"/>
+              <a:buSzPts val="1500"/>
               <a:buFont typeface="Calibri"/>
               <a:buChar char="●"/>
             </a:pPr>
             <a:r>
-              <a:rPr lang="en" sz="1600" b="1">
+              <a:rPr lang="en" sz="1500" b="1">
                 <a:solidFill>
                   <a:srgbClr val="3C78D8"/>
                 </a:solidFill>
@@ -12810,7 +13056,7 @@
               </a:rPr>
               <a:t>Baidu's ERNIE X1 &amp; 4.5 - powerful and cheap</a:t>
             </a:r>
-            <a:endParaRPr sz="1600" b="1">
+            <a:endParaRPr sz="1500" b="1">
               <a:solidFill>
                 <a:srgbClr val="3C78D8"/>
               </a:solidFill>
@@ -12821,7 +13067,7 @@
             </a:endParaRPr>
           </a:p>
           <a:p>
-            <a:pPr marL="228600" lvl="0" indent="-215900" algn="l" rtl="0">
+            <a:pPr marL="228600" lvl="0" indent="-209550" algn="l" rtl="0">
               <a:spcBef>
                 <a:spcPts val="0"/>
               </a:spcBef>
@@ -12831,12 +13077,12 @@
               <a:buClr>
                 <a:srgbClr val="3C78D8"/>
               </a:buClr>
-              <a:buSzPts val="1600"/>
+              <a:buSzPts val="1500"/>
               <a:buFont typeface="Calibri"/>
               <a:buChar char="●"/>
             </a:pPr>
             <a:r>
-              <a:rPr lang="en" sz="1600" b="1">
+              <a:rPr lang="en" sz="1500" b="1">
                 <a:solidFill>
                   <a:srgbClr val="3C78D8"/>
                 </a:solidFill>
@@ -12847,7 +13093,7 @@
               </a:rPr>
               <a:t>Nvidia GTC (GPU Tech Conference)</a:t>
             </a:r>
-            <a:endParaRPr sz="1600" b="1">
+            <a:endParaRPr sz="1500" b="1">
               <a:solidFill>
                 <a:srgbClr val="3C78D8"/>
               </a:solidFill>
@@ -12858,7 +13104,7 @@
             </a:endParaRPr>
           </a:p>
           <a:p>
-            <a:pPr marL="228600" lvl="0" indent="-215900" algn="l" rtl="0">
+            <a:pPr marL="228600" lvl="0" indent="-209550" algn="l" rtl="0">
               <a:spcBef>
                 <a:spcPts val="0"/>
               </a:spcBef>
@@ -12868,12 +13114,12 @@
               <a:buClr>
                 <a:srgbClr val="3C78D8"/>
               </a:buClr>
-              <a:buSzPts val="1600"/>
+              <a:buSzPts val="1500"/>
               <a:buFont typeface="Calibri"/>
               <a:buChar char="●"/>
             </a:pPr>
             <a:r>
-              <a:rPr lang="en" sz="1600" b="1">
+              <a:rPr lang="en" sz="1500" b="1">
                 <a:solidFill>
                   <a:srgbClr val="3C78D8"/>
                 </a:solidFill>
@@ -12884,7 +13130,7 @@
               </a:rPr>
               <a:t>PC Agent</a:t>
             </a:r>
-            <a:endParaRPr sz="1600" b="1">
+            <a:endParaRPr sz="1500" b="1">
               <a:solidFill>
                 <a:srgbClr val="3C78D8"/>
               </a:solidFill>
@@ -12895,7 +13141,7 @@
             </a:endParaRPr>
           </a:p>
           <a:p>
-            <a:pPr marL="228600" lvl="0" indent="-215900" algn="l" rtl="0">
+            <a:pPr marL="228600" lvl="0" indent="-209550" algn="l" rtl="0">
               <a:spcBef>
                 <a:spcPts val="0"/>
               </a:spcBef>
@@ -12905,12 +13151,12 @@
               <a:buClr>
                 <a:srgbClr val="3C78D8"/>
               </a:buClr>
-              <a:buSzPts val="1600"/>
+              <a:buSzPts val="1500"/>
               <a:buFont typeface="Calibri"/>
               <a:buChar char="●"/>
             </a:pPr>
             <a:r>
-              <a:rPr lang="en" sz="1600" b="1">
+              <a:rPr lang="en" sz="1500" b="1">
                 <a:solidFill>
                   <a:srgbClr val="3C78D8"/>
                 </a:solidFill>
@@ -12921,7 +13167,44 @@
               </a:rPr>
               <a:t>Mistral Small 3.1</a:t>
             </a:r>
-            <a:endParaRPr sz="1600" b="1">
+            <a:endParaRPr sz="1500" b="1">
+              <a:solidFill>
+                <a:srgbClr val="3C78D8"/>
+              </a:solidFill>
+              <a:latin typeface="Calibri"/>
+              <a:ea typeface="Calibri"/>
+              <a:cs typeface="Calibri"/>
+              <a:sym typeface="Calibri"/>
+            </a:endParaRPr>
+          </a:p>
+          <a:p>
+            <a:pPr marL="228600" lvl="0" indent="-209550" algn="l" rtl="0">
+              <a:spcBef>
+                <a:spcPts val="0"/>
+              </a:spcBef>
+              <a:spcAft>
+                <a:spcPts val="0"/>
+              </a:spcAft>
+              <a:buClr>
+                <a:srgbClr val="3C78D8"/>
+              </a:buClr>
+              <a:buSzPts val="1500"/>
+              <a:buFont typeface="Calibri"/>
+              <a:buChar char="●"/>
+            </a:pPr>
+            <a:r>
+              <a:rPr lang="en" sz="1500" b="1">
+                <a:solidFill>
+                  <a:srgbClr val="3C78D8"/>
+                </a:solidFill>
+                <a:latin typeface="Calibri"/>
+                <a:ea typeface="Calibri"/>
+                <a:cs typeface="Calibri"/>
+                <a:sym typeface="Calibri"/>
+              </a:rPr>
+              <a:t>Anthropic Claude can now search the web</a:t>
+            </a:r>
+            <a:endParaRPr sz="1500" b="1">
               <a:solidFill>
                 <a:srgbClr val="3C78D8"/>
               </a:solidFill>
@@ -12941,7 +13224,7 @@
         </p:nvSpPr>
         <p:spPr>
           <a:xfrm>
-            <a:off x="1056500" y="205250"/>
+            <a:off x="1056500" y="52850"/>
             <a:ext cx="2464500" cy="880500"/>
           </a:xfrm>
           <a:prstGeom prst="rect">
@@ -13071,8 +13354,8 @@
         </p:nvSpPr>
         <p:spPr>
           <a:xfrm>
-            <a:off x="4659176" y="4148097"/>
-            <a:ext cx="4420200" cy="757200"/>
+            <a:off x="4659176" y="4605297"/>
+            <a:ext cx="4420200" cy="480300"/>
           </a:xfrm>
           <a:prstGeom prst="rect">
             <a:avLst/>
@@ -13096,7 +13379,7 @@
           </a:bodyPr>
           <a:lstStyle/>
           <a:p>
-            <a:pPr marL="228600" lvl="0" indent="-215900" algn="l" rtl="0">
+            <a:pPr marL="228600" lvl="0" indent="-209550" algn="l" rtl="0">
               <a:spcBef>
                 <a:spcPts val="0"/>
               </a:spcBef>
@@ -13106,12 +13389,12 @@
               <a:buClr>
                 <a:srgbClr val="3C78D8"/>
               </a:buClr>
-              <a:buSzPts val="1600"/>
+              <a:buSzPts val="1500"/>
               <a:buFont typeface="Calibri"/>
               <a:buChar char="●"/>
             </a:pPr>
             <a:r>
-              <a:rPr lang="en" sz="1600" b="1">
+              <a:rPr lang="en" sz="1500" b="1">
                 <a:solidFill>
                   <a:srgbClr val="3C78D8"/>
                 </a:solidFill>
@@ -13122,7 +13405,7 @@
               </a:rPr>
               <a:t>Crowd-sourced "Arena" Leaderboard</a:t>
             </a:r>
-            <a:endParaRPr sz="1600" b="1">
+            <a:endParaRPr sz="1500" b="1">
               <a:solidFill>
                 <a:srgbClr val="3C78D8"/>
               </a:solidFill>
@@ -13133,7 +13416,7 @@
             </a:endParaRPr>
           </a:p>
           <a:p>
-            <a:pPr marL="228600" lvl="0" indent="-215900" algn="l" rtl="0">
+            <a:pPr marL="228600" lvl="0" indent="-209550" algn="l" rtl="0">
               <a:spcBef>
                 <a:spcPts val="0"/>
               </a:spcBef>
@@ -13143,12 +13426,12 @@
               <a:buClr>
                 <a:srgbClr val="3C78D8"/>
               </a:buClr>
-              <a:buSzPts val="1600"/>
+              <a:buSzPts val="1500"/>
               <a:buFont typeface="Calibri"/>
               <a:buChar char="●"/>
             </a:pPr>
             <a:r>
-              <a:rPr lang="en" sz="1600" b="1">
+              <a:rPr lang="en" sz="1500" b="1">
                 <a:solidFill>
                   <a:srgbClr val="3C78D8"/>
                 </a:solidFill>
@@ -13157,46 +13440,9 @@
                 <a:cs typeface="Calibri"/>
                 <a:sym typeface="Calibri"/>
               </a:rPr>
-              <a:t>WebDev Arena Leaderboard</a:t>
-            </a:r>
-            <a:endParaRPr sz="1600" b="1">
-              <a:solidFill>
-                <a:srgbClr val="3C78D8"/>
-              </a:solidFill>
-              <a:latin typeface="Calibri"/>
-              <a:ea typeface="Calibri"/>
-              <a:cs typeface="Calibri"/>
-              <a:sym typeface="Calibri"/>
-            </a:endParaRPr>
-          </a:p>
-          <a:p>
-            <a:pPr marL="228600" lvl="0" indent="-215900" algn="l" rtl="0">
-              <a:spcBef>
-                <a:spcPts val="0"/>
-              </a:spcBef>
-              <a:spcAft>
-                <a:spcPts val="0"/>
-              </a:spcAft>
-              <a:buClr>
-                <a:srgbClr val="3C78D8"/>
-              </a:buClr>
-              <a:buSzPts val="1600"/>
-              <a:buFont typeface="Calibri"/>
-              <a:buChar char="●"/>
-            </a:pPr>
-            <a:r>
-              <a:rPr lang="en" sz="1600" b="1">
-                <a:solidFill>
-                  <a:srgbClr val="3C78D8"/>
-                </a:solidFill>
-                <a:latin typeface="Calibri"/>
-                <a:ea typeface="Calibri"/>
-                <a:cs typeface="Calibri"/>
-                <a:sym typeface="Calibri"/>
-              </a:rPr>
               <a:t>Jobs</a:t>
             </a:r>
-            <a:endParaRPr sz="1600" b="1">
+            <a:endParaRPr sz="1500" b="1">
               <a:solidFill>
                 <a:srgbClr val="3C78D8"/>
               </a:solidFill>
@@ -13216,8 +13462,8 @@
         </p:nvSpPr>
         <p:spPr>
           <a:xfrm>
-            <a:off x="78651" y="3162501"/>
-            <a:ext cx="4420200" cy="1742400"/>
+            <a:off x="78651" y="2665120"/>
+            <a:ext cx="4420200" cy="2327400"/>
           </a:xfrm>
           <a:prstGeom prst="rect">
             <a:avLst/>
@@ -13241,7 +13487,7 @@
           </a:bodyPr>
           <a:lstStyle/>
           <a:p>
-            <a:pPr marL="228600" lvl="0" indent="-215900" algn="l" rtl="0">
+            <a:pPr marL="228600" lvl="0" indent="-209550" algn="l" rtl="0">
               <a:spcBef>
                 <a:spcPts val="0"/>
               </a:spcBef>
@@ -13251,12 +13497,12 @@
               <a:buClr>
                 <a:srgbClr val="3C78D8"/>
               </a:buClr>
-              <a:buSzPts val="1600"/>
+              <a:buSzPts val="1500"/>
               <a:buFont typeface="Calibri"/>
               <a:buChar char="●"/>
             </a:pPr>
             <a:r>
-              <a:rPr lang="en" sz="1600" b="1">
+              <a:rPr lang="en" sz="1500" b="1">
                 <a:solidFill>
                   <a:srgbClr val="3C78D8"/>
                 </a:solidFill>
@@ -13267,7 +13513,7 @@
               </a:rPr>
               <a:t>autoMate - AI-Powered Local Automation</a:t>
             </a:r>
-            <a:endParaRPr sz="1600" b="1">
+            <a:endParaRPr sz="1500" b="1">
               <a:solidFill>
                 <a:srgbClr val="3C78D8"/>
               </a:solidFill>
@@ -13278,7 +13524,7 @@
             </a:endParaRPr>
           </a:p>
           <a:p>
-            <a:pPr marL="228600" lvl="0" indent="-215900" algn="l" rtl="0">
+            <a:pPr marL="228600" lvl="0" indent="-209550" algn="l" rtl="0">
               <a:spcBef>
                 <a:spcPts val="0"/>
               </a:spcBef>
@@ -13288,12 +13534,12 @@
               <a:buClr>
                 <a:srgbClr val="3C78D8"/>
               </a:buClr>
-              <a:buSzPts val="1600"/>
+              <a:buSzPts val="1500"/>
               <a:buFont typeface="Calibri"/>
               <a:buChar char="●"/>
             </a:pPr>
             <a:r>
-              <a:rPr lang="en" sz="1600" b="1">
+              <a:rPr lang="en" sz="1500" b="1">
                 <a:solidFill>
                   <a:srgbClr val="3C78D8"/>
                 </a:solidFill>
@@ -13304,7 +13550,7 @@
               </a:rPr>
               <a:t>Chitu - open-source fast LLM inference</a:t>
             </a:r>
-            <a:endParaRPr sz="1600" b="1">
+            <a:endParaRPr sz="1500" b="1">
               <a:solidFill>
                 <a:srgbClr val="3C78D8"/>
               </a:solidFill>
@@ -13315,7 +13561,7 @@
             </a:endParaRPr>
           </a:p>
           <a:p>
-            <a:pPr marL="228600" lvl="0" indent="-215900" algn="l" rtl="0">
+            <a:pPr marL="228600" lvl="0" indent="-209550" algn="l" rtl="0">
               <a:spcBef>
                 <a:spcPts val="0"/>
               </a:spcBef>
@@ -13325,12 +13571,12 @@
               <a:buClr>
                 <a:srgbClr val="3C78D8"/>
               </a:buClr>
-              <a:buSzPts val="1600"/>
+              <a:buSzPts val="1500"/>
               <a:buFont typeface="Calibri"/>
               <a:buChar char="●"/>
             </a:pPr>
             <a:r>
-              <a:rPr lang="en" sz="1600" b="1">
+              <a:rPr lang="en" sz="1500" b="1">
                 <a:solidFill>
                   <a:srgbClr val="3C78D8"/>
                 </a:solidFill>
@@ -13341,7 +13587,7 @@
               </a:rPr>
               <a:t>OpenAI o1-pro - expensive</a:t>
             </a:r>
-            <a:endParaRPr sz="1600" b="1">
+            <a:endParaRPr sz="1500" b="1">
               <a:solidFill>
                 <a:srgbClr val="3C78D8"/>
               </a:solidFill>
@@ -13352,7 +13598,7 @@
             </a:endParaRPr>
           </a:p>
           <a:p>
-            <a:pPr marL="228600" lvl="0" indent="-215900" algn="l" rtl="0">
+            <a:pPr marL="228600" lvl="0" indent="-209550" algn="l" rtl="0">
               <a:spcBef>
                 <a:spcPts val="0"/>
               </a:spcBef>
@@ -13362,12 +13608,12 @@
               <a:buClr>
                 <a:srgbClr val="3C78D8"/>
               </a:buClr>
-              <a:buSzPts val="1600"/>
+              <a:buSzPts val="1500"/>
               <a:buFont typeface="Calibri"/>
               <a:buChar char="●"/>
             </a:pPr>
             <a:r>
-              <a:rPr lang="en" sz="1600" b="1">
+              <a:rPr lang="en" sz="1500" b="1">
                 <a:solidFill>
                   <a:srgbClr val="3C78D8"/>
                 </a:solidFill>
@@ -13376,9 +13622,9 @@
                 <a:cs typeface="Calibri"/>
                 <a:sym typeface="Calibri"/>
               </a:rPr>
-              <a:t>QwenLM/QwQ - now open source</a:t>
-            </a:r>
-            <a:endParaRPr sz="1600" b="1">
+              <a:t>OpenAI AI Audio models</a:t>
+            </a:r>
+            <a:endParaRPr sz="1500" b="1">
               <a:solidFill>
                 <a:srgbClr val="3C78D8"/>
               </a:solidFill>
@@ -13389,7 +13635,7 @@
             </a:endParaRPr>
           </a:p>
           <a:p>
-            <a:pPr marL="228600" lvl="0" indent="-215900" algn="l" rtl="0">
+            <a:pPr marL="228600" lvl="0" indent="-209550" algn="l" rtl="0">
               <a:spcBef>
                 <a:spcPts val="0"/>
               </a:spcBef>
@@ -13399,12 +13645,12 @@
               <a:buClr>
                 <a:srgbClr val="3C78D8"/>
               </a:buClr>
-              <a:buSzPts val="1600"/>
+              <a:buSzPts val="1500"/>
               <a:buFont typeface="Calibri"/>
               <a:buChar char="●"/>
             </a:pPr>
             <a:r>
-              <a:rPr lang="en" sz="1600" b="1">
+              <a:rPr lang="en" sz="1500" b="1">
                 <a:solidFill>
                   <a:srgbClr val="3C78D8"/>
                 </a:solidFill>
@@ -13413,9 +13659,9 @@
                 <a:cs typeface="Calibri"/>
                 <a:sym typeface="Calibri"/>
               </a:rPr>
-              <a:t>alphaXiv - Discover, Discuss, Read arXiv papers</a:t>
-            </a:r>
-            <a:endParaRPr sz="1600" b="1">
+              <a:t>Llama - more than 1 Billion downloads</a:t>
+            </a:r>
+            <a:endParaRPr sz="1500" b="1">
               <a:solidFill>
                 <a:srgbClr val="3C78D8"/>
               </a:solidFill>
@@ -13426,7 +13672,7 @@
             </a:endParaRPr>
           </a:p>
           <a:p>
-            <a:pPr marL="228600" lvl="0" indent="-215900" algn="l" rtl="0">
+            <a:pPr marL="228600" lvl="0" indent="-209550" algn="l" rtl="0">
               <a:spcBef>
                 <a:spcPts val="0"/>
               </a:spcBef>
@@ -13436,12 +13682,12 @@
               <a:buClr>
                 <a:srgbClr val="3C78D8"/>
               </a:buClr>
-              <a:buSzPts val="1600"/>
+              <a:buSzPts val="1500"/>
               <a:buFont typeface="Calibri"/>
               <a:buChar char="●"/>
             </a:pPr>
             <a:r>
-              <a:rPr lang="en" sz="1600" b="1">
+              <a:rPr lang="en" sz="1500" b="1">
                 <a:solidFill>
                   <a:srgbClr val="3C78D8"/>
                 </a:solidFill>
@@ -13450,9 +13696,9 @@
                 <a:cs typeface="Calibri"/>
                 <a:sym typeface="Calibri"/>
               </a:rPr>
-              <a:t>R1-Searcher &amp; Search-R1</a:t>
-            </a:r>
-            <a:endParaRPr sz="1600" b="1">
+              <a:t>Google has bought Wiz for $32 Billion</a:t>
+            </a:r>
+            <a:endParaRPr sz="1500" b="1">
               <a:solidFill>
                 <a:srgbClr val="3C78D8"/>
               </a:solidFill>
@@ -13463,7 +13709,7 @@
             </a:endParaRPr>
           </a:p>
           <a:p>
-            <a:pPr marL="228600" lvl="0" indent="-215900" algn="l" rtl="0">
+            <a:pPr marL="228600" lvl="0" indent="-209550" algn="l" rtl="0">
               <a:spcBef>
                 <a:spcPts val="0"/>
               </a:spcBef>
@@ -13473,12 +13719,12 @@
               <a:buClr>
                 <a:srgbClr val="3C78D8"/>
               </a:buClr>
-              <a:buSzPts val="1600"/>
+              <a:buSzPts val="1500"/>
               <a:buFont typeface="Calibri"/>
               <a:buChar char="●"/>
             </a:pPr>
             <a:r>
-              <a:rPr lang="en" sz="1600" b="1">
+              <a:rPr lang="en" sz="1500" b="1">
                 <a:solidFill>
                   <a:srgbClr val="3C78D8"/>
                 </a:solidFill>
@@ -13487,9 +13733,120 @@
                 <a:cs typeface="Calibri"/>
                 <a:sym typeface="Calibri"/>
               </a:rPr>
-              <a:t>Cohere's Command A</a:t>
-            </a:r>
-            <a:endParaRPr sz="1600" b="1">
+              <a:t>Qodo (aka Codium) != Codeium</a:t>
+            </a:r>
+            <a:endParaRPr sz="1500" b="1">
+              <a:solidFill>
+                <a:srgbClr val="3C78D8"/>
+              </a:solidFill>
+              <a:latin typeface="Calibri"/>
+              <a:ea typeface="Calibri"/>
+              <a:cs typeface="Calibri"/>
+              <a:sym typeface="Calibri"/>
+            </a:endParaRPr>
+          </a:p>
+          <a:p>
+            <a:pPr marL="228600" lvl="0" indent="-209550" algn="l" rtl="0">
+              <a:spcBef>
+                <a:spcPts val="0"/>
+              </a:spcBef>
+              <a:spcAft>
+                <a:spcPts val="0"/>
+              </a:spcAft>
+              <a:buClr>
+                <a:srgbClr val="3C78D8"/>
+              </a:buClr>
+              <a:buSzPts val="1500"/>
+              <a:buFont typeface="Calibri"/>
+              <a:buChar char="●"/>
+            </a:pPr>
+            <a:r>
+              <a:rPr lang="en" sz="1500" b="1">
+                <a:solidFill>
+                  <a:srgbClr val="3C78D8"/>
+                </a:solidFill>
+                <a:latin typeface="Calibri"/>
+                <a:ea typeface="Calibri"/>
+                <a:cs typeface="Calibri"/>
+                <a:sym typeface="Calibri"/>
+              </a:rPr>
+              <a:t>QwenLM/QwQ - now open source</a:t>
+            </a:r>
+            <a:endParaRPr sz="1500" b="1">
+              <a:solidFill>
+                <a:srgbClr val="3C78D8"/>
+              </a:solidFill>
+              <a:latin typeface="Calibri"/>
+              <a:ea typeface="Calibri"/>
+              <a:cs typeface="Calibri"/>
+              <a:sym typeface="Calibri"/>
+            </a:endParaRPr>
+          </a:p>
+          <a:p>
+            <a:pPr marL="228600" lvl="0" indent="-209550" algn="l" rtl="0">
+              <a:spcBef>
+                <a:spcPts val="0"/>
+              </a:spcBef>
+              <a:spcAft>
+                <a:spcPts val="0"/>
+              </a:spcAft>
+              <a:buClr>
+                <a:srgbClr val="3C78D8"/>
+              </a:buClr>
+              <a:buSzPts val="1500"/>
+              <a:buFont typeface="Calibri"/>
+              <a:buChar char="●"/>
+            </a:pPr>
+            <a:r>
+              <a:rPr lang="en" sz="1500" b="1">
+                <a:solidFill>
+                  <a:srgbClr val="3C78D8"/>
+                </a:solidFill>
+                <a:latin typeface="Calibri"/>
+                <a:ea typeface="Calibri"/>
+                <a:cs typeface="Calibri"/>
+                <a:sym typeface="Calibri"/>
+              </a:rPr>
+              <a:t>alphaXiv - Discover, Discuss, Read arXiv papers</a:t>
+            </a:r>
+            <a:endParaRPr sz="1500" b="1">
+              <a:solidFill>
+                <a:srgbClr val="3C78D8"/>
+              </a:solidFill>
+              <a:latin typeface="Calibri"/>
+              <a:ea typeface="Calibri"/>
+              <a:cs typeface="Calibri"/>
+              <a:sym typeface="Calibri"/>
+            </a:endParaRPr>
+          </a:p>
+          <a:p>
+            <a:pPr marL="228600" lvl="0" indent="-209550" algn="l" rtl="0">
+              <a:spcBef>
+                <a:spcPts val="0"/>
+              </a:spcBef>
+              <a:spcAft>
+                <a:spcPts val="0"/>
+              </a:spcAft>
+              <a:buClr>
+                <a:srgbClr val="3C78D8"/>
+              </a:buClr>
+              <a:buSzPts val="1500"/>
+              <a:buFont typeface="Calibri"/>
+              <a:buChar char="●"/>
+            </a:pPr>
+            <a:r>
+              <a:rPr lang="en" sz="1500" b="1">
+                <a:solidFill>
+                  <a:srgbClr val="3C78D8"/>
+                </a:solidFill>
+                <a:latin typeface="Calibri"/>
+                <a:ea typeface="Calibri"/>
+                <a:cs typeface="Calibri"/>
+                <a:sym typeface="Calibri"/>
+              </a:rPr>
+              <a:t>SmolDocling - ultra-compact OCR model</a:t>
+            </a:r>
+            <a:endParaRPr sz="1500" b="1">
               <a:solidFill>
                 <a:srgbClr val="3C78D8"/>
               </a:solidFill>
@@ -13509,8 +13866,8 @@
         </p:nvSpPr>
         <p:spPr>
           <a:xfrm>
-            <a:off x="4659176" y="1462947"/>
-            <a:ext cx="4420200" cy="2481300"/>
+            <a:off x="4659176" y="1299138"/>
+            <a:ext cx="4420200" cy="3250800"/>
           </a:xfrm>
           <a:prstGeom prst="rect">
             <a:avLst/>
@@ -13534,7 +13891,7 @@
           </a:bodyPr>
           <a:lstStyle/>
           <a:p>
-            <a:pPr marL="228600" lvl="0" indent="-215900" algn="l" rtl="0">
+            <a:pPr marL="228600" lvl="0" indent="-209550" algn="l" rtl="0">
               <a:spcBef>
                 <a:spcPts val="0"/>
               </a:spcBef>
@@ -13544,12 +13901,12 @@
               <a:buClr>
                 <a:srgbClr val="3C78D8"/>
               </a:buClr>
-              <a:buSzPts val="1600"/>
+              <a:buSzPts val="1500"/>
               <a:buFont typeface="Calibri"/>
               <a:buChar char="●"/>
             </a:pPr>
             <a:r>
-              <a:rPr lang="en" sz="1600" b="1">
+              <a:rPr lang="en" sz="1500" b="1">
                 <a:solidFill>
                   <a:srgbClr val="3C78D8"/>
                 </a:solidFill>
@@ -13558,9 +13915,9 @@
                 <a:cs typeface="Calibri"/>
                 <a:sym typeface="Calibri"/>
               </a:rPr>
-              <a:t>Meta - Transformers without Normalization</a:t>
-            </a:r>
-            <a:endParaRPr sz="1600" b="1">
+              <a:t>R1-Searcher &amp; Search-R1</a:t>
+            </a:r>
+            <a:endParaRPr sz="1500" b="1">
               <a:solidFill>
                 <a:srgbClr val="3C78D8"/>
               </a:solidFill>
@@ -13571,7 +13928,7 @@
             </a:endParaRPr>
           </a:p>
           <a:p>
-            <a:pPr marL="228600" lvl="0" indent="-215900" algn="l" rtl="0">
+            <a:pPr marL="228600" lvl="0" indent="-209550" algn="l" rtl="0">
               <a:spcBef>
                 <a:spcPts val="0"/>
               </a:spcBef>
@@ -13581,12 +13938,12 @@
               <a:buClr>
                 <a:srgbClr val="3C78D8"/>
               </a:buClr>
-              <a:buSzPts val="1600"/>
+              <a:buSzPts val="1500"/>
               <a:buFont typeface="Calibri"/>
               <a:buChar char="●"/>
             </a:pPr>
             <a:r>
-              <a:rPr lang="en" sz="1600" b="1">
+              <a:rPr lang="en" sz="1500" b="1">
                 <a:solidFill>
                   <a:srgbClr val="3C78D8"/>
                 </a:solidFill>
@@ -13595,9 +13952,9 @@
                 <a:cs typeface="Calibri"/>
                 <a:sym typeface="Calibri"/>
               </a:rPr>
-              <a:t>Gemini Embedding</a:t>
-            </a:r>
-            <a:endParaRPr sz="1600" b="1">
+              <a:t>Models double their skills every 7 months</a:t>
+            </a:r>
+            <a:endParaRPr sz="1500" b="1">
               <a:solidFill>
                 <a:srgbClr val="3C78D8"/>
               </a:solidFill>
@@ -13608,7 +13965,7 @@
             </a:endParaRPr>
           </a:p>
           <a:p>
-            <a:pPr marL="228600" lvl="0" indent="-215900" algn="l" rtl="0">
+            <a:pPr marL="228600" lvl="0" indent="-209550" algn="l" rtl="0">
               <a:spcBef>
                 <a:spcPts val="0"/>
               </a:spcBef>
@@ -13618,12 +13975,12 @@
               <a:buClr>
                 <a:srgbClr val="3C78D8"/>
               </a:buClr>
-              <a:buSzPts val="1600"/>
+              <a:buSzPts val="1500"/>
               <a:buFont typeface="Calibri"/>
               <a:buChar char="●"/>
             </a:pPr>
             <a:r>
-              <a:rPr lang="en" sz="1600" b="1">
+              <a:rPr lang="en" sz="1500" b="1">
                 <a:solidFill>
                   <a:srgbClr val="3C78D8"/>
                 </a:solidFill>
@@ -13632,9 +13989,9 @@
                 <a:cs typeface="Calibri"/>
                 <a:sym typeface="Calibri"/>
               </a:rPr>
-              <a:t>Google Gems</a:t>
-            </a:r>
-            <a:endParaRPr sz="1600" b="1">
+              <a:t>Cohere's Command A</a:t>
+            </a:r>
+            <a:endParaRPr sz="1500" b="1">
               <a:solidFill>
                 <a:srgbClr val="3C78D8"/>
               </a:solidFill>
@@ -13645,7 +14002,7 @@
             </a:endParaRPr>
           </a:p>
           <a:p>
-            <a:pPr marL="228600" lvl="0" indent="-215900" algn="l" rtl="0">
+            <a:pPr marL="228600" lvl="0" indent="-209550" algn="l" rtl="0">
               <a:spcBef>
                 <a:spcPts val="0"/>
               </a:spcBef>
@@ -13655,12 +14012,12 @@
               <a:buClr>
                 <a:srgbClr val="3C78D8"/>
               </a:buClr>
-              <a:buSzPts val="1600"/>
+              <a:buSzPts val="1500"/>
               <a:buFont typeface="Calibri"/>
               <a:buChar char="●"/>
             </a:pPr>
             <a:r>
-              <a:rPr lang="en" sz="1600" b="1">
+              <a:rPr lang="en" sz="1500" b="1">
                 <a:solidFill>
                   <a:srgbClr val="3C78D8"/>
                 </a:solidFill>
@@ -13669,9 +14026,9 @@
                 <a:cs typeface="Calibri"/>
                 <a:sym typeface="Calibri"/>
               </a:rPr>
-              <a:t>CODI Self-Distillation</a:t>
-            </a:r>
-            <a:endParaRPr sz="1600" b="1">
+              <a:t>Meta - Transformers without Normalization</a:t>
+            </a:r>
+            <a:endParaRPr sz="1500" b="1">
               <a:solidFill>
                 <a:srgbClr val="3C78D8"/>
               </a:solidFill>
@@ -13682,7 +14039,7 @@
             </a:endParaRPr>
           </a:p>
           <a:p>
-            <a:pPr marL="228600" lvl="0" indent="-215900" algn="l" rtl="0">
+            <a:pPr marL="228600" lvl="0" indent="-209550" algn="l" rtl="0">
               <a:spcBef>
                 <a:spcPts val="0"/>
               </a:spcBef>
@@ -13692,12 +14049,12 @@
               <a:buClr>
                 <a:srgbClr val="3C78D8"/>
               </a:buClr>
-              <a:buSzPts val="1600"/>
+              <a:buSzPts val="1500"/>
               <a:buFont typeface="Calibri"/>
               <a:buChar char="●"/>
             </a:pPr>
             <a:r>
-              <a:rPr lang="en" sz="1600" b="1">
+              <a:rPr lang="en" sz="1500" b="1">
                 <a:solidFill>
                   <a:srgbClr val="3C78D8"/>
                 </a:solidFill>
@@ -13706,9 +14063,9 @@
                 <a:cs typeface="Calibri"/>
                 <a:sym typeface="Calibri"/>
               </a:rPr>
-              <a:t>Allen Institute for AI (AI2) OLMo 32B</a:t>
-            </a:r>
-            <a:endParaRPr sz="1600" b="1">
+              <a:t>Gemini Embedding</a:t>
+            </a:r>
+            <a:endParaRPr sz="1500" b="1">
               <a:solidFill>
                 <a:srgbClr val="3C78D8"/>
               </a:solidFill>
@@ -13719,7 +14076,7 @@
             </a:endParaRPr>
           </a:p>
           <a:p>
-            <a:pPr marL="228600" lvl="0" indent="-215900" algn="l" rtl="0">
+            <a:pPr marL="228600" lvl="0" indent="-209550" algn="l" rtl="0">
               <a:spcBef>
                 <a:spcPts val="0"/>
               </a:spcBef>
@@ -13729,12 +14086,12 @@
               <a:buClr>
                 <a:srgbClr val="3C78D8"/>
               </a:buClr>
-              <a:buSzPts val="1600"/>
+              <a:buSzPts val="1500"/>
               <a:buFont typeface="Calibri"/>
               <a:buChar char="●"/>
             </a:pPr>
             <a:r>
-              <a:rPr lang="en" sz="1600" b="1">
+              <a:rPr lang="en" sz="1500" b="1">
                 <a:solidFill>
                   <a:srgbClr val="3C78D8"/>
                 </a:solidFill>
@@ -13743,9 +14100,9 @@
                 <a:cs typeface="Calibri"/>
                 <a:sym typeface="Calibri"/>
               </a:rPr>
-              <a:t>Agent S2 from Similar.ai</a:t>
-            </a:r>
-            <a:endParaRPr sz="1600" b="1">
+              <a:t>Google Gems</a:t>
+            </a:r>
+            <a:endParaRPr sz="1500" b="1">
               <a:solidFill>
                 <a:srgbClr val="3C78D8"/>
               </a:solidFill>
@@ -13756,7 +14113,7 @@
             </a:endParaRPr>
           </a:p>
           <a:p>
-            <a:pPr marL="228600" lvl="0" indent="-215900" algn="l" rtl="0">
+            <a:pPr marL="228600" lvl="0" indent="-209550" algn="l" rtl="0">
               <a:spcBef>
                 <a:spcPts val="0"/>
               </a:spcBef>
@@ -13766,12 +14123,12 @@
               <a:buClr>
                 <a:srgbClr val="3C78D8"/>
               </a:buClr>
-              <a:buSzPts val="1600"/>
+              <a:buSzPts val="1500"/>
               <a:buFont typeface="Calibri"/>
               <a:buChar char="●"/>
             </a:pPr>
             <a:r>
-              <a:rPr lang="en" sz="1600" b="1">
+              <a:rPr lang="en" sz="1500" b="1">
                 <a:solidFill>
                   <a:srgbClr val="3C78D8"/>
                 </a:solidFill>
@@ -13780,9 +14137,9 @@
                 <a:cs typeface="Calibri"/>
                 <a:sym typeface="Calibri"/>
               </a:rPr>
-              <a:t>Google Gemini - Canvas</a:t>
-            </a:r>
-            <a:endParaRPr sz="1600" b="1">
+              <a:t>CODI Self-Distillation</a:t>
+            </a:r>
+            <a:endParaRPr sz="1500" b="1">
               <a:solidFill>
                 <a:srgbClr val="3C78D8"/>
               </a:solidFill>
@@ -13793,7 +14150,7 @@
             </a:endParaRPr>
           </a:p>
           <a:p>
-            <a:pPr marL="228600" lvl="0" indent="-215900" algn="l" rtl="0">
+            <a:pPr marL="228600" lvl="0" indent="-209550" algn="l" rtl="0">
               <a:spcBef>
                 <a:spcPts val="0"/>
               </a:spcBef>
@@ -13803,12 +14160,12 @@
               <a:buClr>
                 <a:srgbClr val="3C78D8"/>
               </a:buClr>
-              <a:buSzPts val="1600"/>
+              <a:buSzPts val="1500"/>
               <a:buFont typeface="Calibri"/>
               <a:buChar char="●"/>
             </a:pPr>
             <a:r>
-              <a:rPr lang="en" sz="1600" b="1">
+              <a:rPr lang="en" sz="1500" b="1">
                 <a:solidFill>
                   <a:srgbClr val="3C78D8"/>
                 </a:solidFill>
@@ -13817,9 +14174,9 @@
                 <a:cs typeface="Calibri"/>
                 <a:sym typeface="Calibri"/>
               </a:rPr>
-              <a:t>Boston Dynamics - Cartwheel</a:t>
-            </a:r>
-            <a:endParaRPr sz="1600" b="1">
+              <a:t>Allen Institute for AI (AI2) OLMo 32B</a:t>
+            </a:r>
+            <a:endParaRPr sz="1500" b="1">
               <a:solidFill>
                 <a:srgbClr val="3C78D8"/>
               </a:solidFill>
@@ -13830,7 +14187,7 @@
             </a:endParaRPr>
           </a:p>
           <a:p>
-            <a:pPr marL="228600" lvl="0" indent="-215900" algn="l" rtl="0">
+            <a:pPr marL="228600" lvl="0" indent="-209550" algn="l" rtl="0">
               <a:spcBef>
                 <a:spcPts val="0"/>
               </a:spcBef>
@@ -13840,12 +14197,12 @@
               <a:buClr>
                 <a:srgbClr val="3C78D8"/>
               </a:buClr>
-              <a:buSzPts val="1600"/>
+              <a:buSzPts val="1500"/>
               <a:buFont typeface="Calibri"/>
               <a:buChar char="●"/>
             </a:pPr>
             <a:r>
-              <a:rPr lang="en" sz="1600" b="1">
+              <a:rPr lang="en" sz="1500" b="1">
                 <a:solidFill>
                   <a:srgbClr val="3C78D8"/>
                 </a:solidFill>
@@ -13854,9 +14211,9 @@
                 <a:cs typeface="Calibri"/>
                 <a:sym typeface="Calibri"/>
               </a:rPr>
-              <a:t>In-Browser Graph RAG with Kuzu-Wasm</a:t>
-            </a:r>
-            <a:endParaRPr sz="1600" b="1">
+              <a:t>Agent S2 from Similar.ai</a:t>
+            </a:r>
+            <a:endParaRPr sz="1500" b="1">
               <a:solidFill>
                 <a:srgbClr val="3C78D8"/>
               </a:solidFill>
@@ -13867,7 +14224,7 @@
             </a:endParaRPr>
           </a:p>
           <a:p>
-            <a:pPr marL="228600" lvl="0" indent="-215900" algn="l" rtl="0">
+            <a:pPr marL="228600" lvl="0" indent="-209550" algn="l" rtl="0">
               <a:spcBef>
                 <a:spcPts val="0"/>
               </a:spcBef>
@@ -13877,12 +14234,12 @@
               <a:buClr>
                 <a:srgbClr val="3C78D8"/>
               </a:buClr>
-              <a:buSzPts val="1600"/>
+              <a:buSzPts val="1500"/>
               <a:buFont typeface="Calibri"/>
               <a:buChar char="●"/>
             </a:pPr>
             <a:r>
-              <a:rPr lang="en" sz="1600" b="1">
+              <a:rPr lang="en" sz="1500" b="1">
                 <a:solidFill>
                   <a:srgbClr val="3C78D8"/>
                 </a:solidFill>
@@ -13891,9 +14248,157 @@
                 <a:cs typeface="Calibri"/>
                 <a:sym typeface="Calibri"/>
               </a:rPr>
+              <a:t>Google Gemini - Canvas</a:t>
+            </a:r>
+            <a:endParaRPr sz="1500" b="1">
+              <a:solidFill>
+                <a:srgbClr val="3C78D8"/>
+              </a:solidFill>
+              <a:latin typeface="Calibri"/>
+              <a:ea typeface="Calibri"/>
+              <a:cs typeface="Calibri"/>
+              <a:sym typeface="Calibri"/>
+            </a:endParaRPr>
+          </a:p>
+          <a:p>
+            <a:pPr marL="228600" lvl="0" indent="-209550" algn="l" rtl="0">
+              <a:spcBef>
+                <a:spcPts val="0"/>
+              </a:spcBef>
+              <a:spcAft>
+                <a:spcPts val="0"/>
+              </a:spcAft>
+              <a:buClr>
+                <a:srgbClr val="3C78D8"/>
+              </a:buClr>
+              <a:buSzPts val="1500"/>
+              <a:buFont typeface="Calibri"/>
+              <a:buChar char="●"/>
+            </a:pPr>
+            <a:r>
+              <a:rPr lang="en" sz="1500" b="1">
+                <a:solidFill>
+                  <a:srgbClr val="3C78D8"/>
+                </a:solidFill>
+                <a:latin typeface="Calibri"/>
+                <a:ea typeface="Calibri"/>
+                <a:cs typeface="Calibri"/>
+                <a:sym typeface="Calibri"/>
+              </a:rPr>
+              <a:t>12 Rules to Vibe Coding</a:t>
+            </a:r>
+            <a:endParaRPr sz="1500" b="1">
+              <a:solidFill>
+                <a:srgbClr val="3C78D8"/>
+              </a:solidFill>
+              <a:latin typeface="Calibri"/>
+              <a:ea typeface="Calibri"/>
+              <a:cs typeface="Calibri"/>
+              <a:sym typeface="Calibri"/>
+            </a:endParaRPr>
+          </a:p>
+          <a:p>
+            <a:pPr marL="228600" lvl="0" indent="-209550" algn="l" rtl="0">
+              <a:spcBef>
+                <a:spcPts val="0"/>
+              </a:spcBef>
+              <a:spcAft>
+                <a:spcPts val="0"/>
+              </a:spcAft>
+              <a:buClr>
+                <a:srgbClr val="3C78D8"/>
+              </a:buClr>
+              <a:buSzPts val="1500"/>
+              <a:buFont typeface="Calibri"/>
+              <a:buChar char="●"/>
+            </a:pPr>
+            <a:r>
+              <a:rPr lang="en" sz="1500" b="1">
+                <a:solidFill>
+                  <a:srgbClr val="3C78D8"/>
+                </a:solidFill>
+                <a:latin typeface="Calibri"/>
+                <a:ea typeface="Calibri"/>
+                <a:cs typeface="Calibri"/>
+                <a:sym typeface="Calibri"/>
+              </a:rPr>
+              <a:t>Boston Dynamics - Cartwheel</a:t>
+            </a:r>
+            <a:endParaRPr sz="1500" b="1">
+              <a:solidFill>
+                <a:srgbClr val="3C78D8"/>
+              </a:solidFill>
+              <a:latin typeface="Calibri"/>
+              <a:ea typeface="Calibri"/>
+              <a:cs typeface="Calibri"/>
+              <a:sym typeface="Calibri"/>
+            </a:endParaRPr>
+          </a:p>
+          <a:p>
+            <a:pPr marL="228600" lvl="0" indent="-209550" algn="l" rtl="0">
+              <a:spcBef>
+                <a:spcPts val="0"/>
+              </a:spcBef>
+              <a:spcAft>
+                <a:spcPts val="0"/>
+              </a:spcAft>
+              <a:buClr>
+                <a:srgbClr val="3C78D8"/>
+              </a:buClr>
+              <a:buSzPts val="1500"/>
+              <a:buFont typeface="Calibri"/>
+              <a:buChar char="●"/>
+            </a:pPr>
+            <a:r>
+              <a:rPr lang="en" sz="1500" b="1">
+                <a:solidFill>
+                  <a:srgbClr val="3C78D8"/>
+                </a:solidFill>
+                <a:latin typeface="Calibri"/>
+                <a:ea typeface="Calibri"/>
+                <a:cs typeface="Calibri"/>
+                <a:sym typeface="Calibri"/>
+              </a:rPr>
+              <a:t>In-Browser Graph RAG with Kuzu-Wasm</a:t>
+            </a:r>
+            <a:endParaRPr sz="1500" b="1">
+              <a:solidFill>
+                <a:srgbClr val="3C78D8"/>
+              </a:solidFill>
+              <a:latin typeface="Calibri"/>
+              <a:ea typeface="Calibri"/>
+              <a:cs typeface="Calibri"/>
+              <a:sym typeface="Calibri"/>
+            </a:endParaRPr>
+          </a:p>
+          <a:p>
+            <a:pPr marL="228600" lvl="0" indent="-209550" algn="l" rtl="0">
+              <a:spcBef>
+                <a:spcPts val="0"/>
+              </a:spcBef>
+              <a:spcAft>
+                <a:spcPts val="0"/>
+              </a:spcAft>
+              <a:buClr>
+                <a:srgbClr val="3C78D8"/>
+              </a:buClr>
+              <a:buSzPts val="1500"/>
+              <a:buFont typeface="Calibri"/>
+              <a:buChar char="●"/>
+            </a:pPr>
+            <a:r>
+              <a:rPr lang="en" sz="1500" b="1">
+                <a:solidFill>
+                  <a:srgbClr val="3C78D8"/>
+                </a:solidFill>
+                <a:latin typeface="Calibri"/>
+                <a:ea typeface="Calibri"/>
+                <a:cs typeface="Calibri"/>
+                <a:sym typeface="Calibri"/>
+              </a:rPr>
               <a:t>RAG Chatbot on your data for $200</a:t>
             </a:r>
-            <a:endParaRPr sz="1600" b="1">
+            <a:endParaRPr sz="1500" b="1">
               <a:solidFill>
                 <a:srgbClr val="3C78D8"/>
               </a:solidFill>
@@ -13926,8 +14431,8 @@
         </p:blipFill>
         <p:spPr>
           <a:xfrm>
-            <a:off x="7138991" y="60600"/>
-            <a:ext cx="1940383" cy="1293276"/>
+            <a:off x="7297425" y="60600"/>
+            <a:ext cx="1781949" cy="1187676"/>
           </a:xfrm>
           <a:prstGeom prst="rect">
             <a:avLst/>
@@ -14055,7 +14560,7 @@
   <p:cSld>
     <p:spTree>
       <p:nvGrpSpPr>
-        <p:cNvPr id="1" name="Shape 148"/>
+        <p:cNvPr id="1" name="Shape 159"/>
         <p:cNvGrpSpPr/>
         <p:nvPr/>
       </p:nvGrpSpPr>
@@ -14069,7 +14574,7 @@
       </p:grpSpPr>
       <p:sp>
         <p:nvSpPr>
-          <p:cNvPr id="149" name="Google Shape;149;p24"/>
+          <p:cNvPr id="160" name="Google Shape;160;p24"/>
           <p:cNvSpPr txBox="1"/>
           <p:nvPr/>
         </p:nvSpPr>
@@ -14132,7 +14637,914 @@
       </p:sp>
       <p:sp>
         <p:nvSpPr>
-          <p:cNvPr id="150" name="Google Shape;150;p24"/>
+          <p:cNvPr id="161" name="Google Shape;161;p24"/>
+          <p:cNvSpPr txBox="1"/>
+          <p:nvPr/>
+        </p:nvSpPr>
+        <p:spPr>
+          <a:xfrm>
+            <a:off x="91094" y="515650"/>
+            <a:ext cx="4456200" cy="1126800"/>
+          </a:xfrm>
+          <a:prstGeom prst="rect">
+            <a:avLst/>
+          </a:prstGeom>
+          <a:solidFill>
+            <a:srgbClr val="FFF2CC"/>
+          </a:solidFill>
+          <a:ln w="9525" cap="flat" cmpd="sng">
+            <a:solidFill>
+              <a:srgbClr val="FF0000"/>
+            </a:solidFill>
+            <a:prstDash val="solid"/>
+            <a:round/>
+            <a:headEnd type="none" w="sm" len="sm"/>
+            <a:tailEnd type="none" w="sm" len="sm"/>
+          </a:ln>
+        </p:spPr>
+        <p:txBody>
+          <a:bodyPr spcFirstLastPara="1" wrap="square" lIns="9125" tIns="9125" rIns="9125" bIns="9125" anchor="t" anchorCtr="0">
+            <a:spAutoFit/>
+          </a:bodyPr>
+          <a:lstStyle/>
+          <a:p>
+            <a:pPr marL="0" lvl="0" indent="0" algn="l" rtl="0">
+              <a:spcBef>
+                <a:spcPts val="0"/>
+              </a:spcBef>
+              <a:spcAft>
+                <a:spcPts val="0"/>
+              </a:spcAft>
+              <a:buClr>
+                <a:schemeClr val="dk1"/>
+              </a:buClr>
+              <a:buSzPts val="1100"/>
+              <a:buFont typeface="Arial"/>
+              <a:buNone/>
+            </a:pPr>
+            <a:r>
+              <a:rPr lang="en" sz="1200" b="1">
+                <a:solidFill>
+                  <a:srgbClr val="FF0000"/>
+                </a:solidFill>
+                <a:latin typeface="Calibri"/>
+                <a:ea typeface="Calibri"/>
+                <a:cs typeface="Calibri"/>
+                <a:sym typeface="Calibri"/>
+              </a:rPr>
+              <a:t>R1-Searcher</a:t>
+            </a:r>
+            <a:endParaRPr sz="1200" b="1">
+              <a:solidFill>
+                <a:srgbClr val="FF0000"/>
+              </a:solidFill>
+              <a:latin typeface="Calibri"/>
+              <a:ea typeface="Calibri"/>
+              <a:cs typeface="Calibri"/>
+              <a:sym typeface="Calibri"/>
+            </a:endParaRPr>
+          </a:p>
+          <a:p>
+            <a:pPr marL="0" lvl="0" indent="0" algn="l" rtl="0">
+              <a:spcBef>
+                <a:spcPts val="0"/>
+              </a:spcBef>
+              <a:spcAft>
+                <a:spcPts val="0"/>
+              </a:spcAft>
+              <a:buNone/>
+            </a:pPr>
+            <a:r>
+              <a:rPr lang="en" sz="1200">
+                <a:solidFill>
+                  <a:schemeClr val="dk1"/>
+                </a:solidFill>
+                <a:latin typeface="Calibri"/>
+                <a:ea typeface="Calibri"/>
+                <a:cs typeface="Calibri"/>
+                <a:sym typeface="Calibri"/>
+              </a:rPr>
+              <a:t>A Reinforcement Learning-Based Framework for Enhancing LLM Search Capabilities</a:t>
+            </a:r>
+            <a:endParaRPr sz="1200">
+              <a:solidFill>
+                <a:schemeClr val="dk1"/>
+              </a:solidFill>
+              <a:latin typeface="Calibri"/>
+              <a:ea typeface="Calibri"/>
+              <a:cs typeface="Calibri"/>
+              <a:sym typeface="Calibri"/>
+            </a:endParaRPr>
+          </a:p>
+          <a:p>
+            <a:pPr marL="171450" lvl="0" indent="-114300" algn="l" rtl="0">
+              <a:spcBef>
+                <a:spcPts val="0"/>
+              </a:spcBef>
+              <a:spcAft>
+                <a:spcPts val="0"/>
+              </a:spcAft>
+              <a:buClr>
+                <a:schemeClr val="dk1"/>
+              </a:buClr>
+              <a:buSzPts val="900"/>
+              <a:buFont typeface="Calibri"/>
+              <a:buChar char="●"/>
+            </a:pPr>
+            <a:r>
+              <a:rPr lang="en" sz="900" u="sng">
+                <a:solidFill>
+                  <a:schemeClr val="hlink"/>
+                </a:solidFill>
+                <a:latin typeface="Calibri"/>
+                <a:ea typeface="Calibri"/>
+                <a:cs typeface="Calibri"/>
+                <a:sym typeface="Calibri"/>
+                <a:hlinkClick r:id="rId3"/>
+              </a:rPr>
+              <a:t>https://arxiv.org/abs/2503.05592</a:t>
+            </a:r>
+            <a:r>
+              <a:rPr lang="en" sz="900">
+                <a:solidFill>
+                  <a:schemeClr val="dk1"/>
+                </a:solidFill>
+                <a:latin typeface="Calibri"/>
+                <a:ea typeface="Calibri"/>
+                <a:cs typeface="Calibri"/>
+                <a:sym typeface="Calibri"/>
+              </a:rPr>
+              <a:t> </a:t>
+            </a:r>
+            <a:endParaRPr sz="900">
+              <a:solidFill>
+                <a:schemeClr val="dk1"/>
+              </a:solidFill>
+              <a:latin typeface="Calibri"/>
+              <a:ea typeface="Calibri"/>
+              <a:cs typeface="Calibri"/>
+              <a:sym typeface="Calibri"/>
+            </a:endParaRPr>
+          </a:p>
+          <a:p>
+            <a:pPr marL="171450" lvl="0" indent="-114300" algn="l" rtl="0">
+              <a:spcBef>
+                <a:spcPts val="0"/>
+              </a:spcBef>
+              <a:spcAft>
+                <a:spcPts val="0"/>
+              </a:spcAft>
+              <a:buClr>
+                <a:schemeClr val="dk1"/>
+              </a:buClr>
+              <a:buSzPts val="900"/>
+              <a:buFont typeface="Calibri"/>
+              <a:buChar char="●"/>
+            </a:pPr>
+            <a:r>
+              <a:rPr lang="en" sz="900" u="sng">
+                <a:solidFill>
+                  <a:schemeClr val="hlink"/>
+                </a:solidFill>
+                <a:latin typeface="Calibri"/>
+                <a:ea typeface="Calibri"/>
+                <a:cs typeface="Calibri"/>
+                <a:sym typeface="Calibri"/>
+                <a:hlinkClick r:id="rId4"/>
+              </a:rPr>
+              <a:t>https://github.com/SsmallSong/R1-Searcher</a:t>
+            </a:r>
+            <a:r>
+              <a:rPr lang="en" sz="900">
+                <a:solidFill>
+                  <a:schemeClr val="dk1"/>
+                </a:solidFill>
+                <a:latin typeface="Calibri"/>
+                <a:ea typeface="Calibri"/>
+                <a:cs typeface="Calibri"/>
+                <a:sym typeface="Calibri"/>
+              </a:rPr>
+              <a:t> </a:t>
+            </a:r>
+            <a:endParaRPr sz="900">
+              <a:solidFill>
+                <a:schemeClr val="dk1"/>
+              </a:solidFill>
+              <a:latin typeface="Calibri"/>
+              <a:ea typeface="Calibri"/>
+              <a:cs typeface="Calibri"/>
+              <a:sym typeface="Calibri"/>
+            </a:endParaRPr>
+          </a:p>
+          <a:p>
+            <a:pPr marL="171450" lvl="0" indent="-114300" algn="l" rtl="0">
+              <a:spcBef>
+                <a:spcPts val="0"/>
+              </a:spcBef>
+              <a:spcAft>
+                <a:spcPts val="0"/>
+              </a:spcAft>
+              <a:buClr>
+                <a:schemeClr val="dk1"/>
+              </a:buClr>
+              <a:buSzPts val="900"/>
+              <a:buFont typeface="Calibri"/>
+              <a:buChar char="●"/>
+            </a:pPr>
+            <a:r>
+              <a:rPr lang="en" sz="900" u="sng">
+                <a:solidFill>
+                  <a:schemeClr val="hlink"/>
+                </a:solidFill>
+                <a:latin typeface="Calibri"/>
+                <a:ea typeface="Calibri"/>
+                <a:cs typeface="Calibri"/>
+                <a:sym typeface="Calibri"/>
+                <a:hlinkClick r:id="rId5"/>
+              </a:rPr>
+              <a:t>https://www.marktechpost.com/2025/03/12/this-ai-paper-introduces-r1-searcher-a-reinforcement-learning-based-framework-for-enhancing-llm-search-capabilities/</a:t>
+            </a:r>
+            <a:r>
+              <a:rPr lang="en" sz="900">
+                <a:solidFill>
+                  <a:schemeClr val="dk1"/>
+                </a:solidFill>
+                <a:latin typeface="Calibri"/>
+                <a:ea typeface="Calibri"/>
+                <a:cs typeface="Calibri"/>
+                <a:sym typeface="Calibri"/>
+              </a:rPr>
+              <a:t> </a:t>
+            </a:r>
+            <a:endParaRPr sz="1200">
+              <a:solidFill>
+                <a:schemeClr val="dk1"/>
+              </a:solidFill>
+              <a:latin typeface="Calibri"/>
+              <a:ea typeface="Calibri"/>
+              <a:cs typeface="Calibri"/>
+              <a:sym typeface="Calibri"/>
+            </a:endParaRPr>
+          </a:p>
+        </p:txBody>
+      </p:sp>
+      <p:sp>
+        <p:nvSpPr>
+          <p:cNvPr id="162" name="Google Shape;162;p24"/>
+          <p:cNvSpPr txBox="1"/>
+          <p:nvPr/>
+        </p:nvSpPr>
+        <p:spPr>
+          <a:xfrm>
+            <a:off x="91094" y="1707175"/>
+            <a:ext cx="4456200" cy="849600"/>
+          </a:xfrm>
+          <a:prstGeom prst="rect">
+            <a:avLst/>
+          </a:prstGeom>
+          <a:solidFill>
+            <a:srgbClr val="FFF2CC"/>
+          </a:solidFill>
+          <a:ln w="9525" cap="flat" cmpd="sng">
+            <a:solidFill>
+              <a:srgbClr val="FF0000"/>
+            </a:solidFill>
+            <a:prstDash val="solid"/>
+            <a:round/>
+            <a:headEnd type="none" w="sm" len="sm"/>
+            <a:tailEnd type="none" w="sm" len="sm"/>
+          </a:ln>
+        </p:spPr>
+        <p:txBody>
+          <a:bodyPr spcFirstLastPara="1" wrap="square" lIns="9125" tIns="9125" rIns="9125" bIns="9125" anchor="t" anchorCtr="0">
+            <a:spAutoFit/>
+          </a:bodyPr>
+          <a:lstStyle/>
+          <a:p>
+            <a:pPr marL="0" lvl="0" indent="0" algn="l" rtl="0">
+              <a:spcBef>
+                <a:spcPts val="0"/>
+              </a:spcBef>
+              <a:spcAft>
+                <a:spcPts val="0"/>
+              </a:spcAft>
+              <a:buNone/>
+            </a:pPr>
+            <a:r>
+              <a:rPr lang="en" sz="1200" b="1">
+                <a:solidFill>
+                  <a:srgbClr val="FF0000"/>
+                </a:solidFill>
+                <a:latin typeface="Calibri"/>
+                <a:ea typeface="Calibri"/>
+                <a:cs typeface="Calibri"/>
+                <a:sym typeface="Calibri"/>
+              </a:rPr>
+              <a:t>Search-R1</a:t>
+            </a:r>
+            <a:endParaRPr sz="1200" b="1">
+              <a:solidFill>
+                <a:srgbClr val="FF0000"/>
+              </a:solidFill>
+              <a:latin typeface="Calibri"/>
+              <a:ea typeface="Calibri"/>
+              <a:cs typeface="Calibri"/>
+              <a:sym typeface="Calibri"/>
+            </a:endParaRPr>
+          </a:p>
+          <a:p>
+            <a:pPr marL="171450" lvl="0" indent="-133350" algn="l" rtl="0">
+              <a:spcBef>
+                <a:spcPts val="0"/>
+              </a:spcBef>
+              <a:spcAft>
+                <a:spcPts val="0"/>
+              </a:spcAft>
+              <a:buClr>
+                <a:schemeClr val="dk1"/>
+              </a:buClr>
+              <a:buSzPts val="1200"/>
+              <a:buFont typeface="Calibri"/>
+              <a:buChar char="●"/>
+            </a:pPr>
+            <a:r>
+              <a:rPr lang="en" sz="1200">
+                <a:solidFill>
+                  <a:schemeClr val="dk1"/>
+                </a:solidFill>
+                <a:latin typeface="Calibri"/>
+                <a:ea typeface="Calibri"/>
+                <a:cs typeface="Calibri"/>
+                <a:sym typeface="Calibri"/>
+              </a:rPr>
+              <a:t>Search-R1: Training LLMs to Reason and Leverage Search Engines with Reinforcement Learning</a:t>
+            </a:r>
+            <a:endParaRPr sz="1200">
+              <a:solidFill>
+                <a:schemeClr val="dk1"/>
+              </a:solidFill>
+              <a:latin typeface="Calibri"/>
+              <a:ea typeface="Calibri"/>
+              <a:cs typeface="Calibri"/>
+              <a:sym typeface="Calibri"/>
+            </a:endParaRPr>
+          </a:p>
+          <a:p>
+            <a:pPr marL="171450" lvl="0" indent="-114300" algn="l" rtl="0">
+              <a:spcBef>
+                <a:spcPts val="0"/>
+              </a:spcBef>
+              <a:spcAft>
+                <a:spcPts val="0"/>
+              </a:spcAft>
+              <a:buClr>
+                <a:srgbClr val="3C78D8"/>
+              </a:buClr>
+              <a:buSzPts val="900"/>
+              <a:buFont typeface="Calibri"/>
+              <a:buChar char="●"/>
+            </a:pPr>
+            <a:r>
+              <a:rPr lang="en" sz="900" u="sng">
+                <a:solidFill>
+                  <a:schemeClr val="hlink"/>
+                </a:solidFill>
+                <a:latin typeface="Calibri"/>
+                <a:ea typeface="Calibri"/>
+                <a:cs typeface="Calibri"/>
+                <a:sym typeface="Calibri"/>
+                <a:hlinkClick r:id="rId6"/>
+              </a:rPr>
+              <a:t>https://arxiv.org/abs/2503.09516</a:t>
+            </a:r>
+            <a:endParaRPr sz="900">
+              <a:solidFill>
+                <a:srgbClr val="3C78D8"/>
+              </a:solidFill>
+              <a:latin typeface="Calibri"/>
+              <a:ea typeface="Calibri"/>
+              <a:cs typeface="Calibri"/>
+              <a:sym typeface="Calibri"/>
+            </a:endParaRPr>
+          </a:p>
+          <a:p>
+            <a:pPr marL="171450" lvl="0" indent="-114300" algn="l" rtl="0">
+              <a:spcBef>
+                <a:spcPts val="0"/>
+              </a:spcBef>
+              <a:spcAft>
+                <a:spcPts val="0"/>
+              </a:spcAft>
+              <a:buClr>
+                <a:srgbClr val="3C78D8"/>
+              </a:buClr>
+              <a:buSzPts val="900"/>
+              <a:buFont typeface="Calibri"/>
+              <a:buChar char="●"/>
+            </a:pPr>
+            <a:r>
+              <a:rPr lang="en" sz="900" u="sng">
+                <a:solidFill>
+                  <a:schemeClr val="hlink"/>
+                </a:solidFill>
+                <a:latin typeface="Calibri"/>
+                <a:ea typeface="Calibri"/>
+                <a:cs typeface="Calibri"/>
+                <a:sym typeface="Calibri"/>
+                <a:hlinkClick r:id="rId7"/>
+              </a:rPr>
+              <a:t>https://github.com/PeterGriffinJin/Search-R1</a:t>
+            </a:r>
+            <a:r>
+              <a:rPr lang="en" sz="900">
+                <a:solidFill>
+                  <a:srgbClr val="3C78D8"/>
+                </a:solidFill>
+                <a:latin typeface="Calibri"/>
+                <a:ea typeface="Calibri"/>
+                <a:cs typeface="Calibri"/>
+                <a:sym typeface="Calibri"/>
+              </a:rPr>
+              <a:t> </a:t>
+            </a:r>
+            <a:endParaRPr sz="900">
+              <a:solidFill>
+                <a:srgbClr val="3C78D8"/>
+              </a:solidFill>
+              <a:latin typeface="Calibri"/>
+              <a:ea typeface="Calibri"/>
+              <a:cs typeface="Calibri"/>
+              <a:sym typeface="Calibri"/>
+            </a:endParaRPr>
+          </a:p>
+        </p:txBody>
+      </p:sp>
+      <p:sp>
+        <p:nvSpPr>
+          <p:cNvPr id="163" name="Google Shape;163;p24"/>
+          <p:cNvSpPr txBox="1"/>
+          <p:nvPr/>
+        </p:nvSpPr>
+        <p:spPr>
+          <a:xfrm>
+            <a:off x="91094" y="3039075"/>
+            <a:ext cx="4456200" cy="1727100"/>
+          </a:xfrm>
+          <a:prstGeom prst="rect">
+            <a:avLst/>
+          </a:prstGeom>
+          <a:solidFill>
+            <a:srgbClr val="FFF2CC"/>
+          </a:solidFill>
+          <a:ln w="9525" cap="flat" cmpd="sng">
+            <a:solidFill>
+              <a:srgbClr val="FF0000"/>
+            </a:solidFill>
+            <a:prstDash val="solid"/>
+            <a:round/>
+            <a:headEnd type="none" w="sm" len="sm"/>
+            <a:tailEnd type="none" w="sm" len="sm"/>
+          </a:ln>
+        </p:spPr>
+        <p:txBody>
+          <a:bodyPr spcFirstLastPara="1" wrap="square" lIns="9125" tIns="9125" rIns="9125" bIns="9125" anchor="t" anchorCtr="0">
+            <a:spAutoFit/>
+          </a:bodyPr>
+          <a:lstStyle/>
+          <a:p>
+            <a:pPr marL="0" lvl="0" indent="0" algn="l" rtl="0">
+              <a:spcBef>
+                <a:spcPts val="0"/>
+              </a:spcBef>
+              <a:spcAft>
+                <a:spcPts val="0"/>
+              </a:spcAft>
+              <a:buNone/>
+            </a:pPr>
+            <a:r>
+              <a:rPr lang="en" sz="1200" b="1">
+                <a:solidFill>
+                  <a:srgbClr val="FF0000"/>
+                </a:solidFill>
+                <a:latin typeface="Calibri"/>
+                <a:ea typeface="Calibri"/>
+                <a:cs typeface="Calibri"/>
+                <a:sym typeface="Calibri"/>
+              </a:rPr>
+              <a:t>Models double their skills every 7 months</a:t>
+            </a:r>
+            <a:endParaRPr sz="1200" b="1">
+              <a:solidFill>
+                <a:schemeClr val="dk1"/>
+              </a:solidFill>
+              <a:latin typeface="Calibri"/>
+              <a:ea typeface="Calibri"/>
+              <a:cs typeface="Calibri"/>
+              <a:sym typeface="Calibri"/>
+            </a:endParaRPr>
+          </a:p>
+          <a:p>
+            <a:pPr marL="171450" lvl="0" indent="-133350" algn="l" rtl="0">
+              <a:spcBef>
+                <a:spcPts val="0"/>
+              </a:spcBef>
+              <a:spcAft>
+                <a:spcPts val="0"/>
+              </a:spcAft>
+              <a:buClr>
+                <a:srgbClr val="3C78D8"/>
+              </a:buClr>
+              <a:buSzPts val="1200"/>
+              <a:buFont typeface="Calibri"/>
+              <a:buChar char="●"/>
+            </a:pPr>
+            <a:r>
+              <a:rPr lang="en" sz="1200">
+                <a:solidFill>
+                  <a:schemeClr val="dk1"/>
+                </a:solidFill>
+                <a:latin typeface="Calibri"/>
+                <a:ea typeface="Calibri"/>
+                <a:cs typeface="Calibri"/>
+                <a:sym typeface="Calibri"/>
+              </a:rPr>
+              <a:t>Measuring AI Ability to Complete Long Tasks</a:t>
+            </a:r>
+            <a:br>
+              <a:rPr lang="en" sz="1200">
+                <a:solidFill>
+                  <a:schemeClr val="dk1"/>
+                </a:solidFill>
+                <a:latin typeface="Calibri"/>
+                <a:ea typeface="Calibri"/>
+                <a:cs typeface="Calibri"/>
+                <a:sym typeface="Calibri"/>
+              </a:rPr>
+            </a:br>
+            <a:r>
+              <a:rPr lang="en" sz="900" u="sng">
+                <a:solidFill>
+                  <a:schemeClr val="hlink"/>
+                </a:solidFill>
+                <a:latin typeface="Calibri"/>
+                <a:ea typeface="Calibri"/>
+                <a:cs typeface="Calibri"/>
+                <a:sym typeface="Calibri"/>
+                <a:hlinkClick r:id="rId8"/>
+              </a:rPr>
+              <a:t>https://arxiv.org/abs/2503.14499</a:t>
+            </a:r>
+            <a:r>
+              <a:rPr lang="en" sz="900">
+                <a:solidFill>
+                  <a:srgbClr val="3C78D8"/>
+                </a:solidFill>
+                <a:latin typeface="Calibri"/>
+                <a:ea typeface="Calibri"/>
+                <a:cs typeface="Calibri"/>
+                <a:sym typeface="Calibri"/>
+              </a:rPr>
+              <a:t> </a:t>
+            </a:r>
+            <a:endParaRPr sz="900">
+              <a:solidFill>
+                <a:srgbClr val="3C78D8"/>
+              </a:solidFill>
+              <a:latin typeface="Calibri"/>
+              <a:ea typeface="Calibri"/>
+              <a:cs typeface="Calibri"/>
+              <a:sym typeface="Calibri"/>
+            </a:endParaRPr>
+          </a:p>
+          <a:p>
+            <a:pPr marL="171450" lvl="0" indent="-133350" algn="l" rtl="0">
+              <a:spcBef>
+                <a:spcPts val="0"/>
+              </a:spcBef>
+              <a:spcAft>
+                <a:spcPts val="0"/>
+              </a:spcAft>
+              <a:buClr>
+                <a:schemeClr val="dk1"/>
+              </a:buClr>
+              <a:buSzPts val="1200"/>
+              <a:buFont typeface="Calibri"/>
+              <a:buChar char="●"/>
+            </a:pPr>
+            <a:r>
+              <a:rPr lang="en" sz="1200">
+                <a:solidFill>
+                  <a:schemeClr val="dk1"/>
+                </a:solidFill>
+                <a:latin typeface="Calibri"/>
+                <a:ea typeface="Calibri"/>
+                <a:cs typeface="Calibri"/>
+                <a:sym typeface="Calibri"/>
+              </a:rPr>
+              <a:t>For each year we look at tasks that best AI model agents can complete with 50% reliability, and how long it would take human professionals to do them (vertical axis)</a:t>
+            </a:r>
+            <a:endParaRPr sz="1200">
+              <a:solidFill>
+                <a:schemeClr val="dk1"/>
+              </a:solidFill>
+              <a:latin typeface="Calibri"/>
+              <a:ea typeface="Calibri"/>
+              <a:cs typeface="Calibri"/>
+              <a:sym typeface="Calibri"/>
+            </a:endParaRPr>
+          </a:p>
+          <a:p>
+            <a:pPr marL="171450" lvl="0" indent="-133350" algn="l" rtl="0">
+              <a:spcBef>
+                <a:spcPts val="0"/>
+              </a:spcBef>
+              <a:spcAft>
+                <a:spcPts val="0"/>
+              </a:spcAft>
+              <a:buClr>
+                <a:schemeClr val="dk1"/>
+              </a:buClr>
+              <a:buSzPts val="1200"/>
+              <a:buFont typeface="Calibri"/>
+              <a:buChar char="●"/>
+            </a:pPr>
+            <a:r>
+              <a:rPr lang="en" sz="1200">
+                <a:solidFill>
+                  <a:schemeClr val="dk1"/>
+                </a:solidFill>
+                <a:latin typeface="Calibri"/>
+                <a:ea typeface="Calibri"/>
+                <a:cs typeface="Calibri"/>
+                <a:sym typeface="Calibri"/>
+              </a:rPr>
+              <a:t>2019 - 3 sec, 2022 - 1 min, now - 1 hour, </a:t>
+            </a:r>
+            <a:br>
+              <a:rPr lang="en" sz="1200">
+                <a:solidFill>
+                  <a:schemeClr val="dk1"/>
+                </a:solidFill>
+                <a:latin typeface="Calibri"/>
+                <a:ea typeface="Calibri"/>
+                <a:cs typeface="Calibri"/>
+                <a:sym typeface="Calibri"/>
+              </a:rPr>
+            </a:br>
+            <a:r>
+              <a:rPr lang="en" sz="1200">
+                <a:solidFill>
+                  <a:schemeClr val="dk1"/>
+                </a:solidFill>
+                <a:latin typeface="Calibri"/>
+                <a:ea typeface="Calibri"/>
+                <a:cs typeface="Calibri"/>
+                <a:sym typeface="Calibri"/>
+              </a:rPr>
+              <a:t>2028 - 1 day, 2030 - 1 month</a:t>
+            </a:r>
+            <a:endParaRPr sz="1200">
+              <a:solidFill>
+                <a:schemeClr val="dk1"/>
+              </a:solidFill>
+              <a:latin typeface="Calibri"/>
+              <a:ea typeface="Calibri"/>
+              <a:cs typeface="Calibri"/>
+              <a:sym typeface="Calibri"/>
+            </a:endParaRPr>
+          </a:p>
+          <a:p>
+            <a:pPr marL="171450" lvl="0" indent="-114300" algn="l" rtl="0">
+              <a:spcBef>
+                <a:spcPts val="0"/>
+              </a:spcBef>
+              <a:spcAft>
+                <a:spcPts val="0"/>
+              </a:spcAft>
+              <a:buClr>
+                <a:srgbClr val="3C78D8"/>
+              </a:buClr>
+              <a:buSzPts val="900"/>
+              <a:buFont typeface="Calibri"/>
+              <a:buChar char="●"/>
+            </a:pPr>
+            <a:r>
+              <a:rPr lang="en" sz="900" u="sng">
+                <a:solidFill>
+                  <a:schemeClr val="hlink"/>
+                </a:solidFill>
+                <a:latin typeface="Calibri"/>
+                <a:ea typeface="Calibri"/>
+                <a:cs typeface="Calibri"/>
+                <a:sym typeface="Calibri"/>
+                <a:hlinkClick r:id="rId9"/>
+              </a:rPr>
+              <a:t>https://metr.org/blog/2025-03-19-measuring-ai-ability-to-complete-long-tasks/</a:t>
+            </a:r>
+            <a:r>
+              <a:rPr lang="en" sz="900">
+                <a:solidFill>
+                  <a:srgbClr val="3C78D8"/>
+                </a:solidFill>
+                <a:latin typeface="Calibri"/>
+                <a:ea typeface="Calibri"/>
+                <a:cs typeface="Calibri"/>
+                <a:sym typeface="Calibri"/>
+              </a:rPr>
+              <a:t> </a:t>
+            </a:r>
+            <a:endParaRPr sz="900">
+              <a:solidFill>
+                <a:srgbClr val="3C78D8"/>
+              </a:solidFill>
+              <a:latin typeface="Calibri"/>
+              <a:ea typeface="Calibri"/>
+              <a:cs typeface="Calibri"/>
+              <a:sym typeface="Calibri"/>
+            </a:endParaRPr>
+          </a:p>
+          <a:p>
+            <a:pPr marL="171450" lvl="0" indent="-114300" algn="l" rtl="0">
+              <a:spcBef>
+                <a:spcPts val="0"/>
+              </a:spcBef>
+              <a:spcAft>
+                <a:spcPts val="0"/>
+              </a:spcAft>
+              <a:buClr>
+                <a:srgbClr val="3C78D8"/>
+              </a:buClr>
+              <a:buSzPts val="900"/>
+              <a:buFont typeface="Calibri"/>
+              <a:buChar char="●"/>
+            </a:pPr>
+            <a:r>
+              <a:rPr lang="en" sz="900" u="sng">
+                <a:solidFill>
+                  <a:schemeClr val="hlink"/>
+                </a:solidFill>
+                <a:latin typeface="Calibri"/>
+                <a:ea typeface="Calibri"/>
+                <a:cs typeface="Calibri"/>
+                <a:sym typeface="Calibri"/>
+                <a:hlinkClick r:id="rId10"/>
+              </a:rPr>
+              <a:t>https://github.com/METR/eval-analysis-public</a:t>
+            </a:r>
+            <a:r>
+              <a:rPr lang="en" sz="900">
+                <a:solidFill>
+                  <a:srgbClr val="3C78D8"/>
+                </a:solidFill>
+                <a:latin typeface="Calibri"/>
+                <a:ea typeface="Calibri"/>
+                <a:cs typeface="Calibri"/>
+                <a:sym typeface="Calibri"/>
+              </a:rPr>
+              <a:t> </a:t>
+            </a:r>
+            <a:endParaRPr sz="900">
+              <a:solidFill>
+                <a:srgbClr val="3C78D8"/>
+              </a:solidFill>
+              <a:latin typeface="Calibri"/>
+              <a:ea typeface="Calibri"/>
+              <a:cs typeface="Calibri"/>
+              <a:sym typeface="Calibri"/>
+            </a:endParaRPr>
+          </a:p>
+        </p:txBody>
+      </p:sp>
+      <p:pic>
+        <p:nvPicPr>
+          <p:cNvPr id="164" name="Google Shape;164;p24"/>
+          <p:cNvPicPr preferRelativeResize="0"/>
+          <p:nvPr/>
+        </p:nvPicPr>
+        <p:blipFill>
+          <a:blip r:embed="rId11" cstate="email">
+            <a:alphaModFix/>
+            <a:extLst>
+              <a:ext uri="{28A0092B-C50C-407E-A947-70E740481C1C}">
+                <a14:useLocalDpi xmlns:a14="http://schemas.microsoft.com/office/drawing/2010/main"/>
+              </a:ext>
+            </a:extLst>
+          </a:blip>
+          <a:stretch>
+            <a:fillRect/>
+          </a:stretch>
+        </p:blipFill>
+        <p:spPr>
+          <a:xfrm>
+            <a:off x="4750125" y="2464825"/>
+            <a:ext cx="4327925" cy="2584733"/>
+          </a:xfrm>
+          <a:prstGeom prst="rect">
+            <a:avLst/>
+          </a:prstGeom>
+          <a:noFill/>
+          <a:ln w="9525" cap="flat" cmpd="sng">
+            <a:solidFill>
+              <a:srgbClr val="FF0000"/>
+            </a:solidFill>
+            <a:prstDash val="solid"/>
+            <a:round/>
+            <a:headEnd type="none" w="sm" len="sm"/>
+            <a:tailEnd type="none" w="sm" len="sm"/>
+          </a:ln>
+        </p:spPr>
+      </p:pic>
+    </p:spTree>
+  </p:cSld>
+  <p:clrMapOvr>
+    <a:masterClrMapping/>
+  </p:clrMapOvr>
+</p:sld>
+</file>
+
+<file path=ppt/slides/slide11.xml><?xml version="1.0" encoding="utf-8"?>
+<p:sld xmlns:a="http://schemas.openxmlformats.org/drawingml/2006/main" xmlns:r="http://schemas.openxmlformats.org/officeDocument/2006/relationships" xmlns:p="http://schemas.openxmlformats.org/presentationml/2006/main">
+  <p:cSld>
+    <p:spTree>
+      <p:nvGrpSpPr>
+        <p:cNvPr id="1" name="Shape 168"/>
+        <p:cNvGrpSpPr/>
+        <p:nvPr/>
+      </p:nvGrpSpPr>
+      <p:grpSpPr>
+        <a:xfrm>
+          <a:off x="0" y="0"/>
+          <a:ext cx="0" cy="0"/>
+          <a:chOff x="0" y="0"/>
+          <a:chExt cx="0" cy="0"/>
+        </a:xfrm>
+      </p:grpSpPr>
+      <p:sp>
+        <p:nvSpPr>
+          <p:cNvPr id="169" name="Google Shape;169;p25"/>
+          <p:cNvSpPr txBox="1"/>
+          <p:nvPr/>
+        </p:nvSpPr>
+        <p:spPr>
+          <a:xfrm>
+            <a:off x="55075" y="52750"/>
+            <a:ext cx="2691300" cy="326400"/>
+          </a:xfrm>
+          <a:prstGeom prst="rect">
+            <a:avLst/>
+          </a:prstGeom>
+          <a:noFill/>
+          <a:ln>
+            <a:noFill/>
+          </a:ln>
+        </p:spPr>
+        <p:txBody>
+          <a:bodyPr spcFirstLastPara="1" wrap="square" lIns="9125" tIns="9125" rIns="9125" bIns="9125" anchor="t" anchorCtr="0">
+            <a:spAutoFit/>
+          </a:bodyPr>
+          <a:lstStyle/>
+          <a:p>
+            <a:pPr marL="0" lvl="0" indent="0" algn="l" rtl="0">
+              <a:spcBef>
+                <a:spcPts val="0"/>
+              </a:spcBef>
+              <a:spcAft>
+                <a:spcPts val="0"/>
+              </a:spcAft>
+              <a:buClr>
+                <a:schemeClr val="dk1"/>
+              </a:buClr>
+              <a:buSzPts val="1100"/>
+              <a:buFont typeface="Arial"/>
+              <a:buNone/>
+            </a:pPr>
+            <a:r>
+              <a:rPr lang="en" sz="2000" b="1">
+                <a:solidFill>
+                  <a:schemeClr val="dk1"/>
+                </a:solidFill>
+                <a:latin typeface="Calibri"/>
+                <a:ea typeface="Calibri"/>
+                <a:cs typeface="Calibri"/>
+                <a:sym typeface="Calibri"/>
+              </a:rPr>
+              <a:t>AI Updates 2</a:t>
+            </a:r>
+            <a:endParaRPr sz="2000" b="1">
+              <a:solidFill>
+                <a:schemeClr val="dk1"/>
+              </a:solidFill>
+              <a:latin typeface="Calibri"/>
+              <a:ea typeface="Calibri"/>
+              <a:cs typeface="Calibri"/>
+              <a:sym typeface="Calibri"/>
+            </a:endParaRPr>
+          </a:p>
+        </p:txBody>
+      </p:sp>
+      <p:sp>
+        <p:nvSpPr>
+          <p:cNvPr id="170" name="Google Shape;170;p25"/>
           <p:cNvSpPr txBox="1"/>
           <p:nvPr/>
         </p:nvSpPr>
@@ -14190,7 +15602,7 @@
                 <a:cs typeface="Calibri"/>
                 <a:sym typeface="Calibri"/>
               </a:rPr>
-              <a:t>Transformers without Normalization</a:t>
+              <a:t>Meta - Transformers without Normalization</a:t>
             </a:r>
             <a:endParaRPr sz="1200" b="1">
               <a:solidFill>
@@ -14230,7 +15642,7 @@
                 <a:cs typeface="Calibri"/>
                 <a:sym typeface="Calibri"/>
               </a:rPr>
-              <a:t>Dynamic Tanh (DyT) from Meta</a:t>
+              <a:t>Dynamic Tanh (DyT)</a:t>
             </a:r>
             <a:endParaRPr sz="1200" b="1">
               <a:solidFill>
@@ -14497,7 +15909,7 @@
       </p:sp>
       <p:sp>
         <p:nvSpPr>
-          <p:cNvPr id="151" name="Google Shape;151;p24"/>
+          <p:cNvPr id="171" name="Google Shape;171;p25"/>
           <p:cNvSpPr txBox="1"/>
           <p:nvPr/>
         </p:nvSpPr>
@@ -14876,7 +16288,7 @@
       </p:sp>
       <p:sp>
         <p:nvSpPr>
-          <p:cNvPr id="152" name="Google Shape;152;p24"/>
+          <p:cNvPr id="172" name="Google Shape;172;p25"/>
           <p:cNvSpPr txBox="1"/>
           <p:nvPr/>
         </p:nvSpPr>
@@ -15035,12 +16447,12 @@
 </p:sld>
 </file>
 
-<file path=ppt/slides/slide11.xml><?xml version="1.0" encoding="utf-8"?>
+<file path=ppt/slides/slide12.xml><?xml version="1.0" encoding="utf-8"?>
 <p:sld xmlns:a="http://schemas.openxmlformats.org/drawingml/2006/main" xmlns:r="http://schemas.openxmlformats.org/officeDocument/2006/relationships" xmlns:p="http://schemas.openxmlformats.org/presentationml/2006/main">
   <p:cSld>
     <p:spTree>
       <p:nvGrpSpPr>
-        <p:cNvPr id="1" name="Shape 156"/>
+        <p:cNvPr id="1" name="Shape 176"/>
         <p:cNvGrpSpPr/>
         <p:nvPr/>
       </p:nvGrpSpPr>
@@ -15054,7 +16466,7 @@
       </p:grpSpPr>
       <p:sp>
         <p:nvSpPr>
-          <p:cNvPr id="157" name="Google Shape;157;p25"/>
+          <p:cNvPr id="177" name="Google Shape;177;p26"/>
           <p:cNvSpPr txBox="1"/>
           <p:nvPr/>
         </p:nvSpPr>
@@ -15117,7 +16529,7 @@
       </p:sp>
       <p:sp>
         <p:nvSpPr>
-          <p:cNvPr id="158" name="Google Shape;158;p25"/>
+          <p:cNvPr id="178" name="Google Shape;178;p26"/>
           <p:cNvSpPr txBox="1"/>
           <p:nvPr/>
         </p:nvSpPr>
@@ -15522,7 +16934,7 @@
       </p:sp>
       <p:sp>
         <p:nvSpPr>
-          <p:cNvPr id="159" name="Google Shape;159;p25"/>
+          <p:cNvPr id="179" name="Google Shape;179;p26"/>
           <p:cNvSpPr txBox="1"/>
           <p:nvPr/>
         </p:nvSpPr>
@@ -15678,7 +17090,7 @@
       </p:sp>
       <p:sp>
         <p:nvSpPr>
-          <p:cNvPr id="160" name="Google Shape;160;p25"/>
+          <p:cNvPr id="180" name="Google Shape;180;p26"/>
           <p:cNvSpPr txBox="1"/>
           <p:nvPr/>
         </p:nvSpPr>
@@ -15931,7 +17343,7 @@
       </p:sp>
       <p:pic>
         <p:nvPicPr>
-          <p:cNvPr id="161" name="Google Shape;161;p25"/>
+          <p:cNvPr id="181" name="Google Shape;181;p26"/>
           <p:cNvPicPr preferRelativeResize="0"/>
           <p:nvPr/>
         </p:nvPicPr>
@@ -15970,12 +17382,12 @@
 </p:sld>
 </file>
 
-<file path=ppt/slides/slide12.xml><?xml version="1.0" encoding="utf-8"?>
+<file path=ppt/slides/slide13.xml><?xml version="1.0" encoding="utf-8"?>
 <p:sld xmlns:a="http://schemas.openxmlformats.org/drawingml/2006/main" xmlns:r="http://schemas.openxmlformats.org/officeDocument/2006/relationships" xmlns:p="http://schemas.openxmlformats.org/presentationml/2006/main">
   <p:cSld>
     <p:spTree>
       <p:nvGrpSpPr>
-        <p:cNvPr id="1" name="Shape 165"/>
+        <p:cNvPr id="1" name="Shape 185"/>
         <p:cNvGrpSpPr/>
         <p:nvPr/>
       </p:nvGrpSpPr>
@@ -15989,7 +17401,7 @@
       </p:grpSpPr>
       <p:sp>
         <p:nvSpPr>
-          <p:cNvPr id="166" name="Google Shape;166;p26"/>
+          <p:cNvPr id="186" name="Google Shape;186;p27"/>
           <p:cNvSpPr txBox="1"/>
           <p:nvPr/>
         </p:nvSpPr>
@@ -16052,7 +17464,7 @@
       </p:sp>
       <p:sp>
         <p:nvSpPr>
-          <p:cNvPr id="167" name="Google Shape;167;p26"/>
+          <p:cNvPr id="187" name="Google Shape;187;p27"/>
           <p:cNvSpPr txBox="1"/>
           <p:nvPr/>
         </p:nvSpPr>
@@ -16296,7 +17708,7 @@
       </p:sp>
       <p:pic>
         <p:nvPicPr>
-          <p:cNvPr id="168" name="Google Shape;168;p26"/>
+          <p:cNvPr id="188" name="Google Shape;188;p27"/>
           <p:cNvPicPr preferRelativeResize="0"/>
           <p:nvPr/>
         </p:nvPicPr>
@@ -16329,7 +17741,7 @@
       </p:pic>
       <p:pic>
         <p:nvPicPr>
-          <p:cNvPr id="169" name="Google Shape;169;p26"/>
+          <p:cNvPr id="189" name="Google Shape;189;p27"/>
           <p:cNvPicPr preferRelativeResize="0"/>
           <p:nvPr/>
         </p:nvPicPr>
@@ -16357,7 +17769,7 @@
       </p:pic>
       <p:sp>
         <p:nvSpPr>
-          <p:cNvPr id="170" name="Google Shape;170;p26"/>
+          <p:cNvPr id="190" name="Google Shape;190;p27"/>
           <p:cNvSpPr txBox="1"/>
           <p:nvPr/>
         </p:nvSpPr>
@@ -16551,7 +17963,7 @@
       </p:sp>
       <p:pic>
         <p:nvPicPr>
-          <p:cNvPr id="171" name="Google Shape;171;p26"/>
+          <p:cNvPr id="191" name="Google Shape;191;p27"/>
           <p:cNvPicPr preferRelativeResize="0"/>
           <p:nvPr/>
         </p:nvPicPr>
@@ -16596,12 +18008,12 @@
 </p:sld>
 </file>
 
-<file path=ppt/slides/slide13.xml><?xml version="1.0" encoding="utf-8"?>
+<file path=ppt/slides/slide14.xml><?xml version="1.0" encoding="utf-8"?>
 <p:sld xmlns:a="http://schemas.openxmlformats.org/drawingml/2006/main" xmlns:r="http://schemas.openxmlformats.org/officeDocument/2006/relationships" xmlns:p="http://schemas.openxmlformats.org/presentationml/2006/main">
   <p:cSld>
     <p:spTree>
       <p:nvGrpSpPr>
-        <p:cNvPr id="1" name="Shape 175"/>
+        <p:cNvPr id="1" name="Shape 195"/>
         <p:cNvGrpSpPr/>
         <p:nvPr/>
       </p:nvGrpSpPr>
@@ -16615,7 +18027,7 @@
       </p:grpSpPr>
       <p:sp>
         <p:nvSpPr>
-          <p:cNvPr id="176" name="Google Shape;176;p27"/>
+          <p:cNvPr id="196" name="Google Shape;196;p28"/>
           <p:cNvSpPr txBox="1"/>
           <p:nvPr/>
         </p:nvSpPr>
@@ -16678,7 +18090,7 @@
       </p:sp>
       <p:sp>
         <p:nvSpPr>
-          <p:cNvPr id="177" name="Google Shape;177;p27"/>
+          <p:cNvPr id="197" name="Google Shape;197;p28"/>
           <p:cNvSpPr txBox="1"/>
           <p:nvPr/>
         </p:nvSpPr>
@@ -17502,7 +18914,7 @@
       </p:sp>
       <p:pic>
         <p:nvPicPr>
-          <p:cNvPr id="178" name="Google Shape;178;p27" title="https---substack-post-media.s3.amazonaws.com-public-images-00b49efb-509d-46e0-836a-fe5da3cc78d0_1920x2192.jpg"/>
+          <p:cNvPr id="198" name="Google Shape;198;p28" title="https---substack-post-media.s3.amazonaws.com-public-images-00b49efb-509d-46e0-836a-fe5da3cc78d0_1920x2192.jpg"/>
           <p:cNvPicPr preferRelativeResize="0"/>
           <p:nvPr/>
         </p:nvPicPr>
@@ -17547,12 +18959,12 @@
 </p:sld>
 </file>
 
-<file path=ppt/slides/slide14.xml><?xml version="1.0" encoding="utf-8"?>
+<file path=ppt/slides/slide15.xml><?xml version="1.0" encoding="utf-8"?>
 <p:sld xmlns:a="http://schemas.openxmlformats.org/drawingml/2006/main" xmlns:r="http://schemas.openxmlformats.org/officeDocument/2006/relationships" xmlns:p="http://schemas.openxmlformats.org/presentationml/2006/main">
   <p:cSld>
     <p:spTree>
       <p:nvGrpSpPr>
-        <p:cNvPr id="1" name="Shape 182"/>
+        <p:cNvPr id="1" name="Shape 202"/>
         <p:cNvGrpSpPr/>
         <p:nvPr/>
       </p:nvGrpSpPr>
@@ -17566,7 +18978,7 @@
       </p:grpSpPr>
       <p:sp>
         <p:nvSpPr>
-          <p:cNvPr id="183" name="Google Shape;183;p28"/>
+          <p:cNvPr id="203" name="Google Shape;203;p29"/>
           <p:cNvSpPr txBox="1"/>
           <p:nvPr/>
         </p:nvSpPr>
@@ -17629,14 +19041,14 @@
       </p:sp>
       <p:sp>
         <p:nvSpPr>
-          <p:cNvPr id="184" name="Google Shape;184;p28"/>
+          <p:cNvPr id="204" name="Google Shape;204;p29"/>
           <p:cNvSpPr txBox="1"/>
           <p:nvPr/>
         </p:nvSpPr>
         <p:spPr>
           <a:xfrm>
             <a:off x="108725" y="503025"/>
-            <a:ext cx="3212100" cy="942000"/>
+            <a:ext cx="4278300" cy="664800"/>
           </a:xfrm>
           <a:prstGeom prst="rect">
             <a:avLst/>
@@ -17694,7 +19106,7 @@
                 <a:cs typeface="Calibri"/>
                 <a:sym typeface="Calibri"/>
               </a:rPr>
-              <a:t>: cartwheel, walk, run, crawl, roll, lower brake, handstand, ...</a:t>
+              <a:t>: </a:t>
             </a:r>
             <a:endParaRPr sz="1200">
               <a:solidFill>
@@ -17719,6 +19131,18 @@
               </a:spcAft>
               <a:buNone/>
             </a:pPr>
+            <a:r>
+              <a:rPr lang="en" sz="1200">
+                <a:solidFill>
+                  <a:schemeClr val="dk1"/>
+                </a:solidFill>
+                <a:latin typeface="Calibri"/>
+                <a:ea typeface="Calibri"/>
+                <a:cs typeface="Calibri"/>
+                <a:sym typeface="Calibri"/>
+              </a:rPr>
+              <a:t>cartwheel, walk, run, crawl, roll, lower brake, handstand, ...</a:t>
+            </a:r>
             <a:endParaRPr sz="1200">
               <a:solidFill>
                 <a:schemeClr val="dk1"/>
@@ -17730,20 +19154,22 @@
             </a:endParaRPr>
           </a:p>
           <a:p>
-            <a:pPr marL="0" marR="0" lvl="0" indent="0" algn="l" rtl="0">
-              <a:lnSpc>
-                <a:spcPct val="100000"/>
-              </a:lnSpc>
-              <a:spcBef>
-                <a:spcPts val="0"/>
-              </a:spcBef>
-              <a:spcAft>
-                <a:spcPts val="0"/>
-              </a:spcAft>
-              <a:buNone/>
-            </a:pPr>
-            <a:r>
-              <a:rPr lang="en" sz="1200" u="sng">
+            <a:pPr marL="228600" marR="0" lvl="0" indent="-114300" algn="l" rtl="0">
+              <a:lnSpc>
+                <a:spcPct val="100000"/>
+              </a:lnSpc>
+              <a:spcBef>
+                <a:spcPts val="0"/>
+              </a:spcBef>
+              <a:spcAft>
+                <a:spcPts val="0"/>
+              </a:spcAft>
+              <a:buSzPts val="900"/>
+              <a:buFont typeface="Calibri"/>
+              <a:buChar char="●"/>
+            </a:pPr>
+            <a:r>
+              <a:rPr lang="en" sz="900" u="sng">
                 <a:solidFill>
                   <a:schemeClr val="hlink"/>
                 </a:solidFill>
@@ -17753,10 +19179,10 @@
                 <a:sym typeface="Calibri"/>
                 <a:hlinkClick r:id="rId3"/>
               </a:rPr>
-              <a:t>https://www.youtube.com/shorts/Oi7gROJPhVw</a:t>
-            </a:r>
-            <a:r>
-              <a:rPr lang="en" sz="1200">
+              <a:t>https://www.youtube.com/watch?v=I44_zbEwz_w</a:t>
+            </a:r>
+            <a:r>
+              <a:rPr lang="en" sz="900">
                 <a:solidFill>
                   <a:schemeClr val="dk1"/>
                 </a:solidFill>
@@ -17777,16 +19203,66 @@
               <a:sym typeface="Calibri"/>
             </a:endParaRPr>
           </a:p>
+          <a:p>
+            <a:pPr marL="228600" marR="0" lvl="0" indent="-114300" algn="l" rtl="0">
+              <a:lnSpc>
+                <a:spcPct val="100000"/>
+              </a:lnSpc>
+              <a:spcBef>
+                <a:spcPts val="0"/>
+              </a:spcBef>
+              <a:spcAft>
+                <a:spcPts val="0"/>
+              </a:spcAft>
+              <a:buSzPts val="900"/>
+              <a:buFont typeface="Calibri"/>
+              <a:buChar char="●"/>
+            </a:pPr>
+            <a:r>
+              <a:rPr lang="en" sz="900" u="sng">
+                <a:solidFill>
+                  <a:schemeClr val="hlink"/>
+                </a:solidFill>
+                <a:latin typeface="Calibri"/>
+                <a:ea typeface="Calibri"/>
+                <a:cs typeface="Calibri"/>
+                <a:sym typeface="Calibri"/>
+                <a:hlinkClick r:id="rId4"/>
+              </a:rPr>
+              <a:t>https://www.youtube.com/shorts/Oi7gROJPhVw</a:t>
+            </a:r>
+            <a:r>
+              <a:rPr lang="en" sz="900">
+                <a:solidFill>
+                  <a:schemeClr val="dk1"/>
+                </a:solidFill>
+                <a:latin typeface="Calibri"/>
+                <a:ea typeface="Calibri"/>
+                <a:cs typeface="Calibri"/>
+                <a:sym typeface="Calibri"/>
+              </a:rPr>
+              <a:t>  </a:t>
+            </a:r>
+            <a:endParaRPr sz="600">
+              <a:solidFill>
+                <a:schemeClr val="dk1"/>
+              </a:solidFill>
+              <a:latin typeface="Calibri"/>
+              <a:ea typeface="Calibri"/>
+              <a:cs typeface="Calibri"/>
+              <a:sym typeface="Calibri"/>
+            </a:endParaRPr>
+          </a:p>
         </p:txBody>
       </p:sp>
       <p:pic>
         <p:nvPicPr>
-          <p:cNvPr id="185" name="Google Shape;185;p28"/>
+          <p:cNvPr id="205" name="Google Shape;205;p29"/>
           <p:cNvPicPr preferRelativeResize="0"/>
           <p:nvPr/>
         </p:nvPicPr>
         <p:blipFill>
-          <a:blip r:embed="rId4" cstate="email">
+          <a:blip r:embed="rId5" cstate="email">
             <a:alphaModFix/>
             <a:extLst>
               <a:ext uri="{28A0092B-C50C-407E-A947-70E740481C1C}">
@@ -17820,12 +19296,12 @@
       </p:pic>
       <p:pic>
         <p:nvPicPr>
-          <p:cNvPr id="186" name="Google Shape;186;p28"/>
+          <p:cNvPr id="206" name="Google Shape;206;p29"/>
           <p:cNvPicPr preferRelativeResize="0"/>
           <p:nvPr/>
         </p:nvPicPr>
         <p:blipFill rotWithShape="1">
-          <a:blip r:embed="rId5" cstate="email">
+          <a:blip r:embed="rId6" cstate="email">
             <a:alphaModFix/>
             <a:extLst>
               <a:ext uri="{28A0092B-C50C-407E-A947-70E740481C1C}">
@@ -17858,12 +19334,12 @@
       </p:pic>
       <p:pic>
         <p:nvPicPr>
-          <p:cNvPr id="187" name="Google Shape;187;p28"/>
+          <p:cNvPr id="207" name="Google Shape;207;p29"/>
           <p:cNvPicPr preferRelativeResize="0"/>
           <p:nvPr/>
         </p:nvPicPr>
         <p:blipFill>
-          <a:blip r:embed="rId6" cstate="email">
+          <a:blip r:embed="rId7" cstate="email">
             <a:alphaModFix/>
             <a:extLst>
               <a:ext uri="{28A0092B-C50C-407E-A947-70E740481C1C}">
@@ -17897,12 +19373,12 @@
       </p:pic>
       <p:pic>
         <p:nvPicPr>
-          <p:cNvPr id="188" name="Google Shape;188;p28"/>
+          <p:cNvPr id="208" name="Google Shape;208;p29"/>
           <p:cNvPicPr preferRelativeResize="0"/>
           <p:nvPr/>
         </p:nvPicPr>
         <p:blipFill>
-          <a:blip r:embed="rId7" cstate="email">
+          <a:blip r:embed="rId8" cstate="email">
             <a:alphaModFix/>
             <a:extLst>
               <a:ext uri="{28A0092B-C50C-407E-A947-70E740481C1C}">
@@ -17936,12 +19412,12 @@
       </p:pic>
       <p:pic>
         <p:nvPicPr>
-          <p:cNvPr id="189" name="Google Shape;189;p28"/>
+          <p:cNvPr id="209" name="Google Shape;209;p29"/>
           <p:cNvPicPr preferRelativeResize="0"/>
           <p:nvPr/>
         </p:nvPicPr>
         <p:blipFill rotWithShape="1">
-          <a:blip r:embed="rId8" cstate="email">
+          <a:blip r:embed="rId9" cstate="email">
             <a:alphaModFix/>
             <a:extLst>
               <a:ext uri="{28A0092B-C50C-407E-A947-70E740481C1C}">
@@ -17974,12 +19450,12 @@
       </p:pic>
       <p:pic>
         <p:nvPicPr>
-          <p:cNvPr id="190" name="Google Shape;190;p28"/>
+          <p:cNvPr id="210" name="Google Shape;210;p29"/>
           <p:cNvPicPr preferRelativeResize="0"/>
           <p:nvPr/>
         </p:nvPicPr>
         <p:blipFill rotWithShape="1">
-          <a:blip r:embed="rId9" cstate="email">
+          <a:blip r:embed="rId10" cstate="email">
             <a:alphaModFix/>
             <a:extLst>
               <a:ext uri="{28A0092B-C50C-407E-A947-70E740481C1C}">
@@ -18012,12 +19488,12 @@
       </p:pic>
       <p:pic>
         <p:nvPicPr>
-          <p:cNvPr id="191" name="Google Shape;191;p28"/>
+          <p:cNvPr id="211" name="Google Shape;211;p29"/>
           <p:cNvPicPr preferRelativeResize="0"/>
           <p:nvPr/>
         </p:nvPicPr>
         <p:blipFill>
-          <a:blip r:embed="rId10" cstate="email">
+          <a:blip r:embed="rId11" cstate="email">
             <a:alphaModFix/>
             <a:extLst>
               <a:ext uri="{28A0092B-C50C-407E-A947-70E740481C1C}">
@@ -18038,8 +19514,14 @@
             <a:avLst/>
           </a:prstGeom>
           <a:noFill/>
-          <a:ln>
-            <a:noFill/>
+          <a:ln w="9525" cap="flat" cmpd="sng">
+            <a:solidFill>
+              <a:srgbClr val="FF0000"/>
+            </a:solidFill>
+            <a:prstDash val="solid"/>
+            <a:round/>
+            <a:headEnd type="none" w="sm" len="sm"/>
+            <a:tailEnd type="none" w="sm" len="sm"/>
           </a:ln>
         </p:spPr>
       </p:pic>
@@ -18051,12 +19533,12 @@
 </p:sld>
 </file>
 
-<file path=ppt/slides/slide15.xml><?xml version="1.0" encoding="utf-8"?>
+<file path=ppt/slides/slide16.xml><?xml version="1.0" encoding="utf-8"?>
 <p:sld xmlns:a="http://schemas.openxmlformats.org/drawingml/2006/main" xmlns:r="http://schemas.openxmlformats.org/officeDocument/2006/relationships" xmlns:p="http://schemas.openxmlformats.org/presentationml/2006/main">
   <p:cSld>
     <p:spTree>
       <p:nvGrpSpPr>
-        <p:cNvPr id="1" name="Shape 195"/>
+        <p:cNvPr id="1" name="Shape 215"/>
         <p:cNvGrpSpPr/>
         <p:nvPr/>
       </p:nvGrpSpPr>
@@ -18070,7 +19552,7 @@
       </p:grpSpPr>
       <p:sp>
         <p:nvSpPr>
-          <p:cNvPr id="196" name="Google Shape;196;p29"/>
+          <p:cNvPr id="216" name="Google Shape;216;p30"/>
           <p:cNvSpPr txBox="1"/>
           <p:nvPr/>
         </p:nvSpPr>
@@ -18133,7 +19615,7 @@
       </p:sp>
       <p:sp>
         <p:nvSpPr>
-          <p:cNvPr id="197" name="Google Shape;197;p29"/>
+          <p:cNvPr id="217" name="Google Shape;217;p30"/>
           <p:cNvSpPr txBox="1"/>
           <p:nvPr/>
         </p:nvSpPr>
@@ -18793,7 +20275,7 @@
       </p:sp>
       <p:sp>
         <p:nvSpPr>
-          <p:cNvPr id="198" name="Google Shape;198;p29"/>
+          <p:cNvPr id="218" name="Google Shape;218;p30"/>
           <p:cNvSpPr txBox="1"/>
           <p:nvPr/>
         </p:nvSpPr>
@@ -19971,6 +21453,133 @@
           </a:p>
         </p:txBody>
       </p:sp>
+      <p:sp>
+        <p:nvSpPr>
+          <p:cNvPr id="219" name="Google Shape;219;p30"/>
+          <p:cNvSpPr txBox="1"/>
+          <p:nvPr/>
+        </p:nvSpPr>
+        <p:spPr>
+          <a:xfrm>
+            <a:off x="110351" y="3094400"/>
+            <a:ext cx="3652800" cy="526500"/>
+          </a:xfrm>
+          <a:prstGeom prst="rect">
+            <a:avLst/>
+          </a:prstGeom>
+          <a:solidFill>
+            <a:srgbClr val="FFF2CC"/>
+          </a:solidFill>
+          <a:ln w="9525" cap="flat" cmpd="sng">
+            <a:solidFill>
+              <a:srgbClr val="FF0000"/>
+            </a:solidFill>
+            <a:prstDash val="solid"/>
+            <a:round/>
+            <a:headEnd type="none" w="sm" len="sm"/>
+            <a:tailEnd type="none" w="sm" len="sm"/>
+          </a:ln>
+        </p:spPr>
+        <p:txBody>
+          <a:bodyPr spcFirstLastPara="1" wrap="square" lIns="9125" tIns="9125" rIns="9125" bIns="9125" anchor="t" anchorCtr="0">
+            <a:spAutoFit/>
+          </a:bodyPr>
+          <a:lstStyle/>
+          <a:p>
+            <a:pPr marL="171450" marR="0" lvl="0" indent="-133350" algn="l" rtl="0">
+              <a:lnSpc>
+                <a:spcPct val="100000"/>
+              </a:lnSpc>
+              <a:spcBef>
+                <a:spcPts val="0"/>
+              </a:spcBef>
+              <a:spcAft>
+                <a:spcPts val="0"/>
+              </a:spcAft>
+              <a:buClr>
+                <a:schemeClr val="dk1"/>
+              </a:buClr>
+              <a:buSzPts val="1200"/>
+              <a:buFont typeface="Calibri"/>
+              <a:buChar char="●"/>
+            </a:pPr>
+            <a:r>
+              <a:rPr lang="en" sz="1200">
+                <a:solidFill>
+                  <a:schemeClr val="dk1"/>
+                </a:solidFill>
+                <a:latin typeface="Calibri"/>
+                <a:ea typeface="Calibri"/>
+                <a:cs typeface="Calibri"/>
+                <a:sym typeface="Calibri"/>
+              </a:rPr>
+              <a:t>DeepSeek R1 1.5B running FULLY LOCALLY in your browser at 60 tok/ sec powered by WebGPU</a:t>
+            </a:r>
+            <a:endParaRPr sz="900">
+              <a:solidFill>
+                <a:schemeClr val="dk1"/>
+              </a:solidFill>
+              <a:latin typeface="Calibri"/>
+              <a:ea typeface="Calibri"/>
+              <a:cs typeface="Calibri"/>
+              <a:sym typeface="Calibri"/>
+            </a:endParaRPr>
+          </a:p>
+          <a:p>
+            <a:pPr marL="171450" marR="0" lvl="0" indent="-114300" algn="l" rtl="0">
+              <a:lnSpc>
+                <a:spcPct val="100000"/>
+              </a:lnSpc>
+              <a:spcBef>
+                <a:spcPts val="0"/>
+              </a:spcBef>
+              <a:spcAft>
+                <a:spcPts val="0"/>
+              </a:spcAft>
+              <a:buClr>
+                <a:schemeClr val="dk1"/>
+              </a:buClr>
+              <a:buSzPts val="900"/>
+              <a:buFont typeface="Calibri"/>
+              <a:buChar char="●"/>
+            </a:pPr>
+            <a:r>
+              <a:rPr lang="en" sz="900" u="sng">
+                <a:solidFill>
+                  <a:schemeClr val="hlink"/>
+                </a:solidFill>
+                <a:latin typeface="Calibri"/>
+                <a:ea typeface="Calibri"/>
+                <a:cs typeface="Calibri"/>
+                <a:sym typeface="Calibri"/>
+                <a:hlinkClick r:id="rId12"/>
+              </a:rPr>
+              <a:t>https://x.com/reach_vb/status/1881809400995934640</a:t>
+            </a:r>
+            <a:r>
+              <a:rPr lang="en" sz="900">
+                <a:solidFill>
+                  <a:schemeClr val="dk1"/>
+                </a:solidFill>
+                <a:latin typeface="Calibri"/>
+                <a:ea typeface="Calibri"/>
+                <a:cs typeface="Calibri"/>
+                <a:sym typeface="Calibri"/>
+              </a:rPr>
+              <a:t> </a:t>
+            </a:r>
+            <a:endParaRPr sz="900">
+              <a:solidFill>
+                <a:schemeClr val="dk1"/>
+              </a:solidFill>
+              <a:latin typeface="Calibri"/>
+              <a:ea typeface="Calibri"/>
+              <a:cs typeface="Calibri"/>
+              <a:sym typeface="Calibri"/>
+            </a:endParaRPr>
+          </a:p>
+        </p:txBody>
+      </p:sp>
     </p:spTree>
   </p:cSld>
   <p:clrMapOvr>
@@ -19979,12 +21588,12 @@
 </p:sld>
 </file>
 
-<file path=ppt/slides/slide16.xml><?xml version="1.0" encoding="utf-8"?>
+<file path=ppt/slides/slide17.xml><?xml version="1.0" encoding="utf-8"?>
 <p:sld xmlns:a="http://schemas.openxmlformats.org/drawingml/2006/main" xmlns:r="http://schemas.openxmlformats.org/officeDocument/2006/relationships" xmlns:p="http://schemas.openxmlformats.org/presentationml/2006/main">
   <p:cSld>
     <p:spTree>
       <p:nvGrpSpPr>
-        <p:cNvPr id="1" name="Shape 202"/>
+        <p:cNvPr id="1" name="Shape 223"/>
         <p:cNvGrpSpPr/>
         <p:nvPr/>
       </p:nvGrpSpPr>
@@ -19998,7 +21607,7 @@
       </p:grpSpPr>
       <p:sp>
         <p:nvSpPr>
-          <p:cNvPr id="203" name="Google Shape;203;p30"/>
+          <p:cNvPr id="224" name="Google Shape;224;p31"/>
           <p:cNvSpPr txBox="1"/>
           <p:nvPr/>
         </p:nvSpPr>
@@ -20061,7 +21670,7 @@
       </p:sp>
       <p:sp>
         <p:nvSpPr>
-          <p:cNvPr id="204" name="Google Shape;204;p30"/>
+          <p:cNvPr id="225" name="Google Shape;225;p31"/>
           <p:cNvSpPr txBox="1"/>
           <p:nvPr/>
         </p:nvSpPr>
@@ -20228,7 +21837,7 @@
       </p:sp>
       <p:pic>
         <p:nvPicPr>
-          <p:cNvPr id="205" name="Google Shape;205;p30"/>
+          <p:cNvPr id="226" name="Google Shape;226;p31"/>
           <p:cNvPicPr preferRelativeResize="0"/>
           <p:nvPr/>
         </p:nvPicPr>
@@ -20267,7 +21876,7 @@
       </p:pic>
       <p:sp>
         <p:nvSpPr>
-          <p:cNvPr id="206" name="Google Shape;206;p30"/>
+          <p:cNvPr id="227" name="Google Shape;227;p31"/>
           <p:cNvSpPr txBox="1"/>
           <p:nvPr/>
         </p:nvSpPr>
@@ -20400,12 +22009,12 @@
 </p:sld>
 </file>
 
-<file path=ppt/slides/slide17.xml><?xml version="1.0" encoding="utf-8"?>
+<file path=ppt/slides/slide18.xml><?xml version="1.0" encoding="utf-8"?>
 <p:sld xmlns:a="http://schemas.openxmlformats.org/drawingml/2006/main" xmlns:r="http://schemas.openxmlformats.org/officeDocument/2006/relationships" xmlns:p="http://schemas.openxmlformats.org/presentationml/2006/main">
   <p:cSld>
     <p:spTree>
       <p:nvGrpSpPr>
-        <p:cNvPr id="1" name="Shape 210"/>
+        <p:cNvPr id="1" name="Shape 231"/>
         <p:cNvGrpSpPr/>
         <p:nvPr/>
       </p:nvGrpSpPr>
@@ -20419,7 +22028,7 @@
       </p:grpSpPr>
       <p:sp>
         <p:nvSpPr>
-          <p:cNvPr id="211" name="Google Shape;211;p31"/>
+          <p:cNvPr id="232" name="Google Shape;232;p32"/>
           <p:cNvSpPr txBox="1"/>
           <p:nvPr/>
         </p:nvSpPr>
@@ -20586,7 +22195,7 @@
       </p:sp>
       <p:sp>
         <p:nvSpPr>
-          <p:cNvPr id="212" name="Google Shape;212;p31"/>
+          <p:cNvPr id="233" name="Google Shape;233;p32"/>
           <p:cNvSpPr txBox="1"/>
           <p:nvPr/>
         </p:nvSpPr>
@@ -20652,7 +22261,7 @@
       </p:sp>
       <p:sp>
         <p:nvSpPr>
-          <p:cNvPr id="213" name="Google Shape;213;p31"/>
+          <p:cNvPr id="234" name="Google Shape;234;p32"/>
           <p:cNvSpPr txBox="1"/>
           <p:nvPr/>
         </p:nvSpPr>
@@ -20778,7 +22387,7 @@
       </p:sp>
       <p:sp>
         <p:nvSpPr>
-          <p:cNvPr id="214" name="Google Shape;214;p31"/>
+          <p:cNvPr id="235" name="Google Shape;235;p32"/>
           <p:cNvSpPr txBox="1"/>
           <p:nvPr/>
         </p:nvSpPr>
@@ -20852,7 +22461,7 @@
       </p:sp>
       <p:sp>
         <p:nvSpPr>
-          <p:cNvPr id="215" name="Google Shape;215;p31"/>
+          <p:cNvPr id="236" name="Google Shape;236;p32"/>
           <p:cNvSpPr txBox="1"/>
           <p:nvPr/>
         </p:nvSpPr>
@@ -21013,7 +22622,7 @@
       </p:sp>
       <p:sp>
         <p:nvSpPr>
-          <p:cNvPr id="216" name="Google Shape;216;p31"/>
+          <p:cNvPr id="237" name="Google Shape;237;p32"/>
           <p:cNvSpPr txBox="1"/>
           <p:nvPr/>
         </p:nvSpPr>
@@ -21087,7 +22696,7 @@
       </p:sp>
       <p:sp>
         <p:nvSpPr>
-          <p:cNvPr id="217" name="Google Shape;217;p31"/>
+          <p:cNvPr id="238" name="Google Shape;238;p32"/>
           <p:cNvSpPr txBox="1"/>
           <p:nvPr/>
         </p:nvSpPr>
@@ -21162,7 +22771,7 @@
       </p:sp>
       <p:sp>
         <p:nvSpPr>
-          <p:cNvPr id="218" name="Google Shape;218;p31"/>
+          <p:cNvPr id="239" name="Google Shape;239;p32"/>
           <p:cNvSpPr/>
           <p:nvPr/>
         </p:nvSpPr>
@@ -21208,7 +22817,7 @@
       </p:sp>
       <p:sp>
         <p:nvSpPr>
-          <p:cNvPr id="219" name="Google Shape;219;p31"/>
+          <p:cNvPr id="240" name="Google Shape;240;p32"/>
           <p:cNvSpPr/>
           <p:nvPr/>
         </p:nvSpPr>
@@ -21254,7 +22863,7 @@
       </p:sp>
       <p:sp>
         <p:nvSpPr>
-          <p:cNvPr id="220" name="Google Shape;220;p31"/>
+          <p:cNvPr id="241" name="Google Shape;241;p32"/>
           <p:cNvSpPr txBox="1"/>
           <p:nvPr/>
         </p:nvSpPr>
@@ -21329,7 +22938,7 @@
       </p:sp>
       <p:sp>
         <p:nvSpPr>
-          <p:cNvPr id="221" name="Google Shape;221;p31"/>
+          <p:cNvPr id="242" name="Google Shape;242;p32"/>
           <p:cNvSpPr/>
           <p:nvPr/>
         </p:nvSpPr>
@@ -21375,7 +22984,7 @@
       </p:sp>
       <p:sp>
         <p:nvSpPr>
-          <p:cNvPr id="222" name="Google Shape;222;p31"/>
+          <p:cNvPr id="243" name="Google Shape;243;p32"/>
           <p:cNvSpPr/>
           <p:nvPr/>
         </p:nvSpPr>
@@ -21421,7 +23030,7 @@
       </p:sp>
       <p:sp>
         <p:nvSpPr>
-          <p:cNvPr id="223" name="Google Shape;223;p31"/>
+          <p:cNvPr id="244" name="Google Shape;244;p32"/>
           <p:cNvSpPr/>
           <p:nvPr/>
         </p:nvSpPr>
@@ -21467,7 +23076,7 @@
       </p:sp>
       <p:sp>
         <p:nvSpPr>
-          <p:cNvPr id="224" name="Google Shape;224;p31"/>
+          <p:cNvPr id="245" name="Google Shape;245;p32"/>
           <p:cNvSpPr txBox="1"/>
           <p:nvPr/>
         </p:nvSpPr>
@@ -21542,7 +23151,7 @@
       </p:sp>
       <p:sp>
         <p:nvSpPr>
-          <p:cNvPr id="225" name="Google Shape;225;p31"/>
+          <p:cNvPr id="246" name="Google Shape;246;p32"/>
           <p:cNvSpPr/>
           <p:nvPr/>
         </p:nvSpPr>
@@ -21588,7 +23197,7 @@
       </p:sp>
       <p:sp>
         <p:nvSpPr>
-          <p:cNvPr id="226" name="Google Shape;226;p31"/>
+          <p:cNvPr id="247" name="Google Shape;247;p32"/>
           <p:cNvSpPr/>
           <p:nvPr/>
         </p:nvSpPr>
@@ -21634,7 +23243,7 @@
       </p:sp>
       <p:sp>
         <p:nvSpPr>
-          <p:cNvPr id="227" name="Google Shape;227;p31"/>
+          <p:cNvPr id="248" name="Google Shape;248;p32"/>
           <p:cNvSpPr/>
           <p:nvPr/>
         </p:nvSpPr>
@@ -21680,7 +23289,7 @@
       </p:sp>
       <p:sp>
         <p:nvSpPr>
-          <p:cNvPr id="228" name="Google Shape;228;p31"/>
+          <p:cNvPr id="249" name="Google Shape;249;p32"/>
           <p:cNvSpPr/>
           <p:nvPr/>
         </p:nvSpPr>
@@ -21726,7 +23335,7 @@
       </p:sp>
       <p:sp>
         <p:nvSpPr>
-          <p:cNvPr id="229" name="Google Shape;229;p31"/>
+          <p:cNvPr id="250" name="Google Shape;250;p32"/>
           <p:cNvSpPr/>
           <p:nvPr/>
         </p:nvSpPr>
@@ -21772,7 +23381,7 @@
       </p:sp>
       <p:sp>
         <p:nvSpPr>
-          <p:cNvPr id="230" name="Google Shape;230;p31"/>
+          <p:cNvPr id="251" name="Google Shape;251;p32"/>
           <p:cNvSpPr/>
           <p:nvPr/>
         </p:nvSpPr>
@@ -21818,7 +23427,7 @@
       </p:sp>
       <p:sp>
         <p:nvSpPr>
-          <p:cNvPr id="231" name="Google Shape;231;p31"/>
+          <p:cNvPr id="252" name="Google Shape;252;p32"/>
           <p:cNvSpPr/>
           <p:nvPr/>
         </p:nvSpPr>
@@ -21864,7 +23473,7 @@
       </p:sp>
       <p:sp>
         <p:nvSpPr>
-          <p:cNvPr id="232" name="Google Shape;232;p31"/>
+          <p:cNvPr id="253" name="Google Shape;253;p32"/>
           <p:cNvSpPr/>
           <p:nvPr/>
         </p:nvSpPr>
@@ -21910,7 +23519,7 @@
       </p:sp>
       <p:sp>
         <p:nvSpPr>
-          <p:cNvPr id="233" name="Google Shape;233;p31"/>
+          <p:cNvPr id="254" name="Google Shape;254;p32"/>
           <p:cNvSpPr txBox="1"/>
           <p:nvPr/>
         </p:nvSpPr>
@@ -21985,7 +23594,7 @@
       </p:sp>
       <p:sp>
         <p:nvSpPr>
-          <p:cNvPr id="234" name="Google Shape;234;p31"/>
+          <p:cNvPr id="255" name="Google Shape;255;p32"/>
           <p:cNvSpPr txBox="1"/>
           <p:nvPr/>
         </p:nvSpPr>
@@ -22060,7 +23669,7 @@
       </p:sp>
       <p:sp>
         <p:nvSpPr>
-          <p:cNvPr id="235" name="Google Shape;235;p31"/>
+          <p:cNvPr id="256" name="Google Shape;256;p32"/>
           <p:cNvSpPr/>
           <p:nvPr/>
         </p:nvSpPr>
@@ -22106,7 +23715,7 @@
       </p:sp>
       <p:sp>
         <p:nvSpPr>
-          <p:cNvPr id="236" name="Google Shape;236;p31"/>
+          <p:cNvPr id="257" name="Google Shape;257;p32"/>
           <p:cNvSpPr txBox="1"/>
           <p:nvPr/>
         </p:nvSpPr>
@@ -22181,7 +23790,7 @@
       </p:sp>
       <p:sp>
         <p:nvSpPr>
-          <p:cNvPr id="237" name="Google Shape;237;p31"/>
+          <p:cNvPr id="258" name="Google Shape;258;p32"/>
           <p:cNvSpPr/>
           <p:nvPr/>
         </p:nvSpPr>
@@ -22227,7 +23836,7 @@
       </p:sp>
       <p:sp>
         <p:nvSpPr>
-          <p:cNvPr id="238" name="Google Shape;238;p31"/>
+          <p:cNvPr id="259" name="Google Shape;259;p32"/>
           <p:cNvSpPr/>
           <p:nvPr/>
         </p:nvSpPr>
@@ -22273,7 +23882,7 @@
       </p:sp>
       <p:sp>
         <p:nvSpPr>
-          <p:cNvPr id="239" name="Google Shape;239;p31"/>
+          <p:cNvPr id="260" name="Google Shape;260;p32"/>
           <p:cNvSpPr txBox="1"/>
           <p:nvPr/>
         </p:nvSpPr>
@@ -22348,7 +23957,7 @@
       </p:sp>
       <p:sp>
         <p:nvSpPr>
-          <p:cNvPr id="240" name="Google Shape;240;p31"/>
+          <p:cNvPr id="261" name="Google Shape;261;p32"/>
           <p:cNvSpPr/>
           <p:nvPr/>
         </p:nvSpPr>
@@ -22394,7 +24003,7 @@
       </p:sp>
       <p:sp>
         <p:nvSpPr>
-          <p:cNvPr id="241" name="Google Shape;241;p31"/>
+          <p:cNvPr id="262" name="Google Shape;262;p32"/>
           <p:cNvSpPr txBox="1"/>
           <p:nvPr/>
         </p:nvSpPr>
@@ -22469,7 +24078,7 @@
       </p:sp>
       <p:sp>
         <p:nvSpPr>
-          <p:cNvPr id="242" name="Google Shape;242;p31"/>
+          <p:cNvPr id="263" name="Google Shape;263;p32"/>
           <p:cNvSpPr/>
           <p:nvPr/>
         </p:nvSpPr>
@@ -22515,7 +24124,7 @@
       </p:sp>
       <p:sp>
         <p:nvSpPr>
-          <p:cNvPr id="243" name="Google Shape;243;p31"/>
+          <p:cNvPr id="264" name="Google Shape;264;p32"/>
           <p:cNvSpPr txBox="1"/>
           <p:nvPr/>
         </p:nvSpPr>
@@ -22586,7 +24195,7 @@
       </p:sp>
       <p:sp>
         <p:nvSpPr>
-          <p:cNvPr id="244" name="Google Shape;244;p31"/>
+          <p:cNvPr id="265" name="Google Shape;265;p32"/>
           <p:cNvSpPr txBox="1"/>
           <p:nvPr/>
         </p:nvSpPr>
@@ -22661,7 +24270,7 @@
       </p:sp>
       <p:sp>
         <p:nvSpPr>
-          <p:cNvPr id="245" name="Google Shape;245;p31"/>
+          <p:cNvPr id="266" name="Google Shape;266;p32"/>
           <p:cNvSpPr txBox="1"/>
           <p:nvPr/>
         </p:nvSpPr>
@@ -22732,7 +24341,7 @@
       </p:sp>
       <p:sp>
         <p:nvSpPr>
-          <p:cNvPr id="246" name="Google Shape;246;p31"/>
+          <p:cNvPr id="267" name="Google Shape;267;p32"/>
           <p:cNvSpPr txBox="1"/>
           <p:nvPr/>
         </p:nvSpPr>
@@ -22807,7 +24416,7 @@
       </p:sp>
       <p:sp>
         <p:nvSpPr>
-          <p:cNvPr id="247" name="Google Shape;247;p31"/>
+          <p:cNvPr id="268" name="Google Shape;268;p32"/>
           <p:cNvSpPr/>
           <p:nvPr/>
         </p:nvSpPr>
@@ -22853,7 +24462,7 @@
       </p:sp>
       <p:sp>
         <p:nvSpPr>
-          <p:cNvPr id="248" name="Google Shape;248;p31"/>
+          <p:cNvPr id="269" name="Google Shape;269;p32"/>
           <p:cNvSpPr/>
           <p:nvPr/>
         </p:nvSpPr>
@@ -22899,7 +24508,7 @@
       </p:sp>
       <p:sp>
         <p:nvSpPr>
-          <p:cNvPr id="249" name="Google Shape;249;p31"/>
+          <p:cNvPr id="270" name="Google Shape;270;p32"/>
           <p:cNvSpPr/>
           <p:nvPr/>
         </p:nvSpPr>
@@ -22945,7 +24554,7 @@
       </p:sp>
       <p:sp>
         <p:nvSpPr>
-          <p:cNvPr id="250" name="Google Shape;250;p31"/>
+          <p:cNvPr id="271" name="Google Shape;271;p32"/>
           <p:cNvSpPr/>
           <p:nvPr/>
         </p:nvSpPr>
@@ -22991,7 +24600,7 @@
       </p:sp>
       <p:sp>
         <p:nvSpPr>
-          <p:cNvPr id="251" name="Google Shape;251;p31"/>
+          <p:cNvPr id="272" name="Google Shape;272;p32"/>
           <p:cNvSpPr/>
           <p:nvPr/>
         </p:nvSpPr>
@@ -23037,7 +24646,7 @@
       </p:sp>
       <p:sp>
         <p:nvSpPr>
-          <p:cNvPr id="252" name="Google Shape;252;p31"/>
+          <p:cNvPr id="273" name="Google Shape;273;p32"/>
           <p:cNvSpPr/>
           <p:nvPr/>
         </p:nvSpPr>
@@ -23083,7 +24692,7 @@
       </p:sp>
       <p:sp>
         <p:nvSpPr>
-          <p:cNvPr id="253" name="Google Shape;253;p31"/>
+          <p:cNvPr id="274" name="Google Shape;274;p32"/>
           <p:cNvSpPr/>
           <p:nvPr/>
         </p:nvSpPr>
@@ -23129,7 +24738,7 @@
       </p:sp>
       <p:sp>
         <p:nvSpPr>
-          <p:cNvPr id="254" name="Google Shape;254;p31"/>
+          <p:cNvPr id="275" name="Google Shape;275;p32"/>
           <p:cNvSpPr/>
           <p:nvPr/>
         </p:nvSpPr>
@@ -23175,7 +24784,7 @@
       </p:sp>
       <p:sp>
         <p:nvSpPr>
-          <p:cNvPr id="255" name="Google Shape;255;p31"/>
+          <p:cNvPr id="276" name="Google Shape;276;p32"/>
           <p:cNvSpPr/>
           <p:nvPr/>
         </p:nvSpPr>
@@ -23221,7 +24830,7 @@
       </p:sp>
       <p:sp>
         <p:nvSpPr>
-          <p:cNvPr id="256" name="Google Shape;256;p31"/>
+          <p:cNvPr id="277" name="Google Shape;277;p32"/>
           <p:cNvSpPr/>
           <p:nvPr/>
         </p:nvSpPr>
@@ -23267,7 +24876,7 @@
       </p:sp>
       <p:pic>
         <p:nvPicPr>
-          <p:cNvPr id="257" name="Google Shape;257;p31"/>
+          <p:cNvPr id="278" name="Google Shape;278;p32"/>
           <p:cNvPicPr preferRelativeResize="0"/>
           <p:nvPr/>
         </p:nvPicPr>
@@ -23306,7 +24915,7 @@
       </p:pic>
       <p:pic>
         <p:nvPicPr>
-          <p:cNvPr id="258" name="Google Shape;258;p31"/>
+          <p:cNvPr id="279" name="Google Shape;279;p32"/>
           <p:cNvPicPr preferRelativeResize="0"/>
           <p:nvPr/>
         </p:nvPicPr>
@@ -23345,7 +24954,7 @@
       </p:pic>
       <p:sp>
         <p:nvSpPr>
-          <p:cNvPr id="259" name="Google Shape;259;p31"/>
+          <p:cNvPr id="280" name="Google Shape;280;p32"/>
           <p:cNvSpPr/>
           <p:nvPr/>
         </p:nvSpPr>
@@ -23391,7 +25000,7 @@
       </p:sp>
       <p:sp>
         <p:nvSpPr>
-          <p:cNvPr id="260" name="Google Shape;260;p31"/>
+          <p:cNvPr id="281" name="Google Shape;281;p32"/>
           <p:cNvSpPr txBox="1"/>
           <p:nvPr/>
         </p:nvSpPr>
@@ -23466,7 +25075,7 @@
       </p:sp>
       <p:sp>
         <p:nvSpPr>
-          <p:cNvPr id="261" name="Google Shape;261;p31"/>
+          <p:cNvPr id="282" name="Google Shape;282;p32"/>
           <p:cNvSpPr txBox="1"/>
           <p:nvPr/>
         </p:nvSpPr>
@@ -23541,7 +25150,7 @@
       </p:sp>
       <p:sp>
         <p:nvSpPr>
-          <p:cNvPr id="262" name="Google Shape;262;p31"/>
+          <p:cNvPr id="283" name="Google Shape;283;p32"/>
           <p:cNvSpPr/>
           <p:nvPr/>
         </p:nvSpPr>
@@ -23587,7 +25196,7 @@
       </p:sp>
       <p:sp>
         <p:nvSpPr>
-          <p:cNvPr id="263" name="Google Shape;263;p31"/>
+          <p:cNvPr id="284" name="Google Shape;284;p32"/>
           <p:cNvSpPr txBox="1"/>
           <p:nvPr/>
         </p:nvSpPr>
@@ -23662,7 +25271,7 @@
       </p:sp>
       <p:sp>
         <p:nvSpPr>
-          <p:cNvPr id="264" name="Google Shape;264;p31"/>
+          <p:cNvPr id="285" name="Google Shape;285;p32"/>
           <p:cNvSpPr txBox="1"/>
           <p:nvPr/>
         </p:nvSpPr>
@@ -23733,7 +25342,7 @@
       </p:sp>
       <p:sp>
         <p:nvSpPr>
-          <p:cNvPr id="265" name="Google Shape;265;p31"/>
+          <p:cNvPr id="286" name="Google Shape;286;p32"/>
           <p:cNvSpPr/>
           <p:nvPr/>
         </p:nvSpPr>
@@ -23779,7 +25388,7 @@
       </p:sp>
       <p:sp>
         <p:nvSpPr>
-          <p:cNvPr id="266" name="Google Shape;266;p31"/>
+          <p:cNvPr id="287" name="Google Shape;287;p32"/>
           <p:cNvSpPr txBox="1"/>
           <p:nvPr/>
         </p:nvSpPr>
@@ -23856,12 +25465,12 @@
 </p:sld>
 </file>
 
-<file path=ppt/slides/slide18.xml><?xml version="1.0" encoding="utf-8"?>
+<file path=ppt/slides/slide19.xml><?xml version="1.0" encoding="utf-8"?>
 <p:sld xmlns:a="http://schemas.openxmlformats.org/drawingml/2006/main" xmlns:r="http://schemas.openxmlformats.org/officeDocument/2006/relationships" xmlns:p="http://schemas.openxmlformats.org/presentationml/2006/main">
   <p:cSld>
     <p:spTree>
       <p:nvGrpSpPr>
-        <p:cNvPr id="1" name="Shape 270"/>
+        <p:cNvPr id="1" name="Shape 291"/>
         <p:cNvGrpSpPr/>
         <p:nvPr/>
       </p:nvGrpSpPr>
@@ -23875,7 +25484,7 @@
       </p:grpSpPr>
       <p:sp>
         <p:nvSpPr>
-          <p:cNvPr id="271" name="Google Shape;271;p32"/>
+          <p:cNvPr id="292" name="Google Shape;292;p33"/>
           <p:cNvSpPr txBox="1"/>
           <p:nvPr/>
         </p:nvSpPr>
@@ -23941,7 +25550,7 @@
       </p:sp>
       <p:sp>
         <p:nvSpPr>
-          <p:cNvPr id="272" name="Google Shape;272;p32"/>
+          <p:cNvPr id="293" name="Google Shape;293;p33"/>
           <p:cNvSpPr txBox="1"/>
           <p:nvPr/>
         </p:nvSpPr>
@@ -24017,7 +25626,7 @@
       </p:sp>
       <p:pic>
         <p:nvPicPr>
-          <p:cNvPr id="273" name="Google Shape;273;p32"/>
+          <p:cNvPr id="294" name="Google Shape;294;p33"/>
           <p:cNvPicPr preferRelativeResize="0"/>
           <p:nvPr/>
         </p:nvPicPr>
@@ -24048,1378 +25657,6 @@
           </a:ln>
         </p:spPr>
       </p:pic>
-    </p:spTree>
-  </p:cSld>
-  <p:clrMapOvr>
-    <a:masterClrMapping/>
-  </p:clrMapOvr>
-</p:sld>
-</file>
-
-<file path=ppt/slides/slide19.xml><?xml version="1.0" encoding="utf-8"?>
-<p:sld xmlns:a="http://schemas.openxmlformats.org/drawingml/2006/main" xmlns:r="http://schemas.openxmlformats.org/officeDocument/2006/relationships" xmlns:p="http://schemas.openxmlformats.org/presentationml/2006/main">
-  <p:cSld>
-    <p:spTree>
-      <p:nvGrpSpPr>
-        <p:cNvPr id="1" name="Shape 277"/>
-        <p:cNvGrpSpPr/>
-        <p:nvPr/>
-      </p:nvGrpSpPr>
-      <p:grpSpPr>
-        <a:xfrm>
-          <a:off x="0" y="0"/>
-          <a:ext cx="0" cy="0"/>
-          <a:chOff x="0" y="0"/>
-          <a:chExt cx="0" cy="0"/>
-        </a:xfrm>
-      </p:grpSpPr>
-      <p:sp>
-        <p:nvSpPr>
-          <p:cNvPr id="278" name="Google Shape;278;p33"/>
-          <p:cNvSpPr txBox="1"/>
-          <p:nvPr/>
-        </p:nvSpPr>
-        <p:spPr>
-          <a:xfrm>
-            <a:off x="-38048" y="-108050"/>
-            <a:ext cx="4151700" cy="492600"/>
-          </a:xfrm>
-          <a:prstGeom prst="rect">
-            <a:avLst/>
-          </a:prstGeom>
-          <a:noFill/>
-          <a:ln>
-            <a:noFill/>
-          </a:ln>
-        </p:spPr>
-        <p:txBody>
-          <a:bodyPr spcFirstLastPara="1" wrap="square" lIns="91425" tIns="91425" rIns="91425" bIns="91425" anchor="t" anchorCtr="0">
-            <a:spAutoFit/>
-          </a:bodyPr>
-          <a:lstStyle/>
-          <a:p>
-            <a:pPr marL="0" marR="0" lvl="0" indent="0" algn="l" rtl="0">
-              <a:lnSpc>
-                <a:spcPct val="100000"/>
-              </a:lnSpc>
-              <a:spcBef>
-                <a:spcPts val="0"/>
-              </a:spcBef>
-              <a:spcAft>
-                <a:spcPts val="0"/>
-              </a:spcAft>
-              <a:buClr>
-                <a:srgbClr val="000000"/>
-              </a:buClr>
-              <a:buSzPts val="2000"/>
-              <a:buFont typeface="Arial"/>
-              <a:buNone/>
-            </a:pPr>
-            <a:r>
-              <a:rPr lang="en" sz="2000" b="1">
-                <a:solidFill>
-                  <a:schemeClr val="dk1"/>
-                </a:solidFill>
-                <a:latin typeface="Calibri"/>
-                <a:ea typeface="Calibri"/>
-                <a:cs typeface="Calibri"/>
-                <a:sym typeface="Calibri"/>
-              </a:rPr>
-              <a:t>Jobs </a:t>
-            </a:r>
-            <a:endParaRPr sz="2000" b="1" i="0" u="none" strike="noStrike" cap="none">
-              <a:solidFill>
-                <a:srgbClr val="000000"/>
-              </a:solidFill>
-              <a:latin typeface="Calibri"/>
-              <a:ea typeface="Calibri"/>
-              <a:cs typeface="Calibri"/>
-              <a:sym typeface="Calibri"/>
-            </a:endParaRPr>
-          </a:p>
-        </p:txBody>
-      </p:sp>
-      <p:sp>
-        <p:nvSpPr>
-          <p:cNvPr id="279" name="Google Shape;279;p33"/>
-          <p:cNvSpPr txBox="1"/>
-          <p:nvPr/>
-        </p:nvSpPr>
-        <p:spPr>
-          <a:xfrm>
-            <a:off x="676675" y="189013"/>
-            <a:ext cx="4064100" cy="923400"/>
-          </a:xfrm>
-          <a:prstGeom prst="rect">
-            <a:avLst/>
-          </a:prstGeom>
-          <a:noFill/>
-          <a:ln w="9525" cap="flat" cmpd="sng">
-            <a:solidFill>
-              <a:srgbClr val="FF0000"/>
-            </a:solidFill>
-            <a:prstDash val="solid"/>
-            <a:round/>
-            <a:headEnd type="none" w="sm" len="sm"/>
-            <a:tailEnd type="none" w="sm" len="sm"/>
-          </a:ln>
-        </p:spPr>
-        <p:txBody>
-          <a:bodyPr spcFirstLastPara="1" wrap="square" lIns="91425" tIns="91425" rIns="91425" bIns="91425" anchor="t" anchorCtr="0">
-            <a:spAutoFit/>
-          </a:bodyPr>
-          <a:lstStyle/>
-          <a:p>
-            <a:pPr marL="0" marR="0" lvl="0" indent="0" algn="l" rtl="0">
-              <a:lnSpc>
-                <a:spcPct val="100000"/>
-              </a:lnSpc>
-              <a:spcBef>
-                <a:spcPts val="0"/>
-              </a:spcBef>
-              <a:spcAft>
-                <a:spcPts val="0"/>
-              </a:spcAft>
-              <a:buClr>
-                <a:srgbClr val="000000"/>
-              </a:buClr>
-              <a:buSzPts val="1300"/>
-              <a:buFont typeface="Arial"/>
-              <a:buNone/>
-            </a:pPr>
-            <a:r>
-              <a:rPr lang="en" sz="1200" b="0" i="0" u="none" strike="noStrike" cap="none">
-                <a:solidFill>
-                  <a:srgbClr val="0F0F0F"/>
-                </a:solidFill>
-                <a:latin typeface="Calibri"/>
-                <a:ea typeface="Calibri"/>
-                <a:cs typeface="Calibri"/>
-                <a:sym typeface="Calibri"/>
-              </a:rPr>
-              <a:t>Layoffs, Jobs:</a:t>
-            </a:r>
-            <a:endParaRPr sz="1200" b="0" i="0" u="none" strike="noStrike" cap="none">
-              <a:solidFill>
-                <a:srgbClr val="0F0F0F"/>
-              </a:solidFill>
-              <a:latin typeface="Calibri"/>
-              <a:ea typeface="Calibri"/>
-              <a:cs typeface="Calibri"/>
-              <a:sym typeface="Calibri"/>
-            </a:endParaRPr>
-          </a:p>
-          <a:p>
-            <a:pPr marL="57150" marR="0" lvl="0" indent="-114300" algn="l" rtl="0">
-              <a:lnSpc>
-                <a:spcPct val="100000"/>
-              </a:lnSpc>
-              <a:spcBef>
-                <a:spcPts val="0"/>
-              </a:spcBef>
-              <a:spcAft>
-                <a:spcPts val="0"/>
-              </a:spcAft>
-              <a:buSzPts val="900"/>
-              <a:buFont typeface="Calibri"/>
-              <a:buChar char="●"/>
-            </a:pPr>
-            <a:r>
-              <a:rPr lang="en" sz="900" b="0" i="0" u="sng" strike="noStrike" cap="none">
-                <a:solidFill>
-                  <a:srgbClr val="0097A7"/>
-                </a:solidFill>
-                <a:latin typeface="Calibri"/>
-                <a:ea typeface="Calibri"/>
-                <a:cs typeface="Calibri"/>
-                <a:sym typeface="Calibri"/>
-                <a:hlinkClick r:id="rId3">
-                  <a:extLst>
-                    <a:ext uri="{A12FA001-AC4F-418D-AE19-62706E023703}">
-                      <ahyp:hlinkClr xmlns:ahyp="http://schemas.microsoft.com/office/drawing/2018/hyperlinkcolor" val="tx"/>
-                    </a:ext>
-                  </a:extLst>
-                </a:hlinkClick>
-              </a:rPr>
-              <a:t>https://layoffs.fyi</a:t>
-            </a:r>
-            <a:r>
-              <a:rPr lang="en" sz="900" b="0" i="0" u="none" strike="noStrike" cap="none">
-                <a:solidFill>
-                  <a:srgbClr val="0F0F0F"/>
-                </a:solidFill>
-                <a:latin typeface="Calibri"/>
-                <a:ea typeface="Calibri"/>
-                <a:cs typeface="Calibri"/>
-                <a:sym typeface="Calibri"/>
-              </a:rPr>
-              <a:t> </a:t>
-            </a:r>
-            <a:endParaRPr sz="900" b="0" i="0" u="none" strike="noStrike" cap="none">
-              <a:solidFill>
-                <a:srgbClr val="0F0F0F"/>
-              </a:solidFill>
-              <a:latin typeface="Calibri"/>
-              <a:ea typeface="Calibri"/>
-              <a:cs typeface="Calibri"/>
-              <a:sym typeface="Calibri"/>
-            </a:endParaRPr>
-          </a:p>
-          <a:p>
-            <a:pPr marL="57150" marR="0" lvl="0" indent="-114300" algn="l" rtl="0">
-              <a:lnSpc>
-                <a:spcPct val="100000"/>
-              </a:lnSpc>
-              <a:spcBef>
-                <a:spcPts val="0"/>
-              </a:spcBef>
-              <a:spcAft>
-                <a:spcPts val="0"/>
-              </a:spcAft>
-              <a:buSzPts val="900"/>
-              <a:buFont typeface="Calibri"/>
-              <a:buChar char="●"/>
-            </a:pPr>
-            <a:r>
-              <a:rPr lang="en" sz="900" u="sng">
-                <a:solidFill>
-                  <a:schemeClr val="hlink"/>
-                </a:solidFill>
-                <a:latin typeface="Calibri"/>
-                <a:ea typeface="Calibri"/>
-                <a:cs typeface="Calibri"/>
-                <a:sym typeface="Calibri"/>
-                <a:hlinkClick r:id="rId4"/>
-              </a:rPr>
-              <a:t>https://techcrunch.com/2025/02/13/tech-layoffs-2024-list/</a:t>
-            </a:r>
-            <a:endParaRPr sz="900">
-              <a:solidFill>
-                <a:srgbClr val="0F0F0F"/>
-              </a:solidFill>
-              <a:latin typeface="Calibri"/>
-              <a:ea typeface="Calibri"/>
-              <a:cs typeface="Calibri"/>
-              <a:sym typeface="Calibri"/>
-            </a:endParaRPr>
-          </a:p>
-          <a:p>
-            <a:pPr marL="57150" marR="0" lvl="0" indent="-114300" algn="l" rtl="0">
-              <a:lnSpc>
-                <a:spcPct val="100000"/>
-              </a:lnSpc>
-              <a:spcBef>
-                <a:spcPts val="0"/>
-              </a:spcBef>
-              <a:spcAft>
-                <a:spcPts val="0"/>
-              </a:spcAft>
-              <a:buSzPts val="900"/>
-              <a:buFont typeface="Calibri"/>
-              <a:buChar char="●"/>
-            </a:pPr>
-            <a:r>
-              <a:rPr lang="en" sz="900" u="sng">
-                <a:solidFill>
-                  <a:schemeClr val="hlink"/>
-                </a:solidFill>
-                <a:latin typeface="Calibri"/>
-                <a:ea typeface="Calibri"/>
-                <a:cs typeface="Calibri"/>
-                <a:sym typeface="Calibri"/>
-                <a:hlinkClick r:id="rId5"/>
-              </a:rPr>
-              <a:t>https://blog.pragmaticengineer.com/software-engineer-jobs-five-year-low/</a:t>
-            </a:r>
-            <a:r>
-              <a:rPr lang="en" sz="900">
-                <a:solidFill>
-                  <a:srgbClr val="0F0F0F"/>
-                </a:solidFill>
-                <a:latin typeface="Calibri"/>
-                <a:ea typeface="Calibri"/>
-                <a:cs typeface="Calibri"/>
-                <a:sym typeface="Calibri"/>
-              </a:rPr>
-              <a:t>  </a:t>
-            </a:r>
-            <a:endParaRPr sz="900">
-              <a:solidFill>
-                <a:srgbClr val="0F0F0F"/>
-              </a:solidFill>
-              <a:latin typeface="Calibri"/>
-              <a:ea typeface="Calibri"/>
-              <a:cs typeface="Calibri"/>
-              <a:sym typeface="Calibri"/>
-            </a:endParaRPr>
-          </a:p>
-          <a:p>
-            <a:pPr marL="57150" marR="0" lvl="0" indent="-114300" algn="l" rtl="0">
-              <a:lnSpc>
-                <a:spcPct val="100000"/>
-              </a:lnSpc>
-              <a:spcBef>
-                <a:spcPts val="0"/>
-              </a:spcBef>
-              <a:spcAft>
-                <a:spcPts val="0"/>
-              </a:spcAft>
-              <a:buClr>
-                <a:srgbClr val="0F0F0F"/>
-              </a:buClr>
-              <a:buSzPts val="900"/>
-              <a:buFont typeface="Calibri"/>
-              <a:buChar char="●"/>
-            </a:pPr>
-            <a:r>
-              <a:rPr lang="en" sz="900" u="sng">
-                <a:solidFill>
-                  <a:schemeClr val="hlink"/>
-                </a:solidFill>
-                <a:latin typeface="Calibri"/>
-                <a:ea typeface="Calibri"/>
-                <a:cs typeface="Calibri"/>
-                <a:sym typeface="Calibri"/>
-                <a:hlinkClick r:id="rId6"/>
-              </a:rPr>
-              <a:t>https://fred.stlouisfed.org/series/IHLIDXUS</a:t>
-            </a:r>
-            <a:r>
-              <a:rPr lang="en" sz="900">
-                <a:solidFill>
-                  <a:srgbClr val="0F0F0F"/>
-                </a:solidFill>
-                <a:latin typeface="Calibri"/>
-                <a:ea typeface="Calibri"/>
-                <a:cs typeface="Calibri"/>
-                <a:sym typeface="Calibri"/>
-              </a:rPr>
-              <a:t> </a:t>
-            </a:r>
-            <a:endParaRPr sz="900">
-              <a:solidFill>
-                <a:srgbClr val="0F0F0F"/>
-              </a:solidFill>
-              <a:latin typeface="Calibri"/>
-              <a:ea typeface="Calibri"/>
-              <a:cs typeface="Calibri"/>
-              <a:sym typeface="Calibri"/>
-            </a:endParaRPr>
-          </a:p>
-        </p:txBody>
-      </p:sp>
-      <p:pic>
-        <p:nvPicPr>
-          <p:cNvPr id="280" name="Google Shape;280;p33"/>
-          <p:cNvPicPr preferRelativeResize="0"/>
-          <p:nvPr/>
-        </p:nvPicPr>
-        <p:blipFill>
-          <a:blip r:embed="rId7" cstate="email">
-            <a:alphaModFix/>
-            <a:extLst>
-              <a:ext uri="{28A0092B-C50C-407E-A947-70E740481C1C}">
-                <a14:useLocalDpi xmlns:a14="http://schemas.microsoft.com/office/drawing/2010/main"/>
-              </a:ext>
-            </a:extLst>
-          </a:blip>
-          <a:stretch>
-            <a:fillRect/>
-          </a:stretch>
-        </p:blipFill>
-        <p:spPr>
-          <a:xfrm>
-            <a:off x="4870950" y="140800"/>
-            <a:ext cx="4273051" cy="1972176"/>
-          </a:xfrm>
-          <a:prstGeom prst="rect">
-            <a:avLst/>
-          </a:prstGeom>
-          <a:noFill/>
-          <a:ln w="9525" cap="flat" cmpd="sng">
-            <a:solidFill>
-              <a:srgbClr val="FF0000"/>
-            </a:solidFill>
-            <a:prstDash val="solid"/>
-            <a:round/>
-            <a:headEnd type="none" w="sm" len="sm"/>
-            <a:tailEnd type="none" w="sm" len="sm"/>
-          </a:ln>
-        </p:spPr>
-      </p:pic>
-      <p:sp>
-        <p:nvSpPr>
-          <p:cNvPr id="281" name="Google Shape;281;p33"/>
-          <p:cNvSpPr txBox="1"/>
-          <p:nvPr/>
-        </p:nvSpPr>
-        <p:spPr>
-          <a:xfrm>
-            <a:off x="121850" y="1374075"/>
-            <a:ext cx="2323800" cy="738900"/>
-          </a:xfrm>
-          <a:prstGeom prst="rect">
-            <a:avLst/>
-          </a:prstGeom>
-          <a:noFill/>
-          <a:ln>
-            <a:noFill/>
-          </a:ln>
-        </p:spPr>
-        <p:txBody>
-          <a:bodyPr spcFirstLastPara="1" wrap="square" lIns="91425" tIns="91425" rIns="91425" bIns="91425" anchor="t" anchorCtr="0">
-            <a:spAutoFit/>
-          </a:bodyPr>
-          <a:lstStyle/>
-          <a:p>
-            <a:pPr marL="0" marR="0" lvl="0" indent="0" algn="l" rtl="0">
-              <a:lnSpc>
-                <a:spcPct val="100000"/>
-              </a:lnSpc>
-              <a:spcBef>
-                <a:spcPts val="0"/>
-              </a:spcBef>
-              <a:spcAft>
-                <a:spcPts val="0"/>
-              </a:spcAft>
-              <a:buClr>
-                <a:srgbClr val="000000"/>
-              </a:buClr>
-              <a:buSzPts val="1300"/>
-              <a:buFont typeface="Arial"/>
-              <a:buNone/>
-            </a:pPr>
-            <a:endParaRPr sz="1200">
-              <a:solidFill>
-                <a:schemeClr val="dk1"/>
-              </a:solidFill>
-              <a:latin typeface="Calibri"/>
-              <a:ea typeface="Calibri"/>
-              <a:cs typeface="Calibri"/>
-              <a:sym typeface="Calibri"/>
-            </a:endParaRPr>
-          </a:p>
-          <a:p>
-            <a:pPr marL="0" marR="0" lvl="0" indent="0" algn="l" rtl="0">
-              <a:lnSpc>
-                <a:spcPct val="100000"/>
-              </a:lnSpc>
-              <a:spcBef>
-                <a:spcPts val="0"/>
-              </a:spcBef>
-              <a:spcAft>
-                <a:spcPts val="0"/>
-              </a:spcAft>
-              <a:buClr>
-                <a:srgbClr val="000000"/>
-              </a:buClr>
-              <a:buSzPts val="1300"/>
-              <a:buFont typeface="Arial"/>
-              <a:buNone/>
-            </a:pPr>
-            <a:endParaRPr sz="1200">
-              <a:solidFill>
-                <a:srgbClr val="0F0F0F"/>
-              </a:solidFill>
-              <a:latin typeface="Calibri"/>
-              <a:ea typeface="Calibri"/>
-              <a:cs typeface="Calibri"/>
-              <a:sym typeface="Calibri"/>
-            </a:endParaRPr>
-          </a:p>
-          <a:p>
-            <a:pPr marL="0" marR="0" lvl="0" indent="0" algn="l" rtl="0">
-              <a:lnSpc>
-                <a:spcPct val="100000"/>
-              </a:lnSpc>
-              <a:spcBef>
-                <a:spcPts val="0"/>
-              </a:spcBef>
-              <a:spcAft>
-                <a:spcPts val="0"/>
-              </a:spcAft>
-              <a:buClr>
-                <a:srgbClr val="000000"/>
-              </a:buClr>
-              <a:buSzPts val="1300"/>
-              <a:buFont typeface="Arial"/>
-              <a:buNone/>
-            </a:pPr>
-            <a:endParaRPr sz="1200">
-              <a:solidFill>
-                <a:srgbClr val="0F0F0F"/>
-              </a:solidFill>
-              <a:latin typeface="Calibri"/>
-              <a:ea typeface="Calibri"/>
-              <a:cs typeface="Calibri"/>
-              <a:sym typeface="Calibri"/>
-            </a:endParaRPr>
-          </a:p>
-        </p:txBody>
-      </p:sp>
-      <p:sp>
-        <p:nvSpPr>
-          <p:cNvPr id="282" name="Google Shape;282;p33"/>
-          <p:cNvSpPr txBox="1"/>
-          <p:nvPr/>
-        </p:nvSpPr>
-        <p:spPr>
-          <a:xfrm>
-            <a:off x="295050" y="981463"/>
-            <a:ext cx="2950500" cy="415500"/>
-          </a:xfrm>
-          <a:prstGeom prst="rect">
-            <a:avLst/>
-          </a:prstGeom>
-          <a:noFill/>
-          <a:ln>
-            <a:noFill/>
-          </a:ln>
-        </p:spPr>
-        <p:txBody>
-          <a:bodyPr spcFirstLastPara="1" wrap="square" lIns="91425" tIns="91425" rIns="91425" bIns="91425" anchor="t" anchorCtr="0">
-            <a:spAutoFit/>
-          </a:bodyPr>
-          <a:lstStyle/>
-          <a:p>
-            <a:pPr marL="0" lvl="0" indent="0" algn="l" rtl="0">
-              <a:lnSpc>
-                <a:spcPct val="115000"/>
-              </a:lnSpc>
-              <a:spcBef>
-                <a:spcPts val="0"/>
-              </a:spcBef>
-              <a:spcAft>
-                <a:spcPts val="1800"/>
-              </a:spcAft>
-              <a:buNone/>
-            </a:pPr>
-            <a:endParaRPr sz="1500">
-              <a:solidFill>
-                <a:srgbClr val="4F4F4F"/>
-              </a:solidFill>
-              <a:highlight>
-                <a:srgbClr val="FFFFFF"/>
-              </a:highlight>
-            </a:endParaRPr>
-          </a:p>
-        </p:txBody>
-      </p:sp>
-      <p:sp>
-        <p:nvSpPr>
-          <p:cNvPr id="283" name="Google Shape;283;p33"/>
-          <p:cNvSpPr txBox="1"/>
-          <p:nvPr/>
-        </p:nvSpPr>
-        <p:spPr>
-          <a:xfrm>
-            <a:off x="121850" y="1319125"/>
-            <a:ext cx="3991800" cy="1403700"/>
-          </a:xfrm>
-          <a:prstGeom prst="rect">
-            <a:avLst/>
-          </a:prstGeom>
-          <a:solidFill>
-            <a:srgbClr val="FFF2CC"/>
-          </a:solidFill>
-          <a:ln w="9525" cap="flat" cmpd="sng">
-            <a:solidFill>
-              <a:srgbClr val="FF0000"/>
-            </a:solidFill>
-            <a:prstDash val="solid"/>
-            <a:round/>
-            <a:headEnd type="none" w="sm" len="sm"/>
-            <a:tailEnd type="none" w="sm" len="sm"/>
-          </a:ln>
-        </p:spPr>
-        <p:txBody>
-          <a:bodyPr spcFirstLastPara="1" wrap="square" lIns="9125" tIns="9125" rIns="9125" bIns="9125" anchor="t" anchorCtr="0">
-            <a:spAutoFit/>
-          </a:bodyPr>
-          <a:lstStyle/>
-          <a:p>
-            <a:pPr marL="0" lvl="0" indent="0" algn="ctr" rtl="0">
-              <a:spcBef>
-                <a:spcPts val="0"/>
-              </a:spcBef>
-              <a:spcAft>
-                <a:spcPts val="0"/>
-              </a:spcAft>
-              <a:buNone/>
-            </a:pPr>
-            <a:r>
-              <a:rPr lang="en" sz="1200">
-                <a:solidFill>
-                  <a:srgbClr val="0F0F0F"/>
-                </a:solidFill>
-                <a:latin typeface="Calibri"/>
-                <a:ea typeface="Calibri"/>
-                <a:cs typeface="Calibri"/>
-                <a:sym typeface="Calibri"/>
-              </a:rPr>
-              <a:t>The Tech Layoff Tracker (as of March 13, 2025)</a:t>
-            </a:r>
-            <a:endParaRPr sz="1200">
-              <a:solidFill>
-                <a:srgbClr val="0F0F0F"/>
-              </a:solidFill>
-              <a:latin typeface="Calibri"/>
-              <a:ea typeface="Calibri"/>
-              <a:cs typeface="Calibri"/>
-              <a:sym typeface="Calibri"/>
-            </a:endParaRPr>
-          </a:p>
-          <a:p>
-            <a:pPr marL="457200" lvl="0" indent="457200" algn="l" rtl="0">
-              <a:spcBef>
-                <a:spcPts val="0"/>
-              </a:spcBef>
-              <a:spcAft>
-                <a:spcPts val="0"/>
-              </a:spcAft>
-              <a:buNone/>
-            </a:pPr>
-            <a:r>
-              <a:rPr lang="en" sz="900" u="sng">
-                <a:solidFill>
-                  <a:schemeClr val="accent5"/>
-                </a:solidFill>
-                <a:latin typeface="Calibri"/>
-                <a:ea typeface="Calibri"/>
-                <a:cs typeface="Calibri"/>
-                <a:sym typeface="Calibri"/>
-                <a:hlinkClick r:id="rId8">
-                  <a:extLst>
-                    <a:ext uri="{A12FA001-AC4F-418D-AE19-62706E023703}">
-                      <ahyp:hlinkClr xmlns:ahyp="http://schemas.microsoft.com/office/drawing/2018/hyperlinkcolor" val="tx"/>
-                    </a:ext>
-                  </a:extLst>
-                </a:hlinkClick>
-              </a:rPr>
-              <a:t>https://www.trueup.io/layoffs</a:t>
-            </a:r>
-            <a:endParaRPr sz="1200">
-              <a:solidFill>
-                <a:srgbClr val="0F0F0F"/>
-              </a:solidFill>
-              <a:latin typeface="Calibri"/>
-              <a:ea typeface="Calibri"/>
-              <a:cs typeface="Calibri"/>
-              <a:sym typeface="Calibri"/>
-            </a:endParaRPr>
-          </a:p>
-          <a:p>
-            <a:pPr marL="457200" lvl="0" indent="0" algn="l" rtl="0">
-              <a:spcBef>
-                <a:spcPts val="0"/>
-              </a:spcBef>
-              <a:spcAft>
-                <a:spcPts val="0"/>
-              </a:spcAft>
-              <a:buNone/>
-            </a:pPr>
-            <a:endParaRPr sz="1200">
-              <a:solidFill>
-                <a:srgbClr val="0F0F0F"/>
-              </a:solidFill>
-              <a:latin typeface="Calibri"/>
-              <a:ea typeface="Calibri"/>
-              <a:cs typeface="Calibri"/>
-              <a:sym typeface="Calibri"/>
-            </a:endParaRPr>
-          </a:p>
-          <a:p>
-            <a:pPr marL="228600" lvl="0" indent="-133350" algn="l" rtl="0">
-              <a:spcBef>
-                <a:spcPts val="0"/>
-              </a:spcBef>
-              <a:spcAft>
-                <a:spcPts val="0"/>
-              </a:spcAft>
-              <a:buClr>
-                <a:srgbClr val="0F0F0F"/>
-              </a:buClr>
-              <a:buSzPts val="1200"/>
-              <a:buFont typeface="Calibri"/>
-              <a:buChar char="●"/>
-            </a:pPr>
-            <a:r>
-              <a:rPr lang="en" sz="1200">
-                <a:solidFill>
-                  <a:srgbClr val="0F0F0F"/>
-                </a:solidFill>
-                <a:latin typeface="Calibri"/>
-                <a:ea typeface="Calibri"/>
-                <a:cs typeface="Calibri"/>
-                <a:sym typeface="Calibri"/>
-              </a:rPr>
-              <a:t>So far in 2025 - 531 people per day, total of 38,252 people </a:t>
-            </a:r>
-            <a:endParaRPr sz="1200">
-              <a:solidFill>
-                <a:srgbClr val="0F0F0F"/>
-              </a:solidFill>
-              <a:latin typeface="Calibri"/>
-              <a:ea typeface="Calibri"/>
-              <a:cs typeface="Calibri"/>
-              <a:sym typeface="Calibri"/>
-            </a:endParaRPr>
-          </a:p>
-          <a:p>
-            <a:pPr marL="228600" lvl="0" indent="-133350" algn="l" rtl="0">
-              <a:spcBef>
-                <a:spcPts val="0"/>
-              </a:spcBef>
-              <a:spcAft>
-                <a:spcPts val="0"/>
-              </a:spcAft>
-              <a:buClr>
-                <a:srgbClr val="0F0F0F"/>
-              </a:buClr>
-              <a:buSzPts val="1200"/>
-              <a:buFont typeface="Calibri"/>
-              <a:buChar char="●"/>
-            </a:pPr>
-            <a:r>
-              <a:rPr lang="en" sz="1200">
-                <a:solidFill>
-                  <a:srgbClr val="0F0F0F"/>
-                </a:solidFill>
-                <a:latin typeface="Calibri"/>
-                <a:ea typeface="Calibri"/>
-                <a:cs typeface="Calibri"/>
-                <a:sym typeface="Calibri"/>
-              </a:rPr>
-              <a:t>In 2024 - 653 people per day, total of 238,461 people </a:t>
-            </a:r>
-            <a:endParaRPr sz="1200">
-              <a:solidFill>
-                <a:srgbClr val="0F0F0F"/>
-              </a:solidFill>
-              <a:latin typeface="Calibri"/>
-              <a:ea typeface="Calibri"/>
-              <a:cs typeface="Calibri"/>
-              <a:sym typeface="Calibri"/>
-            </a:endParaRPr>
-          </a:p>
-          <a:p>
-            <a:pPr marL="228600" lvl="0" indent="-133350" algn="l" rtl="0">
-              <a:spcBef>
-                <a:spcPts val="0"/>
-              </a:spcBef>
-              <a:spcAft>
-                <a:spcPts val="0"/>
-              </a:spcAft>
-              <a:buClr>
-                <a:srgbClr val="0F0F0F"/>
-              </a:buClr>
-              <a:buSzPts val="1200"/>
-              <a:buFont typeface="Calibri"/>
-              <a:buChar char="●"/>
-            </a:pPr>
-            <a:r>
-              <a:rPr lang="en" sz="1200">
-                <a:solidFill>
-                  <a:schemeClr val="dk1"/>
-                </a:solidFill>
-                <a:latin typeface="Calibri"/>
-                <a:ea typeface="Calibri"/>
-                <a:cs typeface="Calibri"/>
-                <a:sym typeface="Calibri"/>
-              </a:rPr>
-              <a:t>In 2023: More than 191,000 people </a:t>
-            </a:r>
-            <a:endParaRPr sz="1200">
-              <a:solidFill>
-                <a:schemeClr val="dk1"/>
-              </a:solidFill>
-              <a:latin typeface="Calibri"/>
-              <a:ea typeface="Calibri"/>
-              <a:cs typeface="Calibri"/>
-              <a:sym typeface="Calibri"/>
-            </a:endParaRPr>
-          </a:p>
-          <a:p>
-            <a:pPr marL="228600" lvl="0" indent="-133350" algn="l" rtl="0">
-              <a:spcBef>
-                <a:spcPts val="0"/>
-              </a:spcBef>
-              <a:spcAft>
-                <a:spcPts val="0"/>
-              </a:spcAft>
-              <a:buClr>
-                <a:schemeClr val="dk1"/>
-              </a:buClr>
-              <a:buSzPts val="1200"/>
-              <a:buFont typeface="Calibri"/>
-              <a:buChar char="●"/>
-            </a:pPr>
-            <a:r>
-              <a:rPr lang="en" sz="1200">
-                <a:solidFill>
-                  <a:schemeClr val="dk1"/>
-                </a:solidFill>
-                <a:latin typeface="Calibri"/>
-                <a:ea typeface="Calibri"/>
-                <a:cs typeface="Calibri"/>
-                <a:sym typeface="Calibri"/>
-              </a:rPr>
-              <a:t>In 2022: More than 93,000 workers </a:t>
-            </a:r>
-            <a:r>
-              <a:rPr lang="en" sz="1200">
-                <a:solidFill>
-                  <a:srgbClr val="0F0F0F"/>
-                </a:solidFill>
-                <a:latin typeface="Calibri"/>
-                <a:ea typeface="Calibri"/>
-                <a:cs typeface="Calibri"/>
-                <a:sym typeface="Calibri"/>
-              </a:rPr>
-              <a:t>laid off</a:t>
-            </a:r>
-            <a:endParaRPr sz="1200">
-              <a:solidFill>
-                <a:schemeClr val="dk1"/>
-              </a:solidFill>
-              <a:latin typeface="Calibri"/>
-              <a:ea typeface="Calibri"/>
-              <a:cs typeface="Calibri"/>
-              <a:sym typeface="Calibri"/>
-            </a:endParaRPr>
-          </a:p>
-          <a:p>
-            <a:pPr marL="914400" lvl="0" indent="457200" algn="l" rtl="0">
-              <a:spcBef>
-                <a:spcPts val="0"/>
-              </a:spcBef>
-              <a:spcAft>
-                <a:spcPts val="0"/>
-              </a:spcAft>
-              <a:buNone/>
-            </a:pPr>
-            <a:r>
-              <a:rPr lang="en" sz="900" u="sng">
-                <a:solidFill>
-                  <a:schemeClr val="accent5"/>
-                </a:solidFill>
-                <a:latin typeface="Calibri"/>
-                <a:ea typeface="Calibri"/>
-                <a:cs typeface="Calibri"/>
-                <a:sym typeface="Calibri"/>
-                <a:hlinkClick r:id="rId9">
-                  <a:extLst>
-                    <a:ext uri="{A12FA001-AC4F-418D-AE19-62706E023703}">
-                      <ahyp:hlinkClr xmlns:ahyp="http://schemas.microsoft.com/office/drawing/2018/hyperlinkcolor" val="tx"/>
-                    </a:ext>
-                  </a:extLst>
-                </a:hlinkClick>
-              </a:rPr>
-              <a:t>https://news.crunchbase.com/startups/tech-layoffs/</a:t>
-            </a:r>
-            <a:endParaRPr sz="1200">
-              <a:solidFill>
-                <a:schemeClr val="dk1"/>
-              </a:solidFill>
-              <a:latin typeface="Calibri"/>
-              <a:ea typeface="Calibri"/>
-              <a:cs typeface="Calibri"/>
-              <a:sym typeface="Calibri"/>
-            </a:endParaRPr>
-          </a:p>
-        </p:txBody>
-      </p:sp>
-      <p:pic>
-        <p:nvPicPr>
-          <p:cNvPr id="284" name="Google Shape;284;p33"/>
-          <p:cNvPicPr preferRelativeResize="0"/>
-          <p:nvPr/>
-        </p:nvPicPr>
-        <p:blipFill>
-          <a:blip r:embed="rId10" cstate="email">
-            <a:alphaModFix/>
-            <a:extLst>
-              <a:ext uri="{28A0092B-C50C-407E-A947-70E740481C1C}">
-                <a14:useLocalDpi xmlns:a14="http://schemas.microsoft.com/office/drawing/2010/main"/>
-              </a:ext>
-            </a:extLst>
-          </a:blip>
-          <a:stretch>
-            <a:fillRect/>
-          </a:stretch>
-        </p:blipFill>
-        <p:spPr>
-          <a:xfrm>
-            <a:off x="121850" y="2859048"/>
-            <a:ext cx="3991802" cy="2243852"/>
-          </a:xfrm>
-          <a:prstGeom prst="rect">
-            <a:avLst/>
-          </a:prstGeom>
-          <a:noFill/>
-          <a:ln w="9525" cap="flat" cmpd="sng">
-            <a:solidFill>
-              <a:srgbClr val="FF0000"/>
-            </a:solidFill>
-            <a:prstDash val="solid"/>
-            <a:round/>
-            <a:headEnd type="none" w="sm" len="sm"/>
-            <a:tailEnd type="none" w="sm" len="sm"/>
-          </a:ln>
-        </p:spPr>
-      </p:pic>
-      <p:sp>
-        <p:nvSpPr>
-          <p:cNvPr id="285" name="Google Shape;285;p33"/>
-          <p:cNvSpPr txBox="1"/>
-          <p:nvPr/>
-        </p:nvSpPr>
-        <p:spPr>
-          <a:xfrm>
-            <a:off x="4870950" y="2261850"/>
-            <a:ext cx="3991800" cy="942000"/>
-          </a:xfrm>
-          <a:prstGeom prst="rect">
-            <a:avLst/>
-          </a:prstGeom>
-          <a:solidFill>
-            <a:srgbClr val="FFF2CC"/>
-          </a:solidFill>
-          <a:ln w="9525" cap="flat" cmpd="sng">
-            <a:solidFill>
-              <a:srgbClr val="FF0000"/>
-            </a:solidFill>
-            <a:prstDash val="solid"/>
-            <a:round/>
-            <a:headEnd type="none" w="sm" len="sm"/>
-            <a:tailEnd type="none" w="sm" len="sm"/>
-          </a:ln>
-        </p:spPr>
-        <p:txBody>
-          <a:bodyPr spcFirstLastPara="1" wrap="square" lIns="9125" tIns="9125" rIns="9125" bIns="9125" anchor="t" anchorCtr="0">
-            <a:spAutoFit/>
-          </a:bodyPr>
-          <a:lstStyle/>
-          <a:p>
-            <a:pPr marL="57150" lvl="0" indent="0" algn="l" rtl="0">
-              <a:spcBef>
-                <a:spcPts val="0"/>
-              </a:spcBef>
-              <a:spcAft>
-                <a:spcPts val="0"/>
-              </a:spcAft>
-              <a:buNone/>
-            </a:pPr>
-            <a:r>
-              <a:rPr lang="en" sz="1200">
-                <a:solidFill>
-                  <a:srgbClr val="0F0F0F"/>
-                </a:solidFill>
-                <a:latin typeface="Calibri"/>
-                <a:ea typeface="Calibri"/>
-                <a:cs typeface="Calibri"/>
-                <a:sym typeface="Calibri"/>
-              </a:rPr>
-              <a:t>AI jobs percentage:</a:t>
-            </a:r>
-            <a:endParaRPr sz="1200">
-              <a:solidFill>
-                <a:srgbClr val="0F0F0F"/>
-              </a:solidFill>
-              <a:latin typeface="Calibri"/>
-              <a:ea typeface="Calibri"/>
-              <a:cs typeface="Calibri"/>
-              <a:sym typeface="Calibri"/>
-            </a:endParaRPr>
-          </a:p>
-          <a:p>
-            <a:pPr marL="57150" lvl="0" indent="0" algn="l" rtl="0">
-              <a:spcBef>
-                <a:spcPts val="0"/>
-              </a:spcBef>
-              <a:spcAft>
-                <a:spcPts val="0"/>
-              </a:spcAft>
-              <a:buNone/>
-            </a:pPr>
-            <a:r>
-              <a:rPr lang="en" sz="1200">
-                <a:solidFill>
-                  <a:srgbClr val="0F0F0F"/>
-                </a:solidFill>
-                <a:latin typeface="Calibri"/>
-                <a:ea typeface="Calibri"/>
-                <a:cs typeface="Calibri"/>
-                <a:sym typeface="Calibri"/>
-              </a:rPr>
-              <a:t>2022 - 3.3%</a:t>
-            </a:r>
-            <a:endParaRPr sz="1200">
-              <a:solidFill>
-                <a:srgbClr val="0F0F0F"/>
-              </a:solidFill>
-              <a:latin typeface="Calibri"/>
-              <a:ea typeface="Calibri"/>
-              <a:cs typeface="Calibri"/>
-              <a:sym typeface="Calibri"/>
-            </a:endParaRPr>
-          </a:p>
-          <a:p>
-            <a:pPr marL="57150" lvl="0" indent="0" algn="l" rtl="0">
-              <a:spcBef>
-                <a:spcPts val="0"/>
-              </a:spcBef>
-              <a:spcAft>
-                <a:spcPts val="0"/>
-              </a:spcAft>
-              <a:buNone/>
-            </a:pPr>
-            <a:r>
-              <a:rPr lang="en" sz="1200">
-                <a:solidFill>
-                  <a:srgbClr val="0F0F0F"/>
-                </a:solidFill>
-                <a:latin typeface="Calibri"/>
-                <a:ea typeface="Calibri"/>
-                <a:cs typeface="Calibri"/>
-                <a:sym typeface="Calibri"/>
-              </a:rPr>
-              <a:t>2024 - 14.3%</a:t>
-            </a:r>
-            <a:endParaRPr sz="1200">
-              <a:solidFill>
-                <a:srgbClr val="0F0F0F"/>
-              </a:solidFill>
-              <a:latin typeface="Calibri"/>
-              <a:ea typeface="Calibri"/>
-              <a:cs typeface="Calibri"/>
-              <a:sym typeface="Calibri"/>
-            </a:endParaRPr>
-          </a:p>
-          <a:p>
-            <a:pPr marL="57150" lvl="0" indent="0" algn="l" rtl="0">
-              <a:spcBef>
-                <a:spcPts val="0"/>
-              </a:spcBef>
-              <a:spcAft>
-                <a:spcPts val="0"/>
-              </a:spcAft>
-              <a:buNone/>
-            </a:pPr>
-            <a:r>
-              <a:rPr lang="en" sz="1200">
-                <a:solidFill>
-                  <a:srgbClr val="0F0F0F"/>
-                </a:solidFill>
-                <a:latin typeface="Calibri"/>
-                <a:ea typeface="Calibri"/>
-                <a:cs typeface="Calibri"/>
-                <a:sym typeface="Calibri"/>
-              </a:rPr>
-              <a:t>2025 - 25% of all new tech job openings require AI skills</a:t>
-            </a:r>
-            <a:endParaRPr sz="1200">
-              <a:solidFill>
-                <a:srgbClr val="0F0F0F"/>
-              </a:solidFill>
-              <a:latin typeface="Calibri"/>
-              <a:ea typeface="Calibri"/>
-              <a:cs typeface="Calibri"/>
-              <a:sym typeface="Calibri"/>
-            </a:endParaRPr>
-          </a:p>
-          <a:p>
-            <a:pPr marL="57150" lvl="0" indent="0" algn="l" rtl="0">
-              <a:spcBef>
-                <a:spcPts val="0"/>
-              </a:spcBef>
-              <a:spcAft>
-                <a:spcPts val="0"/>
-              </a:spcAft>
-              <a:buNone/>
-            </a:pPr>
-            <a:r>
-              <a:rPr lang="en" sz="1200">
-                <a:solidFill>
-                  <a:srgbClr val="0F0F0F"/>
-                </a:solidFill>
-                <a:latin typeface="Calibri"/>
-                <a:ea typeface="Calibri"/>
-                <a:cs typeface="Calibri"/>
-                <a:sym typeface="Calibri"/>
-              </a:rPr>
-              <a:t>            36% of IT job postings tied to AI needs</a:t>
-            </a:r>
-            <a:endParaRPr sz="1200">
-              <a:solidFill>
-                <a:srgbClr val="0F0F0F"/>
-              </a:solidFill>
-              <a:latin typeface="Calibri"/>
-              <a:ea typeface="Calibri"/>
-              <a:cs typeface="Calibri"/>
-              <a:sym typeface="Calibri"/>
-            </a:endParaRPr>
-          </a:p>
-        </p:txBody>
-      </p:sp>
-      <p:sp>
-        <p:nvSpPr>
-          <p:cNvPr id="286" name="Google Shape;286;p33"/>
-          <p:cNvSpPr txBox="1"/>
-          <p:nvPr/>
-        </p:nvSpPr>
-        <p:spPr>
-          <a:xfrm>
-            <a:off x="4870950" y="3509975"/>
-            <a:ext cx="2467200" cy="1126800"/>
-          </a:xfrm>
-          <a:prstGeom prst="rect">
-            <a:avLst/>
-          </a:prstGeom>
-          <a:solidFill>
-            <a:srgbClr val="FFF2CC"/>
-          </a:solidFill>
-          <a:ln w="9525" cap="flat" cmpd="sng">
-            <a:solidFill>
-              <a:srgbClr val="FF0000"/>
-            </a:solidFill>
-            <a:prstDash val="solid"/>
-            <a:round/>
-            <a:headEnd type="none" w="sm" len="sm"/>
-            <a:tailEnd type="none" w="sm" len="sm"/>
-          </a:ln>
-        </p:spPr>
-        <p:txBody>
-          <a:bodyPr spcFirstLastPara="1" wrap="square" lIns="9125" tIns="9125" rIns="9125" bIns="9125" anchor="t" anchorCtr="0">
-            <a:spAutoFit/>
-          </a:bodyPr>
-          <a:lstStyle/>
-          <a:p>
-            <a:pPr marL="57150" lvl="0" indent="0" algn="l" rtl="0">
-              <a:spcBef>
-                <a:spcPts val="0"/>
-              </a:spcBef>
-              <a:spcAft>
-                <a:spcPts val="0"/>
-              </a:spcAft>
-              <a:buNone/>
-            </a:pPr>
-            <a:r>
-              <a:rPr lang="en" sz="1200">
-                <a:solidFill>
-                  <a:srgbClr val="0F0F0F"/>
-                </a:solidFill>
-                <a:latin typeface="Calibri"/>
-                <a:ea typeface="Calibri"/>
-                <a:cs typeface="Calibri"/>
-                <a:sym typeface="Calibri"/>
-              </a:rPr>
-              <a:t>Number of AI Job postings by year</a:t>
-            </a:r>
-            <a:endParaRPr sz="1200">
-              <a:solidFill>
-                <a:srgbClr val="0F0F0F"/>
-              </a:solidFill>
-              <a:latin typeface="Calibri"/>
-              <a:ea typeface="Calibri"/>
-              <a:cs typeface="Calibri"/>
-              <a:sym typeface="Calibri"/>
-            </a:endParaRPr>
-          </a:p>
-          <a:p>
-            <a:pPr marL="57150" lvl="0" indent="0" algn="l" rtl="0">
-              <a:spcBef>
-                <a:spcPts val="0"/>
-              </a:spcBef>
-              <a:spcAft>
-                <a:spcPts val="0"/>
-              </a:spcAft>
-              <a:buNone/>
-            </a:pPr>
-            <a:r>
-              <a:rPr lang="en" sz="1000">
-                <a:solidFill>
-                  <a:srgbClr val="3C78D8"/>
-                </a:solidFill>
-                <a:latin typeface="Roboto Mono"/>
-                <a:ea typeface="Roboto Mono"/>
-                <a:cs typeface="Roboto Mono"/>
-                <a:sym typeface="Roboto Mono"/>
-              </a:rPr>
-              <a:t>2020	27K</a:t>
-            </a:r>
-            <a:endParaRPr sz="1000">
-              <a:solidFill>
-                <a:srgbClr val="3C78D8"/>
-              </a:solidFill>
-              <a:latin typeface="Roboto Mono"/>
-              <a:ea typeface="Roboto Mono"/>
-              <a:cs typeface="Roboto Mono"/>
-              <a:sym typeface="Roboto Mono"/>
-            </a:endParaRPr>
-          </a:p>
-          <a:p>
-            <a:pPr marL="57150" lvl="0" indent="0" algn="l" rtl="0">
-              <a:spcBef>
-                <a:spcPts val="0"/>
-              </a:spcBef>
-              <a:spcAft>
-                <a:spcPts val="0"/>
-              </a:spcAft>
-              <a:buNone/>
-            </a:pPr>
-            <a:r>
-              <a:rPr lang="en" sz="1000">
-                <a:solidFill>
-                  <a:srgbClr val="3C78D8"/>
-                </a:solidFill>
-                <a:latin typeface="Roboto Mono"/>
-                <a:ea typeface="Roboto Mono"/>
-                <a:cs typeface="Roboto Mono"/>
-                <a:sym typeface="Roboto Mono"/>
-              </a:rPr>
-              <a:t>2021	38K</a:t>
-            </a:r>
-            <a:endParaRPr sz="1000">
-              <a:solidFill>
-                <a:srgbClr val="3C78D8"/>
-              </a:solidFill>
-              <a:latin typeface="Roboto Mono"/>
-              <a:ea typeface="Roboto Mono"/>
-              <a:cs typeface="Roboto Mono"/>
-              <a:sym typeface="Roboto Mono"/>
-            </a:endParaRPr>
-          </a:p>
-          <a:p>
-            <a:pPr marL="57150" lvl="0" indent="0" algn="l" rtl="0">
-              <a:spcBef>
-                <a:spcPts val="0"/>
-              </a:spcBef>
-              <a:spcAft>
-                <a:spcPts val="0"/>
-              </a:spcAft>
-              <a:buNone/>
-            </a:pPr>
-            <a:r>
-              <a:rPr lang="en" sz="1000">
-                <a:solidFill>
-                  <a:srgbClr val="3C78D8"/>
-                </a:solidFill>
-                <a:latin typeface="Roboto Mono"/>
-                <a:ea typeface="Roboto Mono"/>
-                <a:cs typeface="Roboto Mono"/>
-                <a:sym typeface="Roboto Mono"/>
-              </a:rPr>
-              <a:t>2022	52K</a:t>
-            </a:r>
-            <a:endParaRPr sz="1000">
-              <a:solidFill>
-                <a:srgbClr val="3C78D8"/>
-              </a:solidFill>
-              <a:latin typeface="Roboto Mono"/>
-              <a:ea typeface="Roboto Mono"/>
-              <a:cs typeface="Roboto Mono"/>
-              <a:sym typeface="Roboto Mono"/>
-            </a:endParaRPr>
-          </a:p>
-          <a:p>
-            <a:pPr marL="57150" lvl="0" indent="0" algn="l" rtl="0">
-              <a:spcBef>
-                <a:spcPts val="0"/>
-              </a:spcBef>
-              <a:spcAft>
-                <a:spcPts val="0"/>
-              </a:spcAft>
-              <a:buNone/>
-            </a:pPr>
-            <a:r>
-              <a:rPr lang="en" sz="1000">
-                <a:solidFill>
-                  <a:srgbClr val="3C78D8"/>
-                </a:solidFill>
-                <a:latin typeface="Roboto Mono"/>
-                <a:ea typeface="Roboto Mono"/>
-                <a:cs typeface="Roboto Mono"/>
-                <a:sym typeface="Roboto Mono"/>
-              </a:rPr>
-              <a:t>2023	65K</a:t>
-            </a:r>
-            <a:endParaRPr sz="1000">
-              <a:solidFill>
-                <a:srgbClr val="3C78D8"/>
-              </a:solidFill>
-              <a:latin typeface="Roboto Mono"/>
-              <a:ea typeface="Roboto Mono"/>
-              <a:cs typeface="Roboto Mono"/>
-              <a:sym typeface="Roboto Mono"/>
-            </a:endParaRPr>
-          </a:p>
-          <a:p>
-            <a:pPr marL="57150" lvl="0" indent="0" algn="l" rtl="0">
-              <a:spcBef>
-                <a:spcPts val="0"/>
-              </a:spcBef>
-              <a:spcAft>
-                <a:spcPts val="0"/>
-              </a:spcAft>
-              <a:buNone/>
-            </a:pPr>
-            <a:r>
-              <a:rPr lang="en" sz="1000">
-                <a:solidFill>
-                  <a:srgbClr val="3C78D8"/>
-                </a:solidFill>
-                <a:latin typeface="Roboto Mono"/>
-                <a:ea typeface="Roboto Mono"/>
-                <a:cs typeface="Roboto Mono"/>
-                <a:sym typeface="Roboto Mono"/>
-              </a:rPr>
-              <a:t>2024	81K</a:t>
-            </a:r>
-            <a:endParaRPr sz="1000">
-              <a:solidFill>
-                <a:srgbClr val="3C78D8"/>
-              </a:solidFill>
-              <a:latin typeface="Roboto Mono"/>
-              <a:ea typeface="Roboto Mono"/>
-              <a:cs typeface="Roboto Mono"/>
-              <a:sym typeface="Roboto Mono"/>
-            </a:endParaRPr>
-          </a:p>
-          <a:p>
-            <a:pPr marL="57150" lvl="0" indent="0" algn="l" rtl="0">
-              <a:spcBef>
-                <a:spcPts val="0"/>
-              </a:spcBef>
-              <a:spcAft>
-                <a:spcPts val="0"/>
-              </a:spcAft>
-              <a:buNone/>
-            </a:pPr>
-            <a:r>
-              <a:rPr lang="en" sz="1000">
-                <a:solidFill>
-                  <a:srgbClr val="3C78D8"/>
-                </a:solidFill>
-                <a:latin typeface="Roboto Mono"/>
-                <a:ea typeface="Roboto Mono"/>
-                <a:cs typeface="Roboto Mono"/>
-                <a:sym typeface="Roboto Mono"/>
-              </a:rPr>
-              <a:t>2025	105 - 200K (projected)</a:t>
-            </a:r>
-            <a:endParaRPr sz="1000">
-              <a:solidFill>
-                <a:srgbClr val="3C78D8"/>
-              </a:solidFill>
-              <a:latin typeface="Roboto Mono"/>
-              <a:ea typeface="Roboto Mono"/>
-              <a:cs typeface="Roboto Mono"/>
-              <a:sym typeface="Roboto Mono"/>
-            </a:endParaRPr>
-          </a:p>
-        </p:txBody>
-      </p:sp>
     </p:spTree>
   </p:cSld>
   <p:clrMapOvr>
@@ -26606,7 +26843,1856 @@
   <p:cSld>
     <p:spTree>
       <p:nvGrpSpPr>
-        <p:cNvPr id="1" name="Shape 290"/>
+        <p:cNvPr id="1" name="Shape 298"/>
+        <p:cNvGrpSpPr/>
+        <p:nvPr/>
+      </p:nvGrpSpPr>
+      <p:grpSpPr>
+        <a:xfrm>
+          <a:off x="0" y="0"/>
+          <a:ext cx="0" cy="0"/>
+          <a:chOff x="0" y="0"/>
+          <a:chExt cx="0" cy="0"/>
+        </a:xfrm>
+      </p:grpSpPr>
+      <p:sp>
+        <p:nvSpPr>
+          <p:cNvPr id="299" name="Google Shape;299;p34"/>
+          <p:cNvSpPr txBox="1"/>
+          <p:nvPr/>
+        </p:nvSpPr>
+        <p:spPr>
+          <a:xfrm>
+            <a:off x="-38048" y="-108050"/>
+            <a:ext cx="4151700" cy="492600"/>
+          </a:xfrm>
+          <a:prstGeom prst="rect">
+            <a:avLst/>
+          </a:prstGeom>
+          <a:noFill/>
+          <a:ln>
+            <a:noFill/>
+          </a:ln>
+        </p:spPr>
+        <p:txBody>
+          <a:bodyPr spcFirstLastPara="1" wrap="square" lIns="91425" tIns="91425" rIns="91425" bIns="91425" anchor="t" anchorCtr="0">
+            <a:spAutoFit/>
+          </a:bodyPr>
+          <a:lstStyle/>
+          <a:p>
+            <a:pPr marL="0" marR="0" lvl="0" indent="0" algn="l" rtl="0">
+              <a:lnSpc>
+                <a:spcPct val="100000"/>
+              </a:lnSpc>
+              <a:spcBef>
+                <a:spcPts val="0"/>
+              </a:spcBef>
+              <a:spcAft>
+                <a:spcPts val="0"/>
+              </a:spcAft>
+              <a:buClr>
+                <a:srgbClr val="000000"/>
+              </a:buClr>
+              <a:buSzPts val="2000"/>
+              <a:buFont typeface="Arial"/>
+              <a:buNone/>
+            </a:pPr>
+            <a:r>
+              <a:rPr lang="en" sz="2000" b="1">
+                <a:solidFill>
+                  <a:schemeClr val="dk1"/>
+                </a:solidFill>
+                <a:latin typeface="Calibri"/>
+                <a:ea typeface="Calibri"/>
+                <a:cs typeface="Calibri"/>
+                <a:sym typeface="Calibri"/>
+              </a:rPr>
+              <a:t>Jobs </a:t>
+            </a:r>
+            <a:endParaRPr sz="2000" b="1" i="0" u="none" strike="noStrike" cap="none">
+              <a:solidFill>
+                <a:srgbClr val="000000"/>
+              </a:solidFill>
+              <a:latin typeface="Calibri"/>
+              <a:ea typeface="Calibri"/>
+              <a:cs typeface="Calibri"/>
+              <a:sym typeface="Calibri"/>
+            </a:endParaRPr>
+          </a:p>
+        </p:txBody>
+      </p:sp>
+      <p:sp>
+        <p:nvSpPr>
+          <p:cNvPr id="300" name="Google Shape;300;p34"/>
+          <p:cNvSpPr txBox="1"/>
+          <p:nvPr/>
+        </p:nvSpPr>
+        <p:spPr>
+          <a:xfrm>
+            <a:off x="676675" y="189013"/>
+            <a:ext cx="4064100" cy="923400"/>
+          </a:xfrm>
+          <a:prstGeom prst="rect">
+            <a:avLst/>
+          </a:prstGeom>
+          <a:noFill/>
+          <a:ln w="9525" cap="flat" cmpd="sng">
+            <a:solidFill>
+              <a:srgbClr val="FF0000"/>
+            </a:solidFill>
+            <a:prstDash val="solid"/>
+            <a:round/>
+            <a:headEnd type="none" w="sm" len="sm"/>
+            <a:tailEnd type="none" w="sm" len="sm"/>
+          </a:ln>
+        </p:spPr>
+        <p:txBody>
+          <a:bodyPr spcFirstLastPara="1" wrap="square" lIns="91425" tIns="91425" rIns="91425" bIns="91425" anchor="t" anchorCtr="0">
+            <a:spAutoFit/>
+          </a:bodyPr>
+          <a:lstStyle/>
+          <a:p>
+            <a:pPr marL="0" marR="0" lvl="0" indent="0" algn="l" rtl="0">
+              <a:lnSpc>
+                <a:spcPct val="100000"/>
+              </a:lnSpc>
+              <a:spcBef>
+                <a:spcPts val="0"/>
+              </a:spcBef>
+              <a:spcAft>
+                <a:spcPts val="0"/>
+              </a:spcAft>
+              <a:buClr>
+                <a:srgbClr val="000000"/>
+              </a:buClr>
+              <a:buSzPts val="1300"/>
+              <a:buFont typeface="Arial"/>
+              <a:buNone/>
+            </a:pPr>
+            <a:r>
+              <a:rPr lang="en" sz="1200" b="0" i="0" u="none" strike="noStrike" cap="none">
+                <a:solidFill>
+                  <a:srgbClr val="0F0F0F"/>
+                </a:solidFill>
+                <a:latin typeface="Calibri"/>
+                <a:ea typeface="Calibri"/>
+                <a:cs typeface="Calibri"/>
+                <a:sym typeface="Calibri"/>
+              </a:rPr>
+              <a:t>Layoffs, Jobs:</a:t>
+            </a:r>
+            <a:endParaRPr sz="1200" b="0" i="0" u="none" strike="noStrike" cap="none">
+              <a:solidFill>
+                <a:srgbClr val="0F0F0F"/>
+              </a:solidFill>
+              <a:latin typeface="Calibri"/>
+              <a:ea typeface="Calibri"/>
+              <a:cs typeface="Calibri"/>
+              <a:sym typeface="Calibri"/>
+            </a:endParaRPr>
+          </a:p>
+          <a:p>
+            <a:pPr marL="57150" marR="0" lvl="0" indent="-114300" algn="l" rtl="0">
+              <a:lnSpc>
+                <a:spcPct val="100000"/>
+              </a:lnSpc>
+              <a:spcBef>
+                <a:spcPts val="0"/>
+              </a:spcBef>
+              <a:spcAft>
+                <a:spcPts val="0"/>
+              </a:spcAft>
+              <a:buSzPts val="900"/>
+              <a:buFont typeface="Calibri"/>
+              <a:buChar char="●"/>
+            </a:pPr>
+            <a:r>
+              <a:rPr lang="en" sz="900" b="0" i="0" u="sng" strike="noStrike" cap="none">
+                <a:solidFill>
+                  <a:srgbClr val="0097A7"/>
+                </a:solidFill>
+                <a:latin typeface="Calibri"/>
+                <a:ea typeface="Calibri"/>
+                <a:cs typeface="Calibri"/>
+                <a:sym typeface="Calibri"/>
+                <a:hlinkClick r:id="rId3">
+                  <a:extLst>
+                    <a:ext uri="{A12FA001-AC4F-418D-AE19-62706E023703}">
+                      <ahyp:hlinkClr xmlns:ahyp="http://schemas.microsoft.com/office/drawing/2018/hyperlinkcolor" val="tx"/>
+                    </a:ext>
+                  </a:extLst>
+                </a:hlinkClick>
+              </a:rPr>
+              <a:t>https://layoffs.fyi</a:t>
+            </a:r>
+            <a:r>
+              <a:rPr lang="en" sz="900" b="0" i="0" u="none" strike="noStrike" cap="none">
+                <a:solidFill>
+                  <a:srgbClr val="0F0F0F"/>
+                </a:solidFill>
+                <a:latin typeface="Calibri"/>
+                <a:ea typeface="Calibri"/>
+                <a:cs typeface="Calibri"/>
+                <a:sym typeface="Calibri"/>
+              </a:rPr>
+              <a:t> </a:t>
+            </a:r>
+            <a:endParaRPr sz="900" b="0" i="0" u="none" strike="noStrike" cap="none">
+              <a:solidFill>
+                <a:srgbClr val="0F0F0F"/>
+              </a:solidFill>
+              <a:latin typeface="Calibri"/>
+              <a:ea typeface="Calibri"/>
+              <a:cs typeface="Calibri"/>
+              <a:sym typeface="Calibri"/>
+            </a:endParaRPr>
+          </a:p>
+          <a:p>
+            <a:pPr marL="57150" marR="0" lvl="0" indent="-114300" algn="l" rtl="0">
+              <a:lnSpc>
+                <a:spcPct val="100000"/>
+              </a:lnSpc>
+              <a:spcBef>
+                <a:spcPts val="0"/>
+              </a:spcBef>
+              <a:spcAft>
+                <a:spcPts val="0"/>
+              </a:spcAft>
+              <a:buSzPts val="900"/>
+              <a:buFont typeface="Calibri"/>
+              <a:buChar char="●"/>
+            </a:pPr>
+            <a:r>
+              <a:rPr lang="en" sz="900" u="sng">
+                <a:solidFill>
+                  <a:schemeClr val="hlink"/>
+                </a:solidFill>
+                <a:latin typeface="Calibri"/>
+                <a:ea typeface="Calibri"/>
+                <a:cs typeface="Calibri"/>
+                <a:sym typeface="Calibri"/>
+                <a:hlinkClick r:id="rId4"/>
+              </a:rPr>
+              <a:t>https://techcrunch.com/2025/02/13/tech-layoffs-2024-list/</a:t>
+            </a:r>
+            <a:endParaRPr sz="900">
+              <a:solidFill>
+                <a:srgbClr val="0F0F0F"/>
+              </a:solidFill>
+              <a:latin typeface="Calibri"/>
+              <a:ea typeface="Calibri"/>
+              <a:cs typeface="Calibri"/>
+              <a:sym typeface="Calibri"/>
+            </a:endParaRPr>
+          </a:p>
+          <a:p>
+            <a:pPr marL="57150" marR="0" lvl="0" indent="-114300" algn="l" rtl="0">
+              <a:lnSpc>
+                <a:spcPct val="100000"/>
+              </a:lnSpc>
+              <a:spcBef>
+                <a:spcPts val="0"/>
+              </a:spcBef>
+              <a:spcAft>
+                <a:spcPts val="0"/>
+              </a:spcAft>
+              <a:buSzPts val="900"/>
+              <a:buFont typeface="Calibri"/>
+              <a:buChar char="●"/>
+            </a:pPr>
+            <a:r>
+              <a:rPr lang="en" sz="900" u="sng">
+                <a:solidFill>
+                  <a:schemeClr val="hlink"/>
+                </a:solidFill>
+                <a:latin typeface="Calibri"/>
+                <a:ea typeface="Calibri"/>
+                <a:cs typeface="Calibri"/>
+                <a:sym typeface="Calibri"/>
+                <a:hlinkClick r:id="rId5"/>
+              </a:rPr>
+              <a:t>https://blog.pragmaticengineer.com/software-engineer-jobs-five-year-low/</a:t>
+            </a:r>
+            <a:r>
+              <a:rPr lang="en" sz="900">
+                <a:solidFill>
+                  <a:srgbClr val="0F0F0F"/>
+                </a:solidFill>
+                <a:latin typeface="Calibri"/>
+                <a:ea typeface="Calibri"/>
+                <a:cs typeface="Calibri"/>
+                <a:sym typeface="Calibri"/>
+              </a:rPr>
+              <a:t>  </a:t>
+            </a:r>
+            <a:endParaRPr sz="900">
+              <a:solidFill>
+                <a:srgbClr val="0F0F0F"/>
+              </a:solidFill>
+              <a:latin typeface="Calibri"/>
+              <a:ea typeface="Calibri"/>
+              <a:cs typeface="Calibri"/>
+              <a:sym typeface="Calibri"/>
+            </a:endParaRPr>
+          </a:p>
+          <a:p>
+            <a:pPr marL="57150" marR="0" lvl="0" indent="-114300" algn="l" rtl="0">
+              <a:lnSpc>
+                <a:spcPct val="100000"/>
+              </a:lnSpc>
+              <a:spcBef>
+                <a:spcPts val="0"/>
+              </a:spcBef>
+              <a:spcAft>
+                <a:spcPts val="0"/>
+              </a:spcAft>
+              <a:buClr>
+                <a:srgbClr val="0F0F0F"/>
+              </a:buClr>
+              <a:buSzPts val="900"/>
+              <a:buFont typeface="Calibri"/>
+              <a:buChar char="●"/>
+            </a:pPr>
+            <a:r>
+              <a:rPr lang="en" sz="900" u="sng">
+                <a:solidFill>
+                  <a:schemeClr val="hlink"/>
+                </a:solidFill>
+                <a:latin typeface="Calibri"/>
+                <a:ea typeface="Calibri"/>
+                <a:cs typeface="Calibri"/>
+                <a:sym typeface="Calibri"/>
+                <a:hlinkClick r:id="rId6"/>
+              </a:rPr>
+              <a:t>https://fred.stlouisfed.org/series/IHLIDXUS</a:t>
+            </a:r>
+            <a:r>
+              <a:rPr lang="en" sz="900">
+                <a:solidFill>
+                  <a:srgbClr val="0F0F0F"/>
+                </a:solidFill>
+                <a:latin typeface="Calibri"/>
+                <a:ea typeface="Calibri"/>
+                <a:cs typeface="Calibri"/>
+                <a:sym typeface="Calibri"/>
+              </a:rPr>
+              <a:t> </a:t>
+            </a:r>
+            <a:endParaRPr sz="900">
+              <a:solidFill>
+                <a:srgbClr val="0F0F0F"/>
+              </a:solidFill>
+              <a:latin typeface="Calibri"/>
+              <a:ea typeface="Calibri"/>
+              <a:cs typeface="Calibri"/>
+              <a:sym typeface="Calibri"/>
+            </a:endParaRPr>
+          </a:p>
+        </p:txBody>
+      </p:sp>
+      <p:pic>
+        <p:nvPicPr>
+          <p:cNvPr id="301" name="Google Shape;301;p34"/>
+          <p:cNvPicPr preferRelativeResize="0"/>
+          <p:nvPr/>
+        </p:nvPicPr>
+        <p:blipFill>
+          <a:blip r:embed="rId7" cstate="email">
+            <a:alphaModFix/>
+            <a:extLst>
+              <a:ext uri="{28A0092B-C50C-407E-A947-70E740481C1C}">
+                <a14:useLocalDpi xmlns:a14="http://schemas.microsoft.com/office/drawing/2010/main"/>
+              </a:ext>
+            </a:extLst>
+          </a:blip>
+          <a:stretch>
+            <a:fillRect/>
+          </a:stretch>
+        </p:blipFill>
+        <p:spPr>
+          <a:xfrm>
+            <a:off x="4870950" y="140800"/>
+            <a:ext cx="4273051" cy="1972176"/>
+          </a:xfrm>
+          <a:prstGeom prst="rect">
+            <a:avLst/>
+          </a:prstGeom>
+          <a:noFill/>
+          <a:ln w="9525" cap="flat" cmpd="sng">
+            <a:solidFill>
+              <a:srgbClr val="FF0000"/>
+            </a:solidFill>
+            <a:prstDash val="solid"/>
+            <a:round/>
+            <a:headEnd type="none" w="sm" len="sm"/>
+            <a:tailEnd type="none" w="sm" len="sm"/>
+          </a:ln>
+        </p:spPr>
+      </p:pic>
+      <p:sp>
+        <p:nvSpPr>
+          <p:cNvPr id="302" name="Google Shape;302;p34"/>
+          <p:cNvSpPr txBox="1"/>
+          <p:nvPr/>
+        </p:nvSpPr>
+        <p:spPr>
+          <a:xfrm>
+            <a:off x="121850" y="1374075"/>
+            <a:ext cx="2323800" cy="738900"/>
+          </a:xfrm>
+          <a:prstGeom prst="rect">
+            <a:avLst/>
+          </a:prstGeom>
+          <a:noFill/>
+          <a:ln>
+            <a:noFill/>
+          </a:ln>
+        </p:spPr>
+        <p:txBody>
+          <a:bodyPr spcFirstLastPara="1" wrap="square" lIns="91425" tIns="91425" rIns="91425" bIns="91425" anchor="t" anchorCtr="0">
+            <a:spAutoFit/>
+          </a:bodyPr>
+          <a:lstStyle/>
+          <a:p>
+            <a:pPr marL="0" marR="0" lvl="0" indent="0" algn="l" rtl="0">
+              <a:lnSpc>
+                <a:spcPct val="100000"/>
+              </a:lnSpc>
+              <a:spcBef>
+                <a:spcPts val="0"/>
+              </a:spcBef>
+              <a:spcAft>
+                <a:spcPts val="0"/>
+              </a:spcAft>
+              <a:buClr>
+                <a:srgbClr val="000000"/>
+              </a:buClr>
+              <a:buSzPts val="1300"/>
+              <a:buFont typeface="Arial"/>
+              <a:buNone/>
+            </a:pPr>
+            <a:endParaRPr sz="1200">
+              <a:solidFill>
+                <a:schemeClr val="dk1"/>
+              </a:solidFill>
+              <a:latin typeface="Calibri"/>
+              <a:ea typeface="Calibri"/>
+              <a:cs typeface="Calibri"/>
+              <a:sym typeface="Calibri"/>
+            </a:endParaRPr>
+          </a:p>
+          <a:p>
+            <a:pPr marL="0" marR="0" lvl="0" indent="0" algn="l" rtl="0">
+              <a:lnSpc>
+                <a:spcPct val="100000"/>
+              </a:lnSpc>
+              <a:spcBef>
+                <a:spcPts val="0"/>
+              </a:spcBef>
+              <a:spcAft>
+                <a:spcPts val="0"/>
+              </a:spcAft>
+              <a:buClr>
+                <a:srgbClr val="000000"/>
+              </a:buClr>
+              <a:buSzPts val="1300"/>
+              <a:buFont typeface="Arial"/>
+              <a:buNone/>
+            </a:pPr>
+            <a:endParaRPr sz="1200">
+              <a:solidFill>
+                <a:srgbClr val="0F0F0F"/>
+              </a:solidFill>
+              <a:latin typeface="Calibri"/>
+              <a:ea typeface="Calibri"/>
+              <a:cs typeface="Calibri"/>
+              <a:sym typeface="Calibri"/>
+            </a:endParaRPr>
+          </a:p>
+          <a:p>
+            <a:pPr marL="0" marR="0" lvl="0" indent="0" algn="l" rtl="0">
+              <a:lnSpc>
+                <a:spcPct val="100000"/>
+              </a:lnSpc>
+              <a:spcBef>
+                <a:spcPts val="0"/>
+              </a:spcBef>
+              <a:spcAft>
+                <a:spcPts val="0"/>
+              </a:spcAft>
+              <a:buClr>
+                <a:srgbClr val="000000"/>
+              </a:buClr>
+              <a:buSzPts val="1300"/>
+              <a:buFont typeface="Arial"/>
+              <a:buNone/>
+            </a:pPr>
+            <a:endParaRPr sz="1200">
+              <a:solidFill>
+                <a:srgbClr val="0F0F0F"/>
+              </a:solidFill>
+              <a:latin typeface="Calibri"/>
+              <a:ea typeface="Calibri"/>
+              <a:cs typeface="Calibri"/>
+              <a:sym typeface="Calibri"/>
+            </a:endParaRPr>
+          </a:p>
+        </p:txBody>
+      </p:sp>
+      <p:sp>
+        <p:nvSpPr>
+          <p:cNvPr id="303" name="Google Shape;303;p34"/>
+          <p:cNvSpPr txBox="1"/>
+          <p:nvPr/>
+        </p:nvSpPr>
+        <p:spPr>
+          <a:xfrm>
+            <a:off x="295050" y="981463"/>
+            <a:ext cx="2950500" cy="415500"/>
+          </a:xfrm>
+          <a:prstGeom prst="rect">
+            <a:avLst/>
+          </a:prstGeom>
+          <a:noFill/>
+          <a:ln>
+            <a:noFill/>
+          </a:ln>
+        </p:spPr>
+        <p:txBody>
+          <a:bodyPr spcFirstLastPara="1" wrap="square" lIns="91425" tIns="91425" rIns="91425" bIns="91425" anchor="t" anchorCtr="0">
+            <a:spAutoFit/>
+          </a:bodyPr>
+          <a:lstStyle/>
+          <a:p>
+            <a:pPr marL="0" lvl="0" indent="0" algn="l" rtl="0">
+              <a:lnSpc>
+                <a:spcPct val="115000"/>
+              </a:lnSpc>
+              <a:spcBef>
+                <a:spcPts val="0"/>
+              </a:spcBef>
+              <a:spcAft>
+                <a:spcPts val="1800"/>
+              </a:spcAft>
+              <a:buNone/>
+            </a:pPr>
+            <a:endParaRPr sz="1500">
+              <a:solidFill>
+                <a:srgbClr val="4F4F4F"/>
+              </a:solidFill>
+              <a:highlight>
+                <a:srgbClr val="FFFFFF"/>
+              </a:highlight>
+            </a:endParaRPr>
+          </a:p>
+        </p:txBody>
+      </p:sp>
+      <p:sp>
+        <p:nvSpPr>
+          <p:cNvPr id="304" name="Google Shape;304;p34"/>
+          <p:cNvSpPr txBox="1"/>
+          <p:nvPr/>
+        </p:nvSpPr>
+        <p:spPr>
+          <a:xfrm>
+            <a:off x="121850" y="1319125"/>
+            <a:ext cx="3991800" cy="1403700"/>
+          </a:xfrm>
+          <a:prstGeom prst="rect">
+            <a:avLst/>
+          </a:prstGeom>
+          <a:solidFill>
+            <a:srgbClr val="FFF2CC"/>
+          </a:solidFill>
+          <a:ln w="9525" cap="flat" cmpd="sng">
+            <a:solidFill>
+              <a:srgbClr val="FF0000"/>
+            </a:solidFill>
+            <a:prstDash val="solid"/>
+            <a:round/>
+            <a:headEnd type="none" w="sm" len="sm"/>
+            <a:tailEnd type="none" w="sm" len="sm"/>
+          </a:ln>
+        </p:spPr>
+        <p:txBody>
+          <a:bodyPr spcFirstLastPara="1" wrap="square" lIns="9125" tIns="9125" rIns="9125" bIns="9125" anchor="t" anchorCtr="0">
+            <a:spAutoFit/>
+          </a:bodyPr>
+          <a:lstStyle/>
+          <a:p>
+            <a:pPr marL="0" lvl="0" indent="0" algn="ctr" rtl="0">
+              <a:spcBef>
+                <a:spcPts val="0"/>
+              </a:spcBef>
+              <a:spcAft>
+                <a:spcPts val="0"/>
+              </a:spcAft>
+              <a:buNone/>
+            </a:pPr>
+            <a:r>
+              <a:rPr lang="en" sz="1200">
+                <a:solidFill>
+                  <a:srgbClr val="0F0F0F"/>
+                </a:solidFill>
+                <a:latin typeface="Calibri"/>
+                <a:ea typeface="Calibri"/>
+                <a:cs typeface="Calibri"/>
+                <a:sym typeface="Calibri"/>
+              </a:rPr>
+              <a:t>The Tech Layoff Tracker (as of March 13, 2025)</a:t>
+            </a:r>
+            <a:endParaRPr sz="1200">
+              <a:solidFill>
+                <a:srgbClr val="0F0F0F"/>
+              </a:solidFill>
+              <a:latin typeface="Calibri"/>
+              <a:ea typeface="Calibri"/>
+              <a:cs typeface="Calibri"/>
+              <a:sym typeface="Calibri"/>
+            </a:endParaRPr>
+          </a:p>
+          <a:p>
+            <a:pPr marL="457200" lvl="0" indent="457200" algn="l" rtl="0">
+              <a:spcBef>
+                <a:spcPts val="0"/>
+              </a:spcBef>
+              <a:spcAft>
+                <a:spcPts val="0"/>
+              </a:spcAft>
+              <a:buNone/>
+            </a:pPr>
+            <a:r>
+              <a:rPr lang="en" sz="900" u="sng">
+                <a:solidFill>
+                  <a:schemeClr val="accent5"/>
+                </a:solidFill>
+                <a:latin typeface="Calibri"/>
+                <a:ea typeface="Calibri"/>
+                <a:cs typeface="Calibri"/>
+                <a:sym typeface="Calibri"/>
+                <a:hlinkClick r:id="rId8">
+                  <a:extLst>
+                    <a:ext uri="{A12FA001-AC4F-418D-AE19-62706E023703}">
+                      <ahyp:hlinkClr xmlns:ahyp="http://schemas.microsoft.com/office/drawing/2018/hyperlinkcolor" val="tx"/>
+                    </a:ext>
+                  </a:extLst>
+                </a:hlinkClick>
+              </a:rPr>
+              <a:t>https://www.trueup.io/layoffs</a:t>
+            </a:r>
+            <a:endParaRPr sz="1200">
+              <a:solidFill>
+                <a:srgbClr val="0F0F0F"/>
+              </a:solidFill>
+              <a:latin typeface="Calibri"/>
+              <a:ea typeface="Calibri"/>
+              <a:cs typeface="Calibri"/>
+              <a:sym typeface="Calibri"/>
+            </a:endParaRPr>
+          </a:p>
+          <a:p>
+            <a:pPr marL="457200" lvl="0" indent="0" algn="l" rtl="0">
+              <a:spcBef>
+                <a:spcPts val="0"/>
+              </a:spcBef>
+              <a:spcAft>
+                <a:spcPts val="0"/>
+              </a:spcAft>
+              <a:buNone/>
+            </a:pPr>
+            <a:endParaRPr sz="1200">
+              <a:solidFill>
+                <a:srgbClr val="0F0F0F"/>
+              </a:solidFill>
+              <a:latin typeface="Calibri"/>
+              <a:ea typeface="Calibri"/>
+              <a:cs typeface="Calibri"/>
+              <a:sym typeface="Calibri"/>
+            </a:endParaRPr>
+          </a:p>
+          <a:p>
+            <a:pPr marL="228600" lvl="0" indent="-133350" algn="l" rtl="0">
+              <a:spcBef>
+                <a:spcPts val="0"/>
+              </a:spcBef>
+              <a:spcAft>
+                <a:spcPts val="0"/>
+              </a:spcAft>
+              <a:buClr>
+                <a:srgbClr val="0F0F0F"/>
+              </a:buClr>
+              <a:buSzPts val="1200"/>
+              <a:buFont typeface="Calibri"/>
+              <a:buChar char="●"/>
+            </a:pPr>
+            <a:r>
+              <a:rPr lang="en" sz="1200">
+                <a:solidFill>
+                  <a:srgbClr val="0F0F0F"/>
+                </a:solidFill>
+                <a:latin typeface="Calibri"/>
+                <a:ea typeface="Calibri"/>
+                <a:cs typeface="Calibri"/>
+                <a:sym typeface="Calibri"/>
+              </a:rPr>
+              <a:t>So far in 2025 - 531 people per day, total of 38,252 people </a:t>
+            </a:r>
+            <a:endParaRPr sz="1200">
+              <a:solidFill>
+                <a:srgbClr val="0F0F0F"/>
+              </a:solidFill>
+              <a:latin typeface="Calibri"/>
+              <a:ea typeface="Calibri"/>
+              <a:cs typeface="Calibri"/>
+              <a:sym typeface="Calibri"/>
+            </a:endParaRPr>
+          </a:p>
+          <a:p>
+            <a:pPr marL="228600" lvl="0" indent="-133350" algn="l" rtl="0">
+              <a:spcBef>
+                <a:spcPts val="0"/>
+              </a:spcBef>
+              <a:spcAft>
+                <a:spcPts val="0"/>
+              </a:spcAft>
+              <a:buClr>
+                <a:srgbClr val="0F0F0F"/>
+              </a:buClr>
+              <a:buSzPts val="1200"/>
+              <a:buFont typeface="Calibri"/>
+              <a:buChar char="●"/>
+            </a:pPr>
+            <a:r>
+              <a:rPr lang="en" sz="1200">
+                <a:solidFill>
+                  <a:srgbClr val="0F0F0F"/>
+                </a:solidFill>
+                <a:latin typeface="Calibri"/>
+                <a:ea typeface="Calibri"/>
+                <a:cs typeface="Calibri"/>
+                <a:sym typeface="Calibri"/>
+              </a:rPr>
+              <a:t>In 2024 - 653 people per day, total of 238,461 people </a:t>
+            </a:r>
+            <a:endParaRPr sz="1200">
+              <a:solidFill>
+                <a:srgbClr val="0F0F0F"/>
+              </a:solidFill>
+              <a:latin typeface="Calibri"/>
+              <a:ea typeface="Calibri"/>
+              <a:cs typeface="Calibri"/>
+              <a:sym typeface="Calibri"/>
+            </a:endParaRPr>
+          </a:p>
+          <a:p>
+            <a:pPr marL="228600" lvl="0" indent="-133350" algn="l" rtl="0">
+              <a:spcBef>
+                <a:spcPts val="0"/>
+              </a:spcBef>
+              <a:spcAft>
+                <a:spcPts val="0"/>
+              </a:spcAft>
+              <a:buClr>
+                <a:srgbClr val="0F0F0F"/>
+              </a:buClr>
+              <a:buSzPts val="1200"/>
+              <a:buFont typeface="Calibri"/>
+              <a:buChar char="●"/>
+            </a:pPr>
+            <a:r>
+              <a:rPr lang="en" sz="1200">
+                <a:solidFill>
+                  <a:schemeClr val="dk1"/>
+                </a:solidFill>
+                <a:latin typeface="Calibri"/>
+                <a:ea typeface="Calibri"/>
+                <a:cs typeface="Calibri"/>
+                <a:sym typeface="Calibri"/>
+              </a:rPr>
+              <a:t>In 2023: More than 191,000 people </a:t>
+            </a:r>
+            <a:endParaRPr sz="1200">
+              <a:solidFill>
+                <a:schemeClr val="dk1"/>
+              </a:solidFill>
+              <a:latin typeface="Calibri"/>
+              <a:ea typeface="Calibri"/>
+              <a:cs typeface="Calibri"/>
+              <a:sym typeface="Calibri"/>
+            </a:endParaRPr>
+          </a:p>
+          <a:p>
+            <a:pPr marL="228600" lvl="0" indent="-133350" algn="l" rtl="0">
+              <a:spcBef>
+                <a:spcPts val="0"/>
+              </a:spcBef>
+              <a:spcAft>
+                <a:spcPts val="0"/>
+              </a:spcAft>
+              <a:buClr>
+                <a:schemeClr val="dk1"/>
+              </a:buClr>
+              <a:buSzPts val="1200"/>
+              <a:buFont typeface="Calibri"/>
+              <a:buChar char="●"/>
+            </a:pPr>
+            <a:r>
+              <a:rPr lang="en" sz="1200">
+                <a:solidFill>
+                  <a:schemeClr val="dk1"/>
+                </a:solidFill>
+                <a:latin typeface="Calibri"/>
+                <a:ea typeface="Calibri"/>
+                <a:cs typeface="Calibri"/>
+                <a:sym typeface="Calibri"/>
+              </a:rPr>
+              <a:t>In 2022: More than 93,000 workers </a:t>
+            </a:r>
+            <a:r>
+              <a:rPr lang="en" sz="1200">
+                <a:solidFill>
+                  <a:srgbClr val="0F0F0F"/>
+                </a:solidFill>
+                <a:latin typeface="Calibri"/>
+                <a:ea typeface="Calibri"/>
+                <a:cs typeface="Calibri"/>
+                <a:sym typeface="Calibri"/>
+              </a:rPr>
+              <a:t>laid off</a:t>
+            </a:r>
+            <a:endParaRPr sz="1200">
+              <a:solidFill>
+                <a:schemeClr val="dk1"/>
+              </a:solidFill>
+              <a:latin typeface="Calibri"/>
+              <a:ea typeface="Calibri"/>
+              <a:cs typeface="Calibri"/>
+              <a:sym typeface="Calibri"/>
+            </a:endParaRPr>
+          </a:p>
+          <a:p>
+            <a:pPr marL="914400" lvl="0" indent="457200" algn="l" rtl="0">
+              <a:spcBef>
+                <a:spcPts val="0"/>
+              </a:spcBef>
+              <a:spcAft>
+                <a:spcPts val="0"/>
+              </a:spcAft>
+              <a:buNone/>
+            </a:pPr>
+            <a:r>
+              <a:rPr lang="en" sz="900" u="sng">
+                <a:solidFill>
+                  <a:schemeClr val="accent5"/>
+                </a:solidFill>
+                <a:latin typeface="Calibri"/>
+                <a:ea typeface="Calibri"/>
+                <a:cs typeface="Calibri"/>
+                <a:sym typeface="Calibri"/>
+                <a:hlinkClick r:id="rId9">
+                  <a:extLst>
+                    <a:ext uri="{A12FA001-AC4F-418D-AE19-62706E023703}">
+                      <ahyp:hlinkClr xmlns:ahyp="http://schemas.microsoft.com/office/drawing/2018/hyperlinkcolor" val="tx"/>
+                    </a:ext>
+                  </a:extLst>
+                </a:hlinkClick>
+              </a:rPr>
+              <a:t>https://news.crunchbase.com/startups/tech-layoffs/</a:t>
+            </a:r>
+            <a:endParaRPr sz="1200">
+              <a:solidFill>
+                <a:schemeClr val="dk1"/>
+              </a:solidFill>
+              <a:latin typeface="Calibri"/>
+              <a:ea typeface="Calibri"/>
+              <a:cs typeface="Calibri"/>
+              <a:sym typeface="Calibri"/>
+            </a:endParaRPr>
+          </a:p>
+        </p:txBody>
+      </p:sp>
+      <p:pic>
+        <p:nvPicPr>
+          <p:cNvPr id="305" name="Google Shape;305;p34"/>
+          <p:cNvPicPr preferRelativeResize="0"/>
+          <p:nvPr/>
+        </p:nvPicPr>
+        <p:blipFill>
+          <a:blip r:embed="rId10" cstate="email">
+            <a:alphaModFix/>
+            <a:extLst>
+              <a:ext uri="{28A0092B-C50C-407E-A947-70E740481C1C}">
+                <a14:useLocalDpi xmlns:a14="http://schemas.microsoft.com/office/drawing/2010/main"/>
+              </a:ext>
+            </a:extLst>
+          </a:blip>
+          <a:stretch>
+            <a:fillRect/>
+          </a:stretch>
+        </p:blipFill>
+        <p:spPr>
+          <a:xfrm>
+            <a:off x="121850" y="2859048"/>
+            <a:ext cx="3991802" cy="2243852"/>
+          </a:xfrm>
+          <a:prstGeom prst="rect">
+            <a:avLst/>
+          </a:prstGeom>
+          <a:noFill/>
+          <a:ln w="9525" cap="flat" cmpd="sng">
+            <a:solidFill>
+              <a:srgbClr val="FF0000"/>
+            </a:solidFill>
+            <a:prstDash val="solid"/>
+            <a:round/>
+            <a:headEnd type="none" w="sm" len="sm"/>
+            <a:tailEnd type="none" w="sm" len="sm"/>
+          </a:ln>
+        </p:spPr>
+      </p:pic>
+      <p:sp>
+        <p:nvSpPr>
+          <p:cNvPr id="306" name="Google Shape;306;p34"/>
+          <p:cNvSpPr txBox="1"/>
+          <p:nvPr/>
+        </p:nvSpPr>
+        <p:spPr>
+          <a:xfrm>
+            <a:off x="4870950" y="2261850"/>
+            <a:ext cx="3991800" cy="942000"/>
+          </a:xfrm>
+          <a:prstGeom prst="rect">
+            <a:avLst/>
+          </a:prstGeom>
+          <a:solidFill>
+            <a:srgbClr val="FFF2CC"/>
+          </a:solidFill>
+          <a:ln w="9525" cap="flat" cmpd="sng">
+            <a:solidFill>
+              <a:srgbClr val="FF0000"/>
+            </a:solidFill>
+            <a:prstDash val="solid"/>
+            <a:round/>
+            <a:headEnd type="none" w="sm" len="sm"/>
+            <a:tailEnd type="none" w="sm" len="sm"/>
+          </a:ln>
+        </p:spPr>
+        <p:txBody>
+          <a:bodyPr spcFirstLastPara="1" wrap="square" lIns="9125" tIns="9125" rIns="9125" bIns="9125" anchor="t" anchorCtr="0">
+            <a:spAutoFit/>
+          </a:bodyPr>
+          <a:lstStyle/>
+          <a:p>
+            <a:pPr marL="57150" lvl="0" indent="0" algn="l" rtl="0">
+              <a:spcBef>
+                <a:spcPts val="0"/>
+              </a:spcBef>
+              <a:spcAft>
+                <a:spcPts val="0"/>
+              </a:spcAft>
+              <a:buNone/>
+            </a:pPr>
+            <a:r>
+              <a:rPr lang="en" sz="1200">
+                <a:solidFill>
+                  <a:srgbClr val="0F0F0F"/>
+                </a:solidFill>
+                <a:latin typeface="Calibri"/>
+                <a:ea typeface="Calibri"/>
+                <a:cs typeface="Calibri"/>
+                <a:sym typeface="Calibri"/>
+              </a:rPr>
+              <a:t>AI jobs percentage:</a:t>
+            </a:r>
+            <a:endParaRPr sz="1200">
+              <a:solidFill>
+                <a:srgbClr val="0F0F0F"/>
+              </a:solidFill>
+              <a:latin typeface="Calibri"/>
+              <a:ea typeface="Calibri"/>
+              <a:cs typeface="Calibri"/>
+              <a:sym typeface="Calibri"/>
+            </a:endParaRPr>
+          </a:p>
+          <a:p>
+            <a:pPr marL="57150" lvl="0" indent="0" algn="l" rtl="0">
+              <a:spcBef>
+                <a:spcPts val="0"/>
+              </a:spcBef>
+              <a:spcAft>
+                <a:spcPts val="0"/>
+              </a:spcAft>
+              <a:buNone/>
+            </a:pPr>
+            <a:r>
+              <a:rPr lang="en" sz="1200">
+                <a:solidFill>
+                  <a:srgbClr val="0F0F0F"/>
+                </a:solidFill>
+                <a:latin typeface="Calibri"/>
+                <a:ea typeface="Calibri"/>
+                <a:cs typeface="Calibri"/>
+                <a:sym typeface="Calibri"/>
+              </a:rPr>
+              <a:t>2022 - 3.3%</a:t>
+            </a:r>
+            <a:endParaRPr sz="1200">
+              <a:solidFill>
+                <a:srgbClr val="0F0F0F"/>
+              </a:solidFill>
+              <a:latin typeface="Calibri"/>
+              <a:ea typeface="Calibri"/>
+              <a:cs typeface="Calibri"/>
+              <a:sym typeface="Calibri"/>
+            </a:endParaRPr>
+          </a:p>
+          <a:p>
+            <a:pPr marL="57150" lvl="0" indent="0" algn="l" rtl="0">
+              <a:spcBef>
+                <a:spcPts val="0"/>
+              </a:spcBef>
+              <a:spcAft>
+                <a:spcPts val="0"/>
+              </a:spcAft>
+              <a:buNone/>
+            </a:pPr>
+            <a:r>
+              <a:rPr lang="en" sz="1200">
+                <a:solidFill>
+                  <a:srgbClr val="0F0F0F"/>
+                </a:solidFill>
+                <a:latin typeface="Calibri"/>
+                <a:ea typeface="Calibri"/>
+                <a:cs typeface="Calibri"/>
+                <a:sym typeface="Calibri"/>
+              </a:rPr>
+              <a:t>2024 - 14.3%</a:t>
+            </a:r>
+            <a:endParaRPr sz="1200">
+              <a:solidFill>
+                <a:srgbClr val="0F0F0F"/>
+              </a:solidFill>
+              <a:latin typeface="Calibri"/>
+              <a:ea typeface="Calibri"/>
+              <a:cs typeface="Calibri"/>
+              <a:sym typeface="Calibri"/>
+            </a:endParaRPr>
+          </a:p>
+          <a:p>
+            <a:pPr marL="57150" lvl="0" indent="0" algn="l" rtl="0">
+              <a:spcBef>
+                <a:spcPts val="0"/>
+              </a:spcBef>
+              <a:spcAft>
+                <a:spcPts val="0"/>
+              </a:spcAft>
+              <a:buNone/>
+            </a:pPr>
+            <a:r>
+              <a:rPr lang="en" sz="1200">
+                <a:solidFill>
+                  <a:srgbClr val="0F0F0F"/>
+                </a:solidFill>
+                <a:latin typeface="Calibri"/>
+                <a:ea typeface="Calibri"/>
+                <a:cs typeface="Calibri"/>
+                <a:sym typeface="Calibri"/>
+              </a:rPr>
+              <a:t>2025 - 25% of all new tech job openings require AI skills</a:t>
+            </a:r>
+            <a:endParaRPr sz="1200">
+              <a:solidFill>
+                <a:srgbClr val="0F0F0F"/>
+              </a:solidFill>
+              <a:latin typeface="Calibri"/>
+              <a:ea typeface="Calibri"/>
+              <a:cs typeface="Calibri"/>
+              <a:sym typeface="Calibri"/>
+            </a:endParaRPr>
+          </a:p>
+          <a:p>
+            <a:pPr marL="57150" lvl="0" indent="0" algn="l" rtl="0">
+              <a:spcBef>
+                <a:spcPts val="0"/>
+              </a:spcBef>
+              <a:spcAft>
+                <a:spcPts val="0"/>
+              </a:spcAft>
+              <a:buNone/>
+            </a:pPr>
+            <a:r>
+              <a:rPr lang="en" sz="1200">
+                <a:solidFill>
+                  <a:srgbClr val="0F0F0F"/>
+                </a:solidFill>
+                <a:latin typeface="Calibri"/>
+                <a:ea typeface="Calibri"/>
+                <a:cs typeface="Calibri"/>
+                <a:sym typeface="Calibri"/>
+              </a:rPr>
+              <a:t>            36% of IT job postings tied to AI needs</a:t>
+            </a:r>
+            <a:endParaRPr sz="1200">
+              <a:solidFill>
+                <a:srgbClr val="0F0F0F"/>
+              </a:solidFill>
+              <a:latin typeface="Calibri"/>
+              <a:ea typeface="Calibri"/>
+              <a:cs typeface="Calibri"/>
+              <a:sym typeface="Calibri"/>
+            </a:endParaRPr>
+          </a:p>
+        </p:txBody>
+      </p:sp>
+      <p:sp>
+        <p:nvSpPr>
+          <p:cNvPr id="307" name="Google Shape;307;p34"/>
+          <p:cNvSpPr txBox="1"/>
+          <p:nvPr/>
+        </p:nvSpPr>
+        <p:spPr>
+          <a:xfrm>
+            <a:off x="4870950" y="3509975"/>
+            <a:ext cx="2467200" cy="1126800"/>
+          </a:xfrm>
+          <a:prstGeom prst="rect">
+            <a:avLst/>
+          </a:prstGeom>
+          <a:solidFill>
+            <a:srgbClr val="FFF2CC"/>
+          </a:solidFill>
+          <a:ln w="9525" cap="flat" cmpd="sng">
+            <a:solidFill>
+              <a:srgbClr val="FF0000"/>
+            </a:solidFill>
+            <a:prstDash val="solid"/>
+            <a:round/>
+            <a:headEnd type="none" w="sm" len="sm"/>
+            <a:tailEnd type="none" w="sm" len="sm"/>
+          </a:ln>
+        </p:spPr>
+        <p:txBody>
+          <a:bodyPr spcFirstLastPara="1" wrap="square" lIns="9125" tIns="9125" rIns="9125" bIns="9125" anchor="t" anchorCtr="0">
+            <a:spAutoFit/>
+          </a:bodyPr>
+          <a:lstStyle/>
+          <a:p>
+            <a:pPr marL="57150" lvl="0" indent="0" algn="l" rtl="0">
+              <a:spcBef>
+                <a:spcPts val="0"/>
+              </a:spcBef>
+              <a:spcAft>
+                <a:spcPts val="0"/>
+              </a:spcAft>
+              <a:buNone/>
+            </a:pPr>
+            <a:r>
+              <a:rPr lang="en" sz="1200">
+                <a:solidFill>
+                  <a:srgbClr val="0F0F0F"/>
+                </a:solidFill>
+                <a:latin typeface="Calibri"/>
+                <a:ea typeface="Calibri"/>
+                <a:cs typeface="Calibri"/>
+                <a:sym typeface="Calibri"/>
+              </a:rPr>
+              <a:t>Number of AI Job postings by year</a:t>
+            </a:r>
+            <a:endParaRPr sz="1200">
+              <a:solidFill>
+                <a:srgbClr val="0F0F0F"/>
+              </a:solidFill>
+              <a:latin typeface="Calibri"/>
+              <a:ea typeface="Calibri"/>
+              <a:cs typeface="Calibri"/>
+              <a:sym typeface="Calibri"/>
+            </a:endParaRPr>
+          </a:p>
+          <a:p>
+            <a:pPr marL="57150" lvl="0" indent="0" algn="l" rtl="0">
+              <a:spcBef>
+                <a:spcPts val="0"/>
+              </a:spcBef>
+              <a:spcAft>
+                <a:spcPts val="0"/>
+              </a:spcAft>
+              <a:buNone/>
+            </a:pPr>
+            <a:r>
+              <a:rPr lang="en" sz="1000">
+                <a:solidFill>
+                  <a:srgbClr val="3C78D8"/>
+                </a:solidFill>
+                <a:latin typeface="Roboto Mono"/>
+                <a:ea typeface="Roboto Mono"/>
+                <a:cs typeface="Roboto Mono"/>
+                <a:sym typeface="Roboto Mono"/>
+              </a:rPr>
+              <a:t>2020	27K</a:t>
+            </a:r>
+            <a:endParaRPr sz="1000">
+              <a:solidFill>
+                <a:srgbClr val="3C78D8"/>
+              </a:solidFill>
+              <a:latin typeface="Roboto Mono"/>
+              <a:ea typeface="Roboto Mono"/>
+              <a:cs typeface="Roboto Mono"/>
+              <a:sym typeface="Roboto Mono"/>
+            </a:endParaRPr>
+          </a:p>
+          <a:p>
+            <a:pPr marL="57150" lvl="0" indent="0" algn="l" rtl="0">
+              <a:spcBef>
+                <a:spcPts val="0"/>
+              </a:spcBef>
+              <a:spcAft>
+                <a:spcPts val="0"/>
+              </a:spcAft>
+              <a:buNone/>
+            </a:pPr>
+            <a:r>
+              <a:rPr lang="en" sz="1000">
+                <a:solidFill>
+                  <a:srgbClr val="3C78D8"/>
+                </a:solidFill>
+                <a:latin typeface="Roboto Mono"/>
+                <a:ea typeface="Roboto Mono"/>
+                <a:cs typeface="Roboto Mono"/>
+                <a:sym typeface="Roboto Mono"/>
+              </a:rPr>
+              <a:t>2021	38K</a:t>
+            </a:r>
+            <a:endParaRPr sz="1000">
+              <a:solidFill>
+                <a:srgbClr val="3C78D8"/>
+              </a:solidFill>
+              <a:latin typeface="Roboto Mono"/>
+              <a:ea typeface="Roboto Mono"/>
+              <a:cs typeface="Roboto Mono"/>
+              <a:sym typeface="Roboto Mono"/>
+            </a:endParaRPr>
+          </a:p>
+          <a:p>
+            <a:pPr marL="57150" lvl="0" indent="0" algn="l" rtl="0">
+              <a:spcBef>
+                <a:spcPts val="0"/>
+              </a:spcBef>
+              <a:spcAft>
+                <a:spcPts val="0"/>
+              </a:spcAft>
+              <a:buNone/>
+            </a:pPr>
+            <a:r>
+              <a:rPr lang="en" sz="1000">
+                <a:solidFill>
+                  <a:srgbClr val="3C78D8"/>
+                </a:solidFill>
+                <a:latin typeface="Roboto Mono"/>
+                <a:ea typeface="Roboto Mono"/>
+                <a:cs typeface="Roboto Mono"/>
+                <a:sym typeface="Roboto Mono"/>
+              </a:rPr>
+              <a:t>2022	52K</a:t>
+            </a:r>
+            <a:endParaRPr sz="1000">
+              <a:solidFill>
+                <a:srgbClr val="3C78D8"/>
+              </a:solidFill>
+              <a:latin typeface="Roboto Mono"/>
+              <a:ea typeface="Roboto Mono"/>
+              <a:cs typeface="Roboto Mono"/>
+              <a:sym typeface="Roboto Mono"/>
+            </a:endParaRPr>
+          </a:p>
+          <a:p>
+            <a:pPr marL="57150" lvl="0" indent="0" algn="l" rtl="0">
+              <a:spcBef>
+                <a:spcPts val="0"/>
+              </a:spcBef>
+              <a:spcAft>
+                <a:spcPts val="0"/>
+              </a:spcAft>
+              <a:buNone/>
+            </a:pPr>
+            <a:r>
+              <a:rPr lang="en" sz="1000">
+                <a:solidFill>
+                  <a:srgbClr val="3C78D8"/>
+                </a:solidFill>
+                <a:latin typeface="Roboto Mono"/>
+                <a:ea typeface="Roboto Mono"/>
+                <a:cs typeface="Roboto Mono"/>
+                <a:sym typeface="Roboto Mono"/>
+              </a:rPr>
+              <a:t>2023	65K</a:t>
+            </a:r>
+            <a:endParaRPr sz="1000">
+              <a:solidFill>
+                <a:srgbClr val="3C78D8"/>
+              </a:solidFill>
+              <a:latin typeface="Roboto Mono"/>
+              <a:ea typeface="Roboto Mono"/>
+              <a:cs typeface="Roboto Mono"/>
+              <a:sym typeface="Roboto Mono"/>
+            </a:endParaRPr>
+          </a:p>
+          <a:p>
+            <a:pPr marL="57150" lvl="0" indent="0" algn="l" rtl="0">
+              <a:spcBef>
+                <a:spcPts val="0"/>
+              </a:spcBef>
+              <a:spcAft>
+                <a:spcPts val="0"/>
+              </a:spcAft>
+              <a:buNone/>
+            </a:pPr>
+            <a:r>
+              <a:rPr lang="en" sz="1000">
+                <a:solidFill>
+                  <a:srgbClr val="3C78D8"/>
+                </a:solidFill>
+                <a:latin typeface="Roboto Mono"/>
+                <a:ea typeface="Roboto Mono"/>
+                <a:cs typeface="Roboto Mono"/>
+                <a:sym typeface="Roboto Mono"/>
+              </a:rPr>
+              <a:t>2024	81K</a:t>
+            </a:r>
+            <a:endParaRPr sz="1000">
+              <a:solidFill>
+                <a:srgbClr val="3C78D8"/>
+              </a:solidFill>
+              <a:latin typeface="Roboto Mono"/>
+              <a:ea typeface="Roboto Mono"/>
+              <a:cs typeface="Roboto Mono"/>
+              <a:sym typeface="Roboto Mono"/>
+            </a:endParaRPr>
+          </a:p>
+          <a:p>
+            <a:pPr marL="57150" lvl="0" indent="0" algn="l" rtl="0">
+              <a:spcBef>
+                <a:spcPts val="0"/>
+              </a:spcBef>
+              <a:spcAft>
+                <a:spcPts val="0"/>
+              </a:spcAft>
+              <a:buNone/>
+            </a:pPr>
+            <a:r>
+              <a:rPr lang="en" sz="1000">
+                <a:solidFill>
+                  <a:srgbClr val="3C78D8"/>
+                </a:solidFill>
+                <a:latin typeface="Roboto Mono"/>
+                <a:ea typeface="Roboto Mono"/>
+                <a:cs typeface="Roboto Mono"/>
+                <a:sym typeface="Roboto Mono"/>
+              </a:rPr>
+              <a:t>2025	105 - 200K (projected)</a:t>
+            </a:r>
+            <a:endParaRPr sz="1000">
+              <a:solidFill>
+                <a:srgbClr val="3C78D8"/>
+              </a:solidFill>
+              <a:latin typeface="Roboto Mono"/>
+              <a:ea typeface="Roboto Mono"/>
+              <a:cs typeface="Roboto Mono"/>
+              <a:sym typeface="Roboto Mono"/>
+            </a:endParaRPr>
+          </a:p>
+        </p:txBody>
+      </p:sp>
+    </p:spTree>
+  </p:cSld>
+  <p:clrMapOvr>
+    <a:masterClrMapping/>
+  </p:clrMapOvr>
+</p:sld>
+</file>
+
+<file path=ppt/slides/slide21.xml><?xml version="1.0" encoding="utf-8"?>
+<p:sld xmlns:a="http://schemas.openxmlformats.org/drawingml/2006/main" xmlns:r="http://schemas.openxmlformats.org/officeDocument/2006/relationships" xmlns:p="http://schemas.openxmlformats.org/presentationml/2006/main">
+  <p:cSld>
+    <p:spTree>
+      <p:nvGrpSpPr>
+        <p:cNvPr id="1" name="Shape 311"/>
+        <p:cNvGrpSpPr/>
+        <p:nvPr/>
+      </p:nvGrpSpPr>
+      <p:grpSpPr>
+        <a:xfrm>
+          <a:off x="0" y="0"/>
+          <a:ext cx="0" cy="0"/>
+          <a:chOff x="0" y="0"/>
+          <a:chExt cx="0" cy="0"/>
+        </a:xfrm>
+      </p:grpSpPr>
+      <p:sp>
+        <p:nvSpPr>
+          <p:cNvPr id="312" name="Google Shape;312;p35"/>
+          <p:cNvSpPr txBox="1"/>
+          <p:nvPr/>
+        </p:nvSpPr>
+        <p:spPr>
+          <a:xfrm>
+            <a:off x="41900" y="44350"/>
+            <a:ext cx="3632100" cy="492600"/>
+          </a:xfrm>
+          <a:prstGeom prst="rect">
+            <a:avLst/>
+          </a:prstGeom>
+          <a:noFill/>
+          <a:ln>
+            <a:noFill/>
+          </a:ln>
+        </p:spPr>
+        <p:txBody>
+          <a:bodyPr spcFirstLastPara="1" wrap="square" lIns="91425" tIns="91425" rIns="91425" bIns="91425" anchor="t" anchorCtr="0">
+            <a:spAutoFit/>
+          </a:bodyPr>
+          <a:lstStyle/>
+          <a:p>
+            <a:pPr marL="0" marR="0" lvl="0" indent="0" algn="l" rtl="0">
+              <a:lnSpc>
+                <a:spcPct val="100000"/>
+              </a:lnSpc>
+              <a:spcBef>
+                <a:spcPts val="0"/>
+              </a:spcBef>
+              <a:spcAft>
+                <a:spcPts val="0"/>
+              </a:spcAft>
+              <a:buClr>
+                <a:srgbClr val="000000"/>
+              </a:buClr>
+              <a:buSzPts val="2000"/>
+              <a:buFont typeface="Arial"/>
+              <a:buNone/>
+            </a:pPr>
+            <a:r>
+              <a:rPr lang="en" sz="2000" b="1">
+                <a:solidFill>
+                  <a:schemeClr val="dk1"/>
+                </a:solidFill>
+                <a:latin typeface="Calibri"/>
+                <a:ea typeface="Calibri"/>
+                <a:cs typeface="Calibri"/>
+                <a:sym typeface="Calibri"/>
+              </a:rPr>
+              <a:t>Electric Vehicle for 13,000 euros </a:t>
+            </a:r>
+            <a:endParaRPr sz="2000" b="1" i="0" u="none" strike="noStrike" cap="none">
+              <a:solidFill>
+                <a:srgbClr val="000000"/>
+              </a:solidFill>
+              <a:latin typeface="Calibri"/>
+              <a:ea typeface="Calibri"/>
+              <a:cs typeface="Calibri"/>
+              <a:sym typeface="Calibri"/>
+            </a:endParaRPr>
+          </a:p>
+        </p:txBody>
+      </p:sp>
+      <p:sp>
+        <p:nvSpPr>
+          <p:cNvPr id="313" name="Google Shape;313;p35"/>
+          <p:cNvSpPr txBox="1"/>
+          <p:nvPr/>
+        </p:nvSpPr>
+        <p:spPr>
+          <a:xfrm>
+            <a:off x="121850" y="1374075"/>
+            <a:ext cx="2323800" cy="738900"/>
+          </a:xfrm>
+          <a:prstGeom prst="rect">
+            <a:avLst/>
+          </a:prstGeom>
+          <a:noFill/>
+          <a:ln>
+            <a:noFill/>
+          </a:ln>
+        </p:spPr>
+        <p:txBody>
+          <a:bodyPr spcFirstLastPara="1" wrap="square" lIns="91425" tIns="91425" rIns="91425" bIns="91425" anchor="t" anchorCtr="0">
+            <a:spAutoFit/>
+          </a:bodyPr>
+          <a:lstStyle/>
+          <a:p>
+            <a:pPr marL="0" marR="0" lvl="0" indent="0" algn="l" rtl="0">
+              <a:lnSpc>
+                <a:spcPct val="100000"/>
+              </a:lnSpc>
+              <a:spcBef>
+                <a:spcPts val="0"/>
+              </a:spcBef>
+              <a:spcAft>
+                <a:spcPts val="0"/>
+              </a:spcAft>
+              <a:buClr>
+                <a:srgbClr val="000000"/>
+              </a:buClr>
+              <a:buSzPts val="1300"/>
+              <a:buFont typeface="Arial"/>
+              <a:buNone/>
+            </a:pPr>
+            <a:endParaRPr sz="1200">
+              <a:solidFill>
+                <a:schemeClr val="dk1"/>
+              </a:solidFill>
+              <a:latin typeface="Calibri"/>
+              <a:ea typeface="Calibri"/>
+              <a:cs typeface="Calibri"/>
+              <a:sym typeface="Calibri"/>
+            </a:endParaRPr>
+          </a:p>
+          <a:p>
+            <a:pPr marL="0" marR="0" lvl="0" indent="0" algn="l" rtl="0">
+              <a:lnSpc>
+                <a:spcPct val="100000"/>
+              </a:lnSpc>
+              <a:spcBef>
+                <a:spcPts val="0"/>
+              </a:spcBef>
+              <a:spcAft>
+                <a:spcPts val="0"/>
+              </a:spcAft>
+              <a:buClr>
+                <a:srgbClr val="000000"/>
+              </a:buClr>
+              <a:buSzPts val="1300"/>
+              <a:buFont typeface="Arial"/>
+              <a:buNone/>
+            </a:pPr>
+            <a:endParaRPr sz="1200">
+              <a:solidFill>
+                <a:srgbClr val="0F0F0F"/>
+              </a:solidFill>
+              <a:latin typeface="Calibri"/>
+              <a:ea typeface="Calibri"/>
+              <a:cs typeface="Calibri"/>
+              <a:sym typeface="Calibri"/>
+            </a:endParaRPr>
+          </a:p>
+          <a:p>
+            <a:pPr marL="0" marR="0" lvl="0" indent="0" algn="l" rtl="0">
+              <a:lnSpc>
+                <a:spcPct val="100000"/>
+              </a:lnSpc>
+              <a:spcBef>
+                <a:spcPts val="0"/>
+              </a:spcBef>
+              <a:spcAft>
+                <a:spcPts val="0"/>
+              </a:spcAft>
+              <a:buClr>
+                <a:srgbClr val="000000"/>
+              </a:buClr>
+              <a:buSzPts val="1300"/>
+              <a:buFont typeface="Arial"/>
+              <a:buNone/>
+            </a:pPr>
+            <a:endParaRPr sz="1200">
+              <a:solidFill>
+                <a:srgbClr val="0F0F0F"/>
+              </a:solidFill>
+              <a:latin typeface="Calibri"/>
+              <a:ea typeface="Calibri"/>
+              <a:cs typeface="Calibri"/>
+              <a:sym typeface="Calibri"/>
+            </a:endParaRPr>
+          </a:p>
+        </p:txBody>
+      </p:sp>
+      <p:sp>
+        <p:nvSpPr>
+          <p:cNvPr id="314" name="Google Shape;314;p35"/>
+          <p:cNvSpPr txBox="1"/>
+          <p:nvPr/>
+        </p:nvSpPr>
+        <p:spPr>
+          <a:xfrm>
+            <a:off x="295050" y="981463"/>
+            <a:ext cx="2950500" cy="415500"/>
+          </a:xfrm>
+          <a:prstGeom prst="rect">
+            <a:avLst/>
+          </a:prstGeom>
+          <a:noFill/>
+          <a:ln>
+            <a:noFill/>
+          </a:ln>
+        </p:spPr>
+        <p:txBody>
+          <a:bodyPr spcFirstLastPara="1" wrap="square" lIns="91425" tIns="91425" rIns="91425" bIns="91425" anchor="t" anchorCtr="0">
+            <a:spAutoFit/>
+          </a:bodyPr>
+          <a:lstStyle/>
+          <a:p>
+            <a:pPr marL="0" lvl="0" indent="0" algn="l" rtl="0">
+              <a:lnSpc>
+                <a:spcPct val="115000"/>
+              </a:lnSpc>
+              <a:spcBef>
+                <a:spcPts val="0"/>
+              </a:spcBef>
+              <a:spcAft>
+                <a:spcPts val="1800"/>
+              </a:spcAft>
+              <a:buNone/>
+            </a:pPr>
+            <a:endParaRPr sz="1500">
+              <a:solidFill>
+                <a:srgbClr val="4F4F4F"/>
+              </a:solidFill>
+              <a:highlight>
+                <a:srgbClr val="FFFFFF"/>
+              </a:highlight>
+            </a:endParaRPr>
+          </a:p>
+        </p:txBody>
+      </p:sp>
+      <p:sp>
+        <p:nvSpPr>
+          <p:cNvPr id="315" name="Google Shape;315;p35"/>
+          <p:cNvSpPr txBox="1"/>
+          <p:nvPr/>
+        </p:nvSpPr>
+        <p:spPr>
+          <a:xfrm>
+            <a:off x="121850" y="1319125"/>
+            <a:ext cx="3991800" cy="1680900"/>
+          </a:xfrm>
+          <a:prstGeom prst="rect">
+            <a:avLst/>
+          </a:prstGeom>
+          <a:solidFill>
+            <a:srgbClr val="FFF2CC"/>
+          </a:solidFill>
+          <a:ln w="9525" cap="flat" cmpd="sng">
+            <a:solidFill>
+              <a:srgbClr val="FF0000"/>
+            </a:solidFill>
+            <a:prstDash val="solid"/>
+            <a:round/>
+            <a:headEnd type="none" w="sm" len="sm"/>
+            <a:tailEnd type="none" w="sm" len="sm"/>
+          </a:ln>
+        </p:spPr>
+        <p:txBody>
+          <a:bodyPr spcFirstLastPara="1" wrap="square" lIns="9125" tIns="9125" rIns="9125" bIns="9125" anchor="t" anchorCtr="0">
+            <a:spAutoFit/>
+          </a:bodyPr>
+          <a:lstStyle/>
+          <a:p>
+            <a:pPr marL="228600" lvl="0" indent="-133350" algn="l" rtl="0">
+              <a:spcBef>
+                <a:spcPts val="0"/>
+              </a:spcBef>
+              <a:spcAft>
+                <a:spcPts val="0"/>
+              </a:spcAft>
+              <a:buClr>
+                <a:srgbClr val="0F0F0F"/>
+              </a:buClr>
+              <a:buSzPts val="1200"/>
+              <a:buFont typeface="Calibri"/>
+              <a:buChar char="●"/>
+            </a:pPr>
+            <a:r>
+              <a:rPr lang="en" sz="1200">
+                <a:solidFill>
+                  <a:srgbClr val="0F0F0F"/>
+                </a:solidFill>
+                <a:latin typeface="Calibri"/>
+                <a:ea typeface="Calibri"/>
+                <a:cs typeface="Calibri"/>
+                <a:sym typeface="Calibri"/>
+              </a:rPr>
+              <a:t>GAC-Toyota starts pre-sales of the bZ3X in China</a:t>
+            </a:r>
+            <a:endParaRPr sz="1200">
+              <a:solidFill>
+                <a:srgbClr val="0F0F0F"/>
+              </a:solidFill>
+              <a:latin typeface="Calibri"/>
+              <a:ea typeface="Calibri"/>
+              <a:cs typeface="Calibri"/>
+              <a:sym typeface="Calibri"/>
+            </a:endParaRPr>
+          </a:p>
+          <a:p>
+            <a:pPr marL="228600" lvl="0" indent="-133350" algn="l" rtl="0">
+              <a:spcBef>
+                <a:spcPts val="0"/>
+              </a:spcBef>
+              <a:spcAft>
+                <a:spcPts val="0"/>
+              </a:spcAft>
+              <a:buClr>
+                <a:srgbClr val="0F0F0F"/>
+              </a:buClr>
+              <a:buSzPts val="1200"/>
+              <a:buFont typeface="Calibri"/>
+              <a:buChar char="●"/>
+            </a:pPr>
+            <a:r>
+              <a:rPr lang="en" sz="1200">
+                <a:solidFill>
+                  <a:srgbClr val="0F0F0F"/>
+                </a:solidFill>
+                <a:latin typeface="Calibri"/>
+                <a:ea typeface="Calibri"/>
+                <a:cs typeface="Calibri"/>
+                <a:sym typeface="Calibri"/>
+              </a:rPr>
+              <a:t>13K .. 20K euros</a:t>
+            </a:r>
+            <a:endParaRPr sz="1200">
+              <a:solidFill>
+                <a:srgbClr val="0F0F0F"/>
+              </a:solidFill>
+              <a:latin typeface="Calibri"/>
+              <a:ea typeface="Calibri"/>
+              <a:cs typeface="Calibri"/>
+              <a:sym typeface="Calibri"/>
+            </a:endParaRPr>
+          </a:p>
+          <a:p>
+            <a:pPr marL="228600" lvl="0" indent="-133350" algn="l" rtl="0">
+              <a:spcBef>
+                <a:spcPts val="0"/>
+              </a:spcBef>
+              <a:spcAft>
+                <a:spcPts val="0"/>
+              </a:spcAft>
+              <a:buClr>
+                <a:srgbClr val="0F0F0F"/>
+              </a:buClr>
+              <a:buSzPts val="1200"/>
+              <a:buFont typeface="Calibri"/>
+              <a:buChar char="●"/>
+            </a:pPr>
+            <a:r>
+              <a:rPr lang="en" sz="1200">
+                <a:solidFill>
+                  <a:srgbClr val="0F0F0F"/>
+                </a:solidFill>
+                <a:latin typeface="Calibri"/>
+                <a:ea typeface="Calibri"/>
+                <a:cs typeface="Calibri"/>
+                <a:sym typeface="Calibri"/>
+              </a:rPr>
+              <a:t>GAC Toyota Motor Co., Ltd. (GTMC) is a 50:50 joint venture between Guangzhou Automobile Group (GAC) and Toyota Motor Corporation that manufactures Toyota vehicles specifically for the Chinese market, headquartered in Guangzhou.</a:t>
+            </a:r>
+            <a:endParaRPr sz="1200">
+              <a:solidFill>
+                <a:srgbClr val="0F0F0F"/>
+              </a:solidFill>
+              <a:latin typeface="Calibri"/>
+              <a:ea typeface="Calibri"/>
+              <a:cs typeface="Calibri"/>
+              <a:sym typeface="Calibri"/>
+            </a:endParaRPr>
+          </a:p>
+          <a:p>
+            <a:pPr marL="228600" lvl="0" indent="-133350" algn="l" rtl="0">
+              <a:spcBef>
+                <a:spcPts val="0"/>
+              </a:spcBef>
+              <a:spcAft>
+                <a:spcPts val="0"/>
+              </a:spcAft>
+              <a:buClr>
+                <a:srgbClr val="0F0F0F"/>
+              </a:buClr>
+              <a:buSzPts val="1200"/>
+              <a:buFont typeface="Calibri"/>
+              <a:buChar char="●"/>
+            </a:pPr>
+            <a:r>
+              <a:rPr lang="en" sz="1200" u="sng">
+                <a:solidFill>
+                  <a:schemeClr val="hlink"/>
+                </a:solidFill>
+                <a:latin typeface="Calibri"/>
+                <a:ea typeface="Calibri"/>
+                <a:cs typeface="Calibri"/>
+                <a:sym typeface="Calibri"/>
+                <a:hlinkClick r:id="rId3"/>
+              </a:rPr>
+              <a:t>https://www.electrive.com/2024/12/09/gac-toyota-starts-pre-sales-of-the-bz3x-in-china/</a:t>
+            </a:r>
+            <a:r>
+              <a:rPr lang="en" sz="1200">
+                <a:solidFill>
+                  <a:srgbClr val="0F0F0F"/>
+                </a:solidFill>
+                <a:latin typeface="Calibri"/>
+                <a:ea typeface="Calibri"/>
+                <a:cs typeface="Calibri"/>
+                <a:sym typeface="Calibri"/>
+              </a:rPr>
+              <a:t> </a:t>
+            </a:r>
+            <a:endParaRPr sz="1200">
+              <a:solidFill>
+                <a:srgbClr val="0F0F0F"/>
+              </a:solidFill>
+              <a:latin typeface="Calibri"/>
+              <a:ea typeface="Calibri"/>
+              <a:cs typeface="Calibri"/>
+              <a:sym typeface="Calibri"/>
+            </a:endParaRPr>
+          </a:p>
+        </p:txBody>
+      </p:sp>
+      <p:pic>
+        <p:nvPicPr>
+          <p:cNvPr id="316" name="Google Shape;316;p35"/>
+          <p:cNvPicPr preferRelativeResize="0"/>
+          <p:nvPr/>
+        </p:nvPicPr>
+        <p:blipFill>
+          <a:blip r:embed="rId4" cstate="email">
+            <a:alphaModFix/>
+            <a:extLst>
+              <a:ext uri="{28A0092B-C50C-407E-A947-70E740481C1C}">
+                <a14:useLocalDpi xmlns:a14="http://schemas.microsoft.com/office/drawing/2010/main"/>
+              </a:ext>
+            </a:extLst>
+          </a:blip>
+          <a:stretch>
+            <a:fillRect/>
+          </a:stretch>
+        </p:blipFill>
+        <p:spPr>
+          <a:xfrm>
+            <a:off x="4266050" y="536950"/>
+            <a:ext cx="4725552" cy="2891939"/>
+          </a:xfrm>
+          <a:prstGeom prst="rect">
+            <a:avLst/>
+          </a:prstGeom>
+          <a:noFill/>
+          <a:ln>
+            <a:noFill/>
+          </a:ln>
+        </p:spPr>
+      </p:pic>
+    </p:spTree>
+  </p:cSld>
+  <p:clrMapOvr>
+    <a:masterClrMapping/>
+  </p:clrMapOvr>
+</p:sld>
+</file>
+
+<file path=ppt/slides/slide22.xml><?xml version="1.0" encoding="utf-8"?>
+<p:sld xmlns:a="http://schemas.openxmlformats.org/drawingml/2006/main" xmlns:r="http://schemas.openxmlformats.org/officeDocument/2006/relationships" xmlns:p="http://schemas.openxmlformats.org/presentationml/2006/main">
+  <p:cSld>
+    <p:spTree>
+      <p:nvGrpSpPr>
+        <p:cNvPr id="1" name="Shape 320"/>
         <p:cNvGrpSpPr/>
         <p:nvPr/>
       </p:nvGrpSpPr>
@@ -26620,7 +28706,7 @@
       </p:grpSpPr>
       <p:pic>
         <p:nvPicPr>
-          <p:cNvPr id="291" name="Google Shape;291;p34"/>
+          <p:cNvPr id="321" name="Google Shape;321;p36"/>
           <p:cNvPicPr preferRelativeResize="0"/>
           <p:nvPr/>
         </p:nvPicPr>
@@ -26652,7 +28738,7 @@
       </p:pic>
       <p:sp>
         <p:nvSpPr>
-          <p:cNvPr id="292" name="Google Shape;292;p34"/>
+          <p:cNvPr id="322" name="Google Shape;322;p36"/>
           <p:cNvSpPr txBox="1"/>
           <p:nvPr/>
         </p:nvSpPr>
@@ -26718,7 +28804,7 @@
       </p:sp>
       <p:sp>
         <p:nvSpPr>
-          <p:cNvPr id="293" name="Google Shape;293;p34"/>
+          <p:cNvPr id="323" name="Google Shape;323;p36"/>
           <p:cNvSpPr txBox="1"/>
           <p:nvPr/>
         </p:nvSpPr>
@@ -27148,7 +29234,7 @@
       </p:sp>
       <p:pic>
         <p:nvPicPr>
-          <p:cNvPr id="294" name="Google Shape;294;p34"/>
+          <p:cNvPr id="324" name="Google Shape;324;p36"/>
           <p:cNvPicPr preferRelativeResize="0"/>
           <p:nvPr/>
         </p:nvPicPr>
@@ -27180,7 +29266,7 @@
       </p:pic>
       <p:sp>
         <p:nvSpPr>
-          <p:cNvPr id="295" name="Google Shape;295;p34"/>
+          <p:cNvPr id="325" name="Google Shape;325;p36"/>
           <p:cNvSpPr txBox="1"/>
           <p:nvPr/>
         </p:nvSpPr>
@@ -27259,7 +29345,7 @@
       </p:sp>
       <p:sp>
         <p:nvSpPr>
-          <p:cNvPr id="296" name="Google Shape;296;p34"/>
+          <p:cNvPr id="326" name="Google Shape;326;p36"/>
           <p:cNvSpPr txBox="1"/>
           <p:nvPr/>
         </p:nvSpPr>
@@ -27331,12 +29417,12 @@
 </p:sld>
 </file>
 
-<file path=ppt/slides/slide21.xml><?xml version="1.0" encoding="utf-8"?>
+<file path=ppt/slides/slide23.xml><?xml version="1.0" encoding="utf-8"?>
 <p:sld xmlns:a="http://schemas.openxmlformats.org/drawingml/2006/main" xmlns:r="http://schemas.openxmlformats.org/officeDocument/2006/relationships" xmlns:p="http://schemas.openxmlformats.org/presentationml/2006/main">
   <p:cSld>
     <p:spTree>
       <p:nvGrpSpPr>
-        <p:cNvPr id="1" name="Shape 300"/>
+        <p:cNvPr id="1" name="Shape 330"/>
         <p:cNvGrpSpPr/>
         <p:nvPr/>
       </p:nvGrpSpPr>
@@ -27350,7 +29436,7 @@
       </p:grpSpPr>
       <p:sp>
         <p:nvSpPr>
-          <p:cNvPr id="301" name="Google Shape;301;p35"/>
+          <p:cNvPr id="331" name="Google Shape;331;p37"/>
           <p:cNvSpPr txBox="1"/>
           <p:nvPr/>
         </p:nvSpPr>
@@ -28339,7 +30425,7 @@
             <a:tbl>
               <a:tblPr>
                 <a:noFill/>
-                <a:tableStyleId>{9B140392-0236-4AEE-8AA3-D69A3F727374}</a:tableStyleId>
+                <a:tableStyleId>{67F7511B-30B4-4664-B006-A1E33C83FF8F}</a:tableStyleId>
               </a:tblPr>
               <a:tblGrid>
                 <a:gridCol w="656925">
@@ -30909,7 +32995,7 @@
         <p:spPr>
           <a:xfrm>
             <a:off x="3952675" y="4131175"/>
-            <a:ext cx="2893800" cy="572700"/>
+            <a:ext cx="2905200" cy="757200"/>
           </a:xfrm>
           <a:prstGeom prst="rect">
             <a:avLst/>
@@ -30964,7 +33050,30 @@
                 <a:cs typeface="Calibri"/>
                 <a:sym typeface="Calibri"/>
               </a:rPr>
-              <a:t> (formerly Project DIGITS) - GB10</a:t>
+              <a:t> (formerly Project DIGITS) </a:t>
+            </a:r>
+            <a:br>
+              <a:rPr lang="en" sz="1200">
+                <a:solidFill>
+                  <a:schemeClr val="dk1"/>
+                </a:solidFill>
+                <a:latin typeface="Calibri"/>
+                <a:ea typeface="Calibri"/>
+                <a:cs typeface="Calibri"/>
+                <a:sym typeface="Calibri"/>
+              </a:rPr>
+            </a:br>
+            <a:r>
+              <a:rPr lang="en" sz="1200">
+                <a:solidFill>
+                  <a:schemeClr val="dk1"/>
+                </a:solidFill>
+                <a:latin typeface="Calibri"/>
+                <a:ea typeface="Calibri"/>
+                <a:cs typeface="Calibri"/>
+                <a:sym typeface="Calibri"/>
+              </a:rPr>
+              <a:t>  GB10, 128GB memory</a:t>
             </a:r>
             <a:endParaRPr sz="1200">
               <a:solidFill>
@@ -32649,7 +34758,7 @@
         </p:nvSpPr>
         <p:spPr>
           <a:xfrm>
-            <a:off x="55075" y="451125"/>
+            <a:off x="83900" y="1618125"/>
             <a:ext cx="4456200" cy="572700"/>
           </a:xfrm>
           <a:prstGeom prst="rect">
@@ -32802,7 +34911,7 @@
         </p:nvSpPr>
         <p:spPr>
           <a:xfrm>
-            <a:off x="55075" y="1142750"/>
+            <a:off x="83900" y="2309750"/>
             <a:ext cx="4456200" cy="988200"/>
           </a:xfrm>
           <a:prstGeom prst="rect">
@@ -33042,7 +35151,7 @@
         </p:nvSpPr>
         <p:spPr>
           <a:xfrm>
-            <a:off x="55075" y="2194850"/>
+            <a:off x="83900" y="3361850"/>
             <a:ext cx="4456200" cy="1496100"/>
           </a:xfrm>
           <a:prstGeom prst="rect">
@@ -33335,6 +35444,843 @@
           </a:p>
         </p:txBody>
       </p:sp>
+      <p:sp>
+        <p:nvSpPr>
+          <p:cNvPr id="129" name="Google Shape;129;p21"/>
+          <p:cNvSpPr txBox="1"/>
+          <p:nvPr/>
+        </p:nvSpPr>
+        <p:spPr>
+          <a:xfrm>
+            <a:off x="7269870" y="2190825"/>
+            <a:ext cx="1545300" cy="387900"/>
+          </a:xfrm>
+          <a:prstGeom prst="rect">
+            <a:avLst/>
+          </a:prstGeom>
+          <a:solidFill>
+            <a:srgbClr val="FFF2CC"/>
+          </a:solidFill>
+          <a:ln w="9525" cap="flat" cmpd="sng">
+            <a:solidFill>
+              <a:srgbClr val="FF0000"/>
+            </a:solidFill>
+            <a:prstDash val="solid"/>
+            <a:round/>
+            <a:headEnd type="none" w="sm" len="sm"/>
+            <a:tailEnd type="none" w="sm" len="sm"/>
+          </a:ln>
+        </p:spPr>
+        <p:txBody>
+          <a:bodyPr spcFirstLastPara="1" wrap="square" lIns="9125" tIns="9125" rIns="9125" bIns="9125" anchor="t" anchorCtr="0">
+            <a:spAutoFit/>
+          </a:bodyPr>
+          <a:lstStyle/>
+          <a:p>
+            <a:pPr marL="0" lvl="0" indent="0" algn="l" rtl="0">
+              <a:spcBef>
+                <a:spcPts val="0"/>
+              </a:spcBef>
+              <a:spcAft>
+                <a:spcPts val="0"/>
+              </a:spcAft>
+              <a:buNone/>
+            </a:pPr>
+            <a:r>
+              <a:rPr lang="en" sz="1200" b="1">
+                <a:solidFill>
+                  <a:srgbClr val="FF0000"/>
+                </a:solidFill>
+                <a:latin typeface="Calibri"/>
+                <a:ea typeface="Calibri"/>
+                <a:cs typeface="Calibri"/>
+                <a:sym typeface="Calibri"/>
+              </a:rPr>
+              <a:t>Llama - more than 1 Billion downloads</a:t>
+            </a:r>
+            <a:endParaRPr sz="1200">
+              <a:solidFill>
+                <a:schemeClr val="dk1"/>
+              </a:solidFill>
+              <a:latin typeface="Calibri"/>
+              <a:ea typeface="Calibri"/>
+              <a:cs typeface="Calibri"/>
+              <a:sym typeface="Calibri"/>
+            </a:endParaRPr>
+          </a:p>
+        </p:txBody>
+      </p:sp>
+      <p:pic>
+        <p:nvPicPr>
+          <p:cNvPr id="130" name="Google Shape;130;p21"/>
+          <p:cNvPicPr preferRelativeResize="0"/>
+          <p:nvPr/>
+        </p:nvPicPr>
+        <p:blipFill>
+          <a:blip r:embed="rId7" cstate="email">
+            <a:alphaModFix/>
+            <a:extLst>
+              <a:ext uri="{28A0092B-C50C-407E-A947-70E740481C1C}">
+                <a14:useLocalDpi xmlns:a14="http://schemas.microsoft.com/office/drawing/2010/main"/>
+              </a:ext>
+            </a:extLst>
+          </a:blip>
+          <a:stretch>
+            <a:fillRect/>
+          </a:stretch>
+        </p:blipFill>
+        <p:spPr>
+          <a:xfrm>
+            <a:off x="7269875" y="52750"/>
+            <a:ext cx="1681626" cy="2102025"/>
+          </a:xfrm>
+          <a:prstGeom prst="rect">
+            <a:avLst/>
+          </a:prstGeom>
+          <a:noFill/>
+          <a:ln w="9525" cap="flat" cmpd="sng">
+            <a:solidFill>
+              <a:srgbClr val="FF0000"/>
+            </a:solidFill>
+            <a:prstDash val="solid"/>
+            <a:round/>
+            <a:headEnd type="none" w="sm" len="sm"/>
+            <a:tailEnd type="none" w="sm" len="sm"/>
+          </a:ln>
+        </p:spPr>
+      </p:pic>
+      <p:sp>
+        <p:nvSpPr>
+          <p:cNvPr id="131" name="Google Shape;131;p21"/>
+          <p:cNvSpPr txBox="1"/>
+          <p:nvPr/>
+        </p:nvSpPr>
+        <p:spPr>
+          <a:xfrm>
+            <a:off x="4727188" y="970525"/>
+            <a:ext cx="2355600" cy="1496100"/>
+          </a:xfrm>
+          <a:prstGeom prst="rect">
+            <a:avLst/>
+          </a:prstGeom>
+          <a:solidFill>
+            <a:srgbClr val="FFF2CC"/>
+          </a:solidFill>
+          <a:ln w="9525" cap="flat" cmpd="sng">
+            <a:solidFill>
+              <a:srgbClr val="FF0000"/>
+            </a:solidFill>
+            <a:prstDash val="solid"/>
+            <a:round/>
+            <a:headEnd type="none" w="sm" len="sm"/>
+            <a:tailEnd type="none" w="sm" len="sm"/>
+          </a:ln>
+        </p:spPr>
+        <p:txBody>
+          <a:bodyPr spcFirstLastPara="1" wrap="square" lIns="9125" tIns="9125" rIns="9125" bIns="9125" anchor="t" anchorCtr="0">
+            <a:spAutoFit/>
+          </a:bodyPr>
+          <a:lstStyle/>
+          <a:p>
+            <a:pPr marL="0" lvl="0" indent="0" algn="l" rtl="0">
+              <a:spcBef>
+                <a:spcPts val="0"/>
+              </a:spcBef>
+              <a:spcAft>
+                <a:spcPts val="0"/>
+              </a:spcAft>
+              <a:buNone/>
+            </a:pPr>
+            <a:r>
+              <a:rPr lang="en" sz="1200" b="1">
+                <a:solidFill>
+                  <a:srgbClr val="FF0000"/>
+                </a:solidFill>
+                <a:latin typeface="Calibri"/>
+                <a:ea typeface="Calibri"/>
+                <a:cs typeface="Calibri"/>
+                <a:sym typeface="Calibri"/>
+              </a:rPr>
+              <a:t>Google has bought Wiz for $32 Billion</a:t>
+            </a:r>
+            <a:endParaRPr sz="1200">
+              <a:solidFill>
+                <a:schemeClr val="dk1"/>
+              </a:solidFill>
+              <a:latin typeface="Calibri"/>
+              <a:ea typeface="Calibri"/>
+              <a:cs typeface="Calibri"/>
+              <a:sym typeface="Calibri"/>
+            </a:endParaRPr>
+          </a:p>
+          <a:p>
+            <a:pPr marL="171450" lvl="0" indent="-133350" algn="l" rtl="0">
+              <a:spcBef>
+                <a:spcPts val="0"/>
+              </a:spcBef>
+              <a:spcAft>
+                <a:spcPts val="0"/>
+              </a:spcAft>
+              <a:buClr>
+                <a:schemeClr val="dk1"/>
+              </a:buClr>
+              <a:buSzPts val="1200"/>
+              <a:buFont typeface="Calibri"/>
+              <a:buChar char="●"/>
+            </a:pPr>
+            <a:r>
+              <a:rPr lang="en" sz="1200">
+                <a:solidFill>
+                  <a:schemeClr val="dk1"/>
+                </a:solidFill>
+                <a:latin typeface="Calibri"/>
+                <a:ea typeface="Calibri"/>
+                <a:cs typeface="Calibri"/>
+                <a:sym typeface="Calibri"/>
+              </a:rPr>
+              <a:t>Wiz makes security tools to protect information in remote data centers</a:t>
+            </a:r>
+            <a:endParaRPr sz="1200">
+              <a:solidFill>
+                <a:schemeClr val="dk1"/>
+              </a:solidFill>
+              <a:latin typeface="Calibri"/>
+              <a:ea typeface="Calibri"/>
+              <a:cs typeface="Calibri"/>
+              <a:sym typeface="Calibri"/>
+            </a:endParaRPr>
+          </a:p>
+          <a:p>
+            <a:pPr marL="171450" lvl="0" indent="-133350" algn="l" rtl="0">
+              <a:spcBef>
+                <a:spcPts val="0"/>
+              </a:spcBef>
+              <a:spcAft>
+                <a:spcPts val="0"/>
+              </a:spcAft>
+              <a:buClr>
+                <a:schemeClr val="dk1"/>
+              </a:buClr>
+              <a:buSzPts val="1200"/>
+              <a:buFont typeface="Calibri"/>
+              <a:buChar char="●"/>
+            </a:pPr>
+            <a:r>
+              <a:rPr lang="en" sz="1200">
+                <a:solidFill>
+                  <a:schemeClr val="dk1"/>
+                </a:solidFill>
+                <a:latin typeface="Calibri"/>
+                <a:ea typeface="Calibri"/>
+                <a:cs typeface="Calibri"/>
+                <a:sym typeface="Calibri"/>
+              </a:rPr>
+              <a:t>Wiz based in New York, since 2020</a:t>
+            </a:r>
+            <a:endParaRPr sz="1200">
+              <a:solidFill>
+                <a:schemeClr val="dk1"/>
+              </a:solidFill>
+              <a:latin typeface="Calibri"/>
+              <a:ea typeface="Calibri"/>
+              <a:cs typeface="Calibri"/>
+              <a:sym typeface="Calibri"/>
+            </a:endParaRPr>
+          </a:p>
+          <a:p>
+            <a:pPr marL="171450" lvl="0" indent="-133350" algn="l" rtl="0">
+              <a:spcBef>
+                <a:spcPts val="0"/>
+              </a:spcBef>
+              <a:spcAft>
+                <a:spcPts val="0"/>
+              </a:spcAft>
+              <a:buClr>
+                <a:srgbClr val="FF0000"/>
+              </a:buClr>
+              <a:buSzPts val="1200"/>
+              <a:buFont typeface="Calibri"/>
+              <a:buChar char="●"/>
+            </a:pPr>
+            <a:r>
+              <a:rPr lang="en" sz="1200" b="1">
+                <a:solidFill>
+                  <a:srgbClr val="FF0000"/>
+                </a:solidFill>
+                <a:latin typeface="Calibri"/>
+                <a:ea typeface="Calibri"/>
+                <a:cs typeface="Calibri"/>
+                <a:sym typeface="Calibri"/>
+              </a:rPr>
+              <a:t>AI &amp; Data Security - two hottest trends</a:t>
+            </a:r>
+            <a:endParaRPr sz="1200">
+              <a:solidFill>
+                <a:schemeClr val="dk1"/>
+              </a:solidFill>
+              <a:latin typeface="Calibri"/>
+              <a:ea typeface="Calibri"/>
+              <a:cs typeface="Calibri"/>
+              <a:sym typeface="Calibri"/>
+            </a:endParaRPr>
+          </a:p>
+        </p:txBody>
+      </p:sp>
+      <p:pic>
+        <p:nvPicPr>
+          <p:cNvPr id="132" name="Google Shape;132;p21"/>
+          <p:cNvPicPr preferRelativeResize="0"/>
+          <p:nvPr/>
+        </p:nvPicPr>
+        <p:blipFill rotWithShape="1">
+          <a:blip r:embed="rId8" cstate="email">
+            <a:alphaModFix/>
+            <a:extLst>
+              <a:ext uri="{28A0092B-C50C-407E-A947-70E740481C1C}">
+                <a14:useLocalDpi xmlns:a14="http://schemas.microsoft.com/office/drawing/2010/main"/>
+              </a:ext>
+            </a:extLst>
+          </a:blip>
+          <a:srcRect/>
+          <a:stretch/>
+        </p:blipFill>
+        <p:spPr>
+          <a:xfrm>
+            <a:off x="5322459" y="52750"/>
+            <a:ext cx="1136225" cy="852425"/>
+          </a:xfrm>
+          <a:prstGeom prst="rect">
+            <a:avLst/>
+          </a:prstGeom>
+          <a:noFill/>
+          <a:ln w="9525" cap="flat" cmpd="sng">
+            <a:solidFill>
+              <a:srgbClr val="FF0000"/>
+            </a:solidFill>
+            <a:prstDash val="solid"/>
+            <a:round/>
+            <a:headEnd type="none" w="sm" len="sm"/>
+            <a:tailEnd type="none" w="sm" len="sm"/>
+          </a:ln>
+        </p:spPr>
+      </p:pic>
+      <p:sp>
+        <p:nvSpPr>
+          <p:cNvPr id="133" name="Google Shape;133;p21"/>
+          <p:cNvSpPr txBox="1"/>
+          <p:nvPr/>
+        </p:nvSpPr>
+        <p:spPr>
+          <a:xfrm>
+            <a:off x="55075" y="712288"/>
+            <a:ext cx="4456200" cy="757200"/>
+          </a:xfrm>
+          <a:prstGeom prst="rect">
+            <a:avLst/>
+          </a:prstGeom>
+          <a:solidFill>
+            <a:srgbClr val="FFF2CC"/>
+          </a:solidFill>
+          <a:ln w="9525" cap="flat" cmpd="sng">
+            <a:solidFill>
+              <a:srgbClr val="FF0000"/>
+            </a:solidFill>
+            <a:prstDash val="solid"/>
+            <a:round/>
+            <a:headEnd type="none" w="sm" len="sm"/>
+            <a:tailEnd type="none" w="sm" len="sm"/>
+          </a:ln>
+        </p:spPr>
+        <p:txBody>
+          <a:bodyPr spcFirstLastPara="1" wrap="square" lIns="9125" tIns="9125" rIns="9125" bIns="9125" anchor="t" anchorCtr="0">
+            <a:spAutoFit/>
+          </a:bodyPr>
+          <a:lstStyle/>
+          <a:p>
+            <a:pPr marL="0" lvl="0" indent="0" algn="l" rtl="0">
+              <a:spcBef>
+                <a:spcPts val="0"/>
+              </a:spcBef>
+              <a:spcAft>
+                <a:spcPts val="0"/>
+              </a:spcAft>
+              <a:buNone/>
+            </a:pPr>
+            <a:r>
+              <a:rPr lang="en" sz="1200" b="1">
+                <a:solidFill>
+                  <a:srgbClr val="FF0000"/>
+                </a:solidFill>
+                <a:latin typeface="Calibri"/>
+                <a:ea typeface="Calibri"/>
+                <a:cs typeface="Calibri"/>
+                <a:sym typeface="Calibri"/>
+              </a:rPr>
+              <a:t>Anthropic Claude can now search the web</a:t>
+            </a:r>
+            <a:endParaRPr sz="1200" b="1">
+              <a:solidFill>
+                <a:srgbClr val="FF0000"/>
+              </a:solidFill>
+              <a:latin typeface="Calibri"/>
+              <a:ea typeface="Calibri"/>
+              <a:cs typeface="Calibri"/>
+              <a:sym typeface="Calibri"/>
+            </a:endParaRPr>
+          </a:p>
+          <a:p>
+            <a:pPr marL="171450" lvl="0" indent="-133350" algn="l" rtl="0">
+              <a:spcBef>
+                <a:spcPts val="0"/>
+              </a:spcBef>
+              <a:spcAft>
+                <a:spcPts val="0"/>
+              </a:spcAft>
+              <a:buClr>
+                <a:schemeClr val="dk1"/>
+              </a:buClr>
+              <a:buSzPts val="1200"/>
+              <a:buFont typeface="Calibri"/>
+              <a:buChar char="●"/>
+            </a:pPr>
+            <a:r>
+              <a:rPr lang="en" sz="1200">
+                <a:solidFill>
+                  <a:schemeClr val="dk1"/>
+                </a:solidFill>
+                <a:latin typeface="Calibri"/>
+                <a:ea typeface="Calibri"/>
+                <a:cs typeface="Calibri"/>
+                <a:sym typeface="Calibri"/>
+              </a:rPr>
+              <a:t>Available now in preview for paid Claude users in the U.S</a:t>
+            </a:r>
+            <a:endParaRPr sz="1200">
+              <a:solidFill>
+                <a:schemeClr val="dk1"/>
+              </a:solidFill>
+              <a:latin typeface="Calibri"/>
+              <a:ea typeface="Calibri"/>
+              <a:cs typeface="Calibri"/>
+              <a:sym typeface="Calibri"/>
+            </a:endParaRPr>
+          </a:p>
+          <a:p>
+            <a:pPr marL="171450" lvl="0" indent="-133350" algn="l" rtl="0">
+              <a:spcBef>
+                <a:spcPts val="0"/>
+              </a:spcBef>
+              <a:spcAft>
+                <a:spcPts val="0"/>
+              </a:spcAft>
+              <a:buClr>
+                <a:schemeClr val="dk1"/>
+              </a:buClr>
+              <a:buSzPts val="1200"/>
+              <a:buFont typeface="Calibri"/>
+              <a:buChar char="●"/>
+            </a:pPr>
+            <a:r>
+              <a:rPr lang="en" sz="1200">
+                <a:solidFill>
+                  <a:schemeClr val="dk1"/>
+                </a:solidFill>
+                <a:latin typeface="Calibri"/>
+                <a:ea typeface="Calibri"/>
+                <a:cs typeface="Calibri"/>
+                <a:sym typeface="Calibri"/>
+              </a:rPr>
+              <a:t>Example: what was the weather yesterday?</a:t>
+            </a:r>
+            <a:endParaRPr sz="1200">
+              <a:solidFill>
+                <a:schemeClr val="dk1"/>
+              </a:solidFill>
+              <a:latin typeface="Calibri"/>
+              <a:ea typeface="Calibri"/>
+              <a:cs typeface="Calibri"/>
+              <a:sym typeface="Calibri"/>
+            </a:endParaRPr>
+          </a:p>
+          <a:p>
+            <a:pPr marL="171450" lvl="0" indent="-133350" algn="l" rtl="0">
+              <a:spcBef>
+                <a:spcPts val="0"/>
+              </a:spcBef>
+              <a:spcAft>
+                <a:spcPts val="0"/>
+              </a:spcAft>
+              <a:buClr>
+                <a:schemeClr val="dk1"/>
+              </a:buClr>
+              <a:buSzPts val="1200"/>
+              <a:buFont typeface="Calibri"/>
+              <a:buChar char="●"/>
+            </a:pPr>
+            <a:r>
+              <a:rPr lang="en" sz="1200">
+                <a:solidFill>
+                  <a:schemeClr val="dk1"/>
+                </a:solidFill>
+                <a:latin typeface="Calibri"/>
+                <a:ea typeface="Calibri"/>
+                <a:cs typeface="Calibri"/>
+                <a:sym typeface="Calibri"/>
+              </a:rPr>
+              <a:t>Who has won the latest Super Bawl ?</a:t>
+            </a:r>
+            <a:endParaRPr sz="1200">
+              <a:solidFill>
+                <a:schemeClr val="dk1"/>
+              </a:solidFill>
+              <a:latin typeface="Calibri"/>
+              <a:ea typeface="Calibri"/>
+              <a:cs typeface="Calibri"/>
+              <a:sym typeface="Calibri"/>
+            </a:endParaRPr>
+          </a:p>
+        </p:txBody>
+      </p:sp>
+      <p:sp>
+        <p:nvSpPr>
+          <p:cNvPr id="134" name="Google Shape;134;p21"/>
+          <p:cNvSpPr txBox="1"/>
+          <p:nvPr/>
+        </p:nvSpPr>
+        <p:spPr>
+          <a:xfrm>
+            <a:off x="4609900" y="3786069"/>
+            <a:ext cx="4456200" cy="1173000"/>
+          </a:xfrm>
+          <a:prstGeom prst="rect">
+            <a:avLst/>
+          </a:prstGeom>
+          <a:solidFill>
+            <a:srgbClr val="FFF2CC"/>
+          </a:solidFill>
+          <a:ln w="9525" cap="flat" cmpd="sng">
+            <a:solidFill>
+              <a:srgbClr val="FF0000"/>
+            </a:solidFill>
+            <a:prstDash val="solid"/>
+            <a:round/>
+            <a:headEnd type="none" w="sm" len="sm"/>
+            <a:tailEnd type="none" w="sm" len="sm"/>
+          </a:ln>
+        </p:spPr>
+        <p:txBody>
+          <a:bodyPr spcFirstLastPara="1" wrap="square" lIns="9125" tIns="9125" rIns="9125" bIns="9125" anchor="t" anchorCtr="0">
+            <a:spAutoFit/>
+          </a:bodyPr>
+          <a:lstStyle/>
+          <a:p>
+            <a:pPr marL="0" lvl="0" indent="0" algn="l" rtl="0">
+              <a:spcBef>
+                <a:spcPts val="0"/>
+              </a:spcBef>
+              <a:spcAft>
+                <a:spcPts val="0"/>
+              </a:spcAft>
+              <a:buNone/>
+            </a:pPr>
+            <a:r>
+              <a:rPr lang="en" sz="1200" b="1">
+                <a:solidFill>
+                  <a:srgbClr val="FF0000"/>
+                </a:solidFill>
+                <a:latin typeface="Calibri"/>
+                <a:ea typeface="Calibri"/>
+                <a:cs typeface="Calibri"/>
+                <a:sym typeface="Calibri"/>
+              </a:rPr>
+              <a:t>OpenAI AI Audio models</a:t>
+            </a:r>
+            <a:endParaRPr sz="1200" b="1">
+              <a:solidFill>
+                <a:srgbClr val="FF0000"/>
+              </a:solidFill>
+              <a:latin typeface="Calibri"/>
+              <a:ea typeface="Calibri"/>
+              <a:cs typeface="Calibri"/>
+              <a:sym typeface="Calibri"/>
+            </a:endParaRPr>
+          </a:p>
+          <a:p>
+            <a:pPr marL="171450" lvl="0" indent="-133350" algn="l" rtl="0">
+              <a:spcBef>
+                <a:spcPts val="0"/>
+              </a:spcBef>
+              <a:spcAft>
+                <a:spcPts val="0"/>
+              </a:spcAft>
+              <a:buClr>
+                <a:schemeClr val="dk1"/>
+              </a:buClr>
+              <a:buSzPts val="1200"/>
+              <a:buFont typeface="Calibri"/>
+              <a:buChar char="●"/>
+            </a:pPr>
+            <a:r>
+              <a:rPr lang="en" sz="1200">
+                <a:solidFill>
+                  <a:schemeClr val="dk1"/>
+                </a:solidFill>
+                <a:latin typeface="Calibri"/>
+                <a:ea typeface="Calibri"/>
+                <a:cs typeface="Calibri"/>
+                <a:sym typeface="Calibri"/>
+              </a:rPr>
+              <a:t>Audio-to-Audio directly (without intermediate text)</a:t>
+            </a:r>
+            <a:endParaRPr sz="1200">
+              <a:solidFill>
+                <a:schemeClr val="dk1"/>
+              </a:solidFill>
+              <a:latin typeface="Calibri"/>
+              <a:ea typeface="Calibri"/>
+              <a:cs typeface="Calibri"/>
+              <a:sym typeface="Calibri"/>
+            </a:endParaRPr>
+          </a:p>
+          <a:p>
+            <a:pPr marL="171450" lvl="0" indent="-133350" algn="l" rtl="0">
+              <a:spcBef>
+                <a:spcPts val="0"/>
+              </a:spcBef>
+              <a:spcAft>
+                <a:spcPts val="0"/>
+              </a:spcAft>
+              <a:buClr>
+                <a:schemeClr val="dk1"/>
+              </a:buClr>
+              <a:buSzPts val="1200"/>
+              <a:buFont typeface="Calibri"/>
+              <a:buChar char="●"/>
+            </a:pPr>
+            <a:r>
+              <a:rPr lang="en" sz="1200">
+                <a:solidFill>
+                  <a:schemeClr val="dk1"/>
+                </a:solidFill>
+                <a:latin typeface="Calibri"/>
+                <a:ea typeface="Calibri"/>
+                <a:cs typeface="Calibri"/>
+                <a:sym typeface="Calibri"/>
+              </a:rPr>
+              <a:t>Faster, Understands intonations, accents, emotion</a:t>
+            </a:r>
+            <a:endParaRPr sz="1200">
+              <a:solidFill>
+                <a:schemeClr val="dk1"/>
+              </a:solidFill>
+              <a:latin typeface="Calibri"/>
+              <a:ea typeface="Calibri"/>
+              <a:cs typeface="Calibri"/>
+              <a:sym typeface="Calibri"/>
+            </a:endParaRPr>
+          </a:p>
+          <a:p>
+            <a:pPr marL="171450" lvl="0" indent="-133350" algn="l" rtl="0">
+              <a:spcBef>
+                <a:spcPts val="0"/>
+              </a:spcBef>
+              <a:spcAft>
+                <a:spcPts val="0"/>
+              </a:spcAft>
+              <a:buClr>
+                <a:schemeClr val="dk1"/>
+              </a:buClr>
+              <a:buSzPts val="1200"/>
+              <a:buFont typeface="Calibri"/>
+              <a:buChar char="●"/>
+            </a:pPr>
+            <a:r>
+              <a:rPr lang="en" sz="1200">
+                <a:solidFill>
+                  <a:schemeClr val="dk1"/>
+                </a:solidFill>
+                <a:latin typeface="Calibri"/>
+                <a:ea typeface="Calibri"/>
+                <a:cs typeface="Calibri"/>
+                <a:sym typeface="Calibri"/>
+              </a:rPr>
+              <a:t>Via API (Voice Agents SDK), 70% cheaper than ElevenLabs</a:t>
+            </a:r>
+            <a:endParaRPr sz="1200">
+              <a:solidFill>
+                <a:schemeClr val="dk1"/>
+              </a:solidFill>
+              <a:latin typeface="Calibri"/>
+              <a:ea typeface="Calibri"/>
+              <a:cs typeface="Calibri"/>
+              <a:sym typeface="Calibri"/>
+            </a:endParaRPr>
+          </a:p>
+          <a:p>
+            <a:pPr marL="171450" lvl="0" indent="-114300" algn="l" rtl="0">
+              <a:spcBef>
+                <a:spcPts val="0"/>
+              </a:spcBef>
+              <a:spcAft>
+                <a:spcPts val="0"/>
+              </a:spcAft>
+              <a:buClr>
+                <a:schemeClr val="dk1"/>
+              </a:buClr>
+              <a:buSzPts val="900"/>
+              <a:buFont typeface="Calibri"/>
+              <a:buChar char="●"/>
+            </a:pPr>
+            <a:r>
+              <a:rPr lang="en" sz="900" u="sng">
+                <a:solidFill>
+                  <a:schemeClr val="hlink"/>
+                </a:solidFill>
+                <a:latin typeface="Calibri"/>
+                <a:ea typeface="Calibri"/>
+                <a:cs typeface="Calibri"/>
+                <a:sym typeface="Calibri"/>
+                <a:hlinkClick r:id="rId9"/>
+              </a:rPr>
+              <a:t>https://openai.com/index/introducing-our-next-generation-audio-models/</a:t>
+            </a:r>
+            <a:r>
+              <a:rPr lang="en" sz="900">
+                <a:solidFill>
+                  <a:schemeClr val="dk1"/>
+                </a:solidFill>
+                <a:latin typeface="Calibri"/>
+                <a:ea typeface="Calibri"/>
+                <a:cs typeface="Calibri"/>
+                <a:sym typeface="Calibri"/>
+              </a:rPr>
+              <a:t> </a:t>
+            </a:r>
+            <a:endParaRPr sz="900">
+              <a:solidFill>
+                <a:schemeClr val="dk1"/>
+              </a:solidFill>
+              <a:latin typeface="Calibri"/>
+              <a:ea typeface="Calibri"/>
+              <a:cs typeface="Calibri"/>
+              <a:sym typeface="Calibri"/>
+            </a:endParaRPr>
+          </a:p>
+          <a:p>
+            <a:pPr marL="171450" lvl="0" indent="-114300" algn="l" rtl="0">
+              <a:spcBef>
+                <a:spcPts val="0"/>
+              </a:spcBef>
+              <a:spcAft>
+                <a:spcPts val="0"/>
+              </a:spcAft>
+              <a:buClr>
+                <a:schemeClr val="dk1"/>
+              </a:buClr>
+              <a:buSzPts val="900"/>
+              <a:buFont typeface="Calibri"/>
+              <a:buChar char="●"/>
+            </a:pPr>
+            <a:r>
+              <a:rPr lang="en" sz="900" u="sng">
+                <a:solidFill>
+                  <a:schemeClr val="hlink"/>
+                </a:solidFill>
+                <a:latin typeface="Calibri"/>
+                <a:ea typeface="Calibri"/>
+                <a:cs typeface="Calibri"/>
+                <a:sym typeface="Calibri"/>
+                <a:hlinkClick r:id="rId10"/>
+              </a:rPr>
+              <a:t>https://www.openai.fm</a:t>
+            </a:r>
+            <a:r>
+              <a:rPr lang="en" sz="900">
+                <a:solidFill>
+                  <a:schemeClr val="dk1"/>
+                </a:solidFill>
+                <a:latin typeface="Calibri"/>
+                <a:ea typeface="Calibri"/>
+                <a:cs typeface="Calibri"/>
+                <a:sym typeface="Calibri"/>
+              </a:rPr>
+              <a:t> </a:t>
+            </a:r>
+            <a:endParaRPr sz="900">
+              <a:solidFill>
+                <a:schemeClr val="dk1"/>
+              </a:solidFill>
+              <a:latin typeface="Calibri"/>
+              <a:ea typeface="Calibri"/>
+              <a:cs typeface="Calibri"/>
+              <a:sym typeface="Calibri"/>
+            </a:endParaRPr>
+          </a:p>
+          <a:p>
+            <a:pPr marL="171450" lvl="0" indent="-114300" algn="l" rtl="0">
+              <a:spcBef>
+                <a:spcPts val="0"/>
+              </a:spcBef>
+              <a:spcAft>
+                <a:spcPts val="0"/>
+              </a:spcAft>
+              <a:buClr>
+                <a:schemeClr val="dk1"/>
+              </a:buClr>
+              <a:buSzPts val="900"/>
+              <a:buFont typeface="Calibri"/>
+              <a:buChar char="●"/>
+            </a:pPr>
+            <a:endParaRPr sz="900">
+              <a:solidFill>
+                <a:schemeClr val="dk1"/>
+              </a:solidFill>
+              <a:latin typeface="Calibri"/>
+              <a:ea typeface="Calibri"/>
+              <a:cs typeface="Calibri"/>
+              <a:sym typeface="Calibri"/>
+            </a:endParaRPr>
+          </a:p>
+        </p:txBody>
+      </p:sp>
+      <p:pic>
+        <p:nvPicPr>
+          <p:cNvPr id="135" name="Google Shape;135;p21"/>
+          <p:cNvPicPr preferRelativeResize="0"/>
+          <p:nvPr/>
+        </p:nvPicPr>
+        <p:blipFill rotWithShape="1">
+          <a:blip r:embed="rId11" cstate="email">
+            <a:alphaModFix/>
+            <a:extLst>
+              <a:ext uri="{28A0092B-C50C-407E-A947-70E740481C1C}">
+                <a14:useLocalDpi xmlns:a14="http://schemas.microsoft.com/office/drawing/2010/main"/>
+              </a:ext>
+            </a:extLst>
+          </a:blip>
+          <a:srcRect/>
+          <a:stretch/>
+        </p:blipFill>
+        <p:spPr>
+          <a:xfrm>
+            <a:off x="4727200" y="2574811"/>
+            <a:ext cx="2355600" cy="1142640"/>
+          </a:xfrm>
+          <a:prstGeom prst="rect">
+            <a:avLst/>
+          </a:prstGeom>
+          <a:noFill/>
+          <a:ln w="9525" cap="flat" cmpd="sng">
+            <a:solidFill>
+              <a:srgbClr val="FF0000"/>
+            </a:solidFill>
+            <a:prstDash val="solid"/>
+            <a:round/>
+            <a:headEnd type="none" w="sm" len="sm"/>
+            <a:tailEnd type="none" w="sm" len="sm"/>
+          </a:ln>
+        </p:spPr>
+      </p:pic>
     </p:spTree>
   </p:cSld>
   <p:clrMapOvr>
@@ -33348,7 +36294,7 @@
   <p:cSld>
     <p:spTree>
       <p:nvGrpSpPr>
-        <p:cNvPr id="1" name="Shape 132"/>
+        <p:cNvPr id="1" name="Shape 139"/>
         <p:cNvGrpSpPr/>
         <p:nvPr/>
       </p:nvGrpSpPr>
@@ -33362,7 +36308,649 @@
       </p:grpSpPr>
       <p:sp>
         <p:nvSpPr>
-          <p:cNvPr id="133" name="Google Shape;133;p22"/>
+          <p:cNvPr id="140" name="Google Shape;140;p22"/>
+          <p:cNvSpPr txBox="1"/>
+          <p:nvPr/>
+        </p:nvSpPr>
+        <p:spPr>
+          <a:xfrm>
+            <a:off x="55075" y="52750"/>
+            <a:ext cx="3615300" cy="326400"/>
+          </a:xfrm>
+          <a:prstGeom prst="rect">
+            <a:avLst/>
+          </a:prstGeom>
+          <a:noFill/>
+          <a:ln>
+            <a:noFill/>
+          </a:ln>
+        </p:spPr>
+        <p:txBody>
+          <a:bodyPr spcFirstLastPara="1" wrap="square" lIns="9125" tIns="9125" rIns="9125" bIns="9125" anchor="t" anchorCtr="0">
+            <a:spAutoFit/>
+          </a:bodyPr>
+          <a:lstStyle/>
+          <a:p>
+            <a:pPr marL="0" lvl="0" indent="0" algn="l" rtl="0">
+              <a:spcBef>
+                <a:spcPts val="0"/>
+              </a:spcBef>
+              <a:spcAft>
+                <a:spcPts val="0"/>
+              </a:spcAft>
+              <a:buClr>
+                <a:schemeClr val="dk1"/>
+              </a:buClr>
+              <a:buSzPts val="1100"/>
+              <a:buFont typeface="Arial"/>
+              <a:buNone/>
+            </a:pPr>
+            <a:r>
+              <a:rPr lang="en" sz="2000" b="1">
+                <a:solidFill>
+                  <a:schemeClr val="dk1"/>
+                </a:solidFill>
+                <a:latin typeface="Calibri"/>
+                <a:ea typeface="Calibri"/>
+                <a:cs typeface="Calibri"/>
+                <a:sym typeface="Calibri"/>
+              </a:rPr>
+              <a:t>Qodo (aka Codium) != Codeium</a:t>
+            </a:r>
+            <a:endParaRPr sz="2000" b="1">
+              <a:solidFill>
+                <a:schemeClr val="dk1"/>
+              </a:solidFill>
+              <a:latin typeface="Calibri"/>
+              <a:ea typeface="Calibri"/>
+              <a:cs typeface="Calibri"/>
+              <a:sym typeface="Calibri"/>
+            </a:endParaRPr>
+          </a:p>
+        </p:txBody>
+      </p:sp>
+      <p:sp>
+        <p:nvSpPr>
+          <p:cNvPr id="141" name="Google Shape;141;p22"/>
+          <p:cNvSpPr txBox="1"/>
+          <p:nvPr/>
+        </p:nvSpPr>
+        <p:spPr>
+          <a:xfrm>
+            <a:off x="142775" y="770125"/>
+            <a:ext cx="4434900" cy="2604300"/>
+          </a:xfrm>
+          <a:prstGeom prst="rect">
+            <a:avLst/>
+          </a:prstGeom>
+          <a:solidFill>
+            <a:srgbClr val="FFF2CC"/>
+          </a:solidFill>
+          <a:ln w="9525" cap="flat" cmpd="sng">
+            <a:solidFill>
+              <a:srgbClr val="FF0000"/>
+            </a:solidFill>
+            <a:prstDash val="solid"/>
+            <a:round/>
+            <a:headEnd type="none" w="sm" len="sm"/>
+            <a:tailEnd type="none" w="sm" len="sm"/>
+          </a:ln>
+        </p:spPr>
+        <p:txBody>
+          <a:bodyPr spcFirstLastPara="1" wrap="square" lIns="9125" tIns="9125" rIns="9125" bIns="9125" anchor="t" anchorCtr="0">
+            <a:spAutoFit/>
+          </a:bodyPr>
+          <a:lstStyle/>
+          <a:p>
+            <a:pPr marL="0" lvl="0" indent="0" algn="l" rtl="0">
+              <a:spcBef>
+                <a:spcPts val="0"/>
+              </a:spcBef>
+              <a:spcAft>
+                <a:spcPts val="0"/>
+              </a:spcAft>
+              <a:buNone/>
+            </a:pPr>
+            <a:r>
+              <a:rPr lang="en" sz="1200" b="1">
+                <a:solidFill>
+                  <a:srgbClr val="FF0000"/>
+                </a:solidFill>
+                <a:latin typeface="Calibri"/>
+                <a:ea typeface="Calibri"/>
+                <a:cs typeface="Calibri"/>
+                <a:sym typeface="Calibri"/>
+              </a:rPr>
+              <a:t>Qodo (formerly known as Codium or CodiumAI) and Codeium </a:t>
+            </a:r>
+            <a:br>
+              <a:rPr lang="en" sz="1200" b="1">
+                <a:solidFill>
+                  <a:srgbClr val="FF0000"/>
+                </a:solidFill>
+                <a:latin typeface="Calibri"/>
+                <a:ea typeface="Calibri"/>
+                <a:cs typeface="Calibri"/>
+                <a:sym typeface="Calibri"/>
+              </a:rPr>
+            </a:br>
+            <a:r>
+              <a:rPr lang="en" sz="1200" b="1">
+                <a:solidFill>
+                  <a:srgbClr val="FF0000"/>
+                </a:solidFill>
+                <a:latin typeface="Calibri"/>
+                <a:ea typeface="Calibri"/>
+                <a:cs typeface="Calibri"/>
+                <a:sym typeface="Calibri"/>
+              </a:rPr>
+              <a:t>are entirely different AI coding assistant tools</a:t>
+            </a:r>
+            <a:endParaRPr sz="1200" b="1">
+              <a:solidFill>
+                <a:srgbClr val="FF0000"/>
+              </a:solidFill>
+              <a:latin typeface="Calibri"/>
+              <a:ea typeface="Calibri"/>
+              <a:cs typeface="Calibri"/>
+              <a:sym typeface="Calibri"/>
+            </a:endParaRPr>
+          </a:p>
+          <a:p>
+            <a:pPr marL="0" lvl="0" indent="0" algn="l" rtl="0">
+              <a:spcBef>
+                <a:spcPts val="0"/>
+              </a:spcBef>
+              <a:spcAft>
+                <a:spcPts val="0"/>
+              </a:spcAft>
+              <a:buNone/>
+            </a:pPr>
+            <a:endParaRPr sz="1200">
+              <a:solidFill>
+                <a:schemeClr val="dk1"/>
+              </a:solidFill>
+              <a:latin typeface="Calibri"/>
+              <a:ea typeface="Calibri"/>
+              <a:cs typeface="Calibri"/>
+              <a:sym typeface="Calibri"/>
+            </a:endParaRPr>
+          </a:p>
+          <a:p>
+            <a:pPr marL="171450" lvl="0" indent="-133350" algn="l" rtl="0">
+              <a:spcBef>
+                <a:spcPts val="0"/>
+              </a:spcBef>
+              <a:spcAft>
+                <a:spcPts val="0"/>
+              </a:spcAft>
+              <a:buClr>
+                <a:schemeClr val="dk1"/>
+              </a:buClr>
+              <a:buSzPts val="1200"/>
+              <a:buFont typeface="Calibri"/>
+              <a:buChar char="●"/>
+            </a:pPr>
+            <a:r>
+              <a:rPr lang="en" sz="1200" b="1">
+                <a:solidFill>
+                  <a:srgbClr val="FF0000"/>
+                </a:solidFill>
+                <a:latin typeface="Calibri"/>
+                <a:ea typeface="Calibri"/>
+                <a:cs typeface="Calibri"/>
+                <a:sym typeface="Calibri"/>
+              </a:rPr>
+              <a:t>Qodo - code quality</a:t>
+            </a:r>
+            <a:r>
+              <a:rPr lang="en" sz="1200">
+                <a:solidFill>
+                  <a:schemeClr val="dk1"/>
+                </a:solidFill>
+                <a:latin typeface="Calibri"/>
+                <a:ea typeface="Calibri"/>
+                <a:cs typeface="Calibri"/>
+                <a:sym typeface="Calibri"/>
+              </a:rPr>
+              <a:t>, testing, and review processes</a:t>
+            </a:r>
+            <a:br>
+              <a:rPr lang="en" sz="1200">
+                <a:solidFill>
+                  <a:schemeClr val="dk1"/>
+                </a:solidFill>
+                <a:latin typeface="Calibri"/>
+                <a:ea typeface="Calibri"/>
+                <a:cs typeface="Calibri"/>
+                <a:sym typeface="Calibri"/>
+              </a:rPr>
+            </a:br>
+            <a:r>
+              <a:rPr lang="en" sz="1200">
+                <a:solidFill>
+                  <a:schemeClr val="dk1"/>
+                </a:solidFill>
+                <a:latin typeface="Calibri"/>
+                <a:ea typeface="Calibri"/>
+                <a:cs typeface="Calibri"/>
+                <a:sym typeface="Calibri"/>
+              </a:rPr>
+              <a:t>"quality-first" approach to software development</a:t>
+            </a:r>
+            <a:br>
+              <a:rPr lang="en" sz="1200">
+                <a:solidFill>
+                  <a:schemeClr val="dk1"/>
+                </a:solidFill>
+                <a:latin typeface="Calibri"/>
+                <a:ea typeface="Calibri"/>
+                <a:cs typeface="Calibri"/>
+                <a:sym typeface="Calibri"/>
+              </a:rPr>
+            </a:br>
+            <a:r>
+              <a:rPr lang="en" sz="1200" b="1">
+                <a:solidFill>
+                  <a:srgbClr val="3C78D8"/>
+                </a:solidFill>
+                <a:latin typeface="Calibri"/>
+                <a:ea typeface="Calibri"/>
+                <a:cs typeface="Calibri"/>
+                <a:sym typeface="Calibri"/>
+              </a:rPr>
+              <a:t>"Qodo" is derived from "Quality" and "Code"</a:t>
+            </a:r>
+            <a:br>
+              <a:rPr lang="en" sz="1200">
+                <a:solidFill>
+                  <a:schemeClr val="dk1"/>
+                </a:solidFill>
+                <a:latin typeface="Calibri"/>
+                <a:ea typeface="Calibri"/>
+                <a:cs typeface="Calibri"/>
+                <a:sym typeface="Calibri"/>
+              </a:rPr>
+            </a:br>
+            <a:r>
+              <a:rPr lang="en" sz="1200">
+                <a:solidFill>
+                  <a:schemeClr val="dk1"/>
+                </a:solidFill>
+                <a:latin typeface="Calibri"/>
+                <a:ea typeface="Calibri"/>
+                <a:cs typeface="Calibri"/>
+                <a:sym typeface="Calibri"/>
+              </a:rPr>
+              <a:t>pricing: free &amp; $19 per user-month</a:t>
+            </a:r>
+            <a:br>
+              <a:rPr lang="en" sz="1200">
+                <a:solidFill>
+                  <a:schemeClr val="dk1"/>
+                </a:solidFill>
+                <a:latin typeface="Calibri"/>
+                <a:ea typeface="Calibri"/>
+                <a:cs typeface="Calibri"/>
+                <a:sym typeface="Calibri"/>
+              </a:rPr>
+            </a:br>
+            <a:r>
+              <a:rPr lang="en" sz="1200" u="sng">
+                <a:solidFill>
+                  <a:schemeClr val="hlink"/>
+                </a:solidFill>
+                <a:latin typeface="Calibri"/>
+                <a:ea typeface="Calibri"/>
+                <a:cs typeface="Calibri"/>
+                <a:sym typeface="Calibri"/>
+                <a:hlinkClick r:id="rId3"/>
+              </a:rPr>
+              <a:t>https://www.qodo.ai</a:t>
+            </a:r>
+            <a:r>
+              <a:rPr lang="en" sz="1200">
+                <a:solidFill>
+                  <a:schemeClr val="dk1"/>
+                </a:solidFill>
+                <a:latin typeface="Calibri"/>
+                <a:ea typeface="Calibri"/>
+                <a:cs typeface="Calibri"/>
+                <a:sym typeface="Calibri"/>
+              </a:rPr>
+              <a:t> </a:t>
+            </a:r>
+            <a:endParaRPr sz="1200">
+              <a:solidFill>
+                <a:schemeClr val="dk1"/>
+              </a:solidFill>
+              <a:latin typeface="Calibri"/>
+              <a:ea typeface="Calibri"/>
+              <a:cs typeface="Calibri"/>
+              <a:sym typeface="Calibri"/>
+            </a:endParaRPr>
+          </a:p>
+          <a:p>
+            <a:pPr marL="0" lvl="0" indent="0" algn="l" rtl="0">
+              <a:spcBef>
+                <a:spcPts val="0"/>
+              </a:spcBef>
+              <a:spcAft>
+                <a:spcPts val="0"/>
+              </a:spcAft>
+              <a:buNone/>
+            </a:pPr>
+            <a:endParaRPr sz="1200">
+              <a:solidFill>
+                <a:schemeClr val="dk1"/>
+              </a:solidFill>
+              <a:latin typeface="Calibri"/>
+              <a:ea typeface="Calibri"/>
+              <a:cs typeface="Calibri"/>
+              <a:sym typeface="Calibri"/>
+            </a:endParaRPr>
+          </a:p>
+          <a:p>
+            <a:pPr marL="171450" lvl="0" indent="-133350" algn="l" rtl="0">
+              <a:spcBef>
+                <a:spcPts val="0"/>
+              </a:spcBef>
+              <a:spcAft>
+                <a:spcPts val="0"/>
+              </a:spcAft>
+              <a:buClr>
+                <a:schemeClr val="dk1"/>
+              </a:buClr>
+              <a:buSzPts val="1200"/>
+              <a:buFont typeface="Calibri"/>
+              <a:buChar char="●"/>
+            </a:pPr>
+            <a:r>
+              <a:rPr lang="en" sz="1200" b="1">
+                <a:solidFill>
+                  <a:srgbClr val="FF0000"/>
+                </a:solidFill>
+                <a:latin typeface="Calibri"/>
+                <a:ea typeface="Calibri"/>
+                <a:cs typeface="Calibri"/>
+                <a:sym typeface="Calibri"/>
+              </a:rPr>
+              <a:t>Codeium - speed-focused </a:t>
+            </a:r>
+            <a:r>
+              <a:rPr lang="en" sz="1200">
+                <a:solidFill>
+                  <a:schemeClr val="dk1"/>
+                </a:solidFill>
+                <a:latin typeface="Calibri"/>
+                <a:ea typeface="Calibri"/>
+                <a:cs typeface="Calibri"/>
+                <a:sym typeface="Calibri"/>
+              </a:rPr>
+              <a:t>code completion and generation</a:t>
+            </a:r>
+            <a:br>
+              <a:rPr lang="en" sz="1200">
+                <a:solidFill>
+                  <a:schemeClr val="dk1"/>
+                </a:solidFill>
+                <a:latin typeface="Calibri"/>
+                <a:ea typeface="Calibri"/>
+                <a:cs typeface="Calibri"/>
+                <a:sym typeface="Calibri"/>
+              </a:rPr>
+            </a:br>
+            <a:r>
+              <a:rPr lang="en" sz="1200">
+                <a:solidFill>
+                  <a:schemeClr val="dk1"/>
+                </a:solidFill>
+                <a:latin typeface="Calibri"/>
+                <a:ea typeface="Calibri"/>
+                <a:cs typeface="Calibri"/>
+                <a:sym typeface="Calibri"/>
+              </a:rPr>
+              <a:t>numerous programming languages. </a:t>
+            </a:r>
+            <a:br>
+              <a:rPr lang="en" sz="1200">
+                <a:solidFill>
+                  <a:schemeClr val="dk1"/>
+                </a:solidFill>
+                <a:latin typeface="Calibri"/>
+                <a:ea typeface="Calibri"/>
+                <a:cs typeface="Calibri"/>
+                <a:sym typeface="Calibri"/>
+              </a:rPr>
+            </a:br>
+            <a:r>
+              <a:rPr lang="en" sz="1200" u="sng">
+                <a:solidFill>
+                  <a:schemeClr val="hlink"/>
+                </a:solidFill>
+                <a:latin typeface="Calibri"/>
+                <a:ea typeface="Calibri"/>
+                <a:cs typeface="Calibri"/>
+                <a:sym typeface="Calibri"/>
+                <a:hlinkClick r:id="rId4"/>
+              </a:rPr>
+              <a:t>https://codeium.com</a:t>
+            </a:r>
+            <a:r>
+              <a:rPr lang="en" sz="1200">
+                <a:solidFill>
+                  <a:schemeClr val="dk1"/>
+                </a:solidFill>
+                <a:latin typeface="Calibri"/>
+                <a:ea typeface="Calibri"/>
+                <a:cs typeface="Calibri"/>
+                <a:sym typeface="Calibri"/>
+              </a:rPr>
+              <a:t> , windsurf editor - </a:t>
+            </a:r>
+            <a:r>
+              <a:rPr lang="en" sz="1200" u="sng">
+                <a:solidFill>
+                  <a:schemeClr val="hlink"/>
+                </a:solidFill>
+                <a:latin typeface="Calibri"/>
+                <a:ea typeface="Calibri"/>
+                <a:cs typeface="Calibri"/>
+                <a:sym typeface="Calibri"/>
+                <a:hlinkClick r:id="rId5"/>
+              </a:rPr>
+              <a:t>https://codeium.com/windsurf</a:t>
+            </a:r>
+            <a:r>
+              <a:rPr lang="en" sz="1200">
+                <a:solidFill>
+                  <a:schemeClr val="dk1"/>
+                </a:solidFill>
+                <a:latin typeface="Calibri"/>
+                <a:ea typeface="Calibri"/>
+                <a:cs typeface="Calibri"/>
+                <a:sym typeface="Calibri"/>
+              </a:rPr>
+              <a:t> </a:t>
+            </a:r>
+            <a:br>
+              <a:rPr lang="en" sz="1200">
+                <a:solidFill>
+                  <a:schemeClr val="dk1"/>
+                </a:solidFill>
+                <a:latin typeface="Calibri"/>
+                <a:ea typeface="Calibri"/>
+                <a:cs typeface="Calibri"/>
+                <a:sym typeface="Calibri"/>
+              </a:rPr>
+            </a:br>
+            <a:r>
+              <a:rPr lang="en" sz="1200">
+                <a:solidFill>
+                  <a:schemeClr val="dk1"/>
+                </a:solidFill>
+                <a:latin typeface="Calibri"/>
+                <a:ea typeface="Calibri"/>
+                <a:cs typeface="Calibri"/>
+                <a:sym typeface="Calibri"/>
+              </a:rPr>
+              <a:t>pricing: free &amp; $15 per user-month</a:t>
+            </a:r>
+            <a:endParaRPr sz="1200">
+              <a:solidFill>
+                <a:schemeClr val="dk1"/>
+              </a:solidFill>
+              <a:latin typeface="Calibri"/>
+              <a:ea typeface="Calibri"/>
+              <a:cs typeface="Calibri"/>
+              <a:sym typeface="Calibri"/>
+            </a:endParaRPr>
+          </a:p>
+        </p:txBody>
+      </p:sp>
+      <p:pic>
+        <p:nvPicPr>
+          <p:cNvPr id="142" name="Google Shape;142;p22"/>
+          <p:cNvPicPr preferRelativeResize="0"/>
+          <p:nvPr/>
+        </p:nvPicPr>
+        <p:blipFill rotWithShape="1">
+          <a:blip r:embed="rId6" cstate="email">
+            <a:alphaModFix/>
+            <a:extLst>
+              <a:ext uri="{28A0092B-C50C-407E-A947-70E740481C1C}">
+                <a14:useLocalDpi xmlns:a14="http://schemas.microsoft.com/office/drawing/2010/main"/>
+              </a:ext>
+            </a:extLst>
+          </a:blip>
+          <a:srcRect/>
+          <a:stretch/>
+        </p:blipFill>
+        <p:spPr>
+          <a:xfrm>
+            <a:off x="5046325" y="770125"/>
+            <a:ext cx="1905000" cy="1040350"/>
+          </a:xfrm>
+          <a:prstGeom prst="rect">
+            <a:avLst/>
+          </a:prstGeom>
+          <a:noFill/>
+          <a:ln w="9525" cap="flat" cmpd="sng">
+            <a:solidFill>
+              <a:srgbClr val="FF0000"/>
+            </a:solidFill>
+            <a:prstDash val="solid"/>
+            <a:round/>
+            <a:headEnd type="none" w="sm" len="sm"/>
+            <a:tailEnd type="none" w="sm" len="sm"/>
+          </a:ln>
+        </p:spPr>
+      </p:pic>
+      <p:pic>
+        <p:nvPicPr>
+          <p:cNvPr id="143" name="Google Shape;143;p22"/>
+          <p:cNvPicPr preferRelativeResize="0"/>
+          <p:nvPr/>
+        </p:nvPicPr>
+        <p:blipFill>
+          <a:blip r:embed="rId7" cstate="email">
+            <a:alphaModFix/>
+            <a:extLst>
+              <a:ext uri="{28A0092B-C50C-407E-A947-70E740481C1C}">
+                <a14:useLocalDpi xmlns:a14="http://schemas.microsoft.com/office/drawing/2010/main"/>
+              </a:ext>
+            </a:extLst>
+          </a:blip>
+          <a:stretch>
+            <a:fillRect/>
+          </a:stretch>
+        </p:blipFill>
+        <p:spPr>
+          <a:xfrm>
+            <a:off x="5046325" y="2976326"/>
+            <a:ext cx="2663301" cy="715236"/>
+          </a:xfrm>
+          <a:prstGeom prst="rect">
+            <a:avLst/>
+          </a:prstGeom>
+          <a:noFill/>
+          <a:ln w="9525" cap="flat" cmpd="sng">
+            <a:solidFill>
+              <a:srgbClr val="FF0000"/>
+            </a:solidFill>
+            <a:prstDash val="solid"/>
+            <a:round/>
+            <a:headEnd type="none" w="sm" len="sm"/>
+            <a:tailEnd type="none" w="sm" len="sm"/>
+          </a:ln>
+        </p:spPr>
+      </p:pic>
+      <p:pic>
+        <p:nvPicPr>
+          <p:cNvPr id="144" name="Google Shape;144;p22"/>
+          <p:cNvPicPr preferRelativeResize="0"/>
+          <p:nvPr/>
+        </p:nvPicPr>
+        <p:blipFill rotWithShape="1">
+          <a:blip r:embed="rId8" cstate="email">
+            <a:alphaModFix/>
+            <a:extLst>
+              <a:ext uri="{28A0092B-C50C-407E-A947-70E740481C1C}">
+                <a14:useLocalDpi xmlns:a14="http://schemas.microsoft.com/office/drawing/2010/main"/>
+              </a:ext>
+            </a:extLst>
+          </a:blip>
+          <a:srcRect l="7620" t="22961" r="8914" b="20049"/>
+          <a:stretch/>
+        </p:blipFill>
+        <p:spPr>
+          <a:xfrm>
+            <a:off x="5046325" y="2073775"/>
+            <a:ext cx="2663300" cy="814225"/>
+          </a:xfrm>
+          <a:prstGeom prst="rect">
+            <a:avLst/>
+          </a:prstGeom>
+          <a:noFill/>
+          <a:ln w="9525" cap="flat" cmpd="sng">
+            <a:solidFill>
+              <a:srgbClr val="FF0000"/>
+            </a:solidFill>
+            <a:prstDash val="solid"/>
+            <a:round/>
+            <a:headEnd type="none" w="sm" len="sm"/>
+            <a:tailEnd type="none" w="sm" len="sm"/>
+          </a:ln>
+        </p:spPr>
+      </p:pic>
+    </p:spTree>
+  </p:cSld>
+  <p:clrMapOvr>
+    <a:masterClrMapping/>
+  </p:clrMapOvr>
+</p:sld>
+</file>
+
+<file path=ppt/slides/slide9.xml><?xml version="1.0" encoding="utf-8"?>
+<p:sld xmlns:a="http://schemas.openxmlformats.org/drawingml/2006/main" xmlns:r="http://schemas.openxmlformats.org/officeDocument/2006/relationships" xmlns:p="http://schemas.openxmlformats.org/presentationml/2006/main">
+  <p:cSld>
+    <p:spTree>
+      <p:nvGrpSpPr>
+        <p:cNvPr id="1" name="Shape 148"/>
+        <p:cNvGrpSpPr/>
+        <p:nvPr/>
+      </p:nvGrpSpPr>
+      <p:grpSpPr>
+        <a:xfrm>
+          <a:off x="0" y="0"/>
+          <a:ext cx="0" cy="0"/>
+          <a:chOff x="0" y="0"/>
+          <a:chExt cx="0" cy="0"/>
+        </a:xfrm>
+      </p:grpSpPr>
+      <p:sp>
+        <p:nvSpPr>
+          <p:cNvPr id="149" name="Google Shape;149;p23"/>
           <p:cNvSpPr txBox="1"/>
           <p:nvPr/>
         </p:nvSpPr>
@@ -33425,7 +37013,7 @@
       </p:sp>
       <p:sp>
         <p:nvSpPr>
-          <p:cNvPr id="134" name="Google Shape;134;p22"/>
+          <p:cNvPr id="150" name="Google Shape;150;p23"/>
           <p:cNvSpPr txBox="1"/>
           <p:nvPr/>
         </p:nvSpPr>
@@ -33617,13 +37205,13 @@
       </p:sp>
       <p:sp>
         <p:nvSpPr>
-          <p:cNvPr id="135" name="Google Shape;135;p22"/>
+          <p:cNvPr id="151" name="Google Shape;151;p23"/>
           <p:cNvSpPr txBox="1"/>
           <p:nvPr/>
         </p:nvSpPr>
         <p:spPr>
           <a:xfrm>
-            <a:off x="55075" y="3420975"/>
+            <a:off x="55075" y="2887575"/>
             <a:ext cx="4456200" cy="1311300"/>
           </a:xfrm>
           <a:prstGeom prst="rect">
@@ -33866,7 +37454,7 @@
       </p:sp>
       <p:pic>
         <p:nvPicPr>
-          <p:cNvPr id="136" name="Google Shape;136;p22"/>
+          <p:cNvPr id="152" name="Google Shape;152;p23"/>
           <p:cNvPicPr preferRelativeResize="0"/>
           <p:nvPr/>
         </p:nvPicPr>
@@ -33885,7 +37473,7 @@
         </p:blipFill>
         <p:spPr>
           <a:xfrm>
-            <a:off x="4670925" y="3682575"/>
+            <a:off x="4670925" y="3149175"/>
             <a:ext cx="2281342" cy="788100"/>
           </a:xfrm>
           <a:prstGeom prst="rect">
@@ -33905,7 +37493,7 @@
       </p:pic>
       <p:pic>
         <p:nvPicPr>
-          <p:cNvPr id="137" name="Google Shape;137;p22"/>
+          <p:cNvPr id="153" name="Google Shape;153;p23"/>
           <p:cNvPicPr preferRelativeResize="0"/>
           <p:nvPr/>
         </p:nvPicPr>
@@ -33942,104 +37530,16 @@
           </a:ln>
         </p:spPr>
       </p:pic>
-    </p:spTree>
-  </p:cSld>
-  <p:clrMapOvr>
-    <a:masterClrMapping/>
-  </p:clrMapOvr>
-</p:sld>
-</file>
-
-<file path=ppt/slides/slide9.xml><?xml version="1.0" encoding="utf-8"?>
-<p:sld xmlns:a="http://schemas.openxmlformats.org/drawingml/2006/main" xmlns:r="http://schemas.openxmlformats.org/officeDocument/2006/relationships" xmlns:p="http://schemas.openxmlformats.org/presentationml/2006/main">
-  <p:cSld>
-    <p:spTree>
-      <p:nvGrpSpPr>
-        <p:cNvPr id="1" name="Shape 141"/>
-        <p:cNvGrpSpPr/>
-        <p:nvPr/>
-      </p:nvGrpSpPr>
-      <p:grpSpPr>
-        <a:xfrm>
-          <a:off x="0" y="0"/>
-          <a:ext cx="0" cy="0"/>
-          <a:chOff x="0" y="0"/>
-          <a:chExt cx="0" cy="0"/>
-        </a:xfrm>
-      </p:grpSpPr>
       <p:sp>
         <p:nvSpPr>
-          <p:cNvPr id="142" name="Google Shape;142;p23"/>
+          <p:cNvPr id="154" name="Google Shape;154;p23"/>
           <p:cNvSpPr txBox="1"/>
           <p:nvPr/>
         </p:nvSpPr>
         <p:spPr>
           <a:xfrm>
-            <a:off x="55075" y="52750"/>
-            <a:ext cx="2691300" cy="326400"/>
-          </a:xfrm>
-          <a:prstGeom prst="rect">
-            <a:avLst/>
-          </a:prstGeom>
-          <a:noFill/>
-          <a:ln>
-            <a:noFill/>
-          </a:ln>
-        </p:spPr>
-        <p:txBody>
-          <a:bodyPr spcFirstLastPara="1" wrap="square" lIns="9125" tIns="9125" rIns="9125" bIns="9125" anchor="t" anchorCtr="0">
-            <a:spAutoFit/>
-          </a:bodyPr>
-          <a:lstStyle/>
-          <a:p>
-            <a:pPr marL="0" lvl="0" indent="0" algn="l" rtl="0">
-              <a:spcBef>
-                <a:spcPts val="0"/>
-              </a:spcBef>
-              <a:spcAft>
-                <a:spcPts val="0"/>
-              </a:spcAft>
-              <a:buClr>
-                <a:schemeClr val="dk1"/>
-              </a:buClr>
-              <a:buSzPts val="1100"/>
-              <a:buFont typeface="Arial"/>
-              <a:buNone/>
-            </a:pPr>
-            <a:r>
-              <a:rPr lang="en" sz="2000" b="1">
-                <a:solidFill>
-                  <a:schemeClr val="dk1"/>
-                </a:solidFill>
-                <a:latin typeface="Calibri"/>
-                <a:ea typeface="Calibri"/>
-                <a:cs typeface="Calibri"/>
-                <a:sym typeface="Calibri"/>
-              </a:rPr>
-              <a:t>AI Updates 2</a:t>
-            </a:r>
-            <a:endParaRPr sz="2000" b="1">
-              <a:solidFill>
-                <a:schemeClr val="dk1"/>
-              </a:solidFill>
-              <a:latin typeface="Calibri"/>
-              <a:ea typeface="Calibri"/>
-              <a:cs typeface="Calibri"/>
-              <a:sym typeface="Calibri"/>
-            </a:endParaRPr>
-          </a:p>
-        </p:txBody>
-      </p:sp>
-      <p:sp>
-        <p:nvSpPr>
-          <p:cNvPr id="143" name="Google Shape;143;p23"/>
-          <p:cNvSpPr txBox="1"/>
-          <p:nvPr/>
-        </p:nvSpPr>
-        <p:spPr>
-          <a:xfrm>
-            <a:off x="55075" y="515650"/>
-            <a:ext cx="4456200" cy="1126800"/>
+            <a:off x="55075" y="4291200"/>
+            <a:ext cx="4456200" cy="572700"/>
           </a:xfrm>
           <a:prstGeom prst="rect">
             <a:avLst/>
@@ -34063,19 +37563,19 @@
           </a:bodyPr>
           <a:lstStyle/>
           <a:p>
-            <a:pPr marL="0" lvl="0" indent="0" algn="l" rtl="0">
-              <a:spcBef>
-                <a:spcPts val="0"/>
-              </a:spcBef>
-              <a:spcAft>
-                <a:spcPts val="0"/>
-              </a:spcAft>
-              <a:buClr>
-                <a:schemeClr val="dk1"/>
-              </a:buClr>
-              <a:buSzPts val="1100"/>
-              <a:buFont typeface="Arial"/>
-              <a:buNone/>
+            <a:pPr marL="171450" lvl="0" indent="-133350" algn="l" rtl="0">
+              <a:spcBef>
+                <a:spcPts val="0"/>
+              </a:spcBef>
+              <a:spcAft>
+                <a:spcPts val="0"/>
+              </a:spcAft>
+              <a:buClr>
+                <a:srgbClr val="FF0000"/>
+              </a:buClr>
+              <a:buSzPts val="1200"/>
+              <a:buFont typeface="Calibri"/>
+              <a:buChar char="●"/>
             </a:pPr>
             <a:r>
               <a:rPr lang="en" sz="1200" b="1">
@@ -34087,7 +37587,7 @@
                 <a:cs typeface="Calibri"/>
                 <a:sym typeface="Calibri"/>
               </a:rPr>
-              <a:t>R1-Searcher</a:t>
+              <a:t>SmolDocling - ultra-compact OCR model</a:t>
             </a:r>
             <a:endParaRPr sz="1200" b="1">
               <a:solidFill>
@@ -34100,39 +37600,7 @@
             </a:endParaRPr>
           </a:p>
           <a:p>
-            <a:pPr marL="0" lvl="0" indent="0" algn="l" rtl="0">
-              <a:spcBef>
-                <a:spcPts val="0"/>
-              </a:spcBef>
-              <a:spcAft>
-                <a:spcPts val="0"/>
-              </a:spcAft>
-              <a:buNone/>
-            </a:pPr>
-            <a:r>
-              <a:rPr lang="en" sz="1200" b="1">
-                <a:solidFill>
-                  <a:srgbClr val="3C78D8"/>
-                </a:solidFill>
-                <a:latin typeface="Calibri"/>
-                <a:ea typeface="Calibri"/>
-                <a:cs typeface="Calibri"/>
-                <a:sym typeface="Calibri"/>
-              </a:rPr>
-              <a:t>R1-Searcher: A Reinforcement Learning-Based Framework for Enhancing LLM Search Capabilities</a:t>
-            </a:r>
-            <a:endParaRPr sz="1200" b="1">
-              <a:solidFill>
-                <a:srgbClr val="3C78D8"/>
-              </a:solidFill>
-              <a:latin typeface="Calibri"/>
-              <a:ea typeface="Calibri"/>
-              <a:cs typeface="Calibri"/>
-              <a:sym typeface="Calibri"/>
-            </a:endParaRPr>
-          </a:p>
-          <a:p>
-            <a:pPr marL="171450" lvl="0" indent="-114300" algn="l" rtl="0">
+            <a:pPr marL="171450" lvl="0" indent="-133350" algn="l" rtl="0">
               <a:spcBef>
                 <a:spcPts val="0"/>
               </a:spcBef>
@@ -34142,25 +37610,12 @@
               <a:buClr>
                 <a:schemeClr val="dk1"/>
               </a:buClr>
-              <a:buSzPts val="900"/>
+              <a:buSzPts val="1200"/>
               <a:buFont typeface="Calibri"/>
               <a:buChar char="●"/>
             </a:pPr>
             <a:r>
-              <a:rPr lang="en" sz="900" u="sng">
-                <a:solidFill>
-                  <a:schemeClr val="hlink"/>
-                </a:solidFill>
-                <a:latin typeface="Calibri"/>
-                <a:ea typeface="Calibri"/>
-                <a:cs typeface="Calibri"/>
-                <a:sym typeface="Calibri"/>
-                <a:hlinkClick r:id="rId3"/>
-              </a:rPr>
-              <a:t>https://arxiv.org/abs/2503.05592</a:t>
-            </a:r>
-            <a:r>
-              <a:rPr lang="en" sz="900">
+              <a:rPr lang="en" sz="1200">
                 <a:solidFill>
                   <a:schemeClr val="dk1"/>
                 </a:solidFill>
@@ -34169,107 +37624,7 @@
                 <a:cs typeface="Calibri"/>
                 <a:sym typeface="Calibri"/>
               </a:rPr>
-              <a:t> </a:t>
-            </a:r>
-            <a:endParaRPr sz="900">
-              <a:solidFill>
-                <a:schemeClr val="dk1"/>
-              </a:solidFill>
-              <a:latin typeface="Calibri"/>
-              <a:ea typeface="Calibri"/>
-              <a:cs typeface="Calibri"/>
-              <a:sym typeface="Calibri"/>
-            </a:endParaRPr>
-          </a:p>
-          <a:p>
-            <a:pPr marL="171450" lvl="0" indent="-114300" algn="l" rtl="0">
-              <a:spcBef>
-                <a:spcPts val="0"/>
-              </a:spcBef>
-              <a:spcAft>
-                <a:spcPts val="0"/>
-              </a:spcAft>
-              <a:buClr>
-                <a:schemeClr val="dk1"/>
-              </a:buClr>
-              <a:buSzPts val="900"/>
-              <a:buFont typeface="Calibri"/>
-              <a:buChar char="●"/>
-            </a:pPr>
-            <a:r>
-              <a:rPr lang="en" sz="900" u="sng">
-                <a:solidFill>
-                  <a:schemeClr val="hlink"/>
-                </a:solidFill>
-                <a:latin typeface="Calibri"/>
-                <a:ea typeface="Calibri"/>
-                <a:cs typeface="Calibri"/>
-                <a:sym typeface="Calibri"/>
-                <a:hlinkClick r:id="rId4"/>
-              </a:rPr>
-              <a:t>https://github.com/SsmallSong/R1-Searcher</a:t>
-            </a:r>
-            <a:r>
-              <a:rPr lang="en" sz="900">
-                <a:solidFill>
-                  <a:schemeClr val="dk1"/>
-                </a:solidFill>
-                <a:latin typeface="Calibri"/>
-                <a:ea typeface="Calibri"/>
-                <a:cs typeface="Calibri"/>
-                <a:sym typeface="Calibri"/>
-              </a:rPr>
-              <a:t> </a:t>
-            </a:r>
-            <a:endParaRPr sz="900">
-              <a:solidFill>
-                <a:schemeClr val="dk1"/>
-              </a:solidFill>
-              <a:latin typeface="Calibri"/>
-              <a:ea typeface="Calibri"/>
-              <a:cs typeface="Calibri"/>
-              <a:sym typeface="Calibri"/>
-            </a:endParaRPr>
-          </a:p>
-          <a:p>
-            <a:pPr marL="171450" lvl="0" indent="-114300" algn="l" rtl="0">
-              <a:spcBef>
-                <a:spcPts val="0"/>
-              </a:spcBef>
-              <a:spcAft>
-                <a:spcPts val="0"/>
-              </a:spcAft>
-              <a:buClr>
-                <a:schemeClr val="dk1"/>
-              </a:buClr>
-              <a:buSzPts val="900"/>
-              <a:buFont typeface="Calibri"/>
-              <a:buChar char="●"/>
-            </a:pPr>
-            <a:r>
-              <a:rPr lang="en" sz="900" u="sng">
-                <a:solidFill>
-                  <a:schemeClr val="hlink"/>
-                </a:solidFill>
-                <a:latin typeface="Calibri"/>
-                <a:ea typeface="Calibri"/>
-                <a:cs typeface="Calibri"/>
-                <a:sym typeface="Calibri"/>
-                <a:hlinkClick r:id="rId5"/>
-              </a:rPr>
-              <a:t>https://www.marktechpost.com/2025/03/12/this-ai-paper-introduces-r1-searcher-a-reinforcement-learning-based-framework-for-enhancing-llm-search-capabilities/</a:t>
-            </a:r>
-            <a:r>
-              <a:rPr lang="en" sz="900">
-                <a:solidFill>
-                  <a:schemeClr val="dk1"/>
-                </a:solidFill>
-                <a:latin typeface="Calibri"/>
-                <a:ea typeface="Calibri"/>
-                <a:cs typeface="Calibri"/>
-                <a:sym typeface="Calibri"/>
-              </a:rPr>
-              <a:t> </a:t>
+              <a:t>only 256M parameters</a:t>
             </a:r>
             <a:endParaRPr sz="1200">
               <a:solidFill>
@@ -34281,25 +37636,85 @@
               <a:sym typeface="Calibri"/>
             </a:endParaRPr>
           </a:p>
+          <a:p>
+            <a:pPr marL="171450" lvl="0" indent="-133350" algn="l" rtl="0">
+              <a:spcBef>
+                <a:spcPts val="0"/>
+              </a:spcBef>
+              <a:spcAft>
+                <a:spcPts val="0"/>
+              </a:spcAft>
+              <a:buClr>
+                <a:schemeClr val="dk1"/>
+              </a:buClr>
+              <a:buSzPts val="1200"/>
+              <a:buFont typeface="Calibri"/>
+              <a:buChar char="●"/>
+            </a:pPr>
+            <a:r>
+              <a:rPr lang="en" sz="1200" u="sng">
+                <a:solidFill>
+                  <a:schemeClr val="hlink"/>
+                </a:solidFill>
+                <a:latin typeface="Calibri"/>
+                <a:ea typeface="Calibri"/>
+                <a:cs typeface="Calibri"/>
+                <a:sym typeface="Calibri"/>
+                <a:hlinkClick r:id="rId7"/>
+              </a:rPr>
+              <a:t>https://arxiv.org/abs/2503.11576</a:t>
+            </a:r>
+            <a:r>
+              <a:rPr lang="en" sz="1200">
+                <a:solidFill>
+                  <a:schemeClr val="dk1"/>
+                </a:solidFill>
+                <a:latin typeface="Calibri"/>
+                <a:ea typeface="Calibri"/>
+                <a:cs typeface="Calibri"/>
+                <a:sym typeface="Calibri"/>
+              </a:rPr>
+              <a:t> </a:t>
+            </a:r>
+            <a:endParaRPr sz="1200">
+              <a:solidFill>
+                <a:schemeClr val="dk1"/>
+              </a:solidFill>
+              <a:latin typeface="Calibri"/>
+              <a:ea typeface="Calibri"/>
+              <a:cs typeface="Calibri"/>
+              <a:sym typeface="Calibri"/>
+            </a:endParaRPr>
+          </a:p>
         </p:txBody>
       </p:sp>
-      <p:sp>
-        <p:nvSpPr>
-          <p:cNvPr id="144" name="Google Shape;144;p23"/>
-          <p:cNvSpPr txBox="1"/>
+      <p:pic>
+        <p:nvPicPr>
+          <p:cNvPr id="155" name="Google Shape;155;p23"/>
+          <p:cNvPicPr preferRelativeResize="0"/>
           <p:nvPr/>
-        </p:nvSpPr>
+        </p:nvPicPr>
+        <p:blipFill rotWithShape="1">
+          <a:blip r:embed="rId8" cstate="email">
+            <a:alphaModFix/>
+            <a:extLst>
+              <a:ext uri="{28A0092B-C50C-407E-A947-70E740481C1C}">
+                <a14:useLocalDpi xmlns:a14="http://schemas.microsoft.com/office/drawing/2010/main"/>
+              </a:ext>
+            </a:extLst>
+          </a:blip>
+          <a:srcRect/>
+          <a:stretch/>
+        </p:blipFill>
         <p:spPr>
           <a:xfrm>
-            <a:off x="55075" y="1707175"/>
-            <a:ext cx="4456200" cy="942000"/>
+            <a:off x="4670925" y="3980450"/>
+            <a:ext cx="1913325" cy="1082675"/>
           </a:xfrm>
           <a:prstGeom prst="rect">
             <a:avLst/>
           </a:prstGeom>
-          <a:solidFill>
-            <a:srgbClr val="FFF2CC"/>
-          </a:solidFill>
+          <a:noFill/>
           <a:ln w="9525" cap="flat" cmpd="sng">
             <a:solidFill>
               <a:srgbClr val="FF0000"/>
@@ -34310,170 +37725,7 @@
             <a:tailEnd type="none" w="sm" len="sm"/>
           </a:ln>
         </p:spPr>
-        <p:txBody>
-          <a:bodyPr spcFirstLastPara="1" wrap="square" lIns="9125" tIns="9125" rIns="9125" bIns="9125" anchor="t" anchorCtr="0">
-            <a:spAutoFit/>
-          </a:bodyPr>
-          <a:lstStyle/>
-          <a:p>
-            <a:pPr marL="0" lvl="0" indent="0" algn="l" rtl="0">
-              <a:spcBef>
-                <a:spcPts val="0"/>
-              </a:spcBef>
-              <a:spcAft>
-                <a:spcPts val="0"/>
-              </a:spcAft>
-              <a:buNone/>
-            </a:pPr>
-            <a:r>
-              <a:rPr lang="en" sz="1200" b="1">
-                <a:solidFill>
-                  <a:srgbClr val="FF0000"/>
-                </a:solidFill>
-                <a:latin typeface="Calibri"/>
-                <a:ea typeface="Calibri"/>
-                <a:cs typeface="Calibri"/>
-                <a:sym typeface="Calibri"/>
-              </a:rPr>
-              <a:t>Search-R1</a:t>
-            </a:r>
-            <a:endParaRPr sz="1200" b="1">
-              <a:solidFill>
-                <a:srgbClr val="FF0000"/>
-              </a:solidFill>
-              <a:latin typeface="Calibri"/>
-              <a:ea typeface="Calibri"/>
-              <a:cs typeface="Calibri"/>
-              <a:sym typeface="Calibri"/>
-            </a:endParaRPr>
-          </a:p>
-          <a:p>
-            <a:pPr marL="171450" lvl="0" indent="-133350" algn="l" rtl="0">
-              <a:spcBef>
-                <a:spcPts val="0"/>
-              </a:spcBef>
-              <a:spcAft>
-                <a:spcPts val="0"/>
-              </a:spcAft>
-              <a:buClr>
-                <a:srgbClr val="3C78D8"/>
-              </a:buClr>
-              <a:buSzPts val="1200"/>
-              <a:buFont typeface="Calibri"/>
-              <a:buChar char="●"/>
-            </a:pPr>
-            <a:r>
-              <a:rPr lang="en" sz="1200">
-                <a:solidFill>
-                  <a:srgbClr val="3C78D8"/>
-                </a:solidFill>
-                <a:latin typeface="Calibri"/>
-                <a:ea typeface="Calibri"/>
-                <a:cs typeface="Calibri"/>
-                <a:sym typeface="Calibri"/>
-              </a:rPr>
-              <a:t>Search-R1: Training LLMs to Reason and Leverage Search Engines with Reinforcement Learning</a:t>
-            </a:r>
-            <a:endParaRPr sz="1200">
-              <a:solidFill>
-                <a:srgbClr val="3C78D8"/>
-              </a:solidFill>
-              <a:latin typeface="Calibri"/>
-              <a:ea typeface="Calibri"/>
-              <a:cs typeface="Calibri"/>
-              <a:sym typeface="Calibri"/>
-            </a:endParaRPr>
-          </a:p>
-          <a:p>
-            <a:pPr marL="171450" lvl="0" indent="-133350" algn="l" rtl="0">
-              <a:spcBef>
-                <a:spcPts val="0"/>
-              </a:spcBef>
-              <a:spcAft>
-                <a:spcPts val="0"/>
-              </a:spcAft>
-              <a:buClr>
-                <a:srgbClr val="3C78D8"/>
-              </a:buClr>
-              <a:buSzPts val="1200"/>
-              <a:buFont typeface="Calibri"/>
-              <a:buChar char="●"/>
-            </a:pPr>
-            <a:r>
-              <a:rPr lang="en" sz="1200" u="sng">
-                <a:solidFill>
-                  <a:schemeClr val="hlink"/>
-                </a:solidFill>
-                <a:latin typeface="Calibri"/>
-                <a:ea typeface="Calibri"/>
-                <a:cs typeface="Calibri"/>
-                <a:sym typeface="Calibri"/>
-                <a:hlinkClick r:id="rId6"/>
-              </a:rPr>
-              <a:t>https://arxiv.org/abs/2503.09516</a:t>
-            </a:r>
-            <a:endParaRPr sz="1200">
-              <a:solidFill>
-                <a:srgbClr val="3C78D8"/>
-              </a:solidFill>
-              <a:latin typeface="Calibri"/>
-              <a:ea typeface="Calibri"/>
-              <a:cs typeface="Calibri"/>
-              <a:sym typeface="Calibri"/>
-            </a:endParaRPr>
-          </a:p>
-          <a:p>
-            <a:pPr marL="171450" lvl="0" indent="-133350" algn="l" rtl="0">
-              <a:spcBef>
-                <a:spcPts val="0"/>
-              </a:spcBef>
-              <a:spcAft>
-                <a:spcPts val="0"/>
-              </a:spcAft>
-              <a:buClr>
-                <a:srgbClr val="3C78D8"/>
-              </a:buClr>
-              <a:buSzPts val="1200"/>
-              <a:buFont typeface="Calibri"/>
-              <a:buChar char="●"/>
-            </a:pPr>
-            <a:r>
-              <a:rPr lang="en" sz="1200" u="sng">
-                <a:solidFill>
-                  <a:schemeClr val="hlink"/>
-                </a:solidFill>
-                <a:latin typeface="Calibri"/>
-                <a:ea typeface="Calibri"/>
-                <a:cs typeface="Calibri"/>
-                <a:sym typeface="Calibri"/>
-                <a:hlinkClick r:id="rId7"/>
-              </a:rPr>
-              <a:t>https://github.com/PeterGriffinJin/Search-R1</a:t>
-            </a:r>
-            <a:r>
-              <a:rPr lang="en" sz="1200">
-                <a:solidFill>
-                  <a:srgbClr val="3C78D8"/>
-                </a:solidFill>
-                <a:latin typeface="Calibri"/>
-                <a:ea typeface="Calibri"/>
-                <a:cs typeface="Calibri"/>
-                <a:sym typeface="Calibri"/>
-              </a:rPr>
-              <a:t> </a:t>
-            </a:r>
-            <a:endParaRPr sz="1200">
-              <a:solidFill>
-                <a:srgbClr val="3C78D8"/>
-              </a:solidFill>
-              <a:latin typeface="Calibri"/>
-              <a:ea typeface="Calibri"/>
-              <a:cs typeface="Calibri"/>
-              <a:sym typeface="Calibri"/>
-            </a:endParaRPr>
-          </a:p>
-        </p:txBody>
-      </p:sp>
+      </p:pic>
     </p:spTree>
   </p:cSld>
   <p:clrMapOvr>

--- a/2025/2025-03-21-AI-Updates.pptx
+++ b/2025/2025-03-21-AI-Updates.pptx
@@ -5,7 +5,7 @@
     <p:sldMasterId id="2147483661" r:id="rId1"/>
   </p:sldMasterIdLst>
   <p:notesMasterIdLst>
-    <p:notesMasterId r:id="rId25"/>
+    <p:notesMasterId r:id="rId26"/>
   </p:notesMasterIdLst>
   <p:sldIdLst>
     <p:sldId id="256" r:id="rId2"/>
@@ -31,16 +31,17 @@
     <p:sldId id="276" r:id="rId22"/>
     <p:sldId id="277" r:id="rId23"/>
     <p:sldId id="278" r:id="rId24"/>
+    <p:sldId id="279" r:id="rId25"/>
   </p:sldIdLst>
   <p:sldSz cx="9144000" cy="5143500" type="screen16x9"/>
   <p:notesSz cx="6858000" cy="9144000"/>
   <p:embeddedFontLst>
     <p:embeddedFont>
       <p:font typeface="Roboto Mono" pitchFamily="49" charset="0"/>
-      <p:regular r:id="rId26"/>
-      <p:bold r:id="rId27"/>
-      <p:italic r:id="rId28"/>
-      <p:boldItalic r:id="rId29"/>
+      <p:regular r:id="rId27"/>
+      <p:bold r:id="rId28"/>
+      <p:italic r:id="rId29"/>
+      <p:boldItalic r:id="rId30"/>
     </p:embeddedFont>
   </p:embeddedFontLst>
   <p:defaultTextStyle>
@@ -1971,7 +1972,129 @@
       </p:grpSpPr>
       <p:sp>
         <p:nvSpPr>
-          <p:cNvPr id="229" name="Google Shape;229;g2f03ac7ac9f_0_5:notes"/>
+          <p:cNvPr id="229" name="Google Shape;229;g3446d4e601d_1_0:notes"/>
+          <p:cNvSpPr>
+            <a:spLocks noGrp="1" noRot="1" noChangeAspect="1"/>
+          </p:cNvSpPr>
+          <p:nvPr>
+            <p:ph type="sldImg" idx="2"/>
+          </p:nvPr>
+        </p:nvSpPr>
+        <p:spPr>
+          <a:xfrm>
+            <a:off x="381000" y="685800"/>
+            <a:ext cx="6096000" cy="3429000"/>
+          </a:xfrm>
+          <a:custGeom>
+            <a:avLst/>
+            <a:gdLst/>
+            <a:ahLst/>
+            <a:cxnLst/>
+            <a:rect l="l" t="t" r="r" b="b"/>
+            <a:pathLst>
+              <a:path w="120000" h="120000" extrusionOk="0">
+                <a:moveTo>
+                  <a:pt x="0" y="0"/>
+                </a:moveTo>
+                <a:lnTo>
+                  <a:pt x="120000" y="0"/>
+                </a:lnTo>
+                <a:lnTo>
+                  <a:pt x="120000" y="120000"/>
+                </a:lnTo>
+                <a:lnTo>
+                  <a:pt x="0" y="120000"/>
+                </a:lnTo>
+                <a:close/>
+              </a:path>
+            </a:pathLst>
+          </a:custGeom>
+          <a:noFill/>
+          <a:ln w="9525" cap="flat" cmpd="sng">
+            <a:solidFill>
+              <a:srgbClr val="000000"/>
+            </a:solidFill>
+            <a:prstDash val="solid"/>
+            <a:round/>
+            <a:headEnd type="none" w="sm" len="sm"/>
+            <a:tailEnd type="none" w="sm" len="sm"/>
+          </a:ln>
+        </p:spPr>
+      </p:sp>
+      <p:sp>
+        <p:nvSpPr>
+          <p:cNvPr id="230" name="Google Shape;230;g3446d4e601d_1_0:notes"/>
+          <p:cNvSpPr txBox="1">
+            <a:spLocks noGrp="1"/>
+          </p:cNvSpPr>
+          <p:nvPr>
+            <p:ph type="body" idx="1"/>
+          </p:nvPr>
+        </p:nvSpPr>
+        <p:spPr>
+          <a:xfrm>
+            <a:off x="685800" y="4343400"/>
+            <a:ext cx="5486400" cy="4114800"/>
+          </a:xfrm>
+          <a:prstGeom prst="rect">
+            <a:avLst/>
+          </a:prstGeom>
+          <a:noFill/>
+          <a:ln>
+            <a:noFill/>
+          </a:ln>
+        </p:spPr>
+        <p:txBody>
+          <a:bodyPr spcFirstLastPara="1" wrap="square" lIns="91425" tIns="91425" rIns="91425" bIns="91425" anchor="t" anchorCtr="0">
+            <a:noAutofit/>
+          </a:bodyPr>
+          <a:lstStyle/>
+          <a:p>
+            <a:pPr marL="0" lvl="0" indent="0" algn="l" rtl="0">
+              <a:lnSpc>
+                <a:spcPct val="100000"/>
+              </a:lnSpc>
+              <a:spcBef>
+                <a:spcPts val="0"/>
+              </a:spcBef>
+              <a:spcAft>
+                <a:spcPts val="0"/>
+              </a:spcAft>
+              <a:buSzPts val="1100"/>
+              <a:buNone/>
+            </a:pPr>
+            <a:endParaRPr/>
+          </a:p>
+        </p:txBody>
+      </p:sp>
+    </p:spTree>
+  </p:cSld>
+  <p:clrMapOvr>
+    <a:masterClrMapping/>
+  </p:clrMapOvr>
+</p:notes>
+</file>
+
+<file path=ppt/notesSlides/notesSlide19.xml><?xml version="1.0" encoding="utf-8"?>
+<p:notes xmlns:a="http://schemas.openxmlformats.org/drawingml/2006/main" xmlns:r="http://schemas.openxmlformats.org/officeDocument/2006/relationships" xmlns:p="http://schemas.openxmlformats.org/presentationml/2006/main" showMasterSp="0" showMasterPhAnim="0">
+  <p:cSld>
+    <p:spTree>
+      <p:nvGrpSpPr>
+        <p:cNvPr id="1" name="Shape 238"/>
+        <p:cNvGrpSpPr/>
+        <p:nvPr/>
+      </p:nvGrpSpPr>
+      <p:grpSpPr>
+        <a:xfrm>
+          <a:off x="0" y="0"/>
+          <a:ext cx="0" cy="0"/>
+          <a:chOff x="0" y="0"/>
+          <a:chExt cx="0" cy="0"/>
+        </a:xfrm>
+      </p:grpSpPr>
+      <p:sp>
+        <p:nvSpPr>
+          <p:cNvPr id="239" name="Google Shape;239;g2f03ac7ac9f_0_5:notes"/>
           <p:cNvSpPr>
             <a:spLocks noGrp="1" noRot="1" noChangeAspect="1"/>
           </p:cNvSpPr>
@@ -2022,129 +2145,7 @@
       </p:sp>
       <p:sp>
         <p:nvSpPr>
-          <p:cNvPr id="230" name="Google Shape;230;g2f03ac7ac9f_0_5:notes"/>
-          <p:cNvSpPr txBox="1">
-            <a:spLocks noGrp="1"/>
-          </p:cNvSpPr>
-          <p:nvPr>
-            <p:ph type="body" idx="1"/>
-          </p:nvPr>
-        </p:nvSpPr>
-        <p:spPr>
-          <a:xfrm>
-            <a:off x="685800" y="4343400"/>
-            <a:ext cx="5486400" cy="4114800"/>
-          </a:xfrm>
-          <a:prstGeom prst="rect">
-            <a:avLst/>
-          </a:prstGeom>
-          <a:noFill/>
-          <a:ln>
-            <a:noFill/>
-          </a:ln>
-        </p:spPr>
-        <p:txBody>
-          <a:bodyPr spcFirstLastPara="1" wrap="square" lIns="91425" tIns="91425" rIns="91425" bIns="91425" anchor="t" anchorCtr="0">
-            <a:noAutofit/>
-          </a:bodyPr>
-          <a:lstStyle/>
-          <a:p>
-            <a:pPr marL="0" lvl="0" indent="0" algn="l" rtl="0">
-              <a:lnSpc>
-                <a:spcPct val="100000"/>
-              </a:lnSpc>
-              <a:spcBef>
-                <a:spcPts val="0"/>
-              </a:spcBef>
-              <a:spcAft>
-                <a:spcPts val="0"/>
-              </a:spcAft>
-              <a:buSzPts val="1100"/>
-              <a:buNone/>
-            </a:pPr>
-            <a:endParaRPr/>
-          </a:p>
-        </p:txBody>
-      </p:sp>
-    </p:spTree>
-  </p:cSld>
-  <p:clrMapOvr>
-    <a:masterClrMapping/>
-  </p:clrMapOvr>
-</p:notes>
-</file>
-
-<file path=ppt/notesSlides/notesSlide19.xml><?xml version="1.0" encoding="utf-8"?>
-<p:notes xmlns:a="http://schemas.openxmlformats.org/drawingml/2006/main" xmlns:r="http://schemas.openxmlformats.org/officeDocument/2006/relationships" xmlns:p="http://schemas.openxmlformats.org/presentationml/2006/main" showMasterSp="0" showMasterPhAnim="0">
-  <p:cSld>
-    <p:spTree>
-      <p:nvGrpSpPr>
-        <p:cNvPr id="1" name="Shape 288"/>
-        <p:cNvGrpSpPr/>
-        <p:nvPr/>
-      </p:nvGrpSpPr>
-      <p:grpSpPr>
-        <a:xfrm>
-          <a:off x="0" y="0"/>
-          <a:ext cx="0" cy="0"/>
-          <a:chOff x="0" y="0"/>
-          <a:chExt cx="0" cy="0"/>
-        </a:xfrm>
-      </p:grpSpPr>
-      <p:sp>
-        <p:nvSpPr>
-          <p:cNvPr id="289" name="Google Shape;289;g2dcea13964c_1_9:notes"/>
-          <p:cNvSpPr>
-            <a:spLocks noGrp="1" noRot="1" noChangeAspect="1"/>
-          </p:cNvSpPr>
-          <p:nvPr>
-            <p:ph type="sldImg" idx="2"/>
-          </p:nvPr>
-        </p:nvSpPr>
-        <p:spPr>
-          <a:xfrm>
-            <a:off x="381300" y="685800"/>
-            <a:ext cx="6096000" cy="3429000"/>
-          </a:xfrm>
-          <a:custGeom>
-            <a:avLst/>
-            <a:gdLst/>
-            <a:ahLst/>
-            <a:cxnLst/>
-            <a:rect l="l" t="t" r="r" b="b"/>
-            <a:pathLst>
-              <a:path w="120000" h="120000" extrusionOk="0">
-                <a:moveTo>
-                  <a:pt x="0" y="0"/>
-                </a:moveTo>
-                <a:lnTo>
-                  <a:pt x="120000" y="0"/>
-                </a:lnTo>
-                <a:lnTo>
-                  <a:pt x="120000" y="120000"/>
-                </a:lnTo>
-                <a:lnTo>
-                  <a:pt x="0" y="120000"/>
-                </a:lnTo>
-                <a:close/>
-              </a:path>
-            </a:pathLst>
-          </a:custGeom>
-          <a:noFill/>
-          <a:ln w="9525" cap="flat" cmpd="sng">
-            <a:solidFill>
-              <a:srgbClr val="000000"/>
-            </a:solidFill>
-            <a:prstDash val="solid"/>
-            <a:round/>
-            <a:headEnd type="none" w="sm" len="sm"/>
-            <a:tailEnd type="none" w="sm" len="sm"/>
-          </a:ln>
-        </p:spPr>
-      </p:sp>
-      <p:sp>
-        <p:nvSpPr>
-          <p:cNvPr id="290" name="Google Shape;290;g2dcea13964c_1_9:notes"/>
+          <p:cNvPr id="240" name="Google Shape;240;g2f03ac7ac9f_0_5:notes"/>
           <p:cNvSpPr txBox="1">
             <a:spLocks noGrp="1"/>
           </p:cNvSpPr>
@@ -2323,7 +2324,7 @@
   <p:cSld>
     <p:spTree>
       <p:nvGrpSpPr>
-        <p:cNvPr id="1" name="Shape 295"/>
+        <p:cNvPr id="1" name="Shape 298"/>
         <p:cNvGrpSpPr/>
         <p:nvPr/>
       </p:nvGrpSpPr>
@@ -2337,7 +2338,7 @@
       </p:grpSpPr>
       <p:sp>
         <p:nvSpPr>
-          <p:cNvPr id="296" name="Google Shape;296;g2e40055f527_1_0:notes"/>
+          <p:cNvPr id="299" name="Google Shape;299;g2dcea13964c_1_9:notes"/>
           <p:cNvSpPr>
             <a:spLocks noGrp="1" noRot="1" noChangeAspect="1"/>
           </p:cNvSpPr>
@@ -2388,7 +2389,7 @@
       </p:sp>
       <p:sp>
         <p:nvSpPr>
-          <p:cNvPr id="297" name="Google Shape;297;g2e40055f527_1_0:notes"/>
+          <p:cNvPr id="300" name="Google Shape;300;g2dcea13964c_1_9:notes"/>
           <p:cNvSpPr txBox="1">
             <a:spLocks noGrp="1"/>
           </p:cNvSpPr>
@@ -2445,7 +2446,7 @@
   <p:cSld>
     <p:spTree>
       <p:nvGrpSpPr>
-        <p:cNvPr id="1" name="Shape 308"/>
+        <p:cNvPr id="1" name="Shape 305"/>
         <p:cNvGrpSpPr/>
         <p:nvPr/>
       </p:nvGrpSpPr>
@@ -2459,7 +2460,7 @@
       </p:grpSpPr>
       <p:sp>
         <p:nvSpPr>
-          <p:cNvPr id="309" name="Google Shape;309;g344662d92fa_2_0:notes"/>
+          <p:cNvPr id="306" name="Google Shape;306;g2e40055f527_1_0:notes"/>
           <p:cNvSpPr>
             <a:spLocks noGrp="1" noRot="1" noChangeAspect="1"/>
           </p:cNvSpPr>
@@ -2510,7 +2511,7 @@
       </p:sp>
       <p:sp>
         <p:nvSpPr>
-          <p:cNvPr id="310" name="Google Shape;310;g344662d92fa_2_0:notes"/>
+          <p:cNvPr id="307" name="Google Shape;307;g2e40055f527_1_0:notes"/>
           <p:cNvSpPr txBox="1">
             <a:spLocks noGrp="1"/>
           </p:cNvSpPr>
@@ -2567,7 +2568,7 @@
   <p:cSld>
     <p:spTree>
       <p:nvGrpSpPr>
-        <p:cNvPr id="1" name="Shape 317"/>
+        <p:cNvPr id="1" name="Shape 318"/>
         <p:cNvGrpSpPr/>
         <p:nvPr/>
       </p:nvGrpSpPr>
@@ -2581,7 +2582,129 @@
       </p:grpSpPr>
       <p:sp>
         <p:nvSpPr>
-          <p:cNvPr id="318" name="Google Shape;318;p22:notes"/>
+          <p:cNvPr id="319" name="Google Shape;319;g344662d92fa_2_0:notes"/>
+          <p:cNvSpPr>
+            <a:spLocks noGrp="1" noRot="1" noChangeAspect="1"/>
+          </p:cNvSpPr>
+          <p:nvPr>
+            <p:ph type="sldImg" idx="2"/>
+          </p:nvPr>
+        </p:nvSpPr>
+        <p:spPr>
+          <a:xfrm>
+            <a:off x="381300" y="685800"/>
+            <a:ext cx="6096000" cy="3429000"/>
+          </a:xfrm>
+          <a:custGeom>
+            <a:avLst/>
+            <a:gdLst/>
+            <a:ahLst/>
+            <a:cxnLst/>
+            <a:rect l="l" t="t" r="r" b="b"/>
+            <a:pathLst>
+              <a:path w="120000" h="120000" extrusionOk="0">
+                <a:moveTo>
+                  <a:pt x="0" y="0"/>
+                </a:moveTo>
+                <a:lnTo>
+                  <a:pt x="120000" y="0"/>
+                </a:lnTo>
+                <a:lnTo>
+                  <a:pt x="120000" y="120000"/>
+                </a:lnTo>
+                <a:lnTo>
+                  <a:pt x="0" y="120000"/>
+                </a:lnTo>
+                <a:close/>
+              </a:path>
+            </a:pathLst>
+          </a:custGeom>
+          <a:noFill/>
+          <a:ln w="9525" cap="flat" cmpd="sng">
+            <a:solidFill>
+              <a:srgbClr val="000000"/>
+            </a:solidFill>
+            <a:prstDash val="solid"/>
+            <a:round/>
+            <a:headEnd type="none" w="sm" len="sm"/>
+            <a:tailEnd type="none" w="sm" len="sm"/>
+          </a:ln>
+        </p:spPr>
+      </p:sp>
+      <p:sp>
+        <p:nvSpPr>
+          <p:cNvPr id="320" name="Google Shape;320;g344662d92fa_2_0:notes"/>
+          <p:cNvSpPr txBox="1">
+            <a:spLocks noGrp="1"/>
+          </p:cNvSpPr>
+          <p:nvPr>
+            <p:ph type="body" idx="1"/>
+          </p:nvPr>
+        </p:nvSpPr>
+        <p:spPr>
+          <a:xfrm>
+            <a:off x="685800" y="4343400"/>
+            <a:ext cx="5486400" cy="4114800"/>
+          </a:xfrm>
+          <a:prstGeom prst="rect">
+            <a:avLst/>
+          </a:prstGeom>
+          <a:noFill/>
+          <a:ln>
+            <a:noFill/>
+          </a:ln>
+        </p:spPr>
+        <p:txBody>
+          <a:bodyPr spcFirstLastPara="1" wrap="square" lIns="91425" tIns="91425" rIns="91425" bIns="91425" anchor="t" anchorCtr="0">
+            <a:noAutofit/>
+          </a:bodyPr>
+          <a:lstStyle/>
+          <a:p>
+            <a:pPr marL="0" lvl="0" indent="0" algn="l" rtl="0">
+              <a:lnSpc>
+                <a:spcPct val="100000"/>
+              </a:lnSpc>
+              <a:spcBef>
+                <a:spcPts val="0"/>
+              </a:spcBef>
+              <a:spcAft>
+                <a:spcPts val="0"/>
+              </a:spcAft>
+              <a:buSzPts val="1100"/>
+              <a:buNone/>
+            </a:pPr>
+            <a:endParaRPr/>
+          </a:p>
+        </p:txBody>
+      </p:sp>
+    </p:spTree>
+  </p:cSld>
+  <p:clrMapOvr>
+    <a:masterClrMapping/>
+  </p:clrMapOvr>
+</p:notes>
+</file>
+
+<file path=ppt/notesSlides/notesSlide23.xml><?xml version="1.0" encoding="utf-8"?>
+<p:notes xmlns:a="http://schemas.openxmlformats.org/drawingml/2006/main" xmlns:r="http://schemas.openxmlformats.org/officeDocument/2006/relationships" xmlns:p="http://schemas.openxmlformats.org/presentationml/2006/main" showMasterSp="0" showMasterPhAnim="0">
+  <p:cSld>
+    <p:spTree>
+      <p:nvGrpSpPr>
+        <p:cNvPr id="1" name="Shape 327"/>
+        <p:cNvGrpSpPr/>
+        <p:nvPr/>
+      </p:nvGrpSpPr>
+      <p:grpSpPr>
+        <a:xfrm>
+          <a:off x="0" y="0"/>
+          <a:ext cx="0" cy="0"/>
+          <a:chOff x="0" y="0"/>
+          <a:chExt cx="0" cy="0"/>
+        </a:xfrm>
+      </p:grpSpPr>
+      <p:sp>
+        <p:nvSpPr>
+          <p:cNvPr id="328" name="Google Shape;328;p22:notes"/>
           <p:cNvSpPr>
             <a:spLocks noGrp="1" noRot="1" noChangeAspect="1"/>
           </p:cNvSpPr>
@@ -2632,7 +2755,7 @@
       </p:sp>
       <p:sp>
         <p:nvSpPr>
-          <p:cNvPr id="319" name="Google Shape;319;p22:notes"/>
+          <p:cNvPr id="329" name="Google Shape;329;p22:notes"/>
           <p:cNvSpPr txBox="1">
             <a:spLocks noGrp="1"/>
           </p:cNvSpPr>
@@ -2684,12 +2807,12 @@
 </p:notes>
 </file>
 
-<file path=ppt/notesSlides/notesSlide23.xml><?xml version="1.0" encoding="utf-8"?>
+<file path=ppt/notesSlides/notesSlide24.xml><?xml version="1.0" encoding="utf-8"?>
 <p:notes xmlns:a="http://schemas.openxmlformats.org/drawingml/2006/main" xmlns:r="http://schemas.openxmlformats.org/officeDocument/2006/relationships" xmlns:p="http://schemas.openxmlformats.org/presentationml/2006/main" showMasterSp="0" showMasterPhAnim="0">
   <p:cSld>
     <p:spTree>
       <p:nvGrpSpPr>
-        <p:cNvPr id="1" name="Shape 327"/>
+        <p:cNvPr id="1" name="Shape 337"/>
         <p:cNvGrpSpPr/>
         <p:nvPr/>
       </p:nvGrpSpPr>
@@ -2703,7 +2826,7 @@
       </p:grpSpPr>
       <p:sp>
         <p:nvSpPr>
-          <p:cNvPr id="328" name="Google Shape;328;p23:notes"/>
+          <p:cNvPr id="338" name="Google Shape;338;p23:notes"/>
           <p:cNvSpPr>
             <a:spLocks noGrp="1" noRot="1" noChangeAspect="1"/>
           </p:cNvSpPr>
@@ -2754,7 +2877,7 @@
       </p:sp>
       <p:sp>
         <p:nvSpPr>
-          <p:cNvPr id="329" name="Google Shape;329;p23:notes"/>
+          <p:cNvPr id="339" name="Google Shape;339;p23:notes"/>
           <p:cNvSpPr txBox="1">
             <a:spLocks noGrp="1"/>
           </p:cNvSpPr>
@@ -14063,7 +14186,7 @@
                 <a:cs typeface="Calibri"/>
                 <a:sym typeface="Calibri"/>
               </a:rPr>
-              <a:t>Gemini Embedding</a:t>
+              <a:t>Gemini Embedding,  Google Gems</a:t>
             </a:r>
             <a:endParaRPr sz="1500" b="1">
               <a:solidFill>
@@ -14100,7 +14223,7 @@
                 <a:cs typeface="Calibri"/>
                 <a:sym typeface="Calibri"/>
               </a:rPr>
-              <a:t>Google Gems</a:t>
+              <a:t>CODI Self-Distillation</a:t>
             </a:r>
             <a:endParaRPr sz="1500" b="1">
               <a:solidFill>
@@ -14137,7 +14260,7 @@
                 <a:cs typeface="Calibri"/>
                 <a:sym typeface="Calibri"/>
               </a:rPr>
-              <a:t>CODI Self-Distillation</a:t>
+              <a:t>Allen Institute for AI (AI2) OLMo 32B</a:t>
             </a:r>
             <a:endParaRPr sz="1500" b="1">
               <a:solidFill>
@@ -14174,7 +14297,7 @@
                 <a:cs typeface="Calibri"/>
                 <a:sym typeface="Calibri"/>
               </a:rPr>
-              <a:t>Allen Institute for AI (AI2) OLMo 32B</a:t>
+              <a:t>Agent S2 from Similar.ai</a:t>
             </a:r>
             <a:endParaRPr sz="1500" b="1">
               <a:solidFill>
@@ -14211,7 +14334,7 @@
                 <a:cs typeface="Calibri"/>
                 <a:sym typeface="Calibri"/>
               </a:rPr>
-              <a:t>Agent S2 from Similar.ai</a:t>
+              <a:t>Google Gemini - Canvas</a:t>
             </a:r>
             <a:endParaRPr sz="1500" b="1">
               <a:solidFill>
@@ -14248,7 +14371,7 @@
                 <a:cs typeface="Calibri"/>
                 <a:sym typeface="Calibri"/>
               </a:rPr>
-              <a:t>Google Gemini - Canvas</a:t>
+              <a:t>12 Rules to Vibe Coding</a:t>
             </a:r>
             <a:endParaRPr sz="1500" b="1">
               <a:solidFill>
@@ -14285,7 +14408,7 @@
                 <a:cs typeface="Calibri"/>
                 <a:sym typeface="Calibri"/>
               </a:rPr>
-              <a:t>12 Rules to Vibe Coding</a:t>
+              <a:t>Boston Dynamics - Cartwheel</a:t>
             </a:r>
             <a:endParaRPr sz="1500" b="1">
               <a:solidFill>
@@ -14322,7 +14445,7 @@
                 <a:cs typeface="Calibri"/>
                 <a:sym typeface="Calibri"/>
               </a:rPr>
-              <a:t>Boston Dynamics - Cartwheel</a:t>
+              <a:t>In-Browser Graph RAG with Kuzu-Wasm</a:t>
             </a:r>
             <a:endParaRPr sz="1500" b="1">
               <a:solidFill>
@@ -14359,7 +14482,7 @@
                 <a:cs typeface="Calibri"/>
                 <a:sym typeface="Calibri"/>
               </a:rPr>
-              <a:t>In-Browser Graph RAG with Kuzu-Wasm</a:t>
+              <a:t>RAG Chatbot on your data for $200</a:t>
             </a:r>
             <a:endParaRPr sz="1500" b="1">
               <a:solidFill>
@@ -14396,7 +14519,7 @@
                 <a:cs typeface="Calibri"/>
                 <a:sym typeface="Calibri"/>
               </a:rPr>
-              <a:t>RAG Chatbot on your data for $200</a:t>
+              <a:t>Everyone Offers AI-Agents Studios</a:t>
             </a:r>
             <a:endParaRPr sz="1500" b="1">
               <a:solidFill>
@@ -14457,7 +14580,7 @@
         </p:nvSpPr>
         <p:spPr>
           <a:xfrm>
-            <a:off x="5532425" y="205250"/>
+            <a:off x="5719725" y="60600"/>
             <a:ext cx="1509300" cy="510900"/>
           </a:xfrm>
           <a:prstGeom prst="rect">
@@ -22034,6 +22157,2333 @@
         </p:nvSpPr>
         <p:spPr>
           <a:xfrm>
+            <a:off x="55075" y="52750"/>
+            <a:ext cx="4283100" cy="326400"/>
+          </a:xfrm>
+          <a:prstGeom prst="rect">
+            <a:avLst/>
+          </a:prstGeom>
+          <a:noFill/>
+          <a:ln>
+            <a:noFill/>
+          </a:ln>
+        </p:spPr>
+        <p:txBody>
+          <a:bodyPr spcFirstLastPara="1" wrap="square" lIns="9125" tIns="9125" rIns="9125" bIns="9125" anchor="t" anchorCtr="0">
+            <a:spAutoFit/>
+          </a:bodyPr>
+          <a:lstStyle/>
+          <a:p>
+            <a:pPr marL="0" lvl="0" indent="0" algn="l" rtl="0">
+              <a:spcBef>
+                <a:spcPts val="0"/>
+              </a:spcBef>
+              <a:spcAft>
+                <a:spcPts val="0"/>
+              </a:spcAft>
+              <a:buClr>
+                <a:schemeClr val="dk1"/>
+              </a:buClr>
+              <a:buSzPts val="1100"/>
+              <a:buFont typeface="Arial"/>
+              <a:buNone/>
+            </a:pPr>
+            <a:r>
+              <a:rPr lang="en" sz="2000" b="1">
+                <a:solidFill>
+                  <a:schemeClr val="dk1"/>
+                </a:solidFill>
+                <a:latin typeface="Calibri"/>
+                <a:ea typeface="Calibri"/>
+                <a:cs typeface="Calibri"/>
+                <a:sym typeface="Calibri"/>
+              </a:rPr>
+              <a:t>Everyone Offers AI-Agents Studios</a:t>
+            </a:r>
+            <a:endParaRPr sz="2000" b="1">
+              <a:solidFill>
+                <a:schemeClr val="dk1"/>
+              </a:solidFill>
+              <a:latin typeface="Calibri"/>
+              <a:ea typeface="Calibri"/>
+              <a:cs typeface="Calibri"/>
+              <a:sym typeface="Calibri"/>
+            </a:endParaRPr>
+          </a:p>
+        </p:txBody>
+      </p:sp>
+      <p:sp>
+        <p:nvSpPr>
+          <p:cNvPr id="233" name="Google Shape;233;p32"/>
+          <p:cNvSpPr txBox="1"/>
+          <p:nvPr/>
+        </p:nvSpPr>
+        <p:spPr>
+          <a:xfrm>
+            <a:off x="83900" y="1296200"/>
+            <a:ext cx="1637700" cy="3712500"/>
+          </a:xfrm>
+          <a:prstGeom prst="rect">
+            <a:avLst/>
+          </a:prstGeom>
+          <a:solidFill>
+            <a:srgbClr val="FFF2CC"/>
+          </a:solidFill>
+          <a:ln w="9525" cap="flat" cmpd="sng">
+            <a:solidFill>
+              <a:srgbClr val="FF0000"/>
+            </a:solidFill>
+            <a:prstDash val="solid"/>
+            <a:round/>
+            <a:headEnd type="none" w="sm" len="sm"/>
+            <a:tailEnd type="none" w="sm" len="sm"/>
+          </a:ln>
+        </p:spPr>
+        <p:txBody>
+          <a:bodyPr spcFirstLastPara="1" wrap="square" lIns="9125" tIns="9125" rIns="9125" bIns="9125" anchor="t" anchorCtr="0">
+            <a:spAutoFit/>
+          </a:bodyPr>
+          <a:lstStyle/>
+          <a:p>
+            <a:pPr marL="228600" lvl="0" indent="-120650" algn="l" rtl="0">
+              <a:lnSpc>
+                <a:spcPct val="115000"/>
+              </a:lnSpc>
+              <a:spcBef>
+                <a:spcPts val="600"/>
+              </a:spcBef>
+              <a:spcAft>
+                <a:spcPts val="0"/>
+              </a:spcAft>
+              <a:buClr>
+                <a:schemeClr val="dk1"/>
+              </a:buClr>
+              <a:buSzPts val="1000"/>
+              <a:buFont typeface="Calibri"/>
+              <a:buChar char="●"/>
+            </a:pPr>
+            <a:r>
+              <a:rPr lang="en" sz="1000">
+                <a:solidFill>
+                  <a:schemeClr val="dk1"/>
+                </a:solidFill>
+                <a:latin typeface="Calibri"/>
+                <a:ea typeface="Calibri"/>
+                <a:cs typeface="Calibri"/>
+                <a:sym typeface="Calibri"/>
+              </a:rPr>
+              <a:t>Microsoft</a:t>
+            </a:r>
+            <a:endParaRPr sz="1000">
+              <a:solidFill>
+                <a:schemeClr val="dk1"/>
+              </a:solidFill>
+              <a:latin typeface="Calibri"/>
+              <a:ea typeface="Calibri"/>
+              <a:cs typeface="Calibri"/>
+              <a:sym typeface="Calibri"/>
+            </a:endParaRPr>
+          </a:p>
+          <a:p>
+            <a:pPr marL="228600" lvl="0" indent="-120650" algn="l" rtl="0">
+              <a:lnSpc>
+                <a:spcPct val="115000"/>
+              </a:lnSpc>
+              <a:spcBef>
+                <a:spcPts val="0"/>
+              </a:spcBef>
+              <a:spcAft>
+                <a:spcPts val="0"/>
+              </a:spcAft>
+              <a:buClr>
+                <a:schemeClr val="dk1"/>
+              </a:buClr>
+              <a:buSzPts val="1000"/>
+              <a:buFont typeface="Calibri"/>
+              <a:buChar char="●"/>
+            </a:pPr>
+            <a:r>
+              <a:rPr lang="en" sz="1000">
+                <a:solidFill>
+                  <a:schemeClr val="dk1"/>
+                </a:solidFill>
+                <a:latin typeface="Calibri"/>
+                <a:ea typeface="Calibri"/>
+                <a:cs typeface="Calibri"/>
+                <a:sym typeface="Calibri"/>
+              </a:rPr>
+              <a:t>OpenAI</a:t>
+            </a:r>
+            <a:endParaRPr sz="1000">
+              <a:solidFill>
+                <a:schemeClr val="dk1"/>
+              </a:solidFill>
+              <a:latin typeface="Calibri"/>
+              <a:ea typeface="Calibri"/>
+              <a:cs typeface="Calibri"/>
+              <a:sym typeface="Calibri"/>
+            </a:endParaRPr>
+          </a:p>
+          <a:p>
+            <a:pPr marL="228600" lvl="0" indent="-120650" algn="l" rtl="0">
+              <a:lnSpc>
+                <a:spcPct val="115000"/>
+              </a:lnSpc>
+              <a:spcBef>
+                <a:spcPts val="0"/>
+              </a:spcBef>
+              <a:spcAft>
+                <a:spcPts val="0"/>
+              </a:spcAft>
+              <a:buClr>
+                <a:schemeClr val="dk1"/>
+              </a:buClr>
+              <a:buSzPts val="1000"/>
+              <a:buFont typeface="Calibri"/>
+              <a:buChar char="●"/>
+            </a:pPr>
+            <a:r>
+              <a:rPr lang="en" sz="1000">
+                <a:solidFill>
+                  <a:schemeClr val="dk1"/>
+                </a:solidFill>
+                <a:latin typeface="Calibri"/>
+                <a:ea typeface="Calibri"/>
+                <a:cs typeface="Calibri"/>
+                <a:sym typeface="Calibri"/>
+              </a:rPr>
+              <a:t>Amazon AWS</a:t>
+            </a:r>
+            <a:endParaRPr sz="1000">
+              <a:solidFill>
+                <a:schemeClr val="dk1"/>
+              </a:solidFill>
+              <a:latin typeface="Calibri"/>
+              <a:ea typeface="Calibri"/>
+              <a:cs typeface="Calibri"/>
+              <a:sym typeface="Calibri"/>
+            </a:endParaRPr>
+          </a:p>
+          <a:p>
+            <a:pPr marL="228600" lvl="0" indent="-120650" algn="l" rtl="0">
+              <a:lnSpc>
+                <a:spcPct val="115000"/>
+              </a:lnSpc>
+              <a:spcBef>
+                <a:spcPts val="0"/>
+              </a:spcBef>
+              <a:spcAft>
+                <a:spcPts val="0"/>
+              </a:spcAft>
+              <a:buClr>
+                <a:schemeClr val="dk1"/>
+              </a:buClr>
+              <a:buSzPts val="1000"/>
+              <a:buFont typeface="Calibri"/>
+              <a:buChar char="●"/>
+            </a:pPr>
+            <a:r>
+              <a:rPr lang="en" sz="1000">
+                <a:solidFill>
+                  <a:schemeClr val="dk1"/>
+                </a:solidFill>
+                <a:latin typeface="Calibri"/>
+                <a:ea typeface="Calibri"/>
+                <a:cs typeface="Calibri"/>
+                <a:sym typeface="Calibri"/>
+              </a:rPr>
+              <a:t>Google</a:t>
+            </a:r>
+            <a:endParaRPr sz="1000">
+              <a:solidFill>
+                <a:schemeClr val="dk1"/>
+              </a:solidFill>
+              <a:latin typeface="Calibri"/>
+              <a:ea typeface="Calibri"/>
+              <a:cs typeface="Calibri"/>
+              <a:sym typeface="Calibri"/>
+            </a:endParaRPr>
+          </a:p>
+          <a:p>
+            <a:pPr marL="228600" lvl="0" indent="-120650" algn="l" rtl="0">
+              <a:lnSpc>
+                <a:spcPct val="115000"/>
+              </a:lnSpc>
+              <a:spcBef>
+                <a:spcPts val="0"/>
+              </a:spcBef>
+              <a:spcAft>
+                <a:spcPts val="0"/>
+              </a:spcAft>
+              <a:buClr>
+                <a:schemeClr val="dk1"/>
+              </a:buClr>
+              <a:buSzPts val="1000"/>
+              <a:buFont typeface="Calibri"/>
+              <a:buChar char="●"/>
+            </a:pPr>
+            <a:r>
+              <a:rPr lang="en" sz="1000">
+                <a:solidFill>
+                  <a:schemeClr val="dk1"/>
+                </a:solidFill>
+                <a:latin typeface="Calibri"/>
+                <a:ea typeface="Calibri"/>
+                <a:cs typeface="Calibri"/>
+                <a:sym typeface="Calibri"/>
+              </a:rPr>
+              <a:t>Oracle</a:t>
+            </a:r>
+            <a:endParaRPr sz="1000">
+              <a:solidFill>
+                <a:schemeClr val="dk1"/>
+              </a:solidFill>
+              <a:latin typeface="Calibri"/>
+              <a:ea typeface="Calibri"/>
+              <a:cs typeface="Calibri"/>
+              <a:sym typeface="Calibri"/>
+            </a:endParaRPr>
+          </a:p>
+          <a:p>
+            <a:pPr marL="228600" lvl="0" indent="-120650" algn="l" rtl="0">
+              <a:lnSpc>
+                <a:spcPct val="115000"/>
+              </a:lnSpc>
+              <a:spcBef>
+                <a:spcPts val="0"/>
+              </a:spcBef>
+              <a:spcAft>
+                <a:spcPts val="0"/>
+              </a:spcAft>
+              <a:buClr>
+                <a:schemeClr val="dk1"/>
+              </a:buClr>
+              <a:buSzPts val="1000"/>
+              <a:buFont typeface="Calibri"/>
+              <a:buChar char="●"/>
+            </a:pPr>
+            <a:r>
+              <a:rPr lang="en" sz="1000">
+                <a:solidFill>
+                  <a:schemeClr val="dk1"/>
+                </a:solidFill>
+                <a:latin typeface="Calibri"/>
+                <a:ea typeface="Calibri"/>
+                <a:cs typeface="Calibri"/>
+                <a:sym typeface="Calibri"/>
+              </a:rPr>
+              <a:t>IBM</a:t>
+            </a:r>
+            <a:endParaRPr sz="1000">
+              <a:solidFill>
+                <a:schemeClr val="dk1"/>
+              </a:solidFill>
+              <a:latin typeface="Calibri"/>
+              <a:ea typeface="Calibri"/>
+              <a:cs typeface="Calibri"/>
+              <a:sym typeface="Calibri"/>
+            </a:endParaRPr>
+          </a:p>
+          <a:p>
+            <a:pPr marL="228600" lvl="0" indent="-120650" algn="l" rtl="0">
+              <a:lnSpc>
+                <a:spcPct val="115000"/>
+              </a:lnSpc>
+              <a:spcBef>
+                <a:spcPts val="0"/>
+              </a:spcBef>
+              <a:spcAft>
+                <a:spcPts val="0"/>
+              </a:spcAft>
+              <a:buClr>
+                <a:schemeClr val="dk1"/>
+              </a:buClr>
+              <a:buSzPts val="1000"/>
+              <a:buFont typeface="Calibri"/>
+              <a:buChar char="●"/>
+            </a:pPr>
+            <a:r>
+              <a:rPr lang="en" sz="1000">
+                <a:solidFill>
+                  <a:schemeClr val="dk1"/>
+                </a:solidFill>
+                <a:latin typeface="Calibri"/>
+                <a:ea typeface="Calibri"/>
+                <a:cs typeface="Calibri"/>
+                <a:sym typeface="Calibri"/>
+              </a:rPr>
+              <a:t>Cohere</a:t>
+            </a:r>
+            <a:endParaRPr sz="1000">
+              <a:solidFill>
+                <a:schemeClr val="dk1"/>
+              </a:solidFill>
+              <a:latin typeface="Calibri"/>
+              <a:ea typeface="Calibri"/>
+              <a:cs typeface="Calibri"/>
+              <a:sym typeface="Calibri"/>
+            </a:endParaRPr>
+          </a:p>
+          <a:p>
+            <a:pPr marL="228600" lvl="0" indent="-120650" algn="l" rtl="0">
+              <a:lnSpc>
+                <a:spcPct val="115000"/>
+              </a:lnSpc>
+              <a:spcBef>
+                <a:spcPts val="0"/>
+              </a:spcBef>
+              <a:spcAft>
+                <a:spcPts val="0"/>
+              </a:spcAft>
+              <a:buClr>
+                <a:schemeClr val="dk1"/>
+              </a:buClr>
+              <a:buSzPts val="1000"/>
+              <a:buFont typeface="Calibri"/>
+              <a:buChar char="●"/>
+            </a:pPr>
+            <a:r>
+              <a:rPr lang="en" sz="1000">
+                <a:solidFill>
+                  <a:schemeClr val="dk1"/>
+                </a:solidFill>
+                <a:latin typeface="Calibri"/>
+                <a:ea typeface="Calibri"/>
+                <a:cs typeface="Calibri"/>
+                <a:sym typeface="Calibri"/>
+              </a:rPr>
+              <a:t>Anthropic (USA)</a:t>
+            </a:r>
+            <a:endParaRPr sz="1000">
+              <a:solidFill>
+                <a:schemeClr val="dk1"/>
+              </a:solidFill>
+              <a:latin typeface="Calibri"/>
+              <a:ea typeface="Calibri"/>
+              <a:cs typeface="Calibri"/>
+              <a:sym typeface="Calibri"/>
+            </a:endParaRPr>
+          </a:p>
+          <a:p>
+            <a:pPr marL="228600" lvl="0" indent="-120650" algn="l" rtl="0">
+              <a:lnSpc>
+                <a:spcPct val="115000"/>
+              </a:lnSpc>
+              <a:spcBef>
+                <a:spcPts val="0"/>
+              </a:spcBef>
+              <a:spcAft>
+                <a:spcPts val="0"/>
+              </a:spcAft>
+              <a:buClr>
+                <a:schemeClr val="dk1"/>
+              </a:buClr>
+              <a:buSzPts val="1000"/>
+              <a:buFont typeface="Calibri"/>
+              <a:buChar char="●"/>
+            </a:pPr>
+            <a:r>
+              <a:rPr lang="en" sz="1000">
+                <a:solidFill>
+                  <a:schemeClr val="dk1"/>
+                </a:solidFill>
+                <a:latin typeface="Calibri"/>
+                <a:ea typeface="Calibri"/>
+                <a:cs typeface="Calibri"/>
+                <a:sym typeface="Calibri"/>
+              </a:rPr>
+              <a:t>NVIDIA (USA)</a:t>
+            </a:r>
+            <a:endParaRPr sz="1000">
+              <a:solidFill>
+                <a:schemeClr val="dk1"/>
+              </a:solidFill>
+              <a:latin typeface="Calibri"/>
+              <a:ea typeface="Calibri"/>
+              <a:cs typeface="Calibri"/>
+              <a:sym typeface="Calibri"/>
+            </a:endParaRPr>
+          </a:p>
+          <a:p>
+            <a:pPr marL="228600" lvl="0" indent="-120650" algn="l" rtl="0">
+              <a:lnSpc>
+                <a:spcPct val="115000"/>
+              </a:lnSpc>
+              <a:spcBef>
+                <a:spcPts val="0"/>
+              </a:spcBef>
+              <a:spcAft>
+                <a:spcPts val="0"/>
+              </a:spcAft>
+              <a:buClr>
+                <a:schemeClr val="dk1"/>
+              </a:buClr>
+              <a:buSzPts val="1000"/>
+              <a:buFont typeface="Calibri"/>
+              <a:buChar char="●"/>
+            </a:pPr>
+            <a:r>
+              <a:rPr lang="en" sz="1000">
+                <a:solidFill>
+                  <a:schemeClr val="dk1"/>
+                </a:solidFill>
+                <a:latin typeface="Calibri"/>
+                <a:ea typeface="Calibri"/>
+                <a:cs typeface="Calibri"/>
+                <a:sym typeface="Calibri"/>
+              </a:rPr>
+              <a:t>Salesforce (USA)</a:t>
+            </a:r>
+            <a:endParaRPr sz="1000">
+              <a:solidFill>
+                <a:schemeClr val="dk1"/>
+              </a:solidFill>
+              <a:latin typeface="Calibri"/>
+              <a:ea typeface="Calibri"/>
+              <a:cs typeface="Calibri"/>
+              <a:sym typeface="Calibri"/>
+            </a:endParaRPr>
+          </a:p>
+          <a:p>
+            <a:pPr marL="228600" lvl="0" indent="-120650" algn="l" rtl="0">
+              <a:lnSpc>
+                <a:spcPct val="115000"/>
+              </a:lnSpc>
+              <a:spcBef>
+                <a:spcPts val="0"/>
+              </a:spcBef>
+              <a:spcAft>
+                <a:spcPts val="0"/>
+              </a:spcAft>
+              <a:buClr>
+                <a:schemeClr val="dk1"/>
+              </a:buClr>
+              <a:buSzPts val="1000"/>
+              <a:buFont typeface="Calibri"/>
+              <a:buChar char="●"/>
+            </a:pPr>
+            <a:r>
+              <a:rPr lang="en" sz="1000">
+                <a:solidFill>
+                  <a:schemeClr val="dk1"/>
+                </a:solidFill>
+                <a:latin typeface="Calibri"/>
+                <a:ea typeface="Calibri"/>
+                <a:cs typeface="Calibri"/>
+                <a:sym typeface="Calibri"/>
+              </a:rPr>
+              <a:t>Meta (USA)</a:t>
+            </a:r>
+            <a:endParaRPr sz="1000">
+              <a:solidFill>
+                <a:schemeClr val="dk1"/>
+              </a:solidFill>
+              <a:latin typeface="Calibri"/>
+              <a:ea typeface="Calibri"/>
+              <a:cs typeface="Calibri"/>
+              <a:sym typeface="Calibri"/>
+            </a:endParaRPr>
+          </a:p>
+          <a:p>
+            <a:pPr marL="228600" lvl="0" indent="-120650" algn="l" rtl="0">
+              <a:lnSpc>
+                <a:spcPct val="115000"/>
+              </a:lnSpc>
+              <a:spcBef>
+                <a:spcPts val="0"/>
+              </a:spcBef>
+              <a:spcAft>
+                <a:spcPts val="0"/>
+              </a:spcAft>
+              <a:buClr>
+                <a:schemeClr val="dk1"/>
+              </a:buClr>
+              <a:buSzPts val="1000"/>
+              <a:buFont typeface="Calibri"/>
+              <a:buChar char="●"/>
+            </a:pPr>
+            <a:r>
+              <a:rPr lang="en" sz="1000">
+                <a:solidFill>
+                  <a:schemeClr val="dk1"/>
+                </a:solidFill>
+                <a:latin typeface="Calibri"/>
+                <a:ea typeface="Calibri"/>
+                <a:cs typeface="Calibri"/>
+                <a:sym typeface="Calibri"/>
+              </a:rPr>
+              <a:t>DeepMind (UK)</a:t>
+            </a:r>
+            <a:endParaRPr sz="1000">
+              <a:solidFill>
+                <a:schemeClr val="dk1"/>
+              </a:solidFill>
+              <a:latin typeface="Calibri"/>
+              <a:ea typeface="Calibri"/>
+              <a:cs typeface="Calibri"/>
+              <a:sym typeface="Calibri"/>
+            </a:endParaRPr>
+          </a:p>
+          <a:p>
+            <a:pPr marL="228600" lvl="0" indent="-120650" algn="l" rtl="0">
+              <a:lnSpc>
+                <a:spcPct val="115000"/>
+              </a:lnSpc>
+              <a:spcBef>
+                <a:spcPts val="0"/>
+              </a:spcBef>
+              <a:spcAft>
+                <a:spcPts val="0"/>
+              </a:spcAft>
+              <a:buClr>
+                <a:schemeClr val="dk1"/>
+              </a:buClr>
+              <a:buSzPts val="1000"/>
+              <a:buFont typeface="Calibri"/>
+              <a:buChar char="●"/>
+            </a:pPr>
+            <a:r>
+              <a:rPr lang="en" sz="1000">
+                <a:solidFill>
+                  <a:schemeClr val="dk1"/>
+                </a:solidFill>
+                <a:latin typeface="Calibri"/>
+                <a:ea typeface="Calibri"/>
+                <a:cs typeface="Calibri"/>
+                <a:sym typeface="Calibri"/>
+              </a:rPr>
+              <a:t>Hugging Face (USA/France)</a:t>
+            </a:r>
+            <a:endParaRPr sz="1000">
+              <a:solidFill>
+                <a:schemeClr val="dk1"/>
+              </a:solidFill>
+              <a:latin typeface="Calibri"/>
+              <a:ea typeface="Calibri"/>
+              <a:cs typeface="Calibri"/>
+              <a:sym typeface="Calibri"/>
+            </a:endParaRPr>
+          </a:p>
+          <a:p>
+            <a:pPr marL="228600" lvl="0" indent="-120650" algn="l" rtl="0">
+              <a:lnSpc>
+                <a:spcPct val="115000"/>
+              </a:lnSpc>
+              <a:spcBef>
+                <a:spcPts val="0"/>
+              </a:spcBef>
+              <a:spcAft>
+                <a:spcPts val="0"/>
+              </a:spcAft>
+              <a:buClr>
+                <a:schemeClr val="dk1"/>
+              </a:buClr>
+              <a:buSzPts val="1000"/>
+              <a:buFont typeface="Calibri"/>
+              <a:buChar char="●"/>
+            </a:pPr>
+            <a:r>
+              <a:rPr lang="en" sz="1000">
+                <a:solidFill>
+                  <a:schemeClr val="dk1"/>
+                </a:solidFill>
+                <a:latin typeface="Calibri"/>
+                <a:ea typeface="Calibri"/>
+                <a:cs typeface="Calibri"/>
+                <a:sym typeface="Calibri"/>
+              </a:rPr>
+              <a:t>Mistral AI (France)</a:t>
+            </a:r>
+            <a:endParaRPr sz="1000">
+              <a:solidFill>
+                <a:schemeClr val="dk1"/>
+              </a:solidFill>
+              <a:latin typeface="Calibri"/>
+              <a:ea typeface="Calibri"/>
+              <a:cs typeface="Calibri"/>
+              <a:sym typeface="Calibri"/>
+            </a:endParaRPr>
+          </a:p>
+          <a:p>
+            <a:pPr marL="228600" lvl="0" indent="-120650" algn="l" rtl="0">
+              <a:lnSpc>
+                <a:spcPct val="115000"/>
+              </a:lnSpc>
+              <a:spcBef>
+                <a:spcPts val="0"/>
+              </a:spcBef>
+              <a:spcAft>
+                <a:spcPts val="0"/>
+              </a:spcAft>
+              <a:buClr>
+                <a:schemeClr val="dk1"/>
+              </a:buClr>
+              <a:buSzPts val="1000"/>
+              <a:buFont typeface="Calibri"/>
+              <a:buChar char="●"/>
+            </a:pPr>
+            <a:r>
+              <a:rPr lang="en" sz="1000">
+                <a:solidFill>
+                  <a:schemeClr val="dk1"/>
+                </a:solidFill>
+                <a:latin typeface="Calibri"/>
+                <a:ea typeface="Calibri"/>
+                <a:cs typeface="Calibri"/>
+                <a:sym typeface="Calibri"/>
+              </a:rPr>
+              <a:t>SAP (Germany)</a:t>
+            </a:r>
+            <a:endParaRPr sz="1000">
+              <a:solidFill>
+                <a:schemeClr val="dk1"/>
+              </a:solidFill>
+              <a:latin typeface="Calibri"/>
+              <a:ea typeface="Calibri"/>
+              <a:cs typeface="Calibri"/>
+              <a:sym typeface="Calibri"/>
+            </a:endParaRPr>
+          </a:p>
+          <a:p>
+            <a:pPr marL="228600" lvl="0" indent="-120650" algn="l" rtl="0">
+              <a:lnSpc>
+                <a:spcPct val="115000"/>
+              </a:lnSpc>
+              <a:spcBef>
+                <a:spcPts val="0"/>
+              </a:spcBef>
+              <a:spcAft>
+                <a:spcPts val="0"/>
+              </a:spcAft>
+              <a:buClr>
+                <a:schemeClr val="dk1"/>
+              </a:buClr>
+              <a:buSzPts val="1000"/>
+              <a:buFont typeface="Calibri"/>
+              <a:buChar char="●"/>
+            </a:pPr>
+            <a:r>
+              <a:rPr lang="en" sz="1000">
+                <a:solidFill>
+                  <a:schemeClr val="dk1"/>
+                </a:solidFill>
+                <a:latin typeface="Calibri"/>
+                <a:ea typeface="Calibri"/>
+                <a:cs typeface="Calibri"/>
+                <a:sym typeface="Calibri"/>
+              </a:rPr>
+              <a:t>Siemens (Germany)</a:t>
+            </a:r>
+            <a:endParaRPr sz="1000">
+              <a:solidFill>
+                <a:schemeClr val="dk1"/>
+              </a:solidFill>
+              <a:latin typeface="Calibri"/>
+              <a:ea typeface="Calibri"/>
+              <a:cs typeface="Calibri"/>
+              <a:sym typeface="Calibri"/>
+            </a:endParaRPr>
+          </a:p>
+          <a:p>
+            <a:pPr marL="228600" lvl="0" indent="-120650" algn="l" rtl="0">
+              <a:lnSpc>
+                <a:spcPct val="115000"/>
+              </a:lnSpc>
+              <a:spcBef>
+                <a:spcPts val="0"/>
+              </a:spcBef>
+              <a:spcAft>
+                <a:spcPts val="0"/>
+              </a:spcAft>
+              <a:buClr>
+                <a:schemeClr val="dk1"/>
+              </a:buClr>
+              <a:buSzPts val="1000"/>
+              <a:buFont typeface="Calibri"/>
+              <a:buChar char="●"/>
+            </a:pPr>
+            <a:r>
+              <a:rPr lang="en" sz="1000">
+                <a:solidFill>
+                  <a:schemeClr val="dk1"/>
+                </a:solidFill>
+                <a:latin typeface="Calibri"/>
+                <a:ea typeface="Calibri"/>
+                <a:cs typeface="Calibri"/>
+                <a:sym typeface="Calibri"/>
+              </a:rPr>
+              <a:t>Baidu (China)</a:t>
+            </a:r>
+            <a:endParaRPr sz="1000">
+              <a:solidFill>
+                <a:schemeClr val="dk1"/>
+              </a:solidFill>
+              <a:latin typeface="Calibri"/>
+              <a:ea typeface="Calibri"/>
+              <a:cs typeface="Calibri"/>
+              <a:sym typeface="Calibri"/>
+            </a:endParaRPr>
+          </a:p>
+          <a:p>
+            <a:pPr marL="228600" lvl="0" indent="-120650" algn="l" rtl="0">
+              <a:lnSpc>
+                <a:spcPct val="115000"/>
+              </a:lnSpc>
+              <a:spcBef>
+                <a:spcPts val="0"/>
+              </a:spcBef>
+              <a:spcAft>
+                <a:spcPts val="0"/>
+              </a:spcAft>
+              <a:buClr>
+                <a:schemeClr val="dk1"/>
+              </a:buClr>
+              <a:buSzPts val="1000"/>
+              <a:buFont typeface="Calibri"/>
+              <a:buChar char="●"/>
+            </a:pPr>
+            <a:r>
+              <a:rPr lang="en" sz="1000">
+                <a:solidFill>
+                  <a:schemeClr val="dk1"/>
+                </a:solidFill>
+                <a:latin typeface="Calibri"/>
+                <a:ea typeface="Calibri"/>
+                <a:cs typeface="Calibri"/>
+                <a:sym typeface="Calibri"/>
+              </a:rPr>
+              <a:t>Alibaba Cloud (China)</a:t>
+            </a:r>
+            <a:endParaRPr sz="1000">
+              <a:solidFill>
+                <a:schemeClr val="dk1"/>
+              </a:solidFill>
+              <a:latin typeface="Calibri"/>
+              <a:ea typeface="Calibri"/>
+              <a:cs typeface="Calibri"/>
+              <a:sym typeface="Calibri"/>
+            </a:endParaRPr>
+          </a:p>
+          <a:p>
+            <a:pPr marL="228600" lvl="0" indent="-120650" algn="l" rtl="0">
+              <a:lnSpc>
+                <a:spcPct val="115000"/>
+              </a:lnSpc>
+              <a:spcBef>
+                <a:spcPts val="0"/>
+              </a:spcBef>
+              <a:spcAft>
+                <a:spcPts val="0"/>
+              </a:spcAft>
+              <a:buClr>
+                <a:schemeClr val="dk1"/>
+              </a:buClr>
+              <a:buSzPts val="1000"/>
+              <a:buFont typeface="Calibri"/>
+              <a:buChar char="●"/>
+            </a:pPr>
+            <a:r>
+              <a:rPr lang="en" sz="1000">
+                <a:solidFill>
+                  <a:schemeClr val="dk1"/>
+                </a:solidFill>
+                <a:latin typeface="Calibri"/>
+                <a:ea typeface="Calibri"/>
+                <a:cs typeface="Calibri"/>
+                <a:sym typeface="Calibri"/>
+              </a:rPr>
+              <a:t>Tencent (China)</a:t>
+            </a:r>
+            <a:endParaRPr sz="1000">
+              <a:solidFill>
+                <a:schemeClr val="dk1"/>
+              </a:solidFill>
+              <a:latin typeface="Calibri"/>
+              <a:ea typeface="Calibri"/>
+              <a:cs typeface="Calibri"/>
+              <a:sym typeface="Calibri"/>
+            </a:endParaRPr>
+          </a:p>
+          <a:p>
+            <a:pPr marL="228600" lvl="0" indent="-120650" algn="l" rtl="0">
+              <a:lnSpc>
+                <a:spcPct val="115000"/>
+              </a:lnSpc>
+              <a:spcBef>
+                <a:spcPts val="0"/>
+              </a:spcBef>
+              <a:spcAft>
+                <a:spcPts val="0"/>
+              </a:spcAft>
+              <a:buClr>
+                <a:schemeClr val="dk1"/>
+              </a:buClr>
+              <a:buSzPts val="1000"/>
+              <a:buFont typeface="Calibri"/>
+              <a:buChar char="●"/>
+            </a:pPr>
+            <a:r>
+              <a:rPr lang="en" sz="1000">
+                <a:solidFill>
+                  <a:schemeClr val="dk1"/>
+                </a:solidFill>
+                <a:latin typeface="Calibri"/>
+                <a:ea typeface="Calibri"/>
+                <a:cs typeface="Calibri"/>
+                <a:sym typeface="Calibri"/>
+              </a:rPr>
+              <a:t>SenseTime (China)</a:t>
+            </a:r>
+            <a:endParaRPr sz="1000">
+              <a:solidFill>
+                <a:schemeClr val="dk1"/>
+              </a:solidFill>
+              <a:latin typeface="Calibri"/>
+              <a:ea typeface="Calibri"/>
+              <a:cs typeface="Calibri"/>
+              <a:sym typeface="Calibri"/>
+            </a:endParaRPr>
+          </a:p>
+        </p:txBody>
+      </p:sp>
+      <p:sp>
+        <p:nvSpPr>
+          <p:cNvPr id="234" name="Google Shape;234;p32"/>
+          <p:cNvSpPr txBox="1"/>
+          <p:nvPr/>
+        </p:nvSpPr>
+        <p:spPr>
+          <a:xfrm>
+            <a:off x="4849275" y="1714100"/>
+            <a:ext cx="4228500" cy="3343200"/>
+          </a:xfrm>
+          <a:prstGeom prst="rect">
+            <a:avLst/>
+          </a:prstGeom>
+          <a:solidFill>
+            <a:srgbClr val="FFF2CC"/>
+          </a:solidFill>
+          <a:ln w="9525" cap="flat" cmpd="sng">
+            <a:solidFill>
+              <a:srgbClr val="FF0000"/>
+            </a:solidFill>
+            <a:prstDash val="solid"/>
+            <a:round/>
+            <a:headEnd type="none" w="sm" len="sm"/>
+            <a:tailEnd type="none" w="sm" len="sm"/>
+          </a:ln>
+        </p:spPr>
+        <p:txBody>
+          <a:bodyPr spcFirstLastPara="1" wrap="square" lIns="9125" tIns="9125" rIns="9125" bIns="9125" anchor="t" anchorCtr="0">
+            <a:spAutoFit/>
+          </a:bodyPr>
+          <a:lstStyle/>
+          <a:p>
+            <a:pPr marL="0" marR="0" lvl="0" indent="0" algn="l" rtl="0">
+              <a:lnSpc>
+                <a:spcPct val="100000"/>
+              </a:lnSpc>
+              <a:spcBef>
+                <a:spcPts val="0"/>
+              </a:spcBef>
+              <a:spcAft>
+                <a:spcPts val="0"/>
+              </a:spcAft>
+              <a:buNone/>
+            </a:pPr>
+            <a:r>
+              <a:rPr lang="en" sz="1200" b="1">
+                <a:solidFill>
+                  <a:srgbClr val="FF0000"/>
+                </a:solidFill>
+                <a:latin typeface="Calibri"/>
+                <a:ea typeface="Calibri"/>
+                <a:cs typeface="Calibri"/>
+                <a:sym typeface="Calibri"/>
+              </a:rPr>
+              <a:t>Typically you get:</a:t>
+            </a:r>
+            <a:endParaRPr sz="1200" b="1">
+              <a:solidFill>
+                <a:srgbClr val="FF0000"/>
+              </a:solidFill>
+              <a:latin typeface="Calibri"/>
+              <a:ea typeface="Calibri"/>
+              <a:cs typeface="Calibri"/>
+              <a:sym typeface="Calibri"/>
+            </a:endParaRPr>
+          </a:p>
+          <a:p>
+            <a:pPr marL="171450" marR="0" lvl="0" indent="-133350" algn="l" rtl="0">
+              <a:lnSpc>
+                <a:spcPct val="100000"/>
+              </a:lnSpc>
+              <a:spcBef>
+                <a:spcPts val="0"/>
+              </a:spcBef>
+              <a:spcAft>
+                <a:spcPts val="0"/>
+              </a:spcAft>
+              <a:buClr>
+                <a:schemeClr val="dk1"/>
+              </a:buClr>
+              <a:buSzPts val="1200"/>
+              <a:buFont typeface="Calibri"/>
+              <a:buChar char="●"/>
+            </a:pPr>
+            <a:r>
+              <a:rPr lang="en" sz="1200" b="1">
+                <a:solidFill>
+                  <a:srgbClr val="3C78D8"/>
+                </a:solidFill>
+                <a:latin typeface="Calibri"/>
+                <a:ea typeface="Calibri"/>
+                <a:cs typeface="Calibri"/>
+                <a:sym typeface="Calibri"/>
+              </a:rPr>
+              <a:t>Agent template libraries</a:t>
+            </a:r>
+            <a:r>
+              <a:rPr lang="en" sz="1200">
+                <a:solidFill>
+                  <a:schemeClr val="dk1"/>
+                </a:solidFill>
+                <a:latin typeface="Calibri"/>
+                <a:ea typeface="Calibri"/>
+                <a:cs typeface="Calibri"/>
+                <a:sym typeface="Calibri"/>
+              </a:rPr>
+              <a:t>: pre-built templates paired with natural language prompts for different business scenarios</a:t>
+            </a:r>
+            <a:endParaRPr sz="1200">
+              <a:solidFill>
+                <a:schemeClr val="dk1"/>
+              </a:solidFill>
+              <a:latin typeface="Calibri"/>
+              <a:ea typeface="Calibri"/>
+              <a:cs typeface="Calibri"/>
+              <a:sym typeface="Calibri"/>
+            </a:endParaRPr>
+          </a:p>
+          <a:p>
+            <a:pPr marL="171450" marR="0" lvl="0" indent="-133350" algn="l" rtl="0">
+              <a:lnSpc>
+                <a:spcPct val="100000"/>
+              </a:lnSpc>
+              <a:spcBef>
+                <a:spcPts val="0"/>
+              </a:spcBef>
+              <a:spcAft>
+                <a:spcPts val="0"/>
+              </a:spcAft>
+              <a:buClr>
+                <a:schemeClr val="dk1"/>
+              </a:buClr>
+              <a:buSzPts val="1200"/>
+              <a:buFont typeface="Calibri"/>
+              <a:buChar char="●"/>
+            </a:pPr>
+            <a:r>
+              <a:rPr lang="en" sz="1200" b="1">
+                <a:solidFill>
+                  <a:srgbClr val="3C78D8"/>
+                </a:solidFill>
+                <a:latin typeface="Calibri"/>
+                <a:ea typeface="Calibri"/>
+                <a:cs typeface="Calibri"/>
+                <a:sym typeface="Calibri"/>
+              </a:rPr>
+              <a:t>Agent team orchestration</a:t>
+            </a:r>
+            <a:r>
+              <a:rPr lang="en" sz="1200">
+                <a:solidFill>
+                  <a:schemeClr val="dk1"/>
+                </a:solidFill>
+                <a:latin typeface="Calibri"/>
+                <a:ea typeface="Calibri"/>
+                <a:cs typeface="Calibri"/>
+                <a:sym typeface="Calibri"/>
+              </a:rPr>
+              <a:t>: set up multiple agents to work alongside people (checkpoints, approvals, ...)</a:t>
+            </a:r>
+            <a:endParaRPr sz="1200">
+              <a:solidFill>
+                <a:schemeClr val="dk1"/>
+              </a:solidFill>
+              <a:latin typeface="Calibri"/>
+              <a:ea typeface="Calibri"/>
+              <a:cs typeface="Calibri"/>
+              <a:sym typeface="Calibri"/>
+            </a:endParaRPr>
+          </a:p>
+          <a:p>
+            <a:pPr marL="171450" marR="0" lvl="0" indent="-133350" algn="l" rtl="0">
+              <a:lnSpc>
+                <a:spcPct val="100000"/>
+              </a:lnSpc>
+              <a:spcBef>
+                <a:spcPts val="0"/>
+              </a:spcBef>
+              <a:spcAft>
+                <a:spcPts val="0"/>
+              </a:spcAft>
+              <a:buClr>
+                <a:schemeClr val="dk1"/>
+              </a:buClr>
+              <a:buSzPts val="1200"/>
+              <a:buFont typeface="Calibri"/>
+              <a:buChar char="●"/>
+            </a:pPr>
+            <a:r>
+              <a:rPr lang="en" sz="1200" b="1">
+                <a:solidFill>
+                  <a:srgbClr val="3C78D8"/>
+                </a:solidFill>
+                <a:latin typeface="Calibri"/>
+                <a:ea typeface="Calibri"/>
+                <a:cs typeface="Calibri"/>
+                <a:sym typeface="Calibri"/>
+              </a:rPr>
+              <a:t>Agent extensibility</a:t>
+            </a:r>
+            <a:r>
+              <a:rPr lang="en" sz="1200">
+                <a:solidFill>
+                  <a:schemeClr val="dk1"/>
+                </a:solidFill>
+                <a:latin typeface="Calibri"/>
+                <a:ea typeface="Calibri"/>
+                <a:cs typeface="Calibri"/>
+                <a:sym typeface="Calibri"/>
+              </a:rPr>
+              <a:t>: modify and extend the 50+ (or 1000+) pre-packaged Applications AI agents by adding documents, tools, prompts, or APIs</a:t>
+            </a:r>
+            <a:endParaRPr sz="1200">
+              <a:solidFill>
+                <a:schemeClr val="dk1"/>
+              </a:solidFill>
+              <a:latin typeface="Calibri"/>
+              <a:ea typeface="Calibri"/>
+              <a:cs typeface="Calibri"/>
+              <a:sym typeface="Calibri"/>
+            </a:endParaRPr>
+          </a:p>
+          <a:p>
+            <a:pPr marL="171450" marR="0" lvl="0" indent="-133350" algn="l" rtl="0">
+              <a:lnSpc>
+                <a:spcPct val="100000"/>
+              </a:lnSpc>
+              <a:spcBef>
+                <a:spcPts val="0"/>
+              </a:spcBef>
+              <a:spcAft>
+                <a:spcPts val="0"/>
+              </a:spcAft>
+              <a:buClr>
+                <a:schemeClr val="dk1"/>
+              </a:buClr>
+              <a:buSzPts val="1200"/>
+              <a:buFont typeface="Calibri"/>
+              <a:buChar char="●"/>
+            </a:pPr>
+            <a:r>
+              <a:rPr lang="en" sz="1200" b="1">
+                <a:solidFill>
+                  <a:srgbClr val="3C78D8"/>
+                </a:solidFill>
+                <a:latin typeface="Calibri"/>
+                <a:ea typeface="Calibri"/>
+                <a:cs typeface="Calibri"/>
+                <a:sym typeface="Calibri"/>
+              </a:rPr>
+              <a:t>Choice of LLMs</a:t>
+            </a:r>
+            <a:r>
+              <a:rPr lang="en" sz="1200">
+                <a:solidFill>
+                  <a:schemeClr val="dk1"/>
+                </a:solidFill>
+                <a:latin typeface="Calibri"/>
+                <a:ea typeface="Calibri"/>
+                <a:cs typeface="Calibri"/>
+                <a:sym typeface="Calibri"/>
+              </a:rPr>
+              <a:t>: select from LLMs specifically optimized for Vendor's platform/cloud. Usually Llama, Cohere, OpenAI, Claude, Gemini, or plug in other LLMs (may be industry-specific)</a:t>
+            </a:r>
+            <a:endParaRPr sz="1200">
+              <a:solidFill>
+                <a:schemeClr val="dk1"/>
+              </a:solidFill>
+              <a:latin typeface="Calibri"/>
+              <a:ea typeface="Calibri"/>
+              <a:cs typeface="Calibri"/>
+              <a:sym typeface="Calibri"/>
+            </a:endParaRPr>
+          </a:p>
+          <a:p>
+            <a:pPr marL="171450" marR="0" lvl="0" indent="-133350" algn="l" rtl="0">
+              <a:lnSpc>
+                <a:spcPct val="100000"/>
+              </a:lnSpc>
+              <a:spcBef>
+                <a:spcPts val="0"/>
+              </a:spcBef>
+              <a:spcAft>
+                <a:spcPts val="0"/>
+              </a:spcAft>
+              <a:buClr>
+                <a:schemeClr val="dk1"/>
+              </a:buClr>
+              <a:buSzPts val="1200"/>
+              <a:buFont typeface="Calibri"/>
+              <a:buChar char="●"/>
+            </a:pPr>
+            <a:r>
+              <a:rPr lang="en" sz="1200" b="1">
+                <a:solidFill>
+                  <a:srgbClr val="3C78D8"/>
+                </a:solidFill>
+                <a:latin typeface="Calibri"/>
+                <a:ea typeface="Calibri"/>
+                <a:cs typeface="Calibri"/>
+                <a:sym typeface="Calibri"/>
+              </a:rPr>
+              <a:t>Native integration</a:t>
+            </a:r>
+            <a:r>
+              <a:rPr lang="en" sz="1200">
+                <a:solidFill>
+                  <a:schemeClr val="dk1"/>
+                </a:solidFill>
+                <a:latin typeface="Calibri"/>
+                <a:ea typeface="Calibri"/>
+                <a:cs typeface="Calibri"/>
+                <a:sym typeface="Calibri"/>
+              </a:rPr>
+              <a:t> with Vendor's platform/cloud (direct access, knowledge stores, predefined tools)</a:t>
+            </a:r>
+            <a:endParaRPr sz="1200">
+              <a:solidFill>
+                <a:schemeClr val="dk1"/>
+              </a:solidFill>
+              <a:latin typeface="Calibri"/>
+              <a:ea typeface="Calibri"/>
+              <a:cs typeface="Calibri"/>
+              <a:sym typeface="Calibri"/>
+            </a:endParaRPr>
+          </a:p>
+          <a:p>
+            <a:pPr marL="171450" marR="0" lvl="0" indent="-133350" algn="l" rtl="0">
+              <a:lnSpc>
+                <a:spcPct val="100000"/>
+              </a:lnSpc>
+              <a:spcBef>
+                <a:spcPts val="0"/>
+              </a:spcBef>
+              <a:spcAft>
+                <a:spcPts val="0"/>
+              </a:spcAft>
+              <a:buClr>
+                <a:schemeClr val="dk1"/>
+              </a:buClr>
+              <a:buSzPts val="1200"/>
+              <a:buFont typeface="Calibri"/>
+              <a:buChar char="●"/>
+            </a:pPr>
+            <a:r>
+              <a:rPr lang="en" sz="1200" b="1">
+                <a:solidFill>
+                  <a:srgbClr val="3C78D8"/>
+                </a:solidFill>
+                <a:latin typeface="Calibri"/>
+                <a:ea typeface="Calibri"/>
+                <a:cs typeface="Calibri"/>
+                <a:sym typeface="Calibri"/>
+              </a:rPr>
+              <a:t>Third-party system integration</a:t>
+            </a:r>
+            <a:r>
+              <a:rPr lang="en" sz="1200">
+                <a:solidFill>
+                  <a:schemeClr val="dk1"/>
+                </a:solidFill>
+                <a:latin typeface="Calibri"/>
+                <a:ea typeface="Calibri"/>
+                <a:cs typeface="Calibri"/>
+                <a:sym typeface="Calibri"/>
+              </a:rPr>
+              <a:t> through secure APIs</a:t>
+            </a:r>
+            <a:endParaRPr sz="1200">
+              <a:solidFill>
+                <a:schemeClr val="dk1"/>
+              </a:solidFill>
+              <a:latin typeface="Calibri"/>
+              <a:ea typeface="Calibri"/>
+              <a:cs typeface="Calibri"/>
+              <a:sym typeface="Calibri"/>
+            </a:endParaRPr>
+          </a:p>
+          <a:p>
+            <a:pPr marL="171450" marR="0" lvl="0" indent="-133350" algn="l" rtl="0">
+              <a:lnSpc>
+                <a:spcPct val="100000"/>
+              </a:lnSpc>
+              <a:spcBef>
+                <a:spcPts val="0"/>
+              </a:spcBef>
+              <a:spcAft>
+                <a:spcPts val="0"/>
+              </a:spcAft>
+              <a:buClr>
+                <a:schemeClr val="dk1"/>
+              </a:buClr>
+              <a:buSzPts val="1200"/>
+              <a:buFont typeface="Calibri"/>
+              <a:buChar char="●"/>
+            </a:pPr>
+            <a:r>
+              <a:rPr lang="en" sz="1200" b="1">
+                <a:solidFill>
+                  <a:srgbClr val="3C78D8"/>
+                </a:solidFill>
+                <a:latin typeface="Calibri"/>
+                <a:ea typeface="Calibri"/>
+                <a:cs typeface="Calibri"/>
+                <a:sym typeface="Calibri"/>
+              </a:rPr>
+              <a:t>Trust and security framework</a:t>
+            </a:r>
+            <a:r>
+              <a:rPr lang="en" sz="1200">
+                <a:solidFill>
+                  <a:schemeClr val="dk1"/>
+                </a:solidFill>
+                <a:latin typeface="Calibri"/>
+                <a:ea typeface="Calibri"/>
+                <a:cs typeface="Calibri"/>
+                <a:sym typeface="Calibri"/>
+              </a:rPr>
+              <a:t> - security configurations, policies, and access controls</a:t>
+            </a:r>
+            <a:endParaRPr sz="1200">
+              <a:solidFill>
+                <a:schemeClr val="dk1"/>
+              </a:solidFill>
+              <a:latin typeface="Calibri"/>
+              <a:ea typeface="Calibri"/>
+              <a:cs typeface="Calibri"/>
+              <a:sym typeface="Calibri"/>
+            </a:endParaRPr>
+          </a:p>
+          <a:p>
+            <a:pPr marL="171450" marR="0" lvl="0" indent="-133350" algn="l" rtl="0">
+              <a:lnSpc>
+                <a:spcPct val="100000"/>
+              </a:lnSpc>
+              <a:spcBef>
+                <a:spcPts val="0"/>
+              </a:spcBef>
+              <a:spcAft>
+                <a:spcPts val="0"/>
+              </a:spcAft>
+              <a:buClr>
+                <a:schemeClr val="dk1"/>
+              </a:buClr>
+              <a:buSzPts val="1200"/>
+              <a:buFont typeface="Calibri"/>
+              <a:buChar char="●"/>
+            </a:pPr>
+            <a:r>
+              <a:rPr lang="en" sz="1200" b="1">
+                <a:solidFill>
+                  <a:srgbClr val="3C78D8"/>
+                </a:solidFill>
+                <a:latin typeface="Calibri"/>
+                <a:ea typeface="Calibri"/>
+                <a:cs typeface="Calibri"/>
+                <a:sym typeface="Calibri"/>
+              </a:rPr>
+              <a:t>Validation and testing tools</a:t>
+            </a:r>
+            <a:r>
+              <a:rPr lang="en" sz="1200">
+                <a:solidFill>
+                  <a:schemeClr val="dk1"/>
+                </a:solidFill>
+                <a:latin typeface="Calibri"/>
+                <a:ea typeface="Calibri"/>
+                <a:cs typeface="Calibri"/>
+                <a:sym typeface="Calibri"/>
+              </a:rPr>
+              <a:t> - for reliability, repeatability, explainability, security, and performance of AI outputs. </a:t>
+            </a:r>
+            <a:endParaRPr sz="1200">
+              <a:solidFill>
+                <a:schemeClr val="dk1"/>
+              </a:solidFill>
+              <a:latin typeface="Calibri"/>
+              <a:ea typeface="Calibri"/>
+              <a:cs typeface="Calibri"/>
+              <a:sym typeface="Calibri"/>
+            </a:endParaRPr>
+          </a:p>
+        </p:txBody>
+      </p:sp>
+      <p:sp>
+        <p:nvSpPr>
+          <p:cNvPr id="235" name="Google Shape;235;p32"/>
+          <p:cNvSpPr txBox="1"/>
+          <p:nvPr/>
+        </p:nvSpPr>
+        <p:spPr>
+          <a:xfrm>
+            <a:off x="1803250" y="1296200"/>
+            <a:ext cx="1885200" cy="3712500"/>
+          </a:xfrm>
+          <a:prstGeom prst="rect">
+            <a:avLst/>
+          </a:prstGeom>
+          <a:solidFill>
+            <a:srgbClr val="FFF2CC"/>
+          </a:solidFill>
+          <a:ln w="9525" cap="flat" cmpd="sng">
+            <a:solidFill>
+              <a:srgbClr val="FF0000"/>
+            </a:solidFill>
+            <a:prstDash val="solid"/>
+            <a:round/>
+            <a:headEnd type="none" w="sm" len="sm"/>
+            <a:tailEnd type="none" w="sm" len="sm"/>
+          </a:ln>
+        </p:spPr>
+        <p:txBody>
+          <a:bodyPr spcFirstLastPara="1" wrap="square" lIns="9125" tIns="9125" rIns="9125" bIns="9125" anchor="t" anchorCtr="0">
+            <a:spAutoFit/>
+          </a:bodyPr>
+          <a:lstStyle/>
+          <a:p>
+            <a:pPr marL="228600" lvl="0" indent="-120650" algn="l" rtl="0">
+              <a:lnSpc>
+                <a:spcPct val="115000"/>
+              </a:lnSpc>
+              <a:spcBef>
+                <a:spcPts val="600"/>
+              </a:spcBef>
+              <a:spcAft>
+                <a:spcPts val="0"/>
+              </a:spcAft>
+              <a:buClr>
+                <a:schemeClr val="dk1"/>
+              </a:buClr>
+              <a:buSzPts val="1000"/>
+              <a:buFont typeface="Calibri"/>
+              <a:buChar char="●"/>
+            </a:pPr>
+            <a:r>
+              <a:rPr lang="en" sz="1000">
+                <a:solidFill>
+                  <a:schemeClr val="dk1"/>
+                </a:solidFill>
+                <a:latin typeface="Calibri"/>
+                <a:ea typeface="Calibri"/>
+                <a:cs typeface="Calibri"/>
+                <a:sym typeface="Calibri"/>
+              </a:rPr>
+              <a:t>Samsung (South Korea)</a:t>
+            </a:r>
+            <a:endParaRPr sz="1000">
+              <a:solidFill>
+                <a:schemeClr val="dk1"/>
+              </a:solidFill>
+              <a:latin typeface="Calibri"/>
+              <a:ea typeface="Calibri"/>
+              <a:cs typeface="Calibri"/>
+              <a:sym typeface="Calibri"/>
+            </a:endParaRPr>
+          </a:p>
+          <a:p>
+            <a:pPr marL="228600" lvl="0" indent="-120650" algn="l" rtl="0">
+              <a:lnSpc>
+                <a:spcPct val="115000"/>
+              </a:lnSpc>
+              <a:spcBef>
+                <a:spcPts val="0"/>
+              </a:spcBef>
+              <a:spcAft>
+                <a:spcPts val="0"/>
+              </a:spcAft>
+              <a:buClr>
+                <a:schemeClr val="dk1"/>
+              </a:buClr>
+              <a:buSzPts val="1000"/>
+              <a:buFont typeface="Calibri"/>
+              <a:buChar char="●"/>
+            </a:pPr>
+            <a:r>
+              <a:rPr lang="en" sz="1000">
+                <a:solidFill>
+                  <a:schemeClr val="dk1"/>
+                </a:solidFill>
+                <a:latin typeface="Calibri"/>
+                <a:ea typeface="Calibri"/>
+                <a:cs typeface="Calibri"/>
+                <a:sym typeface="Calibri"/>
+              </a:rPr>
+              <a:t>LG AI Research (South Korea)</a:t>
+            </a:r>
+            <a:endParaRPr sz="1000">
+              <a:solidFill>
+                <a:schemeClr val="dk1"/>
+              </a:solidFill>
+              <a:latin typeface="Calibri"/>
+              <a:ea typeface="Calibri"/>
+              <a:cs typeface="Calibri"/>
+              <a:sym typeface="Calibri"/>
+            </a:endParaRPr>
+          </a:p>
+          <a:p>
+            <a:pPr marL="228600" lvl="0" indent="-120650" algn="l" rtl="0">
+              <a:lnSpc>
+                <a:spcPct val="115000"/>
+              </a:lnSpc>
+              <a:spcBef>
+                <a:spcPts val="0"/>
+              </a:spcBef>
+              <a:spcAft>
+                <a:spcPts val="0"/>
+              </a:spcAft>
+              <a:buClr>
+                <a:schemeClr val="dk1"/>
+              </a:buClr>
+              <a:buSzPts val="1000"/>
+              <a:buFont typeface="Calibri"/>
+              <a:buChar char="●"/>
+            </a:pPr>
+            <a:r>
+              <a:rPr lang="en" sz="1000">
+                <a:solidFill>
+                  <a:schemeClr val="dk1"/>
+                </a:solidFill>
+                <a:latin typeface="Calibri"/>
+                <a:ea typeface="Calibri"/>
+                <a:cs typeface="Calibri"/>
+                <a:sym typeface="Calibri"/>
+              </a:rPr>
+              <a:t>SoftBank (Japan)</a:t>
+            </a:r>
+            <a:endParaRPr sz="1000">
+              <a:solidFill>
+                <a:schemeClr val="dk1"/>
+              </a:solidFill>
+              <a:latin typeface="Calibri"/>
+              <a:ea typeface="Calibri"/>
+              <a:cs typeface="Calibri"/>
+              <a:sym typeface="Calibri"/>
+            </a:endParaRPr>
+          </a:p>
+          <a:p>
+            <a:pPr marL="228600" lvl="0" indent="-120650" algn="l" rtl="0">
+              <a:lnSpc>
+                <a:spcPct val="115000"/>
+              </a:lnSpc>
+              <a:spcBef>
+                <a:spcPts val="0"/>
+              </a:spcBef>
+              <a:spcAft>
+                <a:spcPts val="0"/>
+              </a:spcAft>
+              <a:buClr>
+                <a:schemeClr val="dk1"/>
+              </a:buClr>
+              <a:buSzPts val="1000"/>
+              <a:buFont typeface="Calibri"/>
+              <a:buChar char="●"/>
+            </a:pPr>
+            <a:r>
+              <a:rPr lang="en" sz="1000">
+                <a:solidFill>
+                  <a:schemeClr val="dk1"/>
+                </a:solidFill>
+                <a:latin typeface="Calibri"/>
+                <a:ea typeface="Calibri"/>
+                <a:cs typeface="Calibri"/>
+                <a:sym typeface="Calibri"/>
+              </a:rPr>
+              <a:t>Yandex (Russia)</a:t>
+            </a:r>
+            <a:endParaRPr sz="1000">
+              <a:solidFill>
+                <a:schemeClr val="dk1"/>
+              </a:solidFill>
+              <a:latin typeface="Calibri"/>
+              <a:ea typeface="Calibri"/>
+              <a:cs typeface="Calibri"/>
+              <a:sym typeface="Calibri"/>
+            </a:endParaRPr>
+          </a:p>
+          <a:p>
+            <a:pPr marL="228600" lvl="0" indent="-120650" algn="l" rtl="0">
+              <a:lnSpc>
+                <a:spcPct val="115000"/>
+              </a:lnSpc>
+              <a:spcBef>
+                <a:spcPts val="0"/>
+              </a:spcBef>
+              <a:spcAft>
+                <a:spcPts val="0"/>
+              </a:spcAft>
+              <a:buClr>
+                <a:schemeClr val="dk1"/>
+              </a:buClr>
+              <a:buSzPts val="1000"/>
+              <a:buFont typeface="Calibri"/>
+              <a:buChar char="●"/>
+            </a:pPr>
+            <a:r>
+              <a:rPr lang="en" sz="1000">
+                <a:solidFill>
+                  <a:schemeClr val="dk1"/>
+                </a:solidFill>
+                <a:latin typeface="Calibri"/>
+                <a:ea typeface="Calibri"/>
+                <a:cs typeface="Calibri"/>
+                <a:sym typeface="Calibri"/>
+              </a:rPr>
+              <a:t>Mubadala Invest Company (UAE)</a:t>
+            </a:r>
+            <a:endParaRPr sz="1000">
+              <a:solidFill>
+                <a:schemeClr val="dk1"/>
+              </a:solidFill>
+              <a:latin typeface="Calibri"/>
+              <a:ea typeface="Calibri"/>
+              <a:cs typeface="Calibri"/>
+              <a:sym typeface="Calibri"/>
+            </a:endParaRPr>
+          </a:p>
+          <a:p>
+            <a:pPr marL="228600" lvl="0" indent="-120650" algn="l" rtl="0">
+              <a:lnSpc>
+                <a:spcPct val="115000"/>
+              </a:lnSpc>
+              <a:spcBef>
+                <a:spcPts val="0"/>
+              </a:spcBef>
+              <a:spcAft>
+                <a:spcPts val="0"/>
+              </a:spcAft>
+              <a:buClr>
+                <a:schemeClr val="dk1"/>
+              </a:buClr>
+              <a:buSzPts val="1000"/>
+              <a:buFont typeface="Calibri"/>
+              <a:buChar char="●"/>
+            </a:pPr>
+            <a:r>
+              <a:rPr lang="en" sz="1000">
+                <a:solidFill>
+                  <a:schemeClr val="dk1"/>
+                </a:solidFill>
+                <a:latin typeface="Calibri"/>
+                <a:ea typeface="Calibri"/>
+                <a:cs typeface="Calibri"/>
+                <a:sym typeface="Calibri"/>
+              </a:rPr>
+              <a:t>Dubai Electricity and Water Authority (UAE)</a:t>
+            </a:r>
+            <a:endParaRPr sz="1000">
+              <a:solidFill>
+                <a:schemeClr val="dk1"/>
+              </a:solidFill>
+              <a:latin typeface="Calibri"/>
+              <a:ea typeface="Calibri"/>
+              <a:cs typeface="Calibri"/>
+              <a:sym typeface="Calibri"/>
+            </a:endParaRPr>
+          </a:p>
+          <a:p>
+            <a:pPr marL="228600" lvl="0" indent="-120650" algn="l" rtl="0">
+              <a:lnSpc>
+                <a:spcPct val="115000"/>
+              </a:lnSpc>
+              <a:spcBef>
+                <a:spcPts val="0"/>
+              </a:spcBef>
+              <a:spcAft>
+                <a:spcPts val="0"/>
+              </a:spcAft>
+              <a:buClr>
+                <a:schemeClr val="dk1"/>
+              </a:buClr>
+              <a:buSzPts val="1000"/>
+              <a:buFont typeface="Calibri"/>
+              <a:buChar char="●"/>
+            </a:pPr>
+            <a:r>
+              <a:rPr lang="en" sz="1000">
+                <a:solidFill>
+                  <a:schemeClr val="dk1"/>
+                </a:solidFill>
+                <a:latin typeface="Calibri"/>
+                <a:ea typeface="Calibri"/>
+                <a:cs typeface="Calibri"/>
+                <a:sym typeface="Calibri"/>
+              </a:rPr>
+              <a:t>Etisalat (UAE)</a:t>
+            </a:r>
+            <a:endParaRPr sz="1000">
+              <a:solidFill>
+                <a:schemeClr val="dk1"/>
+              </a:solidFill>
+              <a:latin typeface="Calibri"/>
+              <a:ea typeface="Calibri"/>
+              <a:cs typeface="Calibri"/>
+              <a:sym typeface="Calibri"/>
+            </a:endParaRPr>
+          </a:p>
+          <a:p>
+            <a:pPr marL="228600" lvl="0" indent="-120650" algn="l" rtl="0">
+              <a:lnSpc>
+                <a:spcPct val="115000"/>
+              </a:lnSpc>
+              <a:spcBef>
+                <a:spcPts val="0"/>
+              </a:spcBef>
+              <a:spcAft>
+                <a:spcPts val="0"/>
+              </a:spcAft>
+              <a:buClr>
+                <a:schemeClr val="dk1"/>
+              </a:buClr>
+              <a:buSzPts val="1000"/>
+              <a:buFont typeface="Calibri"/>
+              <a:buChar char="●"/>
+            </a:pPr>
+            <a:r>
+              <a:rPr lang="en" sz="1000">
+                <a:solidFill>
+                  <a:schemeClr val="dk1"/>
+                </a:solidFill>
+                <a:latin typeface="Calibri"/>
+                <a:ea typeface="Calibri"/>
+                <a:cs typeface="Calibri"/>
+                <a:sym typeface="Calibri"/>
+              </a:rPr>
+              <a:t>Saudi Aramco (Saudi Arabia)</a:t>
+            </a:r>
+            <a:endParaRPr sz="1000">
+              <a:solidFill>
+                <a:schemeClr val="dk1"/>
+              </a:solidFill>
+              <a:latin typeface="Calibri"/>
+              <a:ea typeface="Calibri"/>
+              <a:cs typeface="Calibri"/>
+              <a:sym typeface="Calibri"/>
+            </a:endParaRPr>
+          </a:p>
+          <a:p>
+            <a:pPr marL="228600" lvl="0" indent="-120650" algn="l" rtl="0">
+              <a:lnSpc>
+                <a:spcPct val="115000"/>
+              </a:lnSpc>
+              <a:spcBef>
+                <a:spcPts val="0"/>
+              </a:spcBef>
+              <a:spcAft>
+                <a:spcPts val="0"/>
+              </a:spcAft>
+              <a:buClr>
+                <a:schemeClr val="dk1"/>
+              </a:buClr>
+              <a:buSzPts val="1000"/>
+              <a:buFont typeface="Calibri"/>
+              <a:buChar char="●"/>
+            </a:pPr>
+            <a:r>
+              <a:rPr lang="en" sz="1000">
+                <a:solidFill>
+                  <a:schemeClr val="dk1"/>
+                </a:solidFill>
+                <a:latin typeface="Calibri"/>
+                <a:ea typeface="Calibri"/>
+                <a:cs typeface="Calibri"/>
+                <a:sym typeface="Calibri"/>
+              </a:rPr>
+              <a:t>Infosys (India)</a:t>
+            </a:r>
+            <a:endParaRPr sz="1000">
+              <a:solidFill>
+                <a:schemeClr val="dk1"/>
+              </a:solidFill>
+              <a:latin typeface="Calibri"/>
+              <a:ea typeface="Calibri"/>
+              <a:cs typeface="Calibri"/>
+              <a:sym typeface="Calibri"/>
+            </a:endParaRPr>
+          </a:p>
+          <a:p>
+            <a:pPr marL="228600" lvl="0" indent="-120650" algn="l" rtl="0">
+              <a:lnSpc>
+                <a:spcPct val="115000"/>
+              </a:lnSpc>
+              <a:spcBef>
+                <a:spcPts val="0"/>
+              </a:spcBef>
+              <a:spcAft>
+                <a:spcPts val="0"/>
+              </a:spcAft>
+              <a:buClr>
+                <a:schemeClr val="dk1"/>
+              </a:buClr>
+              <a:buSzPts val="1000"/>
+              <a:buFont typeface="Calibri"/>
+              <a:buChar char="●"/>
+            </a:pPr>
+            <a:r>
+              <a:rPr lang="en" sz="1000">
+                <a:solidFill>
+                  <a:schemeClr val="dk1"/>
+                </a:solidFill>
+                <a:latin typeface="Calibri"/>
+                <a:ea typeface="Calibri"/>
+                <a:cs typeface="Calibri"/>
+                <a:sym typeface="Calibri"/>
+              </a:rPr>
+              <a:t>Wipro (India)</a:t>
+            </a:r>
+            <a:endParaRPr sz="1000">
+              <a:solidFill>
+                <a:schemeClr val="dk1"/>
+              </a:solidFill>
+              <a:latin typeface="Calibri"/>
+              <a:ea typeface="Calibri"/>
+              <a:cs typeface="Calibri"/>
+              <a:sym typeface="Calibri"/>
+            </a:endParaRPr>
+          </a:p>
+          <a:p>
+            <a:pPr marL="228600" lvl="0" indent="-120650" algn="l" rtl="0">
+              <a:lnSpc>
+                <a:spcPct val="115000"/>
+              </a:lnSpc>
+              <a:spcBef>
+                <a:spcPts val="0"/>
+              </a:spcBef>
+              <a:spcAft>
+                <a:spcPts val="0"/>
+              </a:spcAft>
+              <a:buSzPts val="1000"/>
+              <a:buFont typeface="Calibri"/>
+              <a:buChar char="●"/>
+            </a:pPr>
+            <a:r>
+              <a:rPr lang="en" sz="1000">
+                <a:solidFill>
+                  <a:schemeClr val="dk1"/>
+                </a:solidFill>
+                <a:latin typeface="Calibri"/>
+                <a:ea typeface="Calibri"/>
+                <a:cs typeface="Calibri"/>
+                <a:sym typeface="Calibri"/>
+              </a:rPr>
+              <a:t>Moveworks (USA)</a:t>
+            </a:r>
+            <a:endParaRPr sz="1000">
+              <a:solidFill>
+                <a:schemeClr val="hlink"/>
+              </a:solidFill>
+              <a:latin typeface="Calibri"/>
+              <a:ea typeface="Calibri"/>
+              <a:cs typeface="Calibri"/>
+              <a:sym typeface="Calibri"/>
+            </a:endParaRPr>
+          </a:p>
+          <a:p>
+            <a:pPr marL="228600" lvl="0" indent="-120650" algn="l" rtl="0">
+              <a:lnSpc>
+                <a:spcPct val="115000"/>
+              </a:lnSpc>
+              <a:spcBef>
+                <a:spcPts val="0"/>
+              </a:spcBef>
+              <a:spcAft>
+                <a:spcPts val="0"/>
+              </a:spcAft>
+              <a:buSzPts val="1000"/>
+              <a:buFont typeface="Calibri"/>
+              <a:buChar char="●"/>
+            </a:pPr>
+            <a:r>
+              <a:rPr lang="en" sz="1000">
+                <a:solidFill>
+                  <a:schemeClr val="dk1"/>
+                </a:solidFill>
+                <a:latin typeface="Calibri"/>
+                <a:ea typeface="Calibri"/>
+                <a:cs typeface="Calibri"/>
+                <a:sym typeface="Calibri"/>
+              </a:rPr>
+              <a:t>ServiceNow (USA)</a:t>
+            </a:r>
+            <a:endParaRPr sz="1000">
+              <a:solidFill>
+                <a:schemeClr val="hlink"/>
+              </a:solidFill>
+              <a:latin typeface="Calibri"/>
+              <a:ea typeface="Calibri"/>
+              <a:cs typeface="Calibri"/>
+              <a:sym typeface="Calibri"/>
+            </a:endParaRPr>
+          </a:p>
+          <a:p>
+            <a:pPr marL="228600" lvl="0" indent="-120650" algn="l" rtl="0">
+              <a:lnSpc>
+                <a:spcPct val="115000"/>
+              </a:lnSpc>
+              <a:spcBef>
+                <a:spcPts val="0"/>
+              </a:spcBef>
+              <a:spcAft>
+                <a:spcPts val="0"/>
+              </a:spcAft>
+              <a:buSzPts val="1000"/>
+              <a:buFont typeface="Calibri"/>
+              <a:buChar char="●"/>
+            </a:pPr>
+            <a:r>
+              <a:rPr lang="en" sz="1000">
+                <a:solidFill>
+                  <a:schemeClr val="dk1"/>
+                </a:solidFill>
+                <a:latin typeface="Calibri"/>
+                <a:ea typeface="Calibri"/>
+                <a:cs typeface="Calibri"/>
+                <a:sym typeface="Calibri"/>
+              </a:rPr>
+              <a:t>UiPath (USA)</a:t>
+            </a:r>
+            <a:endParaRPr sz="1000">
+              <a:solidFill>
+                <a:schemeClr val="hlink"/>
+              </a:solidFill>
+              <a:latin typeface="Calibri"/>
+              <a:ea typeface="Calibri"/>
+              <a:cs typeface="Calibri"/>
+              <a:sym typeface="Calibri"/>
+            </a:endParaRPr>
+          </a:p>
+          <a:p>
+            <a:pPr marL="228600" lvl="0" indent="-120650" algn="l" rtl="0">
+              <a:lnSpc>
+                <a:spcPct val="115000"/>
+              </a:lnSpc>
+              <a:spcBef>
+                <a:spcPts val="0"/>
+              </a:spcBef>
+              <a:spcAft>
+                <a:spcPts val="0"/>
+              </a:spcAft>
+              <a:buSzPts val="1000"/>
+              <a:buFont typeface="Calibri"/>
+              <a:buChar char="●"/>
+            </a:pPr>
+            <a:r>
+              <a:rPr lang="en" sz="1000">
+                <a:solidFill>
+                  <a:schemeClr val="dk1"/>
+                </a:solidFill>
+                <a:latin typeface="Calibri"/>
+                <a:ea typeface="Calibri"/>
+                <a:cs typeface="Calibri"/>
+                <a:sym typeface="Calibri"/>
+              </a:rPr>
+              <a:t>Relay.app (USA)</a:t>
+            </a:r>
+            <a:endParaRPr sz="1000">
+              <a:solidFill>
+                <a:schemeClr val="hlink"/>
+              </a:solidFill>
+              <a:latin typeface="Calibri"/>
+              <a:ea typeface="Calibri"/>
+              <a:cs typeface="Calibri"/>
+              <a:sym typeface="Calibri"/>
+            </a:endParaRPr>
+          </a:p>
+          <a:p>
+            <a:pPr marL="228600" lvl="0" indent="-120650" algn="l" rtl="0">
+              <a:lnSpc>
+                <a:spcPct val="115000"/>
+              </a:lnSpc>
+              <a:spcBef>
+                <a:spcPts val="0"/>
+              </a:spcBef>
+              <a:spcAft>
+                <a:spcPts val="0"/>
+              </a:spcAft>
+              <a:buSzPts val="1000"/>
+              <a:buFont typeface="Calibri"/>
+              <a:buChar char="●"/>
+            </a:pPr>
+            <a:r>
+              <a:rPr lang="en" sz="1000">
+                <a:solidFill>
+                  <a:schemeClr val="dk1"/>
+                </a:solidFill>
+                <a:latin typeface="Calibri"/>
+                <a:ea typeface="Calibri"/>
+                <a:cs typeface="Calibri"/>
+                <a:sym typeface="Calibri"/>
+              </a:rPr>
+              <a:t>Postman (USA)</a:t>
+            </a:r>
+            <a:endParaRPr sz="1000">
+              <a:solidFill>
+                <a:schemeClr val="hlink"/>
+              </a:solidFill>
+              <a:latin typeface="Calibri"/>
+              <a:ea typeface="Calibri"/>
+              <a:cs typeface="Calibri"/>
+              <a:sym typeface="Calibri"/>
+            </a:endParaRPr>
+          </a:p>
+          <a:p>
+            <a:pPr marL="228600" lvl="0" indent="-120650" algn="l" rtl="0">
+              <a:lnSpc>
+                <a:spcPct val="115000"/>
+              </a:lnSpc>
+              <a:spcBef>
+                <a:spcPts val="0"/>
+              </a:spcBef>
+              <a:spcAft>
+                <a:spcPts val="0"/>
+              </a:spcAft>
+              <a:buSzPts val="1000"/>
+              <a:buFont typeface="Calibri"/>
+              <a:buChar char="●"/>
+            </a:pPr>
+            <a:r>
+              <a:rPr lang="en" sz="1000">
+                <a:solidFill>
+                  <a:schemeClr val="dk1"/>
+                </a:solidFill>
+                <a:latin typeface="Calibri"/>
+                <a:ea typeface="Calibri"/>
+                <a:cs typeface="Calibri"/>
+                <a:sym typeface="Calibri"/>
+              </a:rPr>
+              <a:t>Vertex AI Agent Builder (USA)</a:t>
+            </a:r>
+            <a:endParaRPr sz="1000">
+              <a:solidFill>
+                <a:schemeClr val="hlink"/>
+              </a:solidFill>
+              <a:latin typeface="Calibri"/>
+              <a:ea typeface="Calibri"/>
+              <a:cs typeface="Calibri"/>
+              <a:sym typeface="Calibri"/>
+            </a:endParaRPr>
+          </a:p>
+          <a:p>
+            <a:pPr marL="228600" lvl="0" indent="-120650" algn="l" rtl="0">
+              <a:lnSpc>
+                <a:spcPct val="115000"/>
+              </a:lnSpc>
+              <a:spcBef>
+                <a:spcPts val="0"/>
+              </a:spcBef>
+              <a:spcAft>
+                <a:spcPts val="0"/>
+              </a:spcAft>
+              <a:buSzPts val="1000"/>
+              <a:buFont typeface="Calibri"/>
+              <a:buChar char="●"/>
+            </a:pPr>
+            <a:r>
+              <a:rPr lang="en" sz="1000">
+                <a:solidFill>
+                  <a:schemeClr val="dk1"/>
+                </a:solidFill>
+                <a:latin typeface="Calibri"/>
+                <a:ea typeface="Calibri"/>
+                <a:cs typeface="Calibri"/>
+                <a:sym typeface="Calibri"/>
+              </a:rPr>
+              <a:t>LangChain (USA)</a:t>
+            </a:r>
+            <a:endParaRPr sz="1000">
+              <a:solidFill>
+                <a:schemeClr val="hlink"/>
+              </a:solidFill>
+              <a:latin typeface="Calibri"/>
+              <a:ea typeface="Calibri"/>
+              <a:cs typeface="Calibri"/>
+              <a:sym typeface="Calibri"/>
+            </a:endParaRPr>
+          </a:p>
+          <a:p>
+            <a:pPr marL="228600" lvl="0" indent="-120650" algn="l" rtl="0">
+              <a:lnSpc>
+                <a:spcPct val="115000"/>
+              </a:lnSpc>
+              <a:spcBef>
+                <a:spcPts val="0"/>
+              </a:spcBef>
+              <a:spcAft>
+                <a:spcPts val="0"/>
+              </a:spcAft>
+              <a:buSzPts val="1000"/>
+              <a:buFont typeface="Calibri"/>
+              <a:buChar char="●"/>
+            </a:pPr>
+            <a:r>
+              <a:rPr lang="en" sz="1000">
+                <a:solidFill>
+                  <a:schemeClr val="dk1"/>
+                </a:solidFill>
+                <a:latin typeface="Calibri"/>
+                <a:ea typeface="Calibri"/>
+                <a:cs typeface="Calibri"/>
+                <a:sym typeface="Calibri"/>
+              </a:rPr>
+              <a:t>LangGraph (USA)</a:t>
+            </a:r>
+            <a:endParaRPr sz="1000">
+              <a:solidFill>
+                <a:schemeClr val="hlink"/>
+              </a:solidFill>
+              <a:latin typeface="Calibri"/>
+              <a:ea typeface="Calibri"/>
+              <a:cs typeface="Calibri"/>
+              <a:sym typeface="Calibri"/>
+            </a:endParaRPr>
+          </a:p>
+          <a:p>
+            <a:pPr marL="228600" lvl="0" indent="-120650" algn="l" rtl="0">
+              <a:lnSpc>
+                <a:spcPct val="115000"/>
+              </a:lnSpc>
+              <a:spcBef>
+                <a:spcPts val="0"/>
+              </a:spcBef>
+              <a:spcAft>
+                <a:spcPts val="0"/>
+              </a:spcAft>
+              <a:buClr>
+                <a:schemeClr val="dk1"/>
+              </a:buClr>
+              <a:buSzPts val="1000"/>
+              <a:buFont typeface="Calibri"/>
+              <a:buChar char="●"/>
+            </a:pPr>
+            <a:r>
+              <a:rPr lang="en" sz="1000">
+                <a:solidFill>
+                  <a:schemeClr val="dk1"/>
+                </a:solidFill>
+                <a:latin typeface="Calibri"/>
+                <a:ea typeface="Calibri"/>
+                <a:cs typeface="Calibri"/>
+                <a:sym typeface="Calibri"/>
+              </a:rPr>
+              <a:t>CrewAI (USA)</a:t>
+            </a:r>
+            <a:endParaRPr sz="1000">
+              <a:solidFill>
+                <a:schemeClr val="dk1"/>
+              </a:solidFill>
+              <a:latin typeface="Calibri"/>
+              <a:ea typeface="Calibri"/>
+              <a:cs typeface="Calibri"/>
+              <a:sym typeface="Calibri"/>
+            </a:endParaRPr>
+          </a:p>
+        </p:txBody>
+      </p:sp>
+      <p:sp>
+        <p:nvSpPr>
+          <p:cNvPr id="236" name="Google Shape;236;p32"/>
+          <p:cNvSpPr txBox="1"/>
+          <p:nvPr/>
+        </p:nvSpPr>
+        <p:spPr>
+          <a:xfrm>
+            <a:off x="55075" y="578125"/>
+            <a:ext cx="4908300" cy="557100"/>
+          </a:xfrm>
+          <a:prstGeom prst="rect">
+            <a:avLst/>
+          </a:prstGeom>
+          <a:solidFill>
+            <a:srgbClr val="FFF2CC"/>
+          </a:solidFill>
+          <a:ln w="9525" cap="flat" cmpd="sng">
+            <a:solidFill>
+              <a:srgbClr val="FF0000"/>
+            </a:solidFill>
+            <a:prstDash val="solid"/>
+            <a:round/>
+            <a:headEnd type="none" w="sm" len="sm"/>
+            <a:tailEnd type="none" w="sm" len="sm"/>
+          </a:ln>
+        </p:spPr>
+        <p:txBody>
+          <a:bodyPr spcFirstLastPara="1" wrap="square" lIns="9125" tIns="9125" rIns="9125" bIns="9125" anchor="t" anchorCtr="0">
+            <a:spAutoFit/>
+          </a:bodyPr>
+          <a:lstStyle/>
+          <a:p>
+            <a:pPr marL="0" marR="0" lvl="0" indent="0" algn="l" rtl="0">
+              <a:lnSpc>
+                <a:spcPct val="100000"/>
+              </a:lnSpc>
+              <a:spcBef>
+                <a:spcPts val="0"/>
+              </a:spcBef>
+              <a:spcAft>
+                <a:spcPts val="0"/>
+              </a:spcAft>
+              <a:buNone/>
+            </a:pPr>
+            <a:r>
+              <a:rPr lang="en" sz="1300" b="1">
+                <a:solidFill>
+                  <a:srgbClr val="FF0000"/>
+                </a:solidFill>
+                <a:latin typeface="Calibri"/>
+                <a:ea typeface="Calibri"/>
+                <a:cs typeface="Calibri"/>
+                <a:sym typeface="Calibri"/>
+              </a:rPr>
+              <a:t>Today's trend: vendors offer Agent Building Frameworks, Studios, etc. </a:t>
+            </a:r>
+            <a:r>
+              <a:rPr lang="en" sz="1300">
+                <a:solidFill>
+                  <a:schemeClr val="dk1"/>
+                </a:solidFill>
+                <a:latin typeface="Calibri"/>
+                <a:ea typeface="Calibri"/>
+                <a:cs typeface="Calibri"/>
+                <a:sym typeface="Calibri"/>
+              </a:rPr>
+              <a:t>Example - Oracle "AI Agent Studio": </a:t>
+            </a:r>
+            <a:br>
+              <a:rPr lang="en" sz="1300">
+                <a:solidFill>
+                  <a:schemeClr val="dk1"/>
+                </a:solidFill>
+                <a:latin typeface="Calibri"/>
+                <a:ea typeface="Calibri"/>
+                <a:cs typeface="Calibri"/>
+                <a:sym typeface="Calibri"/>
+              </a:rPr>
+            </a:br>
+            <a:r>
+              <a:rPr lang="en" sz="900" u="sng">
+                <a:solidFill>
+                  <a:schemeClr val="hlink"/>
+                </a:solidFill>
+                <a:latin typeface="Calibri"/>
+                <a:ea typeface="Calibri"/>
+                <a:cs typeface="Calibri"/>
+                <a:sym typeface="Calibri"/>
+                <a:hlinkClick r:id="rId3"/>
+              </a:rPr>
+              <a:t>https://www.oracle.com/news/announcement/oracle-introduces-ai-agent-studio-2025-03-20/</a:t>
+            </a:r>
+            <a:r>
+              <a:rPr lang="en" sz="900">
+                <a:solidFill>
+                  <a:schemeClr val="dk1"/>
+                </a:solidFill>
+                <a:latin typeface="Calibri"/>
+                <a:ea typeface="Calibri"/>
+                <a:cs typeface="Calibri"/>
+                <a:sym typeface="Calibri"/>
+              </a:rPr>
+              <a:t> </a:t>
+            </a:r>
+            <a:endParaRPr sz="1000">
+              <a:solidFill>
+                <a:schemeClr val="dk1"/>
+              </a:solidFill>
+              <a:latin typeface="Calibri"/>
+              <a:ea typeface="Calibri"/>
+              <a:cs typeface="Calibri"/>
+              <a:sym typeface="Calibri"/>
+            </a:endParaRPr>
+          </a:p>
+        </p:txBody>
+      </p:sp>
+      <p:pic>
+        <p:nvPicPr>
+          <p:cNvPr id="237" name="Google Shape;237;p32"/>
+          <p:cNvPicPr preferRelativeResize="0"/>
+          <p:nvPr/>
+        </p:nvPicPr>
+        <p:blipFill>
+          <a:blip r:embed="rId4" cstate="email">
+            <a:alphaModFix/>
+            <a:extLst>
+              <a:ext uri="{28A0092B-C50C-407E-A947-70E740481C1C}">
+                <a14:useLocalDpi xmlns:a14="http://schemas.microsoft.com/office/drawing/2010/main"/>
+              </a:ext>
+            </a:extLst>
+          </a:blip>
+          <a:stretch>
+            <a:fillRect/>
+          </a:stretch>
+        </p:blipFill>
+        <p:spPr>
+          <a:xfrm>
+            <a:off x="6438900" y="76200"/>
+            <a:ext cx="2668349" cy="1451001"/>
+          </a:xfrm>
+          <a:prstGeom prst="rect">
+            <a:avLst/>
+          </a:prstGeom>
+          <a:noFill/>
+          <a:ln>
+            <a:noFill/>
+          </a:ln>
+        </p:spPr>
+      </p:pic>
+    </p:spTree>
+  </p:cSld>
+  <p:clrMapOvr>
+    <a:masterClrMapping/>
+  </p:clrMapOvr>
+</p:sld>
+</file>
+
+<file path=ppt/slides/slide19.xml><?xml version="1.0" encoding="utf-8"?>
+<p:sld xmlns:a="http://schemas.openxmlformats.org/drawingml/2006/main" xmlns:r="http://schemas.openxmlformats.org/officeDocument/2006/relationships" xmlns:p="http://schemas.openxmlformats.org/presentationml/2006/main">
+  <p:cSld>
+    <p:spTree>
+      <p:nvGrpSpPr>
+        <p:cNvPr id="1" name="Shape 241"/>
+        <p:cNvGrpSpPr/>
+        <p:nvPr/>
+      </p:nvGrpSpPr>
+      <p:grpSpPr>
+        <a:xfrm>
+          <a:off x="0" y="0"/>
+          <a:ext cx="0" cy="0"/>
+          <a:chOff x="0" y="0"/>
+          <a:chExt cx="0" cy="0"/>
+        </a:xfrm>
+      </p:grpSpPr>
+      <p:sp>
+        <p:nvSpPr>
+          <p:cNvPr id="242" name="Google Shape;242;p33"/>
+          <p:cNvSpPr txBox="1"/>
+          <p:nvPr/>
+        </p:nvSpPr>
+        <p:spPr>
+          <a:xfrm>
             <a:off x="6736325" y="52350"/>
             <a:ext cx="2356200" cy="526500"/>
           </a:xfrm>
@@ -22195,7 +24645,7 @@
       </p:sp>
       <p:sp>
         <p:nvSpPr>
-          <p:cNvPr id="233" name="Google Shape;233;p32"/>
+          <p:cNvPr id="243" name="Google Shape;243;p33"/>
           <p:cNvSpPr txBox="1"/>
           <p:nvPr/>
         </p:nvSpPr>
@@ -22261,7 +24711,7 @@
       </p:sp>
       <p:sp>
         <p:nvSpPr>
-          <p:cNvPr id="234" name="Google Shape;234;p32"/>
+          <p:cNvPr id="244" name="Google Shape;244;p33"/>
           <p:cNvSpPr txBox="1"/>
           <p:nvPr/>
         </p:nvSpPr>
@@ -22387,7 +24837,7 @@
       </p:sp>
       <p:sp>
         <p:nvSpPr>
-          <p:cNvPr id="235" name="Google Shape;235;p32"/>
+          <p:cNvPr id="245" name="Google Shape;245;p33"/>
           <p:cNvSpPr txBox="1"/>
           <p:nvPr/>
         </p:nvSpPr>
@@ -22461,7 +24911,7 @@
       </p:sp>
       <p:sp>
         <p:nvSpPr>
-          <p:cNvPr id="236" name="Google Shape;236;p32"/>
+          <p:cNvPr id="246" name="Google Shape;246;p33"/>
           <p:cNvSpPr txBox="1"/>
           <p:nvPr/>
         </p:nvSpPr>
@@ -22622,7 +25072,7 @@
       </p:sp>
       <p:sp>
         <p:nvSpPr>
-          <p:cNvPr id="237" name="Google Shape;237;p32"/>
+          <p:cNvPr id="247" name="Google Shape;247;p33"/>
           <p:cNvSpPr txBox="1"/>
           <p:nvPr/>
         </p:nvSpPr>
@@ -22696,7 +25146,7 @@
       </p:sp>
       <p:sp>
         <p:nvSpPr>
-          <p:cNvPr id="238" name="Google Shape;238;p32"/>
+          <p:cNvPr id="248" name="Google Shape;248;p33"/>
           <p:cNvSpPr txBox="1"/>
           <p:nvPr/>
         </p:nvSpPr>
@@ -22771,7 +25221,7 @@
       </p:sp>
       <p:sp>
         <p:nvSpPr>
-          <p:cNvPr id="239" name="Google Shape;239;p32"/>
+          <p:cNvPr id="249" name="Google Shape;249;p33"/>
           <p:cNvSpPr/>
           <p:nvPr/>
         </p:nvSpPr>
@@ -22817,7 +25267,7 @@
       </p:sp>
       <p:sp>
         <p:nvSpPr>
-          <p:cNvPr id="240" name="Google Shape;240;p32"/>
+          <p:cNvPr id="250" name="Google Shape;250;p33"/>
           <p:cNvSpPr/>
           <p:nvPr/>
         </p:nvSpPr>
@@ -22863,7 +25313,7 @@
       </p:sp>
       <p:sp>
         <p:nvSpPr>
-          <p:cNvPr id="241" name="Google Shape;241;p32"/>
+          <p:cNvPr id="251" name="Google Shape;251;p33"/>
           <p:cNvSpPr txBox="1"/>
           <p:nvPr/>
         </p:nvSpPr>
@@ -22938,7 +25388,7 @@
       </p:sp>
       <p:sp>
         <p:nvSpPr>
-          <p:cNvPr id="242" name="Google Shape;242;p32"/>
+          <p:cNvPr id="252" name="Google Shape;252;p33"/>
           <p:cNvSpPr/>
           <p:nvPr/>
         </p:nvSpPr>
@@ -22984,7 +25434,7 @@
       </p:sp>
       <p:sp>
         <p:nvSpPr>
-          <p:cNvPr id="243" name="Google Shape;243;p32"/>
+          <p:cNvPr id="253" name="Google Shape;253;p33"/>
           <p:cNvSpPr/>
           <p:nvPr/>
         </p:nvSpPr>
@@ -23030,7 +25480,7 @@
       </p:sp>
       <p:sp>
         <p:nvSpPr>
-          <p:cNvPr id="244" name="Google Shape;244;p32"/>
+          <p:cNvPr id="254" name="Google Shape;254;p33"/>
           <p:cNvSpPr/>
           <p:nvPr/>
         </p:nvSpPr>
@@ -23076,7 +25526,7 @@
       </p:sp>
       <p:sp>
         <p:nvSpPr>
-          <p:cNvPr id="245" name="Google Shape;245;p32"/>
+          <p:cNvPr id="255" name="Google Shape;255;p33"/>
           <p:cNvSpPr txBox="1"/>
           <p:nvPr/>
         </p:nvSpPr>
@@ -23151,7 +25601,7 @@
       </p:sp>
       <p:sp>
         <p:nvSpPr>
-          <p:cNvPr id="246" name="Google Shape;246;p32"/>
+          <p:cNvPr id="256" name="Google Shape;256;p33"/>
           <p:cNvSpPr/>
           <p:nvPr/>
         </p:nvSpPr>
@@ -23197,7 +25647,7 @@
       </p:sp>
       <p:sp>
         <p:nvSpPr>
-          <p:cNvPr id="247" name="Google Shape;247;p32"/>
+          <p:cNvPr id="257" name="Google Shape;257;p33"/>
           <p:cNvSpPr/>
           <p:nvPr/>
         </p:nvSpPr>
@@ -23243,7 +25693,7 @@
       </p:sp>
       <p:sp>
         <p:nvSpPr>
-          <p:cNvPr id="248" name="Google Shape;248;p32"/>
+          <p:cNvPr id="258" name="Google Shape;258;p33"/>
           <p:cNvSpPr/>
           <p:nvPr/>
         </p:nvSpPr>
@@ -23289,7 +25739,7 @@
       </p:sp>
       <p:sp>
         <p:nvSpPr>
-          <p:cNvPr id="249" name="Google Shape;249;p32"/>
+          <p:cNvPr id="259" name="Google Shape;259;p33"/>
           <p:cNvSpPr/>
           <p:nvPr/>
         </p:nvSpPr>
@@ -23335,7 +25785,7 @@
       </p:sp>
       <p:sp>
         <p:nvSpPr>
-          <p:cNvPr id="250" name="Google Shape;250;p32"/>
+          <p:cNvPr id="260" name="Google Shape;260;p33"/>
           <p:cNvSpPr/>
           <p:nvPr/>
         </p:nvSpPr>
@@ -23381,7 +25831,7 @@
       </p:sp>
       <p:sp>
         <p:nvSpPr>
-          <p:cNvPr id="251" name="Google Shape;251;p32"/>
+          <p:cNvPr id="261" name="Google Shape;261;p33"/>
           <p:cNvSpPr/>
           <p:nvPr/>
         </p:nvSpPr>
@@ -23427,7 +25877,7 @@
       </p:sp>
       <p:sp>
         <p:nvSpPr>
-          <p:cNvPr id="252" name="Google Shape;252;p32"/>
+          <p:cNvPr id="262" name="Google Shape;262;p33"/>
           <p:cNvSpPr/>
           <p:nvPr/>
         </p:nvSpPr>
@@ -23473,7 +25923,7 @@
       </p:sp>
       <p:sp>
         <p:nvSpPr>
-          <p:cNvPr id="253" name="Google Shape;253;p32"/>
+          <p:cNvPr id="263" name="Google Shape;263;p33"/>
           <p:cNvSpPr/>
           <p:nvPr/>
         </p:nvSpPr>
@@ -23519,7 +25969,7 @@
       </p:sp>
       <p:sp>
         <p:nvSpPr>
-          <p:cNvPr id="254" name="Google Shape;254;p32"/>
+          <p:cNvPr id="264" name="Google Shape;264;p33"/>
           <p:cNvSpPr txBox="1"/>
           <p:nvPr/>
         </p:nvSpPr>
@@ -23594,7 +26044,7 @@
       </p:sp>
       <p:sp>
         <p:nvSpPr>
-          <p:cNvPr id="255" name="Google Shape;255;p32"/>
+          <p:cNvPr id="265" name="Google Shape;265;p33"/>
           <p:cNvSpPr txBox="1"/>
           <p:nvPr/>
         </p:nvSpPr>
@@ -23669,7 +26119,7 @@
       </p:sp>
       <p:sp>
         <p:nvSpPr>
-          <p:cNvPr id="256" name="Google Shape;256;p32"/>
+          <p:cNvPr id="266" name="Google Shape;266;p33"/>
           <p:cNvSpPr/>
           <p:nvPr/>
         </p:nvSpPr>
@@ -23715,7 +26165,7 @@
       </p:sp>
       <p:sp>
         <p:nvSpPr>
-          <p:cNvPr id="257" name="Google Shape;257;p32"/>
+          <p:cNvPr id="267" name="Google Shape;267;p33"/>
           <p:cNvSpPr txBox="1"/>
           <p:nvPr/>
         </p:nvSpPr>
@@ -23790,7 +26240,7 @@
       </p:sp>
       <p:sp>
         <p:nvSpPr>
-          <p:cNvPr id="258" name="Google Shape;258;p32"/>
+          <p:cNvPr id="268" name="Google Shape;268;p33"/>
           <p:cNvSpPr/>
           <p:nvPr/>
         </p:nvSpPr>
@@ -23836,7 +26286,7 @@
       </p:sp>
       <p:sp>
         <p:nvSpPr>
-          <p:cNvPr id="259" name="Google Shape;259;p32"/>
+          <p:cNvPr id="269" name="Google Shape;269;p33"/>
           <p:cNvSpPr/>
           <p:nvPr/>
         </p:nvSpPr>
@@ -23882,7 +26332,7 @@
       </p:sp>
       <p:sp>
         <p:nvSpPr>
-          <p:cNvPr id="260" name="Google Shape;260;p32"/>
+          <p:cNvPr id="270" name="Google Shape;270;p33"/>
           <p:cNvSpPr txBox="1"/>
           <p:nvPr/>
         </p:nvSpPr>
@@ -23957,7 +26407,7 @@
       </p:sp>
       <p:sp>
         <p:nvSpPr>
-          <p:cNvPr id="261" name="Google Shape;261;p32"/>
+          <p:cNvPr id="271" name="Google Shape;271;p33"/>
           <p:cNvSpPr/>
           <p:nvPr/>
         </p:nvSpPr>
@@ -24003,7 +26453,7 @@
       </p:sp>
       <p:sp>
         <p:nvSpPr>
-          <p:cNvPr id="262" name="Google Shape;262;p32"/>
+          <p:cNvPr id="272" name="Google Shape;272;p33"/>
           <p:cNvSpPr txBox="1"/>
           <p:nvPr/>
         </p:nvSpPr>
@@ -24078,7 +26528,7 @@
       </p:sp>
       <p:sp>
         <p:nvSpPr>
-          <p:cNvPr id="263" name="Google Shape;263;p32"/>
+          <p:cNvPr id="273" name="Google Shape;273;p33"/>
           <p:cNvSpPr/>
           <p:nvPr/>
         </p:nvSpPr>
@@ -24124,7 +26574,7 @@
       </p:sp>
       <p:sp>
         <p:nvSpPr>
-          <p:cNvPr id="264" name="Google Shape;264;p32"/>
+          <p:cNvPr id="274" name="Google Shape;274;p33"/>
           <p:cNvSpPr txBox="1"/>
           <p:nvPr/>
         </p:nvSpPr>
@@ -24195,7 +26645,7 @@
       </p:sp>
       <p:sp>
         <p:nvSpPr>
-          <p:cNvPr id="265" name="Google Shape;265;p32"/>
+          <p:cNvPr id="275" name="Google Shape;275;p33"/>
           <p:cNvSpPr txBox="1"/>
           <p:nvPr/>
         </p:nvSpPr>
@@ -24270,7 +26720,7 @@
       </p:sp>
       <p:sp>
         <p:nvSpPr>
-          <p:cNvPr id="266" name="Google Shape;266;p32"/>
+          <p:cNvPr id="276" name="Google Shape;276;p33"/>
           <p:cNvSpPr txBox="1"/>
           <p:nvPr/>
         </p:nvSpPr>
@@ -24341,7 +26791,7 @@
       </p:sp>
       <p:sp>
         <p:nvSpPr>
-          <p:cNvPr id="267" name="Google Shape;267;p32"/>
+          <p:cNvPr id="277" name="Google Shape;277;p33"/>
           <p:cNvSpPr txBox="1"/>
           <p:nvPr/>
         </p:nvSpPr>
@@ -24416,7 +26866,7 @@
       </p:sp>
       <p:sp>
         <p:nvSpPr>
-          <p:cNvPr id="268" name="Google Shape;268;p32"/>
+          <p:cNvPr id="278" name="Google Shape;278;p33"/>
           <p:cNvSpPr/>
           <p:nvPr/>
         </p:nvSpPr>
@@ -24462,7 +26912,7 @@
       </p:sp>
       <p:sp>
         <p:nvSpPr>
-          <p:cNvPr id="269" name="Google Shape;269;p32"/>
+          <p:cNvPr id="279" name="Google Shape;279;p33"/>
           <p:cNvSpPr/>
           <p:nvPr/>
         </p:nvSpPr>
@@ -24508,7 +26958,7 @@
       </p:sp>
       <p:sp>
         <p:nvSpPr>
-          <p:cNvPr id="270" name="Google Shape;270;p32"/>
+          <p:cNvPr id="280" name="Google Shape;280;p33"/>
           <p:cNvSpPr/>
           <p:nvPr/>
         </p:nvSpPr>
@@ -24554,7 +27004,7 @@
       </p:sp>
       <p:sp>
         <p:nvSpPr>
-          <p:cNvPr id="271" name="Google Shape;271;p32"/>
+          <p:cNvPr id="281" name="Google Shape;281;p33"/>
           <p:cNvSpPr/>
           <p:nvPr/>
         </p:nvSpPr>
@@ -24600,7 +27050,7 @@
       </p:sp>
       <p:sp>
         <p:nvSpPr>
-          <p:cNvPr id="272" name="Google Shape;272;p32"/>
+          <p:cNvPr id="282" name="Google Shape;282;p33"/>
           <p:cNvSpPr/>
           <p:nvPr/>
         </p:nvSpPr>
@@ -24646,7 +27096,7 @@
       </p:sp>
       <p:sp>
         <p:nvSpPr>
-          <p:cNvPr id="273" name="Google Shape;273;p32"/>
+          <p:cNvPr id="283" name="Google Shape;283;p33"/>
           <p:cNvSpPr/>
           <p:nvPr/>
         </p:nvSpPr>
@@ -24692,7 +27142,7 @@
       </p:sp>
       <p:sp>
         <p:nvSpPr>
-          <p:cNvPr id="274" name="Google Shape;274;p32"/>
+          <p:cNvPr id="284" name="Google Shape;284;p33"/>
           <p:cNvSpPr/>
           <p:nvPr/>
         </p:nvSpPr>
@@ -24738,7 +27188,7 @@
       </p:sp>
       <p:sp>
         <p:nvSpPr>
-          <p:cNvPr id="275" name="Google Shape;275;p32"/>
+          <p:cNvPr id="285" name="Google Shape;285;p33"/>
           <p:cNvSpPr/>
           <p:nvPr/>
         </p:nvSpPr>
@@ -24784,7 +27234,7 @@
       </p:sp>
       <p:sp>
         <p:nvSpPr>
-          <p:cNvPr id="276" name="Google Shape;276;p32"/>
+          <p:cNvPr id="286" name="Google Shape;286;p33"/>
           <p:cNvSpPr/>
           <p:nvPr/>
         </p:nvSpPr>
@@ -24830,7 +27280,7 @@
       </p:sp>
       <p:sp>
         <p:nvSpPr>
-          <p:cNvPr id="277" name="Google Shape;277;p32"/>
+          <p:cNvPr id="287" name="Google Shape;287;p33"/>
           <p:cNvSpPr/>
           <p:nvPr/>
         </p:nvSpPr>
@@ -24876,7 +27326,7 @@
       </p:sp>
       <p:pic>
         <p:nvPicPr>
-          <p:cNvPr id="278" name="Google Shape;278;p32"/>
+          <p:cNvPr id="288" name="Google Shape;288;p33"/>
           <p:cNvPicPr preferRelativeResize="0"/>
           <p:nvPr/>
         </p:nvPicPr>
@@ -24915,7 +27365,7 @@
       </p:pic>
       <p:pic>
         <p:nvPicPr>
-          <p:cNvPr id="279" name="Google Shape;279;p32"/>
+          <p:cNvPr id="289" name="Google Shape;289;p33"/>
           <p:cNvPicPr preferRelativeResize="0"/>
           <p:nvPr/>
         </p:nvPicPr>
@@ -24954,7 +27404,7 @@
       </p:pic>
       <p:sp>
         <p:nvSpPr>
-          <p:cNvPr id="280" name="Google Shape;280;p32"/>
+          <p:cNvPr id="290" name="Google Shape;290;p33"/>
           <p:cNvSpPr/>
           <p:nvPr/>
         </p:nvSpPr>
@@ -25000,7 +27450,7 @@
       </p:sp>
       <p:sp>
         <p:nvSpPr>
-          <p:cNvPr id="281" name="Google Shape;281;p32"/>
+          <p:cNvPr id="291" name="Google Shape;291;p33"/>
           <p:cNvSpPr txBox="1"/>
           <p:nvPr/>
         </p:nvSpPr>
@@ -25075,7 +27525,7 @@
       </p:sp>
       <p:sp>
         <p:nvSpPr>
-          <p:cNvPr id="282" name="Google Shape;282;p32"/>
+          <p:cNvPr id="292" name="Google Shape;292;p33"/>
           <p:cNvSpPr txBox="1"/>
           <p:nvPr/>
         </p:nvSpPr>
@@ -25150,7 +27600,7 @@
       </p:sp>
       <p:sp>
         <p:nvSpPr>
-          <p:cNvPr id="283" name="Google Shape;283;p32"/>
+          <p:cNvPr id="293" name="Google Shape;293;p33"/>
           <p:cNvSpPr/>
           <p:nvPr/>
         </p:nvSpPr>
@@ -25196,7 +27646,7 @@
       </p:sp>
       <p:sp>
         <p:nvSpPr>
-          <p:cNvPr id="284" name="Google Shape;284;p32"/>
+          <p:cNvPr id="294" name="Google Shape;294;p33"/>
           <p:cNvSpPr txBox="1"/>
           <p:nvPr/>
         </p:nvSpPr>
@@ -25271,7 +27721,7 @@
       </p:sp>
       <p:sp>
         <p:nvSpPr>
-          <p:cNvPr id="285" name="Google Shape;285;p32"/>
+          <p:cNvPr id="295" name="Google Shape;295;p33"/>
           <p:cNvSpPr txBox="1"/>
           <p:nvPr/>
         </p:nvSpPr>
@@ -25342,7 +27792,7 @@
       </p:sp>
       <p:sp>
         <p:nvSpPr>
-          <p:cNvPr id="286" name="Google Shape;286;p32"/>
+          <p:cNvPr id="296" name="Google Shape;296;p33"/>
           <p:cNvSpPr/>
           <p:nvPr/>
         </p:nvSpPr>
@@ -25388,7 +27838,7 @@
       </p:sp>
       <p:sp>
         <p:nvSpPr>
-          <p:cNvPr id="287" name="Google Shape;287;p32"/>
+          <p:cNvPr id="297" name="Google Shape;297;p33"/>
           <p:cNvSpPr txBox="1"/>
           <p:nvPr/>
         </p:nvSpPr>
@@ -25457,206 +27907,6 @@
           </a:p>
         </p:txBody>
       </p:sp>
-    </p:spTree>
-  </p:cSld>
-  <p:clrMapOvr>
-    <a:masterClrMapping/>
-  </p:clrMapOvr>
-</p:sld>
-</file>
-
-<file path=ppt/slides/slide19.xml><?xml version="1.0" encoding="utf-8"?>
-<p:sld xmlns:a="http://schemas.openxmlformats.org/drawingml/2006/main" xmlns:r="http://schemas.openxmlformats.org/officeDocument/2006/relationships" xmlns:p="http://schemas.openxmlformats.org/presentationml/2006/main">
-  <p:cSld>
-    <p:spTree>
-      <p:nvGrpSpPr>
-        <p:cNvPr id="1" name="Shape 291"/>
-        <p:cNvGrpSpPr/>
-        <p:nvPr/>
-      </p:nvGrpSpPr>
-      <p:grpSpPr>
-        <a:xfrm>
-          <a:off x="0" y="0"/>
-          <a:ext cx="0" cy="0"/>
-          <a:chOff x="0" y="0"/>
-          <a:chExt cx="0" cy="0"/>
-        </a:xfrm>
-      </p:grpSpPr>
-      <p:sp>
-        <p:nvSpPr>
-          <p:cNvPr id="292" name="Google Shape;292;p33"/>
-          <p:cNvSpPr txBox="1"/>
-          <p:nvPr/>
-        </p:nvSpPr>
-        <p:spPr>
-          <a:xfrm>
-            <a:off x="-38050" y="-108050"/>
-            <a:ext cx="4557000" cy="492600"/>
-          </a:xfrm>
-          <a:prstGeom prst="rect">
-            <a:avLst/>
-          </a:prstGeom>
-          <a:noFill/>
-          <a:ln>
-            <a:noFill/>
-          </a:ln>
-        </p:spPr>
-        <p:txBody>
-          <a:bodyPr spcFirstLastPara="1" wrap="square" lIns="91425" tIns="91425" rIns="91425" bIns="91425" anchor="t" anchorCtr="0">
-            <a:spAutoFit/>
-          </a:bodyPr>
-          <a:lstStyle/>
-          <a:p>
-            <a:pPr marL="0" marR="0" lvl="0" indent="0" algn="l" rtl="0">
-              <a:lnSpc>
-                <a:spcPct val="100000"/>
-              </a:lnSpc>
-              <a:spcBef>
-                <a:spcPts val="0"/>
-              </a:spcBef>
-              <a:spcAft>
-                <a:spcPts val="0"/>
-              </a:spcAft>
-              <a:buClr>
-                <a:srgbClr val="000000"/>
-              </a:buClr>
-              <a:buSzPts val="2000"/>
-              <a:buFont typeface="Arial"/>
-              <a:buNone/>
-            </a:pPr>
-            <a:r>
-              <a:rPr lang="en" sz="2000" b="1">
-                <a:solidFill>
-                  <a:schemeClr val="dk1"/>
-                </a:solidFill>
-                <a:latin typeface="Calibri"/>
-                <a:ea typeface="Calibri"/>
-                <a:cs typeface="Calibri"/>
-                <a:sym typeface="Calibri"/>
-              </a:rPr>
-              <a:t>WebDev Arena Leaderboard</a:t>
-            </a:r>
-            <a:endParaRPr sz="2000" b="1" i="0" u="none" strike="noStrike" cap="none">
-              <a:solidFill>
-                <a:srgbClr val="000000"/>
-              </a:solidFill>
-              <a:latin typeface="Calibri"/>
-              <a:ea typeface="Calibri"/>
-              <a:cs typeface="Calibri"/>
-              <a:sym typeface="Calibri"/>
-            </a:endParaRPr>
-          </a:p>
-        </p:txBody>
-      </p:sp>
-      <p:sp>
-        <p:nvSpPr>
-          <p:cNvPr id="293" name="Google Shape;293;p33"/>
-          <p:cNvSpPr txBox="1"/>
-          <p:nvPr/>
-        </p:nvSpPr>
-        <p:spPr>
-          <a:xfrm>
-            <a:off x="1917800" y="282725"/>
-            <a:ext cx="2178300" cy="338700"/>
-          </a:xfrm>
-          <a:prstGeom prst="rect">
-            <a:avLst/>
-          </a:prstGeom>
-          <a:noFill/>
-          <a:ln>
-            <a:noFill/>
-          </a:ln>
-        </p:spPr>
-        <p:txBody>
-          <a:bodyPr spcFirstLastPara="1" wrap="square" lIns="91425" tIns="91425" rIns="91425" bIns="91425" anchor="t" anchorCtr="0">
-            <a:spAutoFit/>
-          </a:bodyPr>
-          <a:lstStyle/>
-          <a:p>
-            <a:pPr marL="57150" marR="0" lvl="0" indent="-63500" algn="l" rtl="0">
-              <a:lnSpc>
-                <a:spcPct val="100000"/>
-              </a:lnSpc>
-              <a:spcBef>
-                <a:spcPts val="0"/>
-              </a:spcBef>
-              <a:spcAft>
-                <a:spcPts val="0"/>
-              </a:spcAft>
-              <a:buSzPts val="1000"/>
-              <a:buFont typeface="Calibri"/>
-              <a:buChar char="●"/>
-            </a:pPr>
-            <a:r>
-              <a:rPr lang="en" sz="1000" u="sng">
-                <a:solidFill>
-                  <a:schemeClr val="hlink"/>
-                </a:solidFill>
-                <a:latin typeface="Calibri"/>
-                <a:ea typeface="Calibri"/>
-                <a:cs typeface="Calibri"/>
-                <a:sym typeface="Calibri"/>
-                <a:hlinkClick r:id="rId3"/>
-              </a:rPr>
-              <a:t>https://web.lmarena.ai/leaderboard</a:t>
-            </a:r>
-            <a:r>
-              <a:rPr lang="en" sz="1000">
-                <a:solidFill>
-                  <a:schemeClr val="dk1"/>
-                </a:solidFill>
-                <a:latin typeface="Calibri"/>
-                <a:ea typeface="Calibri"/>
-                <a:cs typeface="Calibri"/>
-                <a:sym typeface="Calibri"/>
-              </a:rPr>
-              <a:t> </a:t>
-            </a:r>
-            <a:endParaRPr sz="1000" b="0" i="0" u="none" strike="noStrike" cap="none">
-              <a:solidFill>
-                <a:schemeClr val="dk1"/>
-              </a:solidFill>
-              <a:latin typeface="Calibri"/>
-              <a:ea typeface="Calibri"/>
-              <a:cs typeface="Calibri"/>
-              <a:sym typeface="Calibri"/>
-            </a:endParaRPr>
-          </a:p>
-        </p:txBody>
-      </p:sp>
-      <p:pic>
-        <p:nvPicPr>
-          <p:cNvPr id="294" name="Google Shape;294;p33"/>
-          <p:cNvPicPr preferRelativeResize="0"/>
-          <p:nvPr/>
-        </p:nvPicPr>
-        <p:blipFill>
-          <a:blip r:embed="rId4" cstate="email">
-            <a:alphaModFix/>
-            <a:extLst>
-              <a:ext uri="{28A0092B-C50C-407E-A947-70E740481C1C}">
-                <a14:useLocalDpi xmlns:a14="http://schemas.microsoft.com/office/drawing/2010/main"/>
-              </a:ext>
-            </a:extLst>
-          </a:blip>
-          <a:stretch>
-            <a:fillRect/>
-          </a:stretch>
-        </p:blipFill>
-        <p:spPr>
-          <a:xfrm>
-            <a:off x="1543613" y="818250"/>
-            <a:ext cx="6056786" cy="4217274"/>
-          </a:xfrm>
-          <a:prstGeom prst="rect">
-            <a:avLst/>
-          </a:prstGeom>
-          <a:noFill/>
-          <a:ln>
-            <a:noFill/>
-          </a:ln>
-        </p:spPr>
-      </p:pic>
     </p:spTree>
   </p:cSld>
   <p:clrMapOvr>
@@ -26843,7 +29093,7 @@
   <p:cSld>
     <p:spTree>
       <p:nvGrpSpPr>
-        <p:cNvPr id="1" name="Shape 298"/>
+        <p:cNvPr id="1" name="Shape 301"/>
         <p:cNvGrpSpPr/>
         <p:nvPr/>
       </p:nvGrpSpPr>
@@ -26857,7 +29107,207 @@
       </p:grpSpPr>
       <p:sp>
         <p:nvSpPr>
-          <p:cNvPr id="299" name="Google Shape;299;p34"/>
+          <p:cNvPr id="302" name="Google Shape;302;p34"/>
+          <p:cNvSpPr txBox="1"/>
+          <p:nvPr/>
+        </p:nvSpPr>
+        <p:spPr>
+          <a:xfrm>
+            <a:off x="-38050" y="-108050"/>
+            <a:ext cx="4557000" cy="492600"/>
+          </a:xfrm>
+          <a:prstGeom prst="rect">
+            <a:avLst/>
+          </a:prstGeom>
+          <a:noFill/>
+          <a:ln>
+            <a:noFill/>
+          </a:ln>
+        </p:spPr>
+        <p:txBody>
+          <a:bodyPr spcFirstLastPara="1" wrap="square" lIns="91425" tIns="91425" rIns="91425" bIns="91425" anchor="t" anchorCtr="0">
+            <a:spAutoFit/>
+          </a:bodyPr>
+          <a:lstStyle/>
+          <a:p>
+            <a:pPr marL="0" marR="0" lvl="0" indent="0" algn="l" rtl="0">
+              <a:lnSpc>
+                <a:spcPct val="100000"/>
+              </a:lnSpc>
+              <a:spcBef>
+                <a:spcPts val="0"/>
+              </a:spcBef>
+              <a:spcAft>
+                <a:spcPts val="0"/>
+              </a:spcAft>
+              <a:buClr>
+                <a:srgbClr val="000000"/>
+              </a:buClr>
+              <a:buSzPts val="2000"/>
+              <a:buFont typeface="Arial"/>
+              <a:buNone/>
+            </a:pPr>
+            <a:r>
+              <a:rPr lang="en" sz="2000" b="1">
+                <a:solidFill>
+                  <a:schemeClr val="dk1"/>
+                </a:solidFill>
+                <a:latin typeface="Calibri"/>
+                <a:ea typeface="Calibri"/>
+                <a:cs typeface="Calibri"/>
+                <a:sym typeface="Calibri"/>
+              </a:rPr>
+              <a:t>WebDev Arena Leaderboard</a:t>
+            </a:r>
+            <a:endParaRPr sz="2000" b="1" i="0" u="none" strike="noStrike" cap="none">
+              <a:solidFill>
+                <a:srgbClr val="000000"/>
+              </a:solidFill>
+              <a:latin typeface="Calibri"/>
+              <a:ea typeface="Calibri"/>
+              <a:cs typeface="Calibri"/>
+              <a:sym typeface="Calibri"/>
+            </a:endParaRPr>
+          </a:p>
+        </p:txBody>
+      </p:sp>
+      <p:sp>
+        <p:nvSpPr>
+          <p:cNvPr id="303" name="Google Shape;303;p34"/>
+          <p:cNvSpPr txBox="1"/>
+          <p:nvPr/>
+        </p:nvSpPr>
+        <p:spPr>
+          <a:xfrm>
+            <a:off x="1917800" y="282725"/>
+            <a:ext cx="2178300" cy="338700"/>
+          </a:xfrm>
+          <a:prstGeom prst="rect">
+            <a:avLst/>
+          </a:prstGeom>
+          <a:noFill/>
+          <a:ln>
+            <a:noFill/>
+          </a:ln>
+        </p:spPr>
+        <p:txBody>
+          <a:bodyPr spcFirstLastPara="1" wrap="square" lIns="91425" tIns="91425" rIns="91425" bIns="91425" anchor="t" anchorCtr="0">
+            <a:spAutoFit/>
+          </a:bodyPr>
+          <a:lstStyle/>
+          <a:p>
+            <a:pPr marL="57150" marR="0" lvl="0" indent="-63500" algn="l" rtl="0">
+              <a:lnSpc>
+                <a:spcPct val="100000"/>
+              </a:lnSpc>
+              <a:spcBef>
+                <a:spcPts val="0"/>
+              </a:spcBef>
+              <a:spcAft>
+                <a:spcPts val="0"/>
+              </a:spcAft>
+              <a:buSzPts val="1000"/>
+              <a:buFont typeface="Calibri"/>
+              <a:buChar char="●"/>
+            </a:pPr>
+            <a:r>
+              <a:rPr lang="en" sz="1000" u="sng">
+                <a:solidFill>
+                  <a:schemeClr val="hlink"/>
+                </a:solidFill>
+                <a:latin typeface="Calibri"/>
+                <a:ea typeface="Calibri"/>
+                <a:cs typeface="Calibri"/>
+                <a:sym typeface="Calibri"/>
+                <a:hlinkClick r:id="rId3"/>
+              </a:rPr>
+              <a:t>https://web.lmarena.ai/leaderboard</a:t>
+            </a:r>
+            <a:r>
+              <a:rPr lang="en" sz="1000">
+                <a:solidFill>
+                  <a:schemeClr val="dk1"/>
+                </a:solidFill>
+                <a:latin typeface="Calibri"/>
+                <a:ea typeface="Calibri"/>
+                <a:cs typeface="Calibri"/>
+                <a:sym typeface="Calibri"/>
+              </a:rPr>
+              <a:t> </a:t>
+            </a:r>
+            <a:endParaRPr sz="1000" b="0" i="0" u="none" strike="noStrike" cap="none">
+              <a:solidFill>
+                <a:schemeClr val="dk1"/>
+              </a:solidFill>
+              <a:latin typeface="Calibri"/>
+              <a:ea typeface="Calibri"/>
+              <a:cs typeface="Calibri"/>
+              <a:sym typeface="Calibri"/>
+            </a:endParaRPr>
+          </a:p>
+        </p:txBody>
+      </p:sp>
+      <p:pic>
+        <p:nvPicPr>
+          <p:cNvPr id="304" name="Google Shape;304;p34"/>
+          <p:cNvPicPr preferRelativeResize="0"/>
+          <p:nvPr/>
+        </p:nvPicPr>
+        <p:blipFill>
+          <a:blip r:embed="rId4" cstate="email">
+            <a:alphaModFix/>
+            <a:extLst>
+              <a:ext uri="{28A0092B-C50C-407E-A947-70E740481C1C}">
+                <a14:useLocalDpi xmlns:a14="http://schemas.microsoft.com/office/drawing/2010/main"/>
+              </a:ext>
+            </a:extLst>
+          </a:blip>
+          <a:stretch>
+            <a:fillRect/>
+          </a:stretch>
+        </p:blipFill>
+        <p:spPr>
+          <a:xfrm>
+            <a:off x="1543613" y="818250"/>
+            <a:ext cx="6056786" cy="4217274"/>
+          </a:xfrm>
+          <a:prstGeom prst="rect">
+            <a:avLst/>
+          </a:prstGeom>
+          <a:noFill/>
+          <a:ln>
+            <a:noFill/>
+          </a:ln>
+        </p:spPr>
+      </p:pic>
+    </p:spTree>
+  </p:cSld>
+  <p:clrMapOvr>
+    <a:masterClrMapping/>
+  </p:clrMapOvr>
+</p:sld>
+</file>
+
+<file path=ppt/slides/slide21.xml><?xml version="1.0" encoding="utf-8"?>
+<p:sld xmlns:a="http://schemas.openxmlformats.org/drawingml/2006/main" xmlns:r="http://schemas.openxmlformats.org/officeDocument/2006/relationships" xmlns:p="http://schemas.openxmlformats.org/presentationml/2006/main">
+  <p:cSld>
+    <p:spTree>
+      <p:nvGrpSpPr>
+        <p:cNvPr id="1" name="Shape 308"/>
+        <p:cNvGrpSpPr/>
+        <p:nvPr/>
+      </p:nvGrpSpPr>
+      <p:grpSpPr>
+        <a:xfrm>
+          <a:off x="0" y="0"/>
+          <a:ext cx="0" cy="0"/>
+          <a:chOff x="0" y="0"/>
+          <a:chExt cx="0" cy="0"/>
+        </a:xfrm>
+      </p:grpSpPr>
+      <p:sp>
+        <p:nvSpPr>
+          <p:cNvPr id="309" name="Google Shape;309;p35"/>
           <p:cNvSpPr txBox="1"/>
           <p:nvPr/>
         </p:nvSpPr>
@@ -26923,7 +29373,7 @@
       </p:sp>
       <p:sp>
         <p:nvSpPr>
-          <p:cNvPr id="300" name="Google Shape;300;p34"/>
+          <p:cNvPr id="310" name="Google Shape;310;p35"/>
           <p:cNvSpPr txBox="1"/>
           <p:nvPr/>
         </p:nvSpPr>
@@ -27192,7 +29642,7 @@
       </p:sp>
       <p:pic>
         <p:nvPicPr>
-          <p:cNvPr id="301" name="Google Shape;301;p34"/>
+          <p:cNvPr id="311" name="Google Shape;311;p35"/>
           <p:cNvPicPr preferRelativeResize="0"/>
           <p:nvPr/>
         </p:nvPicPr>
@@ -27231,7 +29681,7 @@
       </p:pic>
       <p:sp>
         <p:nvSpPr>
-          <p:cNvPr id="302" name="Google Shape;302;p34"/>
+          <p:cNvPr id="312" name="Google Shape;312;p35"/>
           <p:cNvSpPr txBox="1"/>
           <p:nvPr/>
         </p:nvSpPr>
@@ -27341,7 +29791,7 @@
       </p:sp>
       <p:sp>
         <p:nvSpPr>
-          <p:cNvPr id="303" name="Google Shape;303;p34"/>
+          <p:cNvPr id="313" name="Google Shape;313;p35"/>
           <p:cNvSpPr txBox="1"/>
           <p:nvPr/>
         </p:nvSpPr>
@@ -27389,7 +29839,7 @@
       </p:sp>
       <p:sp>
         <p:nvSpPr>
-          <p:cNvPr id="304" name="Google Shape;304;p34"/>
+          <p:cNvPr id="314" name="Google Shape;314;p35"/>
           <p:cNvSpPr txBox="1"/>
           <p:nvPr/>
         </p:nvSpPr>
@@ -27713,7 +30163,7 @@
       </p:sp>
       <p:pic>
         <p:nvPicPr>
-          <p:cNvPr id="305" name="Google Shape;305;p34"/>
+          <p:cNvPr id="315" name="Google Shape;315;p35"/>
           <p:cNvPicPr preferRelativeResize="0"/>
           <p:nvPr/>
         </p:nvPicPr>
@@ -27752,7 +30202,7 @@
       </p:pic>
       <p:sp>
         <p:nvSpPr>
-          <p:cNvPr id="306" name="Google Shape;306;p34"/>
+          <p:cNvPr id="316" name="Google Shape;316;p35"/>
           <p:cNvSpPr txBox="1"/>
           <p:nvPr/>
         </p:nvSpPr>
@@ -27946,7 +30396,7 @@
       </p:sp>
       <p:sp>
         <p:nvSpPr>
-          <p:cNvPr id="307" name="Google Shape;307;p34"/>
+          <p:cNvPr id="317" name="Google Shape;317;p35"/>
           <p:cNvSpPr txBox="1"/>
           <p:nvPr/>
         </p:nvSpPr>
@@ -28210,12 +30660,12 @@
 </p:sld>
 </file>
 
-<file path=ppt/slides/slide21.xml><?xml version="1.0" encoding="utf-8"?>
+<file path=ppt/slides/slide22.xml><?xml version="1.0" encoding="utf-8"?>
 <p:sld xmlns:a="http://schemas.openxmlformats.org/drawingml/2006/main" xmlns:r="http://schemas.openxmlformats.org/officeDocument/2006/relationships" xmlns:p="http://schemas.openxmlformats.org/presentationml/2006/main">
   <p:cSld>
     <p:spTree>
       <p:nvGrpSpPr>
-        <p:cNvPr id="1" name="Shape 311"/>
+        <p:cNvPr id="1" name="Shape 321"/>
         <p:cNvGrpSpPr/>
         <p:nvPr/>
       </p:nvGrpSpPr>
@@ -28229,7 +30679,7 @@
       </p:grpSpPr>
       <p:sp>
         <p:nvSpPr>
-          <p:cNvPr id="312" name="Google Shape;312;p35"/>
+          <p:cNvPr id="322" name="Google Shape;322;p36"/>
           <p:cNvSpPr txBox="1"/>
           <p:nvPr/>
         </p:nvSpPr>
@@ -28295,7 +30745,7 @@
       </p:sp>
       <p:sp>
         <p:nvSpPr>
-          <p:cNvPr id="313" name="Google Shape;313;p35"/>
+          <p:cNvPr id="323" name="Google Shape;323;p36"/>
           <p:cNvSpPr txBox="1"/>
           <p:nvPr/>
         </p:nvSpPr>
@@ -28405,7 +30855,7 @@
       </p:sp>
       <p:sp>
         <p:nvSpPr>
-          <p:cNvPr id="314" name="Google Shape;314;p35"/>
+          <p:cNvPr id="324" name="Google Shape;324;p36"/>
           <p:cNvSpPr txBox="1"/>
           <p:nvPr/>
         </p:nvSpPr>
@@ -28453,7 +30903,7 @@
       </p:sp>
       <p:sp>
         <p:nvSpPr>
-          <p:cNvPr id="315" name="Google Shape;315;p35"/>
+          <p:cNvPr id="325" name="Google Shape;325;p36"/>
           <p:cNvSpPr txBox="1"/>
           <p:nvPr/>
         </p:nvSpPr>
@@ -28648,7 +31098,7 @@
       </p:sp>
       <p:pic>
         <p:nvPicPr>
-          <p:cNvPr id="316" name="Google Shape;316;p35"/>
+          <p:cNvPr id="326" name="Google Shape;326;p36"/>
           <p:cNvPicPr preferRelativeResize="0"/>
           <p:nvPr/>
         </p:nvPicPr>
@@ -28687,12 +31137,12 @@
 </p:sld>
 </file>
 
-<file path=ppt/slides/slide22.xml><?xml version="1.0" encoding="utf-8"?>
+<file path=ppt/slides/slide23.xml><?xml version="1.0" encoding="utf-8"?>
 <p:sld xmlns:a="http://schemas.openxmlformats.org/drawingml/2006/main" xmlns:r="http://schemas.openxmlformats.org/officeDocument/2006/relationships" xmlns:p="http://schemas.openxmlformats.org/presentationml/2006/main">
   <p:cSld>
     <p:spTree>
       <p:nvGrpSpPr>
-        <p:cNvPr id="1" name="Shape 320"/>
+        <p:cNvPr id="1" name="Shape 330"/>
         <p:cNvGrpSpPr/>
         <p:nvPr/>
       </p:nvGrpSpPr>
@@ -28706,7 +31156,7 @@
       </p:grpSpPr>
       <p:pic>
         <p:nvPicPr>
-          <p:cNvPr id="321" name="Google Shape;321;p36"/>
+          <p:cNvPr id="331" name="Google Shape;331;p37"/>
           <p:cNvPicPr preferRelativeResize="0"/>
           <p:nvPr/>
         </p:nvPicPr>
@@ -28738,7 +31188,7 @@
       </p:pic>
       <p:sp>
         <p:nvSpPr>
-          <p:cNvPr id="322" name="Google Shape;322;p36"/>
+          <p:cNvPr id="332" name="Google Shape;332;p37"/>
           <p:cNvSpPr txBox="1"/>
           <p:nvPr/>
         </p:nvSpPr>
@@ -28804,7 +31254,7 @@
       </p:sp>
       <p:sp>
         <p:nvSpPr>
-          <p:cNvPr id="323" name="Google Shape;323;p36"/>
+          <p:cNvPr id="333" name="Google Shape;333;p37"/>
           <p:cNvSpPr txBox="1"/>
           <p:nvPr/>
         </p:nvSpPr>
@@ -29234,7 +31684,7 @@
       </p:sp>
       <p:pic>
         <p:nvPicPr>
-          <p:cNvPr id="324" name="Google Shape;324;p36"/>
+          <p:cNvPr id="334" name="Google Shape;334;p37"/>
           <p:cNvPicPr preferRelativeResize="0"/>
           <p:nvPr/>
         </p:nvPicPr>
@@ -29266,7 +31716,7 @@
       </p:pic>
       <p:sp>
         <p:nvSpPr>
-          <p:cNvPr id="325" name="Google Shape;325;p36"/>
+          <p:cNvPr id="335" name="Google Shape;335;p37"/>
           <p:cNvSpPr txBox="1"/>
           <p:nvPr/>
         </p:nvSpPr>
@@ -29345,7 +31795,7 @@
       </p:sp>
       <p:sp>
         <p:nvSpPr>
-          <p:cNvPr id="326" name="Google Shape;326;p36"/>
+          <p:cNvPr id="336" name="Google Shape;336;p37"/>
           <p:cNvSpPr txBox="1"/>
           <p:nvPr/>
         </p:nvSpPr>
@@ -29417,12 +31867,12 @@
 </p:sld>
 </file>
 
-<file path=ppt/slides/slide23.xml><?xml version="1.0" encoding="utf-8"?>
+<file path=ppt/slides/slide24.xml><?xml version="1.0" encoding="utf-8"?>
 <p:sld xmlns:a="http://schemas.openxmlformats.org/drawingml/2006/main" xmlns:r="http://schemas.openxmlformats.org/officeDocument/2006/relationships" xmlns:p="http://schemas.openxmlformats.org/presentationml/2006/main">
   <p:cSld>
     <p:spTree>
       <p:nvGrpSpPr>
-        <p:cNvPr id="1" name="Shape 330"/>
+        <p:cNvPr id="1" name="Shape 340"/>
         <p:cNvGrpSpPr/>
         <p:nvPr/>
       </p:nvGrpSpPr>
@@ -29436,7 +31886,7 @@
       </p:grpSpPr>
       <p:sp>
         <p:nvSpPr>
-          <p:cNvPr id="331" name="Google Shape;331;p37"/>
+          <p:cNvPr id="341" name="Google Shape;341;p38"/>
           <p:cNvSpPr txBox="1"/>
           <p:nvPr/>
         </p:nvSpPr>
@@ -30425,7 +32875,7 @@
             <a:tbl>
               <a:tblPr>
                 <a:noFill/>
-                <a:tableStyleId>{67F7511B-30B4-4664-B006-A1E33C83FF8F}</a:tableStyleId>
+                <a:tableStyleId>{2346E2C7-764D-4120-BA29-5CF06B0561F4}</a:tableStyleId>
               </a:tblPr>
               <a:tblGrid>
                 <a:gridCol w="656925">

--- a/2025/2025-03-21-AI-Updates.pptx
+++ b/2025/2025-03-21-AI-Updates.pptx
@@ -5,7 +5,7 @@
     <p:sldMasterId id="2147483661" r:id="rId1"/>
   </p:sldMasterIdLst>
   <p:notesMasterIdLst>
-    <p:notesMasterId r:id="rId26"/>
+    <p:notesMasterId r:id="rId25"/>
   </p:notesMasterIdLst>
   <p:sldIdLst>
     <p:sldId id="256" r:id="rId2"/>
@@ -31,17 +31,16 @@
     <p:sldId id="276" r:id="rId22"/>
     <p:sldId id="277" r:id="rId23"/>
     <p:sldId id="278" r:id="rId24"/>
-    <p:sldId id="279" r:id="rId25"/>
   </p:sldIdLst>
   <p:sldSz cx="9144000" cy="5143500" type="screen16x9"/>
   <p:notesSz cx="6858000" cy="9144000"/>
   <p:embeddedFontLst>
     <p:embeddedFont>
       <p:font typeface="Roboto Mono" pitchFamily="49" charset="0"/>
-      <p:regular r:id="rId27"/>
-      <p:bold r:id="rId28"/>
-      <p:italic r:id="rId29"/>
-      <p:boldItalic r:id="rId30"/>
+      <p:regular r:id="rId26"/>
+      <p:bold r:id="rId27"/>
+      <p:italic r:id="rId28"/>
+      <p:boldItalic r:id="rId29"/>
     </p:embeddedFont>
   </p:embeddedFontLst>
   <p:defaultTextStyle>
@@ -2324,7 +2323,7 @@
   <p:cSld>
     <p:spTree>
       <p:nvGrpSpPr>
-        <p:cNvPr id="1" name="Shape 298"/>
+        <p:cNvPr id="1" name="Shape 295"/>
         <p:cNvGrpSpPr/>
         <p:nvPr/>
       </p:nvGrpSpPr>
@@ -2338,7 +2337,7 @@
       </p:grpSpPr>
       <p:sp>
         <p:nvSpPr>
-          <p:cNvPr id="299" name="Google Shape;299;g2dcea13964c_1_9:notes"/>
+          <p:cNvPr id="296" name="Google Shape;296;g2e40055f527_1_0:notes"/>
           <p:cNvSpPr>
             <a:spLocks noGrp="1" noRot="1" noChangeAspect="1"/>
           </p:cNvSpPr>
@@ -2389,7 +2388,7 @@
       </p:sp>
       <p:sp>
         <p:nvSpPr>
-          <p:cNvPr id="300" name="Google Shape;300;g2dcea13964c_1_9:notes"/>
+          <p:cNvPr id="297" name="Google Shape;297;g2e40055f527_1_0:notes"/>
           <p:cNvSpPr txBox="1">
             <a:spLocks noGrp="1"/>
           </p:cNvSpPr>
@@ -2446,7 +2445,7 @@
   <p:cSld>
     <p:spTree>
       <p:nvGrpSpPr>
-        <p:cNvPr id="1" name="Shape 305"/>
+        <p:cNvPr id="1" name="Shape 303"/>
         <p:cNvGrpSpPr/>
         <p:nvPr/>
       </p:nvGrpSpPr>
@@ -2460,7 +2459,7 @@
       </p:grpSpPr>
       <p:sp>
         <p:nvSpPr>
-          <p:cNvPr id="306" name="Google Shape;306;g2e40055f527_1_0:notes"/>
+          <p:cNvPr id="304" name="Google Shape;304;g344662d92fa_2_0:notes"/>
           <p:cNvSpPr>
             <a:spLocks noGrp="1" noRot="1" noChangeAspect="1"/>
           </p:cNvSpPr>
@@ -2511,7 +2510,7 @@
       </p:sp>
       <p:sp>
         <p:nvSpPr>
-          <p:cNvPr id="307" name="Google Shape;307;g2e40055f527_1_0:notes"/>
+          <p:cNvPr id="305" name="Google Shape;305;g344662d92fa_2_0:notes"/>
           <p:cNvSpPr txBox="1">
             <a:spLocks noGrp="1"/>
           </p:cNvSpPr>
@@ -2568,7 +2567,7 @@
   <p:cSld>
     <p:spTree>
       <p:nvGrpSpPr>
-        <p:cNvPr id="1" name="Shape 318"/>
+        <p:cNvPr id="1" name="Shape 312"/>
         <p:cNvGrpSpPr/>
         <p:nvPr/>
       </p:nvGrpSpPr>
@@ -2582,7 +2581,129 @@
       </p:grpSpPr>
       <p:sp>
         <p:nvSpPr>
-          <p:cNvPr id="319" name="Google Shape;319;g344662d92fa_2_0:notes"/>
+          <p:cNvPr id="313" name="Google Shape;313;p22:notes"/>
+          <p:cNvSpPr>
+            <a:spLocks noGrp="1" noRot="1" noChangeAspect="1"/>
+          </p:cNvSpPr>
+          <p:nvPr>
+            <p:ph type="sldImg" idx="2"/>
+          </p:nvPr>
+        </p:nvSpPr>
+        <p:spPr>
+          <a:xfrm>
+            <a:off x="381000" y="685800"/>
+            <a:ext cx="6096000" cy="3429000"/>
+          </a:xfrm>
+          <a:custGeom>
+            <a:avLst/>
+            <a:gdLst/>
+            <a:ahLst/>
+            <a:cxnLst/>
+            <a:rect l="l" t="t" r="r" b="b"/>
+            <a:pathLst>
+              <a:path w="120000" h="120000" extrusionOk="0">
+                <a:moveTo>
+                  <a:pt x="0" y="0"/>
+                </a:moveTo>
+                <a:lnTo>
+                  <a:pt x="120000" y="0"/>
+                </a:lnTo>
+                <a:lnTo>
+                  <a:pt x="120000" y="120000"/>
+                </a:lnTo>
+                <a:lnTo>
+                  <a:pt x="0" y="120000"/>
+                </a:lnTo>
+                <a:close/>
+              </a:path>
+            </a:pathLst>
+          </a:custGeom>
+          <a:noFill/>
+          <a:ln w="9525" cap="flat" cmpd="sng">
+            <a:solidFill>
+              <a:srgbClr val="000000"/>
+            </a:solidFill>
+            <a:prstDash val="solid"/>
+            <a:round/>
+            <a:headEnd type="none" w="sm" len="sm"/>
+            <a:tailEnd type="none" w="sm" len="sm"/>
+          </a:ln>
+        </p:spPr>
+      </p:sp>
+      <p:sp>
+        <p:nvSpPr>
+          <p:cNvPr id="314" name="Google Shape;314;p22:notes"/>
+          <p:cNvSpPr txBox="1">
+            <a:spLocks noGrp="1"/>
+          </p:cNvSpPr>
+          <p:nvPr>
+            <p:ph type="body" idx="1"/>
+          </p:nvPr>
+        </p:nvSpPr>
+        <p:spPr>
+          <a:xfrm>
+            <a:off x="685800" y="4343400"/>
+            <a:ext cx="5486400" cy="4114800"/>
+          </a:xfrm>
+          <a:prstGeom prst="rect">
+            <a:avLst/>
+          </a:prstGeom>
+          <a:noFill/>
+          <a:ln>
+            <a:noFill/>
+          </a:ln>
+        </p:spPr>
+        <p:txBody>
+          <a:bodyPr spcFirstLastPara="1" wrap="square" lIns="91425" tIns="91425" rIns="91425" bIns="91425" anchor="t" anchorCtr="0">
+            <a:noAutofit/>
+          </a:bodyPr>
+          <a:lstStyle/>
+          <a:p>
+            <a:pPr marL="0" lvl="0" indent="0" algn="l" rtl="0">
+              <a:lnSpc>
+                <a:spcPct val="100000"/>
+              </a:lnSpc>
+              <a:spcBef>
+                <a:spcPts val="0"/>
+              </a:spcBef>
+              <a:spcAft>
+                <a:spcPts val="0"/>
+              </a:spcAft>
+              <a:buSzPts val="1100"/>
+              <a:buNone/>
+            </a:pPr>
+            <a:endParaRPr/>
+          </a:p>
+        </p:txBody>
+      </p:sp>
+    </p:spTree>
+  </p:cSld>
+  <p:clrMapOvr>
+    <a:masterClrMapping/>
+  </p:clrMapOvr>
+</p:notes>
+</file>
+
+<file path=ppt/notesSlides/notesSlide23.xml><?xml version="1.0" encoding="utf-8"?>
+<p:notes xmlns:a="http://schemas.openxmlformats.org/drawingml/2006/main" xmlns:r="http://schemas.openxmlformats.org/officeDocument/2006/relationships" xmlns:p="http://schemas.openxmlformats.org/presentationml/2006/main" showMasterSp="0" showMasterPhAnim="0">
+  <p:cSld>
+    <p:spTree>
+      <p:nvGrpSpPr>
+        <p:cNvPr id="1" name="Shape 322"/>
+        <p:cNvGrpSpPr/>
+        <p:nvPr/>
+      </p:nvGrpSpPr>
+      <p:grpSpPr>
+        <a:xfrm>
+          <a:off x="0" y="0"/>
+          <a:ext cx="0" cy="0"/>
+          <a:chOff x="0" y="0"/>
+          <a:chExt cx="0" cy="0"/>
+        </a:xfrm>
+      </p:grpSpPr>
+      <p:sp>
+        <p:nvSpPr>
+          <p:cNvPr id="323" name="Google Shape;323;p23:notes"/>
           <p:cNvSpPr>
             <a:spLocks noGrp="1" noRot="1" noChangeAspect="1"/>
           </p:cNvSpPr>
@@ -2633,251 +2754,7 @@
       </p:sp>
       <p:sp>
         <p:nvSpPr>
-          <p:cNvPr id="320" name="Google Shape;320;g344662d92fa_2_0:notes"/>
-          <p:cNvSpPr txBox="1">
-            <a:spLocks noGrp="1"/>
-          </p:cNvSpPr>
-          <p:nvPr>
-            <p:ph type="body" idx="1"/>
-          </p:nvPr>
-        </p:nvSpPr>
-        <p:spPr>
-          <a:xfrm>
-            <a:off x="685800" y="4343400"/>
-            <a:ext cx="5486400" cy="4114800"/>
-          </a:xfrm>
-          <a:prstGeom prst="rect">
-            <a:avLst/>
-          </a:prstGeom>
-          <a:noFill/>
-          <a:ln>
-            <a:noFill/>
-          </a:ln>
-        </p:spPr>
-        <p:txBody>
-          <a:bodyPr spcFirstLastPara="1" wrap="square" lIns="91425" tIns="91425" rIns="91425" bIns="91425" anchor="t" anchorCtr="0">
-            <a:noAutofit/>
-          </a:bodyPr>
-          <a:lstStyle/>
-          <a:p>
-            <a:pPr marL="0" lvl="0" indent="0" algn="l" rtl="0">
-              <a:lnSpc>
-                <a:spcPct val="100000"/>
-              </a:lnSpc>
-              <a:spcBef>
-                <a:spcPts val="0"/>
-              </a:spcBef>
-              <a:spcAft>
-                <a:spcPts val="0"/>
-              </a:spcAft>
-              <a:buSzPts val="1100"/>
-              <a:buNone/>
-            </a:pPr>
-            <a:endParaRPr/>
-          </a:p>
-        </p:txBody>
-      </p:sp>
-    </p:spTree>
-  </p:cSld>
-  <p:clrMapOvr>
-    <a:masterClrMapping/>
-  </p:clrMapOvr>
-</p:notes>
-</file>
-
-<file path=ppt/notesSlides/notesSlide23.xml><?xml version="1.0" encoding="utf-8"?>
-<p:notes xmlns:a="http://schemas.openxmlformats.org/drawingml/2006/main" xmlns:r="http://schemas.openxmlformats.org/officeDocument/2006/relationships" xmlns:p="http://schemas.openxmlformats.org/presentationml/2006/main" showMasterSp="0" showMasterPhAnim="0">
-  <p:cSld>
-    <p:spTree>
-      <p:nvGrpSpPr>
-        <p:cNvPr id="1" name="Shape 327"/>
-        <p:cNvGrpSpPr/>
-        <p:nvPr/>
-      </p:nvGrpSpPr>
-      <p:grpSpPr>
-        <a:xfrm>
-          <a:off x="0" y="0"/>
-          <a:ext cx="0" cy="0"/>
-          <a:chOff x="0" y="0"/>
-          <a:chExt cx="0" cy="0"/>
-        </a:xfrm>
-      </p:grpSpPr>
-      <p:sp>
-        <p:nvSpPr>
-          <p:cNvPr id="328" name="Google Shape;328;p22:notes"/>
-          <p:cNvSpPr>
-            <a:spLocks noGrp="1" noRot="1" noChangeAspect="1"/>
-          </p:cNvSpPr>
-          <p:nvPr>
-            <p:ph type="sldImg" idx="2"/>
-          </p:nvPr>
-        </p:nvSpPr>
-        <p:spPr>
-          <a:xfrm>
-            <a:off x="381000" y="685800"/>
-            <a:ext cx="6096000" cy="3429000"/>
-          </a:xfrm>
-          <a:custGeom>
-            <a:avLst/>
-            <a:gdLst/>
-            <a:ahLst/>
-            <a:cxnLst/>
-            <a:rect l="l" t="t" r="r" b="b"/>
-            <a:pathLst>
-              <a:path w="120000" h="120000" extrusionOk="0">
-                <a:moveTo>
-                  <a:pt x="0" y="0"/>
-                </a:moveTo>
-                <a:lnTo>
-                  <a:pt x="120000" y="0"/>
-                </a:lnTo>
-                <a:lnTo>
-                  <a:pt x="120000" y="120000"/>
-                </a:lnTo>
-                <a:lnTo>
-                  <a:pt x="0" y="120000"/>
-                </a:lnTo>
-                <a:close/>
-              </a:path>
-            </a:pathLst>
-          </a:custGeom>
-          <a:noFill/>
-          <a:ln w="9525" cap="flat" cmpd="sng">
-            <a:solidFill>
-              <a:srgbClr val="000000"/>
-            </a:solidFill>
-            <a:prstDash val="solid"/>
-            <a:round/>
-            <a:headEnd type="none" w="sm" len="sm"/>
-            <a:tailEnd type="none" w="sm" len="sm"/>
-          </a:ln>
-        </p:spPr>
-      </p:sp>
-      <p:sp>
-        <p:nvSpPr>
-          <p:cNvPr id="329" name="Google Shape;329;p22:notes"/>
-          <p:cNvSpPr txBox="1">
-            <a:spLocks noGrp="1"/>
-          </p:cNvSpPr>
-          <p:nvPr>
-            <p:ph type="body" idx="1"/>
-          </p:nvPr>
-        </p:nvSpPr>
-        <p:spPr>
-          <a:xfrm>
-            <a:off x="685800" y="4343400"/>
-            <a:ext cx="5486400" cy="4114800"/>
-          </a:xfrm>
-          <a:prstGeom prst="rect">
-            <a:avLst/>
-          </a:prstGeom>
-          <a:noFill/>
-          <a:ln>
-            <a:noFill/>
-          </a:ln>
-        </p:spPr>
-        <p:txBody>
-          <a:bodyPr spcFirstLastPara="1" wrap="square" lIns="91425" tIns="91425" rIns="91425" bIns="91425" anchor="t" anchorCtr="0">
-            <a:noAutofit/>
-          </a:bodyPr>
-          <a:lstStyle/>
-          <a:p>
-            <a:pPr marL="0" lvl="0" indent="0" algn="l" rtl="0">
-              <a:lnSpc>
-                <a:spcPct val="100000"/>
-              </a:lnSpc>
-              <a:spcBef>
-                <a:spcPts val="0"/>
-              </a:spcBef>
-              <a:spcAft>
-                <a:spcPts val="0"/>
-              </a:spcAft>
-              <a:buSzPts val="1100"/>
-              <a:buNone/>
-            </a:pPr>
-            <a:endParaRPr/>
-          </a:p>
-        </p:txBody>
-      </p:sp>
-    </p:spTree>
-  </p:cSld>
-  <p:clrMapOvr>
-    <a:masterClrMapping/>
-  </p:clrMapOvr>
-</p:notes>
-</file>
-
-<file path=ppt/notesSlides/notesSlide24.xml><?xml version="1.0" encoding="utf-8"?>
-<p:notes xmlns:a="http://schemas.openxmlformats.org/drawingml/2006/main" xmlns:r="http://schemas.openxmlformats.org/officeDocument/2006/relationships" xmlns:p="http://schemas.openxmlformats.org/presentationml/2006/main" showMasterSp="0" showMasterPhAnim="0">
-  <p:cSld>
-    <p:spTree>
-      <p:nvGrpSpPr>
-        <p:cNvPr id="1" name="Shape 337"/>
-        <p:cNvGrpSpPr/>
-        <p:nvPr/>
-      </p:nvGrpSpPr>
-      <p:grpSpPr>
-        <a:xfrm>
-          <a:off x="0" y="0"/>
-          <a:ext cx="0" cy="0"/>
-          <a:chOff x="0" y="0"/>
-          <a:chExt cx="0" cy="0"/>
-        </a:xfrm>
-      </p:grpSpPr>
-      <p:sp>
-        <p:nvSpPr>
-          <p:cNvPr id="338" name="Google Shape;338;p23:notes"/>
-          <p:cNvSpPr>
-            <a:spLocks noGrp="1" noRot="1" noChangeAspect="1"/>
-          </p:cNvSpPr>
-          <p:nvPr>
-            <p:ph type="sldImg" idx="2"/>
-          </p:nvPr>
-        </p:nvSpPr>
-        <p:spPr>
-          <a:xfrm>
-            <a:off x="381300" y="685800"/>
-            <a:ext cx="6096000" cy="3429000"/>
-          </a:xfrm>
-          <a:custGeom>
-            <a:avLst/>
-            <a:gdLst/>
-            <a:ahLst/>
-            <a:cxnLst/>
-            <a:rect l="l" t="t" r="r" b="b"/>
-            <a:pathLst>
-              <a:path w="120000" h="120000" extrusionOk="0">
-                <a:moveTo>
-                  <a:pt x="0" y="0"/>
-                </a:moveTo>
-                <a:lnTo>
-                  <a:pt x="120000" y="0"/>
-                </a:lnTo>
-                <a:lnTo>
-                  <a:pt x="120000" y="120000"/>
-                </a:lnTo>
-                <a:lnTo>
-                  <a:pt x="0" y="120000"/>
-                </a:lnTo>
-                <a:close/>
-              </a:path>
-            </a:pathLst>
-          </a:custGeom>
-          <a:noFill/>
-          <a:ln w="9525" cap="flat" cmpd="sng">
-            <a:solidFill>
-              <a:srgbClr val="000000"/>
-            </a:solidFill>
-            <a:prstDash val="solid"/>
-            <a:round/>
-            <a:headEnd type="none" w="sm" len="sm"/>
-            <a:tailEnd type="none" w="sm" len="sm"/>
-          </a:ln>
-        </p:spPr>
-      </p:sp>
-      <p:sp>
-        <p:nvSpPr>
-          <p:cNvPr id="339" name="Google Shape;339;p23:notes"/>
+          <p:cNvPr id="324" name="Google Shape;324;p23:notes"/>
           <p:cNvSpPr txBox="1">
             <a:spLocks noGrp="1"/>
           </p:cNvSpPr>
@@ -15673,7 +15550,7 @@
         </p:nvSpPr>
         <p:spPr>
           <a:xfrm>
-            <a:off x="101150" y="2623900"/>
+            <a:off x="101150" y="2395300"/>
             <a:ext cx="4456200" cy="1311300"/>
           </a:xfrm>
           <a:prstGeom prst="rect">
@@ -16417,7 +16294,7 @@
         </p:nvSpPr>
         <p:spPr>
           <a:xfrm>
-            <a:off x="101150" y="4287750"/>
+            <a:off x="101150" y="3906750"/>
             <a:ext cx="4456200" cy="757200"/>
           </a:xfrm>
           <a:prstGeom prst="rect">
@@ -17064,7 +16941,7 @@
         <p:spPr>
           <a:xfrm>
             <a:off x="61050" y="3031925"/>
-            <a:ext cx="4456200" cy="849600"/>
+            <a:ext cx="4456200" cy="664800"/>
           </a:xfrm>
           <a:prstGeom prst="rect">
             <a:avLst/>
@@ -17108,43 +16985,6 @@
                 <a:sym typeface="Calibri"/>
               </a:rPr>
               <a:t>CODI: A Self-Distillation Framework for Efficient and Scalable Chain-of-Thought Reasoning in LLMs</a:t>
-            </a:r>
-            <a:endParaRPr sz="1200" b="1">
-              <a:solidFill>
-                <a:srgbClr val="FF0000"/>
-              </a:solidFill>
-              <a:latin typeface="Calibri"/>
-              <a:ea typeface="Calibri"/>
-              <a:cs typeface="Calibri"/>
-              <a:sym typeface="Calibri"/>
-            </a:endParaRPr>
-          </a:p>
-          <a:p>
-            <a:pPr marL="171450" lvl="0" indent="-133350" algn="l" rtl="0">
-              <a:spcBef>
-                <a:spcPts val="0"/>
-              </a:spcBef>
-              <a:spcAft>
-                <a:spcPts val="0"/>
-              </a:spcAft>
-              <a:buClr>
-                <a:schemeClr val="dk1"/>
-              </a:buClr>
-              <a:buSzPts val="1200"/>
-              <a:buFont typeface="Calibri"/>
-              <a:buChar char="●"/>
-            </a:pPr>
-            <a:r>
-              <a:rPr lang="en" sz="1200">
-                <a:solidFill>
-                  <a:srgbClr val="131313"/>
-                </a:solidFill>
-                <a:latin typeface="Calibri"/>
-                <a:ea typeface="Calibri"/>
-                <a:cs typeface="Calibri"/>
-                <a:sym typeface="Calibri"/>
-              </a:rPr>
-              <a:t>xxx</a:t>
             </a:r>
             <a:endParaRPr sz="1200">
               <a:solidFill>
@@ -19722,7 +19562,7 @@
                 <a:cs typeface="Calibri"/>
                 <a:sym typeface="Calibri"/>
               </a:rPr>
-              <a:t>In-Browser Graph with Kuzu-Wasm</a:t>
+              <a:t>In-Browser Graph RAG with Kuzu-Wasm</a:t>
             </a:r>
             <a:endParaRPr sz="2000" b="1">
               <a:solidFill>
@@ -24967,7 +24807,7 @@
                 <a:cs typeface="Calibri"/>
                 <a:sym typeface="Calibri"/>
               </a:rPr>
-              <a:t>Total #models: 216</a:t>
+              <a:t>Total #models: 218</a:t>
             </a:r>
             <a:endParaRPr sz="1100">
               <a:solidFill>
@@ -25010,7 +24850,7 @@
                 <a:cs typeface="Calibri"/>
                 <a:sym typeface="Calibri"/>
               </a:rPr>
-              <a:t>Total #votes: 2,787,691</a:t>
+              <a:t>Total #votes: 2,801,990</a:t>
             </a:r>
             <a:endParaRPr sz="1100">
               <a:solidFill>
@@ -25053,7 +24893,7 @@
                 <a:cs typeface="Calibri"/>
                 <a:sym typeface="Calibri"/>
               </a:rPr>
-              <a:t>Last updated: 2025-03-16</a:t>
+              <a:t>Last updated: 2025-03-20</a:t>
             </a:r>
             <a:endParaRPr sz="1100">
               <a:solidFill>
@@ -25152,7 +24992,7 @@
         </p:nvSpPr>
         <p:spPr>
           <a:xfrm>
-            <a:off x="324346" y="2145105"/>
+            <a:off x="360981" y="2145105"/>
             <a:ext cx="287100" cy="141600"/>
           </a:xfrm>
           <a:prstGeom prst="rect">
@@ -25227,7 +25067,7 @@
         </p:nvSpPr>
         <p:spPr>
           <a:xfrm>
-            <a:off x="629547" y="1760765"/>
+            <a:off x="651849" y="1760765"/>
             <a:ext cx="125400" cy="125400"/>
           </a:xfrm>
           <a:prstGeom prst="ellipse">
@@ -25273,7 +25113,7 @@
         </p:nvSpPr>
         <p:spPr>
           <a:xfrm>
-            <a:off x="627115" y="1579032"/>
+            <a:off x="651849" y="1579032"/>
             <a:ext cx="125400" cy="125400"/>
           </a:xfrm>
           <a:prstGeom prst="ellipse">
@@ -25319,7 +25159,7 @@
         </p:nvSpPr>
         <p:spPr>
           <a:xfrm>
-            <a:off x="3956164" y="4288029"/>
+            <a:off x="3970661" y="4328582"/>
             <a:ext cx="288900" cy="141600"/>
           </a:xfrm>
           <a:prstGeom prst="rect">
@@ -25394,7 +25234,7 @@
         </p:nvSpPr>
         <p:spPr>
           <a:xfrm>
-            <a:off x="4120964" y="2169982"/>
+            <a:off x="4134161" y="2169982"/>
             <a:ext cx="125400" cy="125400"/>
           </a:xfrm>
           <a:prstGeom prst="ellipse">
@@ -25440,7 +25280,7 @@
         </p:nvSpPr>
         <p:spPr>
           <a:xfrm>
-            <a:off x="4120985" y="2932575"/>
+            <a:off x="4134161" y="2959610"/>
             <a:ext cx="125400" cy="125400"/>
           </a:xfrm>
           <a:prstGeom prst="ellipse">
@@ -25486,7 +25326,7 @@
         </p:nvSpPr>
         <p:spPr>
           <a:xfrm>
-            <a:off x="4120974" y="1571921"/>
+            <a:off x="4134161" y="1571921"/>
             <a:ext cx="125400" cy="125400"/>
           </a:xfrm>
           <a:prstGeom prst="ellipse">
@@ -25532,7 +25372,7 @@
         </p:nvSpPr>
         <p:spPr>
           <a:xfrm>
-            <a:off x="323617" y="3507429"/>
+            <a:off x="351221" y="3928982"/>
             <a:ext cx="287100" cy="141600"/>
           </a:xfrm>
           <a:prstGeom prst="rect">
@@ -25607,7 +25447,7 @@
         </p:nvSpPr>
         <p:spPr>
           <a:xfrm>
-            <a:off x="628469" y="1965598"/>
+            <a:off x="651849" y="1965598"/>
             <a:ext cx="125400" cy="125400"/>
           </a:xfrm>
           <a:prstGeom prst="ellipse">
@@ -25653,7 +25493,7 @@
         </p:nvSpPr>
         <p:spPr>
           <a:xfrm>
-            <a:off x="629430" y="2561859"/>
+            <a:off x="651849" y="2561859"/>
             <a:ext cx="125400" cy="125400"/>
           </a:xfrm>
           <a:prstGeom prst="ellipse">
@@ -25699,7 +25539,7 @@
         </p:nvSpPr>
         <p:spPr>
           <a:xfrm>
-            <a:off x="4106019" y="3128882"/>
+            <a:off x="4134161" y="3149158"/>
             <a:ext cx="125400" cy="125400"/>
           </a:xfrm>
           <a:prstGeom prst="ellipse">
@@ -25745,7 +25585,7 @@
         </p:nvSpPr>
         <p:spPr>
           <a:xfrm>
-            <a:off x="4120970" y="1372054"/>
+            <a:off x="4134161" y="1372054"/>
             <a:ext cx="125400" cy="125400"/>
           </a:xfrm>
           <a:prstGeom prst="ellipse">
@@ -25791,7 +25631,7 @@
         </p:nvSpPr>
         <p:spPr>
           <a:xfrm>
-            <a:off x="4110500" y="2357721"/>
+            <a:off x="4134161" y="2357721"/>
             <a:ext cx="125400" cy="125400"/>
           </a:xfrm>
           <a:prstGeom prst="ellipse">
@@ -25837,7 +25677,7 @@
         </p:nvSpPr>
         <p:spPr>
           <a:xfrm>
-            <a:off x="629555" y="3333734"/>
+            <a:off x="651849" y="3333734"/>
             <a:ext cx="125400" cy="125400"/>
           </a:xfrm>
           <a:prstGeom prst="ellipse">
@@ -25883,7 +25723,7 @@
         </p:nvSpPr>
         <p:spPr>
           <a:xfrm>
-            <a:off x="626888" y="2153499"/>
+            <a:off x="651849" y="2153499"/>
             <a:ext cx="125400" cy="125400"/>
           </a:xfrm>
           <a:prstGeom prst="ellipse">
@@ -25929,7 +25769,7 @@
         </p:nvSpPr>
         <p:spPr>
           <a:xfrm>
-            <a:off x="626323" y="2356453"/>
+            <a:off x="651849" y="2356453"/>
             <a:ext cx="125400" cy="125400"/>
           </a:xfrm>
           <a:prstGeom prst="ellipse">
@@ -25975,7 +25815,7 @@
         </p:nvSpPr>
         <p:spPr>
           <a:xfrm>
-            <a:off x="315686" y="3717839"/>
+            <a:off x="343290" y="3703185"/>
             <a:ext cx="288900" cy="141600"/>
           </a:xfrm>
           <a:prstGeom prst="rect">
@@ -26050,7 +25890,7 @@
         </p:nvSpPr>
         <p:spPr>
           <a:xfrm>
-            <a:off x="3945262" y="3887057"/>
+            <a:off x="3970661" y="3553718"/>
             <a:ext cx="288900" cy="141600"/>
           </a:xfrm>
           <a:prstGeom prst="rect">
@@ -26125,7 +25965,7 @@
         </p:nvSpPr>
         <p:spPr>
           <a:xfrm>
-            <a:off x="626315" y="3519122"/>
+            <a:off x="651849" y="3940675"/>
             <a:ext cx="125400" cy="125400"/>
           </a:xfrm>
           <a:prstGeom prst="ellipse">
@@ -26246,7 +26086,7 @@
         </p:nvSpPr>
         <p:spPr>
           <a:xfrm>
-            <a:off x="4119054" y="1777294"/>
+            <a:off x="4134161" y="1777294"/>
             <a:ext cx="125400" cy="125400"/>
           </a:xfrm>
           <a:prstGeom prst="ellipse">
@@ -26292,7 +26132,7 @@
         </p:nvSpPr>
         <p:spPr>
           <a:xfrm>
-            <a:off x="4104958" y="1969958"/>
+            <a:off x="4134161" y="1969958"/>
             <a:ext cx="125400" cy="125400"/>
           </a:xfrm>
           <a:prstGeom prst="ellipse">
@@ -26338,7 +26178,7 @@
         </p:nvSpPr>
         <p:spPr>
           <a:xfrm>
-            <a:off x="3801401" y="3712847"/>
+            <a:off x="3970661" y="3741112"/>
             <a:ext cx="288900" cy="141600"/>
           </a:xfrm>
           <a:prstGeom prst="rect">
@@ -26413,7 +26253,7 @@
         </p:nvSpPr>
         <p:spPr>
           <a:xfrm>
-            <a:off x="4120971" y="2553410"/>
+            <a:off x="4134161" y="2553410"/>
             <a:ext cx="125400" cy="125400"/>
           </a:xfrm>
           <a:prstGeom prst="ellipse">
@@ -26459,7 +26299,7 @@
         </p:nvSpPr>
         <p:spPr>
           <a:xfrm>
-            <a:off x="465562" y="3126340"/>
+            <a:off x="490149" y="3146616"/>
             <a:ext cx="287100" cy="141600"/>
           </a:xfrm>
           <a:prstGeom prst="rect">
@@ -26529,12 +26369,413 @@
       <p:sp>
         <p:nvSpPr>
           <p:cNvPr id="273" name="Google Shape;273;p33"/>
+          <p:cNvSpPr txBox="1"/>
+          <p:nvPr/>
+        </p:nvSpPr>
+        <p:spPr>
+          <a:xfrm flipH="1">
+            <a:off x="582849" y="1169062"/>
+            <a:ext cx="194400" cy="141600"/>
+          </a:xfrm>
+          <a:prstGeom prst="rect">
+            <a:avLst/>
+          </a:prstGeom>
+          <a:solidFill>
+            <a:srgbClr val="FCE5CD"/>
+          </a:solidFill>
+          <a:ln w="9525" cap="flat" cmpd="sng">
+            <a:solidFill>
+              <a:srgbClr val="FF0000"/>
+            </a:solidFill>
+            <a:prstDash val="solid"/>
+            <a:round/>
+            <a:headEnd type="none" w="sm" len="sm"/>
+            <a:tailEnd type="none" w="sm" len="sm"/>
+          </a:ln>
+        </p:spPr>
+        <p:txBody>
+          <a:bodyPr spcFirstLastPara="1" wrap="square" lIns="9125" tIns="9125" rIns="9125" bIns="9125" anchor="t" anchorCtr="0">
+            <a:spAutoFit/>
+          </a:bodyPr>
+          <a:lstStyle/>
+          <a:p>
+            <a:pPr marL="0" lvl="0" indent="0" algn="l" rtl="0">
+              <a:spcBef>
+                <a:spcPts val="0"/>
+              </a:spcBef>
+              <a:spcAft>
+                <a:spcPts val="0"/>
+              </a:spcAft>
+              <a:buClr>
+                <a:srgbClr val="000000"/>
+              </a:buClr>
+              <a:buSzPts val="1100"/>
+              <a:buFont typeface="Arial"/>
+              <a:buNone/>
+            </a:pPr>
+            <a:r>
+              <a:rPr lang="en" sz="800">
+                <a:solidFill>
+                  <a:srgbClr val="1F2937"/>
+                </a:solidFill>
+                <a:latin typeface="Calibri"/>
+                <a:ea typeface="Calibri"/>
+                <a:cs typeface="Calibri"/>
+                <a:sym typeface="Calibri"/>
+              </a:rPr>
+              <a:t>x.ai</a:t>
+            </a:r>
+            <a:endParaRPr sz="800">
+              <a:solidFill>
+                <a:srgbClr val="1F2937"/>
+              </a:solidFill>
+              <a:latin typeface="Calibri"/>
+              <a:ea typeface="Calibri"/>
+              <a:cs typeface="Calibri"/>
+              <a:sym typeface="Calibri"/>
+            </a:endParaRPr>
+          </a:p>
+        </p:txBody>
+      </p:sp>
+      <p:sp>
+        <p:nvSpPr>
+          <p:cNvPr id="274" name="Google Shape;274;p33"/>
+          <p:cNvSpPr txBox="1"/>
+          <p:nvPr/>
+        </p:nvSpPr>
+        <p:spPr>
+          <a:xfrm>
+            <a:off x="488349" y="4517511"/>
+            <a:ext cx="288900" cy="141600"/>
+          </a:xfrm>
+          <a:prstGeom prst="rect">
+            <a:avLst/>
+          </a:prstGeom>
+          <a:noFill/>
+          <a:ln w="9525" cap="flat" cmpd="sng">
+            <a:solidFill>
+              <a:srgbClr val="FF0000"/>
+            </a:solidFill>
+            <a:prstDash val="solid"/>
+            <a:round/>
+            <a:headEnd type="none" w="sm" len="sm"/>
+            <a:tailEnd type="none" w="sm" len="sm"/>
+          </a:ln>
+        </p:spPr>
+        <p:txBody>
+          <a:bodyPr spcFirstLastPara="1" wrap="square" lIns="9125" tIns="9125" rIns="9125" bIns="9125" anchor="t" anchorCtr="0">
+            <a:spAutoFit/>
+          </a:bodyPr>
+          <a:lstStyle/>
+          <a:p>
+            <a:pPr marL="0" lvl="0" indent="0" algn="l" rtl="0">
+              <a:spcBef>
+                <a:spcPts val="0"/>
+              </a:spcBef>
+              <a:spcAft>
+                <a:spcPts val="0"/>
+              </a:spcAft>
+              <a:buClr>
+                <a:srgbClr val="000000"/>
+              </a:buClr>
+              <a:buSzPts val="1100"/>
+              <a:buFont typeface="Arial"/>
+              <a:buNone/>
+            </a:pPr>
+            <a:r>
+              <a:rPr lang="en" sz="800">
+                <a:solidFill>
+                  <a:srgbClr val="1F2937"/>
+                </a:solidFill>
+                <a:highlight>
+                  <a:srgbClr val="FFFFFF"/>
+                </a:highlight>
+                <a:latin typeface="Calibri"/>
+                <a:ea typeface="Calibri"/>
+                <a:cs typeface="Calibri"/>
+                <a:sym typeface="Calibri"/>
+              </a:rPr>
+              <a:t>China</a:t>
+            </a:r>
+            <a:endParaRPr sz="800">
+              <a:solidFill>
+                <a:srgbClr val="1F2937"/>
+              </a:solidFill>
+              <a:highlight>
+                <a:srgbClr val="FFFFFF"/>
+              </a:highlight>
+              <a:latin typeface="Calibri"/>
+              <a:ea typeface="Calibri"/>
+              <a:cs typeface="Calibri"/>
+              <a:sym typeface="Calibri"/>
+            </a:endParaRPr>
+          </a:p>
+        </p:txBody>
+      </p:sp>
+      <p:sp>
+        <p:nvSpPr>
+          <p:cNvPr id="275" name="Google Shape;275;p33"/>
+          <p:cNvSpPr txBox="1"/>
+          <p:nvPr/>
+        </p:nvSpPr>
+        <p:spPr>
+          <a:xfrm flipH="1">
+            <a:off x="4065161" y="1175956"/>
+            <a:ext cx="194400" cy="141600"/>
+          </a:xfrm>
+          <a:prstGeom prst="rect">
+            <a:avLst/>
+          </a:prstGeom>
+          <a:solidFill>
+            <a:srgbClr val="FCE5CD"/>
+          </a:solidFill>
+          <a:ln w="9525" cap="flat" cmpd="sng">
+            <a:solidFill>
+              <a:srgbClr val="FF0000"/>
+            </a:solidFill>
+            <a:prstDash val="solid"/>
+            <a:round/>
+            <a:headEnd type="none" w="sm" len="sm"/>
+            <a:tailEnd type="none" w="sm" len="sm"/>
+          </a:ln>
+        </p:spPr>
+        <p:txBody>
+          <a:bodyPr spcFirstLastPara="1" wrap="square" lIns="9125" tIns="9125" rIns="9125" bIns="9125" anchor="t" anchorCtr="0">
+            <a:spAutoFit/>
+          </a:bodyPr>
+          <a:lstStyle/>
+          <a:p>
+            <a:pPr marL="0" lvl="0" indent="0" algn="l" rtl="0">
+              <a:spcBef>
+                <a:spcPts val="0"/>
+              </a:spcBef>
+              <a:spcAft>
+                <a:spcPts val="0"/>
+              </a:spcAft>
+              <a:buClr>
+                <a:srgbClr val="000000"/>
+              </a:buClr>
+              <a:buSzPts val="1100"/>
+              <a:buFont typeface="Arial"/>
+              <a:buNone/>
+            </a:pPr>
+            <a:r>
+              <a:rPr lang="en" sz="800">
+                <a:solidFill>
+                  <a:srgbClr val="1F2937"/>
+                </a:solidFill>
+                <a:latin typeface="Calibri"/>
+                <a:ea typeface="Calibri"/>
+                <a:cs typeface="Calibri"/>
+                <a:sym typeface="Calibri"/>
+              </a:rPr>
+              <a:t>x.ai</a:t>
+            </a:r>
+            <a:endParaRPr sz="800">
+              <a:solidFill>
+                <a:srgbClr val="1F2937"/>
+              </a:solidFill>
+              <a:latin typeface="Calibri"/>
+              <a:ea typeface="Calibri"/>
+              <a:cs typeface="Calibri"/>
+              <a:sym typeface="Calibri"/>
+            </a:endParaRPr>
+          </a:p>
+        </p:txBody>
+      </p:sp>
+      <p:sp>
+        <p:nvSpPr>
+          <p:cNvPr id="276" name="Google Shape;276;p33"/>
           <p:cNvSpPr/>
           <p:nvPr/>
         </p:nvSpPr>
         <p:spPr>
           <a:xfrm>
-            <a:off x="4119299" y="4872519"/>
+            <a:off x="651849" y="2954018"/>
+            <a:ext cx="125400" cy="125400"/>
+          </a:xfrm>
+          <a:prstGeom prst="ellipse">
+            <a:avLst/>
+          </a:prstGeom>
+          <a:solidFill>
+            <a:srgbClr val="FFFF00"/>
+          </a:solidFill>
+          <a:ln w="9525" cap="flat" cmpd="sng">
+            <a:solidFill>
+              <a:srgbClr val="595959"/>
+            </a:solidFill>
+            <a:prstDash val="solid"/>
+            <a:round/>
+            <a:headEnd type="none" w="sm" len="sm"/>
+            <a:tailEnd type="none" w="sm" len="sm"/>
+          </a:ln>
+        </p:spPr>
+        <p:txBody>
+          <a:bodyPr spcFirstLastPara="1" wrap="square" lIns="91425" tIns="91425" rIns="91425" bIns="91425" anchor="ctr" anchorCtr="0">
+            <a:noAutofit/>
+          </a:bodyPr>
+          <a:lstStyle/>
+          <a:p>
+            <a:pPr marL="0" lvl="0" indent="0" algn="ctr" rtl="0">
+              <a:spcBef>
+                <a:spcPts val="0"/>
+              </a:spcBef>
+              <a:spcAft>
+                <a:spcPts val="0"/>
+              </a:spcAft>
+              <a:buNone/>
+            </a:pPr>
+            <a:endParaRPr/>
+          </a:p>
+        </p:txBody>
+      </p:sp>
+      <p:sp>
+        <p:nvSpPr>
+          <p:cNvPr id="277" name="Google Shape;277;p33"/>
+          <p:cNvSpPr/>
+          <p:nvPr/>
+        </p:nvSpPr>
+        <p:spPr>
+          <a:xfrm>
+            <a:off x="4134161" y="2732164"/>
+            <a:ext cx="125400" cy="125400"/>
+          </a:xfrm>
+          <a:prstGeom prst="ellipse">
+            <a:avLst/>
+          </a:prstGeom>
+          <a:solidFill>
+            <a:srgbClr val="FFFF00"/>
+          </a:solidFill>
+          <a:ln w="9525" cap="flat" cmpd="sng">
+            <a:solidFill>
+              <a:srgbClr val="595959"/>
+            </a:solidFill>
+            <a:prstDash val="solid"/>
+            <a:round/>
+            <a:headEnd type="none" w="sm" len="sm"/>
+            <a:tailEnd type="none" w="sm" len="sm"/>
+          </a:ln>
+        </p:spPr>
+        <p:txBody>
+          <a:bodyPr spcFirstLastPara="1" wrap="square" lIns="91425" tIns="91425" rIns="91425" bIns="91425" anchor="ctr" anchorCtr="0">
+            <a:noAutofit/>
+          </a:bodyPr>
+          <a:lstStyle/>
+          <a:p>
+            <a:pPr marL="0" lvl="0" indent="0" algn="ctr" rtl="0">
+              <a:spcBef>
+                <a:spcPts val="0"/>
+              </a:spcBef>
+              <a:spcAft>
+                <a:spcPts val="0"/>
+              </a:spcAft>
+              <a:buNone/>
+            </a:pPr>
+            <a:endParaRPr/>
+          </a:p>
+        </p:txBody>
+      </p:sp>
+      <p:sp>
+        <p:nvSpPr>
+          <p:cNvPr id="278" name="Google Shape;278;p33"/>
+          <p:cNvSpPr/>
+          <p:nvPr/>
+        </p:nvSpPr>
+        <p:spPr>
+          <a:xfrm>
+            <a:off x="4134161" y="3950898"/>
+            <a:ext cx="125400" cy="125400"/>
+          </a:xfrm>
+          <a:prstGeom prst="ellipse">
+            <a:avLst/>
+          </a:prstGeom>
+          <a:solidFill>
+            <a:srgbClr val="3C78D8"/>
+          </a:solidFill>
+          <a:ln w="9525" cap="flat" cmpd="sng">
+            <a:solidFill>
+              <a:srgbClr val="595959"/>
+            </a:solidFill>
+            <a:prstDash val="solid"/>
+            <a:round/>
+            <a:headEnd type="none" w="sm" len="sm"/>
+            <a:tailEnd type="none" w="sm" len="sm"/>
+          </a:ln>
+        </p:spPr>
+        <p:txBody>
+          <a:bodyPr spcFirstLastPara="1" wrap="square" lIns="91425" tIns="91425" rIns="91425" bIns="91425" anchor="ctr" anchorCtr="0">
+            <a:noAutofit/>
+          </a:bodyPr>
+          <a:lstStyle/>
+          <a:p>
+            <a:pPr marL="0" lvl="0" indent="0" algn="ctr" rtl="0">
+              <a:spcBef>
+                <a:spcPts val="0"/>
+              </a:spcBef>
+              <a:spcAft>
+                <a:spcPts val="0"/>
+              </a:spcAft>
+              <a:buNone/>
+            </a:pPr>
+            <a:endParaRPr/>
+          </a:p>
+        </p:txBody>
+      </p:sp>
+      <p:sp>
+        <p:nvSpPr>
+          <p:cNvPr id="279" name="Google Shape;279;p33"/>
+          <p:cNvSpPr/>
+          <p:nvPr/>
+        </p:nvSpPr>
+        <p:spPr>
+          <a:xfrm>
+            <a:off x="651849" y="1365407"/>
+            <a:ext cx="125400" cy="125400"/>
+          </a:xfrm>
+          <a:prstGeom prst="ellipse">
+            <a:avLst/>
+          </a:prstGeom>
+          <a:solidFill>
+            <a:srgbClr val="FFFF00"/>
+          </a:solidFill>
+          <a:ln w="9525" cap="flat" cmpd="sng">
+            <a:solidFill>
+              <a:srgbClr val="595959"/>
+            </a:solidFill>
+            <a:prstDash val="solid"/>
+            <a:round/>
+            <a:headEnd type="none" w="sm" len="sm"/>
+            <a:tailEnd type="none" w="sm" len="sm"/>
+          </a:ln>
+        </p:spPr>
+        <p:txBody>
+          <a:bodyPr spcFirstLastPara="1" wrap="square" lIns="91425" tIns="91425" rIns="91425" bIns="91425" anchor="ctr" anchorCtr="0">
+            <a:noAutofit/>
+          </a:bodyPr>
+          <a:lstStyle/>
+          <a:p>
+            <a:pPr marL="0" lvl="0" indent="0" algn="ctr" rtl="0">
+              <a:spcBef>
+                <a:spcPts val="0"/>
+              </a:spcBef>
+              <a:spcAft>
+                <a:spcPts val="0"/>
+              </a:spcAft>
+              <a:buNone/>
+            </a:pPr>
+            <a:endParaRPr/>
+          </a:p>
+        </p:txBody>
+      </p:sp>
+      <p:sp>
+        <p:nvSpPr>
+          <p:cNvPr id="280" name="Google Shape;280;p33"/>
+          <p:cNvSpPr/>
+          <p:nvPr/>
+        </p:nvSpPr>
+        <p:spPr>
+          <a:xfrm>
+            <a:off x="489006" y="2760001"/>
             <a:ext cx="125400" cy="125400"/>
           </a:xfrm>
           <a:prstGeom prst="ellipse">
@@ -26574,305 +26815,13 @@
       </p:sp>
       <p:sp>
         <p:nvSpPr>
-          <p:cNvPr id="274" name="Google Shape;274;p33"/>
-          <p:cNvSpPr txBox="1"/>
-          <p:nvPr/>
-        </p:nvSpPr>
-        <p:spPr>
-          <a:xfrm flipH="1">
-            <a:off x="554877" y="1169062"/>
-            <a:ext cx="194400" cy="141600"/>
-          </a:xfrm>
-          <a:prstGeom prst="rect">
-            <a:avLst/>
-          </a:prstGeom>
-          <a:solidFill>
-            <a:srgbClr val="FCE5CD"/>
-          </a:solidFill>
-          <a:ln w="9525" cap="flat" cmpd="sng">
-            <a:solidFill>
-              <a:srgbClr val="FF0000"/>
-            </a:solidFill>
-            <a:prstDash val="solid"/>
-            <a:round/>
-            <a:headEnd type="none" w="sm" len="sm"/>
-            <a:tailEnd type="none" w="sm" len="sm"/>
-          </a:ln>
-        </p:spPr>
-        <p:txBody>
-          <a:bodyPr spcFirstLastPara="1" wrap="square" lIns="9125" tIns="9125" rIns="9125" bIns="9125" anchor="t" anchorCtr="0">
-            <a:spAutoFit/>
-          </a:bodyPr>
-          <a:lstStyle/>
-          <a:p>
-            <a:pPr marL="0" lvl="0" indent="0" algn="l" rtl="0">
-              <a:spcBef>
-                <a:spcPts val="0"/>
-              </a:spcBef>
-              <a:spcAft>
-                <a:spcPts val="0"/>
-              </a:spcAft>
-              <a:buClr>
-                <a:srgbClr val="000000"/>
-              </a:buClr>
-              <a:buSzPts val="1100"/>
-              <a:buFont typeface="Arial"/>
-              <a:buNone/>
-            </a:pPr>
-            <a:r>
-              <a:rPr lang="en" sz="800">
-                <a:solidFill>
-                  <a:srgbClr val="1F2937"/>
-                </a:solidFill>
-                <a:latin typeface="Calibri"/>
-                <a:ea typeface="Calibri"/>
-                <a:cs typeface="Calibri"/>
-                <a:sym typeface="Calibri"/>
-              </a:rPr>
-              <a:t>x.ai</a:t>
-            </a:r>
-            <a:endParaRPr sz="800">
-              <a:solidFill>
-                <a:srgbClr val="1F2937"/>
-              </a:solidFill>
-              <a:latin typeface="Calibri"/>
-              <a:ea typeface="Calibri"/>
-              <a:cs typeface="Calibri"/>
-              <a:sym typeface="Calibri"/>
-            </a:endParaRPr>
-          </a:p>
-        </p:txBody>
-      </p:sp>
-      <p:sp>
-        <p:nvSpPr>
-          <p:cNvPr id="275" name="Google Shape;275;p33"/>
-          <p:cNvSpPr txBox="1"/>
-          <p:nvPr/>
-        </p:nvSpPr>
-        <p:spPr>
-          <a:xfrm>
-            <a:off x="468072" y="4089743"/>
-            <a:ext cx="288900" cy="141600"/>
-          </a:xfrm>
-          <a:prstGeom prst="rect">
-            <a:avLst/>
-          </a:prstGeom>
-          <a:noFill/>
-          <a:ln w="9525" cap="flat" cmpd="sng">
-            <a:solidFill>
-              <a:srgbClr val="FF0000"/>
-            </a:solidFill>
-            <a:prstDash val="solid"/>
-            <a:round/>
-            <a:headEnd type="none" w="sm" len="sm"/>
-            <a:tailEnd type="none" w="sm" len="sm"/>
-          </a:ln>
-        </p:spPr>
-        <p:txBody>
-          <a:bodyPr spcFirstLastPara="1" wrap="square" lIns="9125" tIns="9125" rIns="9125" bIns="9125" anchor="t" anchorCtr="0">
-            <a:spAutoFit/>
-          </a:bodyPr>
-          <a:lstStyle/>
-          <a:p>
-            <a:pPr marL="0" lvl="0" indent="0" algn="l" rtl="0">
-              <a:spcBef>
-                <a:spcPts val="0"/>
-              </a:spcBef>
-              <a:spcAft>
-                <a:spcPts val="0"/>
-              </a:spcAft>
-              <a:buClr>
-                <a:srgbClr val="000000"/>
-              </a:buClr>
-              <a:buSzPts val="1100"/>
-              <a:buFont typeface="Arial"/>
-              <a:buNone/>
-            </a:pPr>
-            <a:r>
-              <a:rPr lang="en" sz="800">
-                <a:solidFill>
-                  <a:srgbClr val="1F2937"/>
-                </a:solidFill>
-                <a:highlight>
-                  <a:srgbClr val="FFFFFF"/>
-                </a:highlight>
-                <a:latin typeface="Calibri"/>
-                <a:ea typeface="Calibri"/>
-                <a:cs typeface="Calibri"/>
-                <a:sym typeface="Calibri"/>
-              </a:rPr>
-              <a:t>China</a:t>
-            </a:r>
-            <a:endParaRPr sz="800">
-              <a:solidFill>
-                <a:srgbClr val="1F2937"/>
-              </a:solidFill>
-              <a:highlight>
-                <a:srgbClr val="FFFFFF"/>
-              </a:highlight>
-              <a:latin typeface="Calibri"/>
-              <a:ea typeface="Calibri"/>
-              <a:cs typeface="Calibri"/>
-              <a:sym typeface="Calibri"/>
-            </a:endParaRPr>
-          </a:p>
-        </p:txBody>
-      </p:sp>
-      <p:sp>
-        <p:nvSpPr>
-          <p:cNvPr id="276" name="Google Shape;276;p33"/>
-          <p:cNvSpPr txBox="1"/>
-          <p:nvPr/>
-        </p:nvSpPr>
-        <p:spPr>
-          <a:xfrm flipH="1">
-            <a:off x="4051530" y="1175956"/>
-            <a:ext cx="194400" cy="141600"/>
-          </a:xfrm>
-          <a:prstGeom prst="rect">
-            <a:avLst/>
-          </a:prstGeom>
-          <a:solidFill>
-            <a:srgbClr val="FCE5CD"/>
-          </a:solidFill>
-          <a:ln w="9525" cap="flat" cmpd="sng">
-            <a:solidFill>
-              <a:srgbClr val="FF0000"/>
-            </a:solidFill>
-            <a:prstDash val="solid"/>
-            <a:round/>
-            <a:headEnd type="none" w="sm" len="sm"/>
-            <a:tailEnd type="none" w="sm" len="sm"/>
-          </a:ln>
-        </p:spPr>
-        <p:txBody>
-          <a:bodyPr spcFirstLastPara="1" wrap="square" lIns="9125" tIns="9125" rIns="9125" bIns="9125" anchor="t" anchorCtr="0">
-            <a:spAutoFit/>
-          </a:bodyPr>
-          <a:lstStyle/>
-          <a:p>
-            <a:pPr marL="0" lvl="0" indent="0" algn="l" rtl="0">
-              <a:spcBef>
-                <a:spcPts val="0"/>
-              </a:spcBef>
-              <a:spcAft>
-                <a:spcPts val="0"/>
-              </a:spcAft>
-              <a:buClr>
-                <a:srgbClr val="000000"/>
-              </a:buClr>
-              <a:buSzPts val="1100"/>
-              <a:buFont typeface="Arial"/>
-              <a:buNone/>
-            </a:pPr>
-            <a:r>
-              <a:rPr lang="en" sz="800">
-                <a:solidFill>
-                  <a:srgbClr val="1F2937"/>
-                </a:solidFill>
-                <a:latin typeface="Calibri"/>
-                <a:ea typeface="Calibri"/>
-                <a:cs typeface="Calibri"/>
-                <a:sym typeface="Calibri"/>
-              </a:rPr>
-              <a:t>x.ai</a:t>
-            </a:r>
-            <a:endParaRPr sz="800">
-              <a:solidFill>
-                <a:srgbClr val="1F2937"/>
-              </a:solidFill>
-              <a:latin typeface="Calibri"/>
-              <a:ea typeface="Calibri"/>
-              <a:cs typeface="Calibri"/>
-              <a:sym typeface="Calibri"/>
-            </a:endParaRPr>
-          </a:p>
-        </p:txBody>
-      </p:sp>
-      <p:sp>
-        <p:nvSpPr>
-          <p:cNvPr id="277" name="Google Shape;277;p33"/>
-          <p:cNvSpPr txBox="1"/>
-          <p:nvPr/>
-        </p:nvSpPr>
-        <p:spPr>
-          <a:xfrm>
-            <a:off x="3815379" y="4696662"/>
-            <a:ext cx="288900" cy="141600"/>
-          </a:xfrm>
-          <a:prstGeom prst="rect">
-            <a:avLst/>
-          </a:prstGeom>
-          <a:noFill/>
-          <a:ln w="9525" cap="flat" cmpd="sng">
-            <a:solidFill>
-              <a:srgbClr val="FF0000"/>
-            </a:solidFill>
-            <a:prstDash val="solid"/>
-            <a:round/>
-            <a:headEnd type="none" w="sm" len="sm"/>
-            <a:tailEnd type="none" w="sm" len="sm"/>
-          </a:ln>
-        </p:spPr>
-        <p:txBody>
-          <a:bodyPr spcFirstLastPara="1" wrap="square" lIns="9125" tIns="9125" rIns="9125" bIns="9125" anchor="t" anchorCtr="0">
-            <a:spAutoFit/>
-          </a:bodyPr>
-          <a:lstStyle/>
-          <a:p>
-            <a:pPr marL="0" lvl="0" indent="0" algn="l" rtl="0">
-              <a:spcBef>
-                <a:spcPts val="0"/>
-              </a:spcBef>
-              <a:spcAft>
-                <a:spcPts val="0"/>
-              </a:spcAft>
-              <a:buClr>
-                <a:srgbClr val="000000"/>
-              </a:buClr>
-              <a:buSzPts val="1100"/>
-              <a:buFont typeface="Arial"/>
-              <a:buNone/>
-            </a:pPr>
-            <a:r>
-              <a:rPr lang="en" sz="800">
-                <a:solidFill>
-                  <a:srgbClr val="1F2937"/>
-                </a:solidFill>
-                <a:highlight>
-                  <a:srgbClr val="FFFFFF"/>
-                </a:highlight>
-                <a:latin typeface="Calibri"/>
-                <a:ea typeface="Calibri"/>
-                <a:cs typeface="Calibri"/>
-                <a:sym typeface="Calibri"/>
-              </a:rPr>
-              <a:t>China</a:t>
-            </a:r>
-            <a:endParaRPr sz="800">
-              <a:solidFill>
-                <a:srgbClr val="1F2937"/>
-              </a:solidFill>
-              <a:highlight>
-                <a:srgbClr val="FFFFFF"/>
-              </a:highlight>
-              <a:latin typeface="Calibri"/>
-              <a:ea typeface="Calibri"/>
-              <a:cs typeface="Calibri"/>
-              <a:sym typeface="Calibri"/>
-            </a:endParaRPr>
-          </a:p>
-        </p:txBody>
-      </p:sp>
-      <p:sp>
-        <p:nvSpPr>
-          <p:cNvPr id="278" name="Google Shape;278;p33"/>
+          <p:cNvPr id="281" name="Google Shape;281;p33"/>
           <p:cNvSpPr/>
           <p:nvPr/>
         </p:nvSpPr>
         <p:spPr>
           <a:xfrm>
-            <a:off x="629430" y="2749802"/>
+            <a:off x="651849" y="4726510"/>
             <a:ext cx="125400" cy="125400"/>
           </a:xfrm>
           <a:prstGeom prst="ellipse">
@@ -26912,13 +26861,13 @@
       </p:sp>
       <p:sp>
         <p:nvSpPr>
-          <p:cNvPr id="279" name="Google Shape;279;p33"/>
+          <p:cNvPr id="282" name="Google Shape;282;p33"/>
           <p:cNvSpPr/>
           <p:nvPr/>
         </p:nvSpPr>
         <p:spPr>
           <a:xfrm>
-            <a:off x="4120971" y="2732164"/>
+            <a:off x="4134161" y="3355492"/>
             <a:ext cx="125400" cy="125400"/>
           </a:xfrm>
           <a:prstGeom prst="ellipse">
@@ -26958,13 +26907,13 @@
       </p:sp>
       <p:sp>
         <p:nvSpPr>
-          <p:cNvPr id="280" name="Google Shape;280;p33"/>
+          <p:cNvPr id="283" name="Google Shape;283;p33"/>
           <p:cNvSpPr/>
           <p:nvPr/>
         </p:nvSpPr>
         <p:spPr>
           <a:xfrm>
-            <a:off x="4119040" y="3520638"/>
+            <a:off x="4134161" y="4921751"/>
             <a:ext cx="125400" cy="125400"/>
           </a:xfrm>
           <a:prstGeom prst="ellipse">
@@ -27004,20 +26953,20 @@
       </p:sp>
       <p:sp>
         <p:nvSpPr>
-          <p:cNvPr id="281" name="Google Shape;281;p33"/>
+          <p:cNvPr id="284" name="Google Shape;284;p33"/>
           <p:cNvSpPr/>
           <p:nvPr/>
         </p:nvSpPr>
         <p:spPr>
           <a:xfrm>
-            <a:off x="628469" y="1365407"/>
+            <a:off x="651849" y="2766105"/>
             <a:ext cx="125400" cy="125400"/>
           </a:xfrm>
           <a:prstGeom prst="ellipse">
             <a:avLst/>
           </a:prstGeom>
           <a:solidFill>
-            <a:srgbClr val="FFFF00"/>
+            <a:srgbClr val="6AA84F"/>
           </a:solidFill>
           <a:ln w="9525" cap="flat" cmpd="sng">
             <a:solidFill>
@@ -27050,20 +26999,20 @@
       </p:sp>
       <p:sp>
         <p:nvSpPr>
-          <p:cNvPr id="282" name="Google Shape;282;p33"/>
+          <p:cNvPr id="285" name="Google Shape;285;p33"/>
           <p:cNvSpPr/>
           <p:nvPr/>
         </p:nvSpPr>
         <p:spPr>
           <a:xfrm>
-            <a:off x="482247" y="2939437"/>
+            <a:off x="651849" y="3713539"/>
             <a:ext cx="125400" cy="125400"/>
           </a:xfrm>
           <a:prstGeom prst="ellipse">
             <a:avLst/>
           </a:prstGeom>
           <a:solidFill>
-            <a:srgbClr val="FF0000"/>
+            <a:srgbClr val="6AA84F"/>
           </a:solidFill>
           <a:ln w="9525" cap="flat" cmpd="sng">
             <a:solidFill>
@@ -27096,20 +27045,390 @@
       </p:sp>
       <p:sp>
         <p:nvSpPr>
-          <p:cNvPr id="283" name="Google Shape;283;p33"/>
+          <p:cNvPr id="286" name="Google Shape;286;p33"/>
+          <p:cNvSpPr txBox="1"/>
+          <p:nvPr/>
+        </p:nvSpPr>
+        <p:spPr>
+          <a:xfrm>
+            <a:off x="488349" y="4328807"/>
+            <a:ext cx="288900" cy="141600"/>
+          </a:xfrm>
+          <a:prstGeom prst="rect">
+            <a:avLst/>
+          </a:prstGeom>
+          <a:noFill/>
+          <a:ln w="9525" cap="flat" cmpd="sng">
+            <a:solidFill>
+              <a:srgbClr val="FF0000"/>
+            </a:solidFill>
+            <a:prstDash val="solid"/>
+            <a:round/>
+            <a:headEnd type="none" w="sm" len="sm"/>
+            <a:tailEnd type="none" w="sm" len="sm"/>
+          </a:ln>
+        </p:spPr>
+        <p:txBody>
+          <a:bodyPr spcFirstLastPara="1" wrap="square" lIns="9125" tIns="9125" rIns="9125" bIns="9125" anchor="t" anchorCtr="0">
+            <a:spAutoFit/>
+          </a:bodyPr>
+          <a:lstStyle/>
+          <a:p>
+            <a:pPr marL="0" lvl="0" indent="0" algn="l" rtl="0">
+              <a:spcBef>
+                <a:spcPts val="0"/>
+              </a:spcBef>
+              <a:spcAft>
+                <a:spcPts val="0"/>
+              </a:spcAft>
+              <a:buClr>
+                <a:srgbClr val="000000"/>
+              </a:buClr>
+              <a:buSzPts val="1100"/>
+              <a:buFont typeface="Arial"/>
+              <a:buNone/>
+            </a:pPr>
+            <a:r>
+              <a:rPr lang="en" sz="800">
+                <a:solidFill>
+                  <a:srgbClr val="1F2937"/>
+                </a:solidFill>
+                <a:highlight>
+                  <a:srgbClr val="FFFFFF"/>
+                </a:highlight>
+                <a:latin typeface="Calibri"/>
+                <a:ea typeface="Calibri"/>
+                <a:cs typeface="Calibri"/>
+                <a:sym typeface="Calibri"/>
+              </a:rPr>
+              <a:t>China</a:t>
+            </a:r>
+            <a:endParaRPr sz="800">
+              <a:solidFill>
+                <a:srgbClr val="1F2937"/>
+              </a:solidFill>
+              <a:highlight>
+                <a:srgbClr val="FFFFFF"/>
+              </a:highlight>
+              <a:latin typeface="Calibri"/>
+              <a:ea typeface="Calibri"/>
+              <a:cs typeface="Calibri"/>
+              <a:sym typeface="Calibri"/>
+            </a:endParaRPr>
+          </a:p>
+        </p:txBody>
+      </p:sp>
+      <p:sp>
+        <p:nvSpPr>
+          <p:cNvPr id="287" name="Google Shape;287;p33"/>
+          <p:cNvSpPr txBox="1"/>
+          <p:nvPr/>
+        </p:nvSpPr>
+        <p:spPr>
+          <a:xfrm>
+            <a:off x="488349" y="4899055"/>
+            <a:ext cx="288900" cy="141600"/>
+          </a:xfrm>
+          <a:prstGeom prst="rect">
+            <a:avLst/>
+          </a:prstGeom>
+          <a:noFill/>
+          <a:ln w="9525" cap="flat" cmpd="sng">
+            <a:solidFill>
+              <a:srgbClr val="FF0000"/>
+            </a:solidFill>
+            <a:prstDash val="solid"/>
+            <a:round/>
+            <a:headEnd type="none" w="sm" len="sm"/>
+            <a:tailEnd type="none" w="sm" len="sm"/>
+          </a:ln>
+        </p:spPr>
+        <p:txBody>
+          <a:bodyPr spcFirstLastPara="1" wrap="square" lIns="9125" tIns="9125" rIns="9125" bIns="9125" anchor="t" anchorCtr="0">
+            <a:spAutoFit/>
+          </a:bodyPr>
+          <a:lstStyle/>
+          <a:p>
+            <a:pPr marL="0" lvl="0" indent="0" algn="l" rtl="0">
+              <a:spcBef>
+                <a:spcPts val="0"/>
+              </a:spcBef>
+              <a:spcAft>
+                <a:spcPts val="0"/>
+              </a:spcAft>
+              <a:buClr>
+                <a:srgbClr val="000000"/>
+              </a:buClr>
+              <a:buSzPts val="1100"/>
+              <a:buFont typeface="Arial"/>
+              <a:buNone/>
+            </a:pPr>
+            <a:r>
+              <a:rPr lang="en" sz="800">
+                <a:solidFill>
+                  <a:srgbClr val="1F2937"/>
+                </a:solidFill>
+                <a:highlight>
+                  <a:srgbClr val="FFFFFF"/>
+                </a:highlight>
+                <a:latin typeface="Calibri"/>
+                <a:ea typeface="Calibri"/>
+                <a:cs typeface="Calibri"/>
+                <a:sym typeface="Calibri"/>
+              </a:rPr>
+              <a:t>China</a:t>
+            </a:r>
+            <a:endParaRPr sz="800">
+              <a:solidFill>
+                <a:srgbClr val="1F2937"/>
+              </a:solidFill>
+              <a:highlight>
+                <a:srgbClr val="FFFFFF"/>
+              </a:highlight>
+              <a:latin typeface="Calibri"/>
+              <a:ea typeface="Calibri"/>
+              <a:cs typeface="Calibri"/>
+              <a:sym typeface="Calibri"/>
+            </a:endParaRPr>
+          </a:p>
+        </p:txBody>
+      </p:sp>
+      <p:sp>
+        <p:nvSpPr>
+          <p:cNvPr id="288" name="Google Shape;288;p33"/>
+          <p:cNvSpPr txBox="1"/>
+          <p:nvPr/>
+        </p:nvSpPr>
+        <p:spPr>
+          <a:xfrm>
+            <a:off x="435849" y="4140100"/>
+            <a:ext cx="341400" cy="141600"/>
+          </a:xfrm>
+          <a:prstGeom prst="rect">
+            <a:avLst/>
+          </a:prstGeom>
+          <a:solidFill>
+            <a:srgbClr val="D9EAD3"/>
+          </a:solidFill>
+          <a:ln w="9525" cap="flat" cmpd="sng">
+            <a:solidFill>
+              <a:srgbClr val="6AA84F"/>
+            </a:solidFill>
+            <a:prstDash val="solid"/>
+            <a:round/>
+            <a:headEnd type="none" w="sm" len="sm"/>
+            <a:tailEnd type="none" w="sm" len="sm"/>
+          </a:ln>
+        </p:spPr>
+        <p:txBody>
+          <a:bodyPr spcFirstLastPara="1" wrap="square" lIns="9125" tIns="9125" rIns="9125" bIns="9125" anchor="t" anchorCtr="0">
+            <a:spAutoFit/>
+          </a:bodyPr>
+          <a:lstStyle/>
+          <a:p>
+            <a:pPr marL="0" lvl="0" indent="0" algn="l" rtl="0">
+              <a:spcBef>
+                <a:spcPts val="0"/>
+              </a:spcBef>
+              <a:spcAft>
+                <a:spcPts val="0"/>
+              </a:spcAft>
+              <a:buClr>
+                <a:srgbClr val="000000"/>
+              </a:buClr>
+              <a:buSzPts val="1100"/>
+              <a:buFont typeface="Arial"/>
+              <a:buNone/>
+            </a:pPr>
+            <a:r>
+              <a:rPr lang="en" sz="800">
+                <a:solidFill>
+                  <a:srgbClr val="1F2937"/>
+                </a:solidFill>
+                <a:latin typeface="Calibri"/>
+                <a:ea typeface="Calibri"/>
+                <a:cs typeface="Calibri"/>
+                <a:sym typeface="Calibri"/>
+              </a:rPr>
+              <a:t>Cohere</a:t>
+            </a:r>
+            <a:endParaRPr sz="800">
+              <a:solidFill>
+                <a:srgbClr val="1F2937"/>
+              </a:solidFill>
+              <a:latin typeface="Calibri"/>
+              <a:ea typeface="Calibri"/>
+              <a:cs typeface="Calibri"/>
+              <a:sym typeface="Calibri"/>
+            </a:endParaRPr>
+          </a:p>
+        </p:txBody>
+      </p:sp>
+      <p:sp>
+        <p:nvSpPr>
+          <p:cNvPr id="289" name="Google Shape;289;p33"/>
+          <p:cNvSpPr txBox="1"/>
+          <p:nvPr/>
+        </p:nvSpPr>
+        <p:spPr>
+          <a:xfrm>
+            <a:off x="3918161" y="4720331"/>
+            <a:ext cx="341400" cy="141600"/>
+          </a:xfrm>
+          <a:prstGeom prst="rect">
+            <a:avLst/>
+          </a:prstGeom>
+          <a:solidFill>
+            <a:srgbClr val="D9EAD3"/>
+          </a:solidFill>
+          <a:ln w="9525" cap="flat" cmpd="sng">
+            <a:solidFill>
+              <a:srgbClr val="6AA84F"/>
+            </a:solidFill>
+            <a:prstDash val="solid"/>
+            <a:round/>
+            <a:headEnd type="none" w="sm" len="sm"/>
+            <a:tailEnd type="none" w="sm" len="sm"/>
+          </a:ln>
+        </p:spPr>
+        <p:txBody>
+          <a:bodyPr spcFirstLastPara="1" wrap="square" lIns="9125" tIns="9125" rIns="9125" bIns="9125" anchor="t" anchorCtr="0">
+            <a:spAutoFit/>
+          </a:bodyPr>
+          <a:lstStyle/>
+          <a:p>
+            <a:pPr marL="0" lvl="0" indent="0" algn="l" rtl="0">
+              <a:spcBef>
+                <a:spcPts val="0"/>
+              </a:spcBef>
+              <a:spcAft>
+                <a:spcPts val="0"/>
+              </a:spcAft>
+              <a:buClr>
+                <a:srgbClr val="000000"/>
+              </a:buClr>
+              <a:buSzPts val="1100"/>
+              <a:buFont typeface="Arial"/>
+              <a:buNone/>
+            </a:pPr>
+            <a:r>
+              <a:rPr lang="en" sz="800">
+                <a:solidFill>
+                  <a:srgbClr val="1F2937"/>
+                </a:solidFill>
+                <a:latin typeface="Calibri"/>
+                <a:ea typeface="Calibri"/>
+                <a:cs typeface="Calibri"/>
+                <a:sym typeface="Calibri"/>
+              </a:rPr>
+              <a:t>Cohere</a:t>
+            </a:r>
+            <a:endParaRPr sz="800">
+              <a:solidFill>
+                <a:srgbClr val="1F2937"/>
+              </a:solidFill>
+              <a:latin typeface="Calibri"/>
+              <a:ea typeface="Calibri"/>
+              <a:cs typeface="Calibri"/>
+              <a:sym typeface="Calibri"/>
+            </a:endParaRPr>
+          </a:p>
+        </p:txBody>
+      </p:sp>
+      <p:pic>
+        <p:nvPicPr>
+          <p:cNvPr id="290" name="Google Shape;290;p33"/>
+          <p:cNvPicPr preferRelativeResize="0"/>
+          <p:nvPr/>
+        </p:nvPicPr>
+        <p:blipFill>
+          <a:blip r:embed="rId6" cstate="email">
+            <a:alphaModFix/>
+            <a:extLst>
+              <a:ext uri="{28A0092B-C50C-407E-A947-70E740481C1C}">
+                <a14:useLocalDpi xmlns:a14="http://schemas.microsoft.com/office/drawing/2010/main"/>
+              </a:ext>
+            </a:extLst>
+          </a:blip>
+          <a:stretch>
+            <a:fillRect/>
+          </a:stretch>
+        </p:blipFill>
+        <p:spPr>
+          <a:xfrm>
+            <a:off x="798504" y="864800"/>
+            <a:ext cx="2880831" cy="4205900"/>
+          </a:xfrm>
+          <a:prstGeom prst="rect">
+            <a:avLst/>
+          </a:prstGeom>
+          <a:noFill/>
+          <a:ln w="9525" cap="flat" cmpd="sng">
+            <a:solidFill>
+              <a:srgbClr val="FF0000"/>
+            </a:solidFill>
+            <a:prstDash val="solid"/>
+            <a:round/>
+            <a:headEnd type="none" w="sm" len="sm"/>
+            <a:tailEnd type="none" w="sm" len="sm"/>
+          </a:ln>
+        </p:spPr>
+      </p:pic>
+      <p:pic>
+        <p:nvPicPr>
+          <p:cNvPr id="291" name="Google Shape;291;p33"/>
+          <p:cNvPicPr preferRelativeResize="0"/>
+          <p:nvPr/>
+        </p:nvPicPr>
+        <p:blipFill>
+          <a:blip r:embed="rId7" cstate="email">
+            <a:alphaModFix/>
+            <a:extLst>
+              <a:ext uri="{28A0092B-C50C-407E-A947-70E740481C1C}">
+                <a14:useLocalDpi xmlns:a14="http://schemas.microsoft.com/office/drawing/2010/main"/>
+              </a:ext>
+            </a:extLst>
+          </a:blip>
+          <a:stretch>
+            <a:fillRect/>
+          </a:stretch>
+        </p:blipFill>
+        <p:spPr>
+          <a:xfrm>
+            <a:off x="4287163" y="864822"/>
+            <a:ext cx="2880824" cy="4205878"/>
+          </a:xfrm>
+          <a:prstGeom prst="rect">
+            <a:avLst/>
+          </a:prstGeom>
+          <a:noFill/>
+          <a:ln w="9525" cap="flat" cmpd="sng">
+            <a:solidFill>
+              <a:srgbClr val="FF0000"/>
+            </a:solidFill>
+            <a:prstDash val="solid"/>
+            <a:round/>
+            <a:headEnd type="none" w="sm" len="sm"/>
+            <a:tailEnd type="none" w="sm" len="sm"/>
+          </a:ln>
+        </p:spPr>
+      </p:pic>
+      <p:sp>
+        <p:nvSpPr>
+          <p:cNvPr id="292" name="Google Shape;292;p33"/>
           <p:cNvSpPr/>
           <p:nvPr/>
         </p:nvSpPr>
         <p:spPr>
           <a:xfrm>
-            <a:off x="629549" y="4288366"/>
+            <a:off x="651849" y="3534103"/>
             <a:ext cx="125400" cy="125400"/>
           </a:xfrm>
           <a:prstGeom prst="ellipse">
             <a:avLst/>
           </a:prstGeom>
           <a:solidFill>
-            <a:srgbClr val="FFFF00"/>
+            <a:srgbClr val="6AA84F"/>
           </a:solidFill>
           <a:ln w="9525" cap="flat" cmpd="sng">
             <a:solidFill>
@@ -27142,59 +27461,13 @@
       </p:sp>
       <p:sp>
         <p:nvSpPr>
-          <p:cNvPr id="284" name="Google Shape;284;p33"/>
+          <p:cNvPr id="293" name="Google Shape;293;p33"/>
           <p:cNvSpPr/>
           <p:nvPr/>
         </p:nvSpPr>
         <p:spPr>
           <a:xfrm>
-            <a:off x="4120971" y="3328456"/>
-            <a:ext cx="125400" cy="125400"/>
-          </a:xfrm>
-          <a:prstGeom prst="ellipse">
-            <a:avLst/>
-          </a:prstGeom>
-          <a:solidFill>
-            <a:srgbClr val="FFFF00"/>
-          </a:solidFill>
-          <a:ln w="9525" cap="flat" cmpd="sng">
-            <a:solidFill>
-              <a:srgbClr val="595959"/>
-            </a:solidFill>
-            <a:prstDash val="solid"/>
-            <a:round/>
-            <a:headEnd type="none" w="sm" len="sm"/>
-            <a:tailEnd type="none" w="sm" len="sm"/>
-          </a:ln>
-        </p:spPr>
-        <p:txBody>
-          <a:bodyPr spcFirstLastPara="1" wrap="square" lIns="91425" tIns="91425" rIns="91425" bIns="91425" anchor="ctr" anchorCtr="0">
-            <a:noAutofit/>
-          </a:bodyPr>
-          <a:lstStyle/>
-          <a:p>
-            <a:pPr marL="0" lvl="0" indent="0" algn="ctr" rtl="0">
-              <a:spcBef>
-                <a:spcPts val="0"/>
-              </a:spcBef>
-              <a:spcAft>
-                <a:spcPts val="0"/>
-              </a:spcAft>
-              <a:buNone/>
-            </a:pPr>
-            <a:endParaRPr/>
-          </a:p>
-        </p:txBody>
-      </p:sp>
-      <p:sp>
-        <p:nvSpPr>
-          <p:cNvPr id="285" name="Google Shape;285;p33"/>
-          <p:cNvSpPr/>
-          <p:nvPr/>
-        </p:nvSpPr>
-        <p:spPr>
-          <a:xfrm>
-            <a:off x="4113485" y="4486680"/>
+            <a:off x="4134161" y="4139475"/>
             <a:ext cx="125400" cy="125400"/>
           </a:xfrm>
           <a:prstGeom prst="ellipse">
@@ -27234,229 +27507,13 @@
       </p:sp>
       <p:sp>
         <p:nvSpPr>
-          <p:cNvPr id="286" name="Google Shape;286;p33"/>
-          <p:cNvSpPr/>
-          <p:nvPr/>
-        </p:nvSpPr>
-        <p:spPr>
-          <a:xfrm>
-            <a:off x="4122054" y="4703313"/>
-            <a:ext cx="125400" cy="125400"/>
-          </a:xfrm>
-          <a:prstGeom prst="ellipse">
-            <a:avLst/>
-          </a:prstGeom>
-          <a:solidFill>
-            <a:srgbClr val="6AA84F"/>
-          </a:solidFill>
-          <a:ln w="9525" cap="flat" cmpd="sng">
-            <a:solidFill>
-              <a:srgbClr val="595959"/>
-            </a:solidFill>
-            <a:prstDash val="solid"/>
-            <a:round/>
-            <a:headEnd type="none" w="sm" len="sm"/>
-            <a:tailEnd type="none" w="sm" len="sm"/>
-          </a:ln>
-        </p:spPr>
-        <p:txBody>
-          <a:bodyPr spcFirstLastPara="1" wrap="square" lIns="91425" tIns="91425" rIns="91425" bIns="91425" anchor="ctr" anchorCtr="0">
-            <a:noAutofit/>
-          </a:bodyPr>
-          <a:lstStyle/>
-          <a:p>
-            <a:pPr marL="0" lvl="0" indent="0" algn="ctr" rtl="0">
-              <a:spcBef>
-                <a:spcPts val="0"/>
-              </a:spcBef>
-              <a:spcAft>
-                <a:spcPts val="0"/>
-              </a:spcAft>
-              <a:buNone/>
-            </a:pPr>
-            <a:endParaRPr/>
-          </a:p>
-        </p:txBody>
-      </p:sp>
-      <p:sp>
-        <p:nvSpPr>
-          <p:cNvPr id="287" name="Google Shape;287;p33"/>
-          <p:cNvSpPr/>
-          <p:nvPr/>
-        </p:nvSpPr>
-        <p:spPr>
-          <a:xfrm>
-            <a:off x="620231" y="2945541"/>
-            <a:ext cx="125400" cy="125400"/>
-          </a:xfrm>
-          <a:prstGeom prst="ellipse">
-            <a:avLst/>
-          </a:prstGeom>
-          <a:solidFill>
-            <a:srgbClr val="6AA84F"/>
-          </a:solidFill>
-          <a:ln w="9525" cap="flat" cmpd="sng">
-            <a:solidFill>
-              <a:srgbClr val="595959"/>
-            </a:solidFill>
-            <a:prstDash val="solid"/>
-            <a:round/>
-            <a:headEnd type="none" w="sm" len="sm"/>
-            <a:tailEnd type="none" w="sm" len="sm"/>
-          </a:ln>
-        </p:spPr>
-        <p:txBody>
-          <a:bodyPr spcFirstLastPara="1" wrap="square" lIns="91425" tIns="91425" rIns="91425" bIns="91425" anchor="ctr" anchorCtr="0">
-            <a:noAutofit/>
-          </a:bodyPr>
-          <a:lstStyle/>
-          <a:p>
-            <a:pPr marL="0" lvl="0" indent="0" algn="ctr" rtl="0">
-              <a:spcBef>
-                <a:spcPts val="0"/>
-              </a:spcBef>
-              <a:spcAft>
-                <a:spcPts val="0"/>
-              </a:spcAft>
-              <a:buNone/>
-            </a:pPr>
-            <a:endParaRPr/>
-          </a:p>
-        </p:txBody>
-      </p:sp>
-      <p:pic>
-        <p:nvPicPr>
-          <p:cNvPr id="288" name="Google Shape;288;p33"/>
-          <p:cNvPicPr preferRelativeResize="0"/>
-          <p:nvPr/>
-        </p:nvPicPr>
-        <p:blipFill>
-          <a:blip r:embed="rId6" cstate="email">
-            <a:alphaModFix/>
-            <a:extLst>
-              <a:ext uri="{28A0092B-C50C-407E-A947-70E740481C1C}">
-                <a14:useLocalDpi xmlns:a14="http://schemas.microsoft.com/office/drawing/2010/main"/>
-              </a:ext>
-            </a:extLst>
-          </a:blip>
-          <a:stretch>
-            <a:fillRect/>
-          </a:stretch>
-        </p:blipFill>
-        <p:spPr>
-          <a:xfrm>
-            <a:off x="799308" y="864800"/>
-            <a:ext cx="2829893" cy="4205899"/>
-          </a:xfrm>
-          <a:prstGeom prst="rect">
-            <a:avLst/>
-          </a:prstGeom>
-          <a:noFill/>
-          <a:ln w="9525" cap="flat" cmpd="sng">
-            <a:solidFill>
-              <a:srgbClr val="FF0000"/>
-            </a:solidFill>
-            <a:prstDash val="solid"/>
-            <a:round/>
-            <a:headEnd type="none" w="sm" len="sm"/>
-            <a:tailEnd type="none" w="sm" len="sm"/>
-          </a:ln>
-        </p:spPr>
-      </p:pic>
-      <p:pic>
-        <p:nvPicPr>
-          <p:cNvPr id="289" name="Google Shape;289;p33"/>
-          <p:cNvPicPr preferRelativeResize="0"/>
-          <p:nvPr/>
-        </p:nvPicPr>
-        <p:blipFill>
-          <a:blip r:embed="rId7" cstate="email">
-            <a:alphaModFix/>
-            <a:extLst>
-              <a:ext uri="{28A0092B-C50C-407E-A947-70E740481C1C}">
-                <a14:useLocalDpi xmlns:a14="http://schemas.microsoft.com/office/drawing/2010/main"/>
-              </a:ext>
-            </a:extLst>
-          </a:blip>
-          <a:stretch>
-            <a:fillRect/>
-          </a:stretch>
-        </p:blipFill>
-        <p:spPr>
-          <a:xfrm>
-            <a:off x="4277367" y="864795"/>
-            <a:ext cx="2829899" cy="4205906"/>
-          </a:xfrm>
-          <a:prstGeom prst="rect">
-            <a:avLst/>
-          </a:prstGeom>
-          <a:noFill/>
-          <a:ln w="9525" cap="flat" cmpd="sng">
-            <a:solidFill>
-              <a:srgbClr val="FF0000"/>
-            </a:solidFill>
-            <a:prstDash val="solid"/>
-            <a:round/>
-            <a:headEnd type="none" w="sm" len="sm"/>
-            <a:tailEnd type="none" w="sm" len="sm"/>
-          </a:ln>
-        </p:spPr>
-      </p:pic>
-      <p:sp>
-        <p:nvSpPr>
-          <p:cNvPr id="290" name="Google Shape;290;p33"/>
-          <p:cNvSpPr/>
-          <p:nvPr/>
-        </p:nvSpPr>
-        <p:spPr>
-          <a:xfrm>
-            <a:off x="626315" y="3713539"/>
-            <a:ext cx="125400" cy="125400"/>
-          </a:xfrm>
-          <a:prstGeom prst="ellipse">
-            <a:avLst/>
-          </a:prstGeom>
-          <a:solidFill>
-            <a:srgbClr val="6AA84F"/>
-          </a:solidFill>
-          <a:ln w="9525" cap="flat" cmpd="sng">
-            <a:solidFill>
-              <a:srgbClr val="595959"/>
-            </a:solidFill>
-            <a:prstDash val="solid"/>
-            <a:round/>
-            <a:headEnd type="none" w="sm" len="sm"/>
-            <a:tailEnd type="none" w="sm" len="sm"/>
-          </a:ln>
-        </p:spPr>
-        <p:txBody>
-          <a:bodyPr spcFirstLastPara="1" wrap="square" lIns="91425" tIns="91425" rIns="91425" bIns="91425" anchor="ctr" anchorCtr="0">
-            <a:noAutofit/>
-          </a:bodyPr>
-          <a:lstStyle/>
-          <a:p>
-            <a:pPr marL="0" lvl="0" indent="0" algn="ctr" rtl="0">
-              <a:spcBef>
-                <a:spcPts val="0"/>
-              </a:spcBef>
-              <a:spcAft>
-                <a:spcPts val="0"/>
-              </a:spcAft>
-              <a:buNone/>
-            </a:pPr>
-            <a:endParaRPr/>
-          </a:p>
-        </p:txBody>
-      </p:sp>
-      <p:sp>
-        <p:nvSpPr>
-          <p:cNvPr id="291" name="Google Shape;291;p33"/>
+          <p:cNvPr id="294" name="Google Shape;294;p33"/>
           <p:cNvSpPr txBox="1"/>
           <p:nvPr/>
         </p:nvSpPr>
         <p:spPr>
           <a:xfrm>
-            <a:off x="468072" y="4470743"/>
+            <a:off x="3970661" y="4535053"/>
             <a:ext cx="288900" cy="141600"/>
           </a:xfrm>
           <a:prstGeom prst="rect">
@@ -27515,390 +27572,6 @@
               <a:highlight>
                 <a:srgbClr val="FFFFFF"/>
               </a:highlight>
-              <a:latin typeface="Calibri"/>
-              <a:ea typeface="Calibri"/>
-              <a:cs typeface="Calibri"/>
-              <a:sym typeface="Calibri"/>
-            </a:endParaRPr>
-          </a:p>
-        </p:txBody>
-      </p:sp>
-      <p:sp>
-        <p:nvSpPr>
-          <p:cNvPr id="292" name="Google Shape;292;p33"/>
-          <p:cNvSpPr txBox="1"/>
-          <p:nvPr/>
-        </p:nvSpPr>
-        <p:spPr>
-          <a:xfrm>
-            <a:off x="315686" y="4666422"/>
-            <a:ext cx="288900" cy="141600"/>
-          </a:xfrm>
-          <a:prstGeom prst="rect">
-            <a:avLst/>
-          </a:prstGeom>
-          <a:noFill/>
-          <a:ln w="9525" cap="flat" cmpd="sng">
-            <a:solidFill>
-              <a:srgbClr val="FF0000"/>
-            </a:solidFill>
-            <a:prstDash val="solid"/>
-            <a:round/>
-            <a:headEnd type="none" w="sm" len="sm"/>
-            <a:tailEnd type="none" w="sm" len="sm"/>
-          </a:ln>
-        </p:spPr>
-        <p:txBody>
-          <a:bodyPr spcFirstLastPara="1" wrap="square" lIns="9125" tIns="9125" rIns="9125" bIns="9125" anchor="t" anchorCtr="0">
-            <a:spAutoFit/>
-          </a:bodyPr>
-          <a:lstStyle/>
-          <a:p>
-            <a:pPr marL="0" lvl="0" indent="0" algn="l" rtl="0">
-              <a:spcBef>
-                <a:spcPts val="0"/>
-              </a:spcBef>
-              <a:spcAft>
-                <a:spcPts val="0"/>
-              </a:spcAft>
-              <a:buClr>
-                <a:srgbClr val="000000"/>
-              </a:buClr>
-              <a:buSzPts val="1100"/>
-              <a:buFont typeface="Arial"/>
-              <a:buNone/>
-            </a:pPr>
-            <a:r>
-              <a:rPr lang="en" sz="800">
-                <a:solidFill>
-                  <a:srgbClr val="1F2937"/>
-                </a:solidFill>
-                <a:highlight>
-                  <a:srgbClr val="FFFFFF"/>
-                </a:highlight>
-                <a:latin typeface="Calibri"/>
-                <a:ea typeface="Calibri"/>
-                <a:cs typeface="Calibri"/>
-                <a:sym typeface="Calibri"/>
-              </a:rPr>
-              <a:t>China</a:t>
-            </a:r>
-            <a:endParaRPr sz="800">
-              <a:solidFill>
-                <a:srgbClr val="1F2937"/>
-              </a:solidFill>
-              <a:highlight>
-                <a:srgbClr val="FFFFFF"/>
-              </a:highlight>
-              <a:latin typeface="Calibri"/>
-              <a:ea typeface="Calibri"/>
-              <a:cs typeface="Calibri"/>
-              <a:sym typeface="Calibri"/>
-            </a:endParaRPr>
-          </a:p>
-        </p:txBody>
-      </p:sp>
-      <p:sp>
-        <p:nvSpPr>
-          <p:cNvPr id="293" name="Google Shape;293;p33"/>
-          <p:cNvSpPr/>
-          <p:nvPr/>
-        </p:nvSpPr>
-        <p:spPr>
-          <a:xfrm>
-            <a:off x="626315" y="4662122"/>
-            <a:ext cx="125400" cy="125400"/>
-          </a:xfrm>
-          <a:prstGeom prst="ellipse">
-            <a:avLst/>
-          </a:prstGeom>
-          <a:solidFill>
-            <a:srgbClr val="6AA84F"/>
-          </a:solidFill>
-          <a:ln w="9525" cap="flat" cmpd="sng">
-            <a:solidFill>
-              <a:srgbClr val="595959"/>
-            </a:solidFill>
-            <a:prstDash val="solid"/>
-            <a:round/>
-            <a:headEnd type="none" w="sm" len="sm"/>
-            <a:tailEnd type="none" w="sm" len="sm"/>
-          </a:ln>
-        </p:spPr>
-        <p:txBody>
-          <a:bodyPr spcFirstLastPara="1" wrap="square" lIns="91425" tIns="91425" rIns="91425" bIns="91425" anchor="ctr" anchorCtr="0">
-            <a:noAutofit/>
-          </a:bodyPr>
-          <a:lstStyle/>
-          <a:p>
-            <a:pPr marL="0" lvl="0" indent="0" algn="ctr" rtl="0">
-              <a:spcBef>
-                <a:spcPts val="0"/>
-              </a:spcBef>
-              <a:spcAft>
-                <a:spcPts val="0"/>
-              </a:spcAft>
-              <a:buNone/>
-            </a:pPr>
-            <a:endParaRPr/>
-          </a:p>
-        </p:txBody>
-      </p:sp>
-      <p:sp>
-        <p:nvSpPr>
-          <p:cNvPr id="294" name="Google Shape;294;p33"/>
-          <p:cNvSpPr txBox="1"/>
-          <p:nvPr/>
-        </p:nvSpPr>
-        <p:spPr>
-          <a:xfrm>
-            <a:off x="468072" y="4851743"/>
-            <a:ext cx="288900" cy="141600"/>
-          </a:xfrm>
-          <a:prstGeom prst="rect">
-            <a:avLst/>
-          </a:prstGeom>
-          <a:noFill/>
-          <a:ln w="9525" cap="flat" cmpd="sng">
-            <a:solidFill>
-              <a:srgbClr val="FF0000"/>
-            </a:solidFill>
-            <a:prstDash val="solid"/>
-            <a:round/>
-            <a:headEnd type="none" w="sm" len="sm"/>
-            <a:tailEnd type="none" w="sm" len="sm"/>
-          </a:ln>
-        </p:spPr>
-        <p:txBody>
-          <a:bodyPr spcFirstLastPara="1" wrap="square" lIns="9125" tIns="9125" rIns="9125" bIns="9125" anchor="t" anchorCtr="0">
-            <a:spAutoFit/>
-          </a:bodyPr>
-          <a:lstStyle/>
-          <a:p>
-            <a:pPr marL="0" lvl="0" indent="0" algn="l" rtl="0">
-              <a:spcBef>
-                <a:spcPts val="0"/>
-              </a:spcBef>
-              <a:spcAft>
-                <a:spcPts val="0"/>
-              </a:spcAft>
-              <a:buClr>
-                <a:srgbClr val="000000"/>
-              </a:buClr>
-              <a:buSzPts val="1100"/>
-              <a:buFont typeface="Arial"/>
-              <a:buNone/>
-            </a:pPr>
-            <a:r>
-              <a:rPr lang="en" sz="800">
-                <a:solidFill>
-                  <a:srgbClr val="1F2937"/>
-                </a:solidFill>
-                <a:highlight>
-                  <a:srgbClr val="FFFFFF"/>
-                </a:highlight>
-                <a:latin typeface="Calibri"/>
-                <a:ea typeface="Calibri"/>
-                <a:cs typeface="Calibri"/>
-                <a:sym typeface="Calibri"/>
-              </a:rPr>
-              <a:t>China</a:t>
-            </a:r>
-            <a:endParaRPr sz="800">
-              <a:solidFill>
-                <a:srgbClr val="1F2937"/>
-              </a:solidFill>
-              <a:highlight>
-                <a:srgbClr val="FFFFFF"/>
-              </a:highlight>
-              <a:latin typeface="Calibri"/>
-              <a:ea typeface="Calibri"/>
-              <a:cs typeface="Calibri"/>
-              <a:sym typeface="Calibri"/>
-            </a:endParaRPr>
-          </a:p>
-        </p:txBody>
-      </p:sp>
-      <p:sp>
-        <p:nvSpPr>
-          <p:cNvPr id="295" name="Google Shape;295;p33"/>
-          <p:cNvSpPr txBox="1"/>
-          <p:nvPr/>
-        </p:nvSpPr>
-        <p:spPr>
-          <a:xfrm>
-            <a:off x="414025" y="3895325"/>
-            <a:ext cx="341400" cy="141600"/>
-          </a:xfrm>
-          <a:prstGeom prst="rect">
-            <a:avLst/>
-          </a:prstGeom>
-          <a:solidFill>
-            <a:srgbClr val="D9EAD3"/>
-          </a:solidFill>
-          <a:ln w="9525" cap="flat" cmpd="sng">
-            <a:solidFill>
-              <a:srgbClr val="6AA84F"/>
-            </a:solidFill>
-            <a:prstDash val="solid"/>
-            <a:round/>
-            <a:headEnd type="none" w="sm" len="sm"/>
-            <a:tailEnd type="none" w="sm" len="sm"/>
-          </a:ln>
-        </p:spPr>
-        <p:txBody>
-          <a:bodyPr spcFirstLastPara="1" wrap="square" lIns="9125" tIns="9125" rIns="9125" bIns="9125" anchor="t" anchorCtr="0">
-            <a:spAutoFit/>
-          </a:bodyPr>
-          <a:lstStyle/>
-          <a:p>
-            <a:pPr marL="0" lvl="0" indent="0" algn="l" rtl="0">
-              <a:spcBef>
-                <a:spcPts val="0"/>
-              </a:spcBef>
-              <a:spcAft>
-                <a:spcPts val="0"/>
-              </a:spcAft>
-              <a:buClr>
-                <a:srgbClr val="000000"/>
-              </a:buClr>
-              <a:buSzPts val="1100"/>
-              <a:buFont typeface="Arial"/>
-              <a:buNone/>
-            </a:pPr>
-            <a:r>
-              <a:rPr lang="en" sz="800">
-                <a:solidFill>
-                  <a:srgbClr val="1F2937"/>
-                </a:solidFill>
-                <a:latin typeface="Calibri"/>
-                <a:ea typeface="Calibri"/>
-                <a:cs typeface="Calibri"/>
-                <a:sym typeface="Calibri"/>
-              </a:rPr>
-              <a:t>Cohere</a:t>
-            </a:r>
-            <a:endParaRPr sz="800">
-              <a:solidFill>
-                <a:srgbClr val="1F2937"/>
-              </a:solidFill>
-              <a:latin typeface="Calibri"/>
-              <a:ea typeface="Calibri"/>
-              <a:cs typeface="Calibri"/>
-              <a:sym typeface="Calibri"/>
-            </a:endParaRPr>
-          </a:p>
-        </p:txBody>
-      </p:sp>
-      <p:sp>
-        <p:nvSpPr>
-          <p:cNvPr id="296" name="Google Shape;296;p33"/>
-          <p:cNvSpPr/>
-          <p:nvPr/>
-        </p:nvSpPr>
-        <p:spPr>
-          <a:xfrm>
-            <a:off x="4104963" y="3714055"/>
-            <a:ext cx="125400" cy="125400"/>
-          </a:xfrm>
-          <a:prstGeom prst="ellipse">
-            <a:avLst/>
-          </a:prstGeom>
-          <a:solidFill>
-            <a:srgbClr val="6AA84F"/>
-          </a:solidFill>
-          <a:ln w="9525" cap="flat" cmpd="sng">
-            <a:solidFill>
-              <a:srgbClr val="595959"/>
-            </a:solidFill>
-            <a:prstDash val="solid"/>
-            <a:round/>
-            <a:headEnd type="none" w="sm" len="sm"/>
-            <a:tailEnd type="none" w="sm" len="sm"/>
-          </a:ln>
-        </p:spPr>
-        <p:txBody>
-          <a:bodyPr spcFirstLastPara="1" wrap="square" lIns="91425" tIns="91425" rIns="91425" bIns="91425" anchor="ctr" anchorCtr="0">
-            <a:noAutofit/>
-          </a:bodyPr>
-          <a:lstStyle/>
-          <a:p>
-            <a:pPr marL="0" lvl="0" indent="0" algn="ctr" rtl="0">
-              <a:spcBef>
-                <a:spcPts val="0"/>
-              </a:spcBef>
-              <a:spcAft>
-                <a:spcPts val="0"/>
-              </a:spcAft>
-              <a:buNone/>
-            </a:pPr>
-            <a:endParaRPr/>
-          </a:p>
-        </p:txBody>
-      </p:sp>
-      <p:sp>
-        <p:nvSpPr>
-          <p:cNvPr id="297" name="Google Shape;297;p33"/>
-          <p:cNvSpPr txBox="1"/>
-          <p:nvPr/>
-        </p:nvSpPr>
-        <p:spPr>
-          <a:xfrm>
-            <a:off x="3910679" y="4090454"/>
-            <a:ext cx="341400" cy="141600"/>
-          </a:xfrm>
-          <a:prstGeom prst="rect">
-            <a:avLst/>
-          </a:prstGeom>
-          <a:solidFill>
-            <a:srgbClr val="D9EAD3"/>
-          </a:solidFill>
-          <a:ln w="9525" cap="flat" cmpd="sng">
-            <a:solidFill>
-              <a:srgbClr val="6AA84F"/>
-            </a:solidFill>
-            <a:prstDash val="solid"/>
-            <a:round/>
-            <a:headEnd type="none" w="sm" len="sm"/>
-            <a:tailEnd type="none" w="sm" len="sm"/>
-          </a:ln>
-        </p:spPr>
-        <p:txBody>
-          <a:bodyPr spcFirstLastPara="1" wrap="square" lIns="9125" tIns="9125" rIns="9125" bIns="9125" anchor="t" anchorCtr="0">
-            <a:spAutoFit/>
-          </a:bodyPr>
-          <a:lstStyle/>
-          <a:p>
-            <a:pPr marL="0" lvl="0" indent="0" algn="l" rtl="0">
-              <a:spcBef>
-                <a:spcPts val="0"/>
-              </a:spcBef>
-              <a:spcAft>
-                <a:spcPts val="0"/>
-              </a:spcAft>
-              <a:buClr>
-                <a:srgbClr val="000000"/>
-              </a:buClr>
-              <a:buSzPts val="1100"/>
-              <a:buFont typeface="Arial"/>
-              <a:buNone/>
-            </a:pPr>
-            <a:r>
-              <a:rPr lang="en" sz="800">
-                <a:solidFill>
-                  <a:srgbClr val="1F2937"/>
-                </a:solidFill>
-                <a:latin typeface="Calibri"/>
-                <a:ea typeface="Calibri"/>
-                <a:cs typeface="Calibri"/>
-                <a:sym typeface="Calibri"/>
-              </a:rPr>
-              <a:t>Cohere</a:t>
-            </a:r>
-            <a:endParaRPr sz="800">
-              <a:solidFill>
-                <a:srgbClr val="1F2937"/>
-              </a:solidFill>
               <a:latin typeface="Calibri"/>
               <a:ea typeface="Calibri"/>
               <a:cs typeface="Calibri"/>
@@ -29093,7 +28766,7 @@
   <p:cSld>
     <p:spTree>
       <p:nvGrpSpPr>
-        <p:cNvPr id="1" name="Shape 301"/>
+        <p:cNvPr id="1" name="Shape 298"/>
         <p:cNvGrpSpPr/>
         <p:nvPr/>
       </p:nvGrpSpPr>
@@ -29107,207 +28780,7 @@
       </p:grpSpPr>
       <p:sp>
         <p:nvSpPr>
-          <p:cNvPr id="302" name="Google Shape;302;p34"/>
-          <p:cNvSpPr txBox="1"/>
-          <p:nvPr/>
-        </p:nvSpPr>
-        <p:spPr>
-          <a:xfrm>
-            <a:off x="-38050" y="-108050"/>
-            <a:ext cx="4557000" cy="492600"/>
-          </a:xfrm>
-          <a:prstGeom prst="rect">
-            <a:avLst/>
-          </a:prstGeom>
-          <a:noFill/>
-          <a:ln>
-            <a:noFill/>
-          </a:ln>
-        </p:spPr>
-        <p:txBody>
-          <a:bodyPr spcFirstLastPara="1" wrap="square" lIns="91425" tIns="91425" rIns="91425" bIns="91425" anchor="t" anchorCtr="0">
-            <a:spAutoFit/>
-          </a:bodyPr>
-          <a:lstStyle/>
-          <a:p>
-            <a:pPr marL="0" marR="0" lvl="0" indent="0" algn="l" rtl="0">
-              <a:lnSpc>
-                <a:spcPct val="100000"/>
-              </a:lnSpc>
-              <a:spcBef>
-                <a:spcPts val="0"/>
-              </a:spcBef>
-              <a:spcAft>
-                <a:spcPts val="0"/>
-              </a:spcAft>
-              <a:buClr>
-                <a:srgbClr val="000000"/>
-              </a:buClr>
-              <a:buSzPts val="2000"/>
-              <a:buFont typeface="Arial"/>
-              <a:buNone/>
-            </a:pPr>
-            <a:r>
-              <a:rPr lang="en" sz="2000" b="1">
-                <a:solidFill>
-                  <a:schemeClr val="dk1"/>
-                </a:solidFill>
-                <a:latin typeface="Calibri"/>
-                <a:ea typeface="Calibri"/>
-                <a:cs typeface="Calibri"/>
-                <a:sym typeface="Calibri"/>
-              </a:rPr>
-              <a:t>WebDev Arena Leaderboard</a:t>
-            </a:r>
-            <a:endParaRPr sz="2000" b="1" i="0" u="none" strike="noStrike" cap="none">
-              <a:solidFill>
-                <a:srgbClr val="000000"/>
-              </a:solidFill>
-              <a:latin typeface="Calibri"/>
-              <a:ea typeface="Calibri"/>
-              <a:cs typeface="Calibri"/>
-              <a:sym typeface="Calibri"/>
-            </a:endParaRPr>
-          </a:p>
-        </p:txBody>
-      </p:sp>
-      <p:sp>
-        <p:nvSpPr>
-          <p:cNvPr id="303" name="Google Shape;303;p34"/>
-          <p:cNvSpPr txBox="1"/>
-          <p:nvPr/>
-        </p:nvSpPr>
-        <p:spPr>
-          <a:xfrm>
-            <a:off x="1917800" y="282725"/>
-            <a:ext cx="2178300" cy="338700"/>
-          </a:xfrm>
-          <a:prstGeom prst="rect">
-            <a:avLst/>
-          </a:prstGeom>
-          <a:noFill/>
-          <a:ln>
-            <a:noFill/>
-          </a:ln>
-        </p:spPr>
-        <p:txBody>
-          <a:bodyPr spcFirstLastPara="1" wrap="square" lIns="91425" tIns="91425" rIns="91425" bIns="91425" anchor="t" anchorCtr="0">
-            <a:spAutoFit/>
-          </a:bodyPr>
-          <a:lstStyle/>
-          <a:p>
-            <a:pPr marL="57150" marR="0" lvl="0" indent="-63500" algn="l" rtl="0">
-              <a:lnSpc>
-                <a:spcPct val="100000"/>
-              </a:lnSpc>
-              <a:spcBef>
-                <a:spcPts val="0"/>
-              </a:spcBef>
-              <a:spcAft>
-                <a:spcPts val="0"/>
-              </a:spcAft>
-              <a:buSzPts val="1000"/>
-              <a:buFont typeface="Calibri"/>
-              <a:buChar char="●"/>
-            </a:pPr>
-            <a:r>
-              <a:rPr lang="en" sz="1000" u="sng">
-                <a:solidFill>
-                  <a:schemeClr val="hlink"/>
-                </a:solidFill>
-                <a:latin typeface="Calibri"/>
-                <a:ea typeface="Calibri"/>
-                <a:cs typeface="Calibri"/>
-                <a:sym typeface="Calibri"/>
-                <a:hlinkClick r:id="rId3"/>
-              </a:rPr>
-              <a:t>https://web.lmarena.ai/leaderboard</a:t>
-            </a:r>
-            <a:r>
-              <a:rPr lang="en" sz="1000">
-                <a:solidFill>
-                  <a:schemeClr val="dk1"/>
-                </a:solidFill>
-                <a:latin typeface="Calibri"/>
-                <a:ea typeface="Calibri"/>
-                <a:cs typeface="Calibri"/>
-                <a:sym typeface="Calibri"/>
-              </a:rPr>
-              <a:t> </a:t>
-            </a:r>
-            <a:endParaRPr sz="1000" b="0" i="0" u="none" strike="noStrike" cap="none">
-              <a:solidFill>
-                <a:schemeClr val="dk1"/>
-              </a:solidFill>
-              <a:latin typeface="Calibri"/>
-              <a:ea typeface="Calibri"/>
-              <a:cs typeface="Calibri"/>
-              <a:sym typeface="Calibri"/>
-            </a:endParaRPr>
-          </a:p>
-        </p:txBody>
-      </p:sp>
-      <p:pic>
-        <p:nvPicPr>
-          <p:cNvPr id="304" name="Google Shape;304;p34"/>
-          <p:cNvPicPr preferRelativeResize="0"/>
-          <p:nvPr/>
-        </p:nvPicPr>
-        <p:blipFill>
-          <a:blip r:embed="rId4" cstate="email">
-            <a:alphaModFix/>
-            <a:extLst>
-              <a:ext uri="{28A0092B-C50C-407E-A947-70E740481C1C}">
-                <a14:useLocalDpi xmlns:a14="http://schemas.microsoft.com/office/drawing/2010/main"/>
-              </a:ext>
-            </a:extLst>
-          </a:blip>
-          <a:stretch>
-            <a:fillRect/>
-          </a:stretch>
-        </p:blipFill>
-        <p:spPr>
-          <a:xfrm>
-            <a:off x="1543613" y="818250"/>
-            <a:ext cx="6056786" cy="4217274"/>
-          </a:xfrm>
-          <a:prstGeom prst="rect">
-            <a:avLst/>
-          </a:prstGeom>
-          <a:noFill/>
-          <a:ln>
-            <a:noFill/>
-          </a:ln>
-        </p:spPr>
-      </p:pic>
-    </p:spTree>
-  </p:cSld>
-  <p:clrMapOvr>
-    <a:masterClrMapping/>
-  </p:clrMapOvr>
-</p:sld>
-</file>
-
-<file path=ppt/slides/slide21.xml><?xml version="1.0" encoding="utf-8"?>
-<p:sld xmlns:a="http://schemas.openxmlformats.org/drawingml/2006/main" xmlns:r="http://schemas.openxmlformats.org/officeDocument/2006/relationships" xmlns:p="http://schemas.openxmlformats.org/presentationml/2006/main">
-  <p:cSld>
-    <p:spTree>
-      <p:nvGrpSpPr>
-        <p:cNvPr id="1" name="Shape 308"/>
-        <p:cNvGrpSpPr/>
-        <p:nvPr/>
-      </p:nvGrpSpPr>
-      <p:grpSpPr>
-        <a:xfrm>
-          <a:off x="0" y="0"/>
-          <a:ext cx="0" cy="0"/>
-          <a:chOff x="0" y="0"/>
-          <a:chExt cx="0" cy="0"/>
-        </a:xfrm>
-      </p:grpSpPr>
-      <p:sp>
-        <p:nvSpPr>
-          <p:cNvPr id="309" name="Google Shape;309;p35"/>
+          <p:cNvPr id="299" name="Google Shape;299;p34"/>
           <p:cNvSpPr txBox="1"/>
           <p:nvPr/>
         </p:nvSpPr>
@@ -29373,7 +28846,7 @@
       </p:sp>
       <p:sp>
         <p:nvSpPr>
-          <p:cNvPr id="310" name="Google Shape;310;p35"/>
+          <p:cNvPr id="300" name="Google Shape;300;p34"/>
           <p:cNvSpPr txBox="1"/>
           <p:nvPr/>
         </p:nvSpPr>
@@ -29640,48 +29113,9 @@
           </a:p>
         </p:txBody>
       </p:sp>
-      <p:pic>
-        <p:nvPicPr>
-          <p:cNvPr id="311" name="Google Shape;311;p35"/>
-          <p:cNvPicPr preferRelativeResize="0"/>
-          <p:nvPr/>
-        </p:nvPicPr>
-        <p:blipFill>
-          <a:blip r:embed="rId7" cstate="email">
-            <a:alphaModFix/>
-            <a:extLst>
-              <a:ext uri="{28A0092B-C50C-407E-A947-70E740481C1C}">
-                <a14:useLocalDpi xmlns:a14="http://schemas.microsoft.com/office/drawing/2010/main"/>
-              </a:ext>
-            </a:extLst>
-          </a:blip>
-          <a:stretch>
-            <a:fillRect/>
-          </a:stretch>
-        </p:blipFill>
-        <p:spPr>
-          <a:xfrm>
-            <a:off x="4870950" y="140800"/>
-            <a:ext cx="4273051" cy="1972176"/>
-          </a:xfrm>
-          <a:prstGeom prst="rect">
-            <a:avLst/>
-          </a:prstGeom>
-          <a:noFill/>
-          <a:ln w="9525" cap="flat" cmpd="sng">
-            <a:solidFill>
-              <a:srgbClr val="FF0000"/>
-            </a:solidFill>
-            <a:prstDash val="solid"/>
-            <a:round/>
-            <a:headEnd type="none" w="sm" len="sm"/>
-            <a:tailEnd type="none" w="sm" len="sm"/>
-          </a:ln>
-        </p:spPr>
-      </p:pic>
       <p:sp>
         <p:nvSpPr>
-          <p:cNvPr id="312" name="Google Shape;312;p35"/>
+          <p:cNvPr id="301" name="Google Shape;301;p34"/>
           <p:cNvSpPr txBox="1"/>
           <p:nvPr/>
         </p:nvSpPr>
@@ -29789,9 +29223,243 @@
           </a:p>
         </p:txBody>
       </p:sp>
+      <p:pic>
+        <p:nvPicPr>
+          <p:cNvPr id="302" name="Google Shape;302;p34"/>
+          <p:cNvPicPr preferRelativeResize="0"/>
+          <p:nvPr/>
+        </p:nvPicPr>
+        <p:blipFill>
+          <a:blip r:embed="rId7" cstate="email">
+            <a:alphaModFix/>
+            <a:extLst>
+              <a:ext uri="{28A0092B-C50C-407E-A947-70E740481C1C}">
+                <a14:useLocalDpi xmlns:a14="http://schemas.microsoft.com/office/drawing/2010/main"/>
+              </a:ext>
+            </a:extLst>
+          </a:blip>
+          <a:stretch>
+            <a:fillRect/>
+          </a:stretch>
+        </p:blipFill>
+        <p:spPr>
+          <a:xfrm>
+            <a:off x="1414813" y="1374075"/>
+            <a:ext cx="6314368" cy="2725725"/>
+          </a:xfrm>
+          <a:prstGeom prst="rect">
+            <a:avLst/>
+          </a:prstGeom>
+          <a:noFill/>
+          <a:ln>
+            <a:noFill/>
+          </a:ln>
+        </p:spPr>
+      </p:pic>
+    </p:spTree>
+  </p:cSld>
+  <p:clrMapOvr>
+    <a:masterClrMapping/>
+  </p:clrMapOvr>
+</p:sld>
+</file>
+
+<file path=ppt/slides/slide21.xml><?xml version="1.0" encoding="utf-8"?>
+<p:sld xmlns:a="http://schemas.openxmlformats.org/drawingml/2006/main" xmlns:r="http://schemas.openxmlformats.org/officeDocument/2006/relationships" xmlns:p="http://schemas.openxmlformats.org/presentationml/2006/main">
+  <p:cSld>
+    <p:spTree>
+      <p:nvGrpSpPr>
+        <p:cNvPr id="1" name="Shape 306"/>
+        <p:cNvGrpSpPr/>
+        <p:nvPr/>
+      </p:nvGrpSpPr>
+      <p:grpSpPr>
+        <a:xfrm>
+          <a:off x="0" y="0"/>
+          <a:ext cx="0" cy="0"/>
+          <a:chOff x="0" y="0"/>
+          <a:chExt cx="0" cy="0"/>
+        </a:xfrm>
+      </p:grpSpPr>
       <p:sp>
         <p:nvSpPr>
-          <p:cNvPr id="313" name="Google Shape;313;p35"/>
+          <p:cNvPr id="307" name="Google Shape;307;p35"/>
+          <p:cNvSpPr txBox="1"/>
+          <p:nvPr/>
+        </p:nvSpPr>
+        <p:spPr>
+          <a:xfrm>
+            <a:off x="41900" y="44350"/>
+            <a:ext cx="3632100" cy="492600"/>
+          </a:xfrm>
+          <a:prstGeom prst="rect">
+            <a:avLst/>
+          </a:prstGeom>
+          <a:noFill/>
+          <a:ln>
+            <a:noFill/>
+          </a:ln>
+        </p:spPr>
+        <p:txBody>
+          <a:bodyPr spcFirstLastPara="1" wrap="square" lIns="91425" tIns="91425" rIns="91425" bIns="91425" anchor="t" anchorCtr="0">
+            <a:spAutoFit/>
+          </a:bodyPr>
+          <a:lstStyle/>
+          <a:p>
+            <a:pPr marL="0" marR="0" lvl="0" indent="0" algn="l" rtl="0">
+              <a:lnSpc>
+                <a:spcPct val="100000"/>
+              </a:lnSpc>
+              <a:spcBef>
+                <a:spcPts val="0"/>
+              </a:spcBef>
+              <a:spcAft>
+                <a:spcPts val="0"/>
+              </a:spcAft>
+              <a:buClr>
+                <a:srgbClr val="000000"/>
+              </a:buClr>
+              <a:buSzPts val="2000"/>
+              <a:buFont typeface="Arial"/>
+              <a:buNone/>
+            </a:pPr>
+            <a:r>
+              <a:rPr lang="en" sz="2000" b="1">
+                <a:solidFill>
+                  <a:schemeClr val="dk1"/>
+                </a:solidFill>
+                <a:latin typeface="Calibri"/>
+                <a:ea typeface="Calibri"/>
+                <a:cs typeface="Calibri"/>
+                <a:sym typeface="Calibri"/>
+              </a:rPr>
+              <a:t>Electric Vehicle for 13,000 euros </a:t>
+            </a:r>
+            <a:endParaRPr sz="2000" b="1" i="0" u="none" strike="noStrike" cap="none">
+              <a:solidFill>
+                <a:srgbClr val="000000"/>
+              </a:solidFill>
+              <a:latin typeface="Calibri"/>
+              <a:ea typeface="Calibri"/>
+              <a:cs typeface="Calibri"/>
+              <a:sym typeface="Calibri"/>
+            </a:endParaRPr>
+          </a:p>
+        </p:txBody>
+      </p:sp>
+      <p:sp>
+        <p:nvSpPr>
+          <p:cNvPr id="308" name="Google Shape;308;p35"/>
+          <p:cNvSpPr txBox="1"/>
+          <p:nvPr/>
+        </p:nvSpPr>
+        <p:spPr>
+          <a:xfrm>
+            <a:off x="121850" y="1374075"/>
+            <a:ext cx="2323800" cy="738900"/>
+          </a:xfrm>
+          <a:prstGeom prst="rect">
+            <a:avLst/>
+          </a:prstGeom>
+          <a:noFill/>
+          <a:ln>
+            <a:noFill/>
+          </a:ln>
+        </p:spPr>
+        <p:txBody>
+          <a:bodyPr spcFirstLastPara="1" wrap="square" lIns="91425" tIns="91425" rIns="91425" bIns="91425" anchor="t" anchorCtr="0">
+            <a:spAutoFit/>
+          </a:bodyPr>
+          <a:lstStyle/>
+          <a:p>
+            <a:pPr marL="0" marR="0" lvl="0" indent="0" algn="l" rtl="0">
+              <a:lnSpc>
+                <a:spcPct val="100000"/>
+              </a:lnSpc>
+              <a:spcBef>
+                <a:spcPts val="0"/>
+              </a:spcBef>
+              <a:spcAft>
+                <a:spcPts val="0"/>
+              </a:spcAft>
+              <a:buClr>
+                <a:srgbClr val="000000"/>
+              </a:buClr>
+              <a:buSzPts val="1300"/>
+              <a:buFont typeface="Arial"/>
+              <a:buNone/>
+            </a:pPr>
+            <a:endParaRPr sz="1200">
+              <a:solidFill>
+                <a:schemeClr val="dk1"/>
+              </a:solidFill>
+              <a:latin typeface="Calibri"/>
+              <a:ea typeface="Calibri"/>
+              <a:cs typeface="Calibri"/>
+              <a:sym typeface="Calibri"/>
+            </a:endParaRPr>
+          </a:p>
+          <a:p>
+            <a:pPr marL="0" marR="0" lvl="0" indent="0" algn="l" rtl="0">
+              <a:lnSpc>
+                <a:spcPct val="100000"/>
+              </a:lnSpc>
+              <a:spcBef>
+                <a:spcPts val="0"/>
+              </a:spcBef>
+              <a:spcAft>
+                <a:spcPts val="0"/>
+              </a:spcAft>
+              <a:buClr>
+                <a:srgbClr val="000000"/>
+              </a:buClr>
+              <a:buSzPts val="1300"/>
+              <a:buFont typeface="Arial"/>
+              <a:buNone/>
+            </a:pPr>
+            <a:endParaRPr sz="1200">
+              <a:solidFill>
+                <a:srgbClr val="0F0F0F"/>
+              </a:solidFill>
+              <a:latin typeface="Calibri"/>
+              <a:ea typeface="Calibri"/>
+              <a:cs typeface="Calibri"/>
+              <a:sym typeface="Calibri"/>
+            </a:endParaRPr>
+          </a:p>
+          <a:p>
+            <a:pPr marL="0" marR="0" lvl="0" indent="0" algn="l" rtl="0">
+              <a:lnSpc>
+                <a:spcPct val="100000"/>
+              </a:lnSpc>
+              <a:spcBef>
+                <a:spcPts val="0"/>
+              </a:spcBef>
+              <a:spcAft>
+                <a:spcPts val="0"/>
+              </a:spcAft>
+              <a:buClr>
+                <a:srgbClr val="000000"/>
+              </a:buClr>
+              <a:buSzPts val="1300"/>
+              <a:buFont typeface="Arial"/>
+              <a:buNone/>
+            </a:pPr>
+            <a:endParaRPr sz="1200">
+              <a:solidFill>
+                <a:srgbClr val="0F0F0F"/>
+              </a:solidFill>
+              <a:latin typeface="Calibri"/>
+              <a:ea typeface="Calibri"/>
+              <a:cs typeface="Calibri"/>
+              <a:sym typeface="Calibri"/>
+            </a:endParaRPr>
+          </a:p>
+        </p:txBody>
+      </p:sp>
+      <p:sp>
+        <p:nvSpPr>
+          <p:cNvPr id="309" name="Google Shape;309;p35"/>
           <p:cNvSpPr txBox="1"/>
           <p:nvPr/>
         </p:nvSpPr>
@@ -29839,1071 +29507,7 @@
       </p:sp>
       <p:sp>
         <p:nvSpPr>
-          <p:cNvPr id="314" name="Google Shape;314;p35"/>
-          <p:cNvSpPr txBox="1"/>
-          <p:nvPr/>
-        </p:nvSpPr>
-        <p:spPr>
-          <a:xfrm>
-            <a:off x="121850" y="1319125"/>
-            <a:ext cx="3991800" cy="1403700"/>
-          </a:xfrm>
-          <a:prstGeom prst="rect">
-            <a:avLst/>
-          </a:prstGeom>
-          <a:solidFill>
-            <a:srgbClr val="FFF2CC"/>
-          </a:solidFill>
-          <a:ln w="9525" cap="flat" cmpd="sng">
-            <a:solidFill>
-              <a:srgbClr val="FF0000"/>
-            </a:solidFill>
-            <a:prstDash val="solid"/>
-            <a:round/>
-            <a:headEnd type="none" w="sm" len="sm"/>
-            <a:tailEnd type="none" w="sm" len="sm"/>
-          </a:ln>
-        </p:spPr>
-        <p:txBody>
-          <a:bodyPr spcFirstLastPara="1" wrap="square" lIns="9125" tIns="9125" rIns="9125" bIns="9125" anchor="t" anchorCtr="0">
-            <a:spAutoFit/>
-          </a:bodyPr>
-          <a:lstStyle/>
-          <a:p>
-            <a:pPr marL="0" lvl="0" indent="0" algn="ctr" rtl="0">
-              <a:spcBef>
-                <a:spcPts val="0"/>
-              </a:spcBef>
-              <a:spcAft>
-                <a:spcPts val="0"/>
-              </a:spcAft>
-              <a:buNone/>
-            </a:pPr>
-            <a:r>
-              <a:rPr lang="en" sz="1200">
-                <a:solidFill>
-                  <a:srgbClr val="0F0F0F"/>
-                </a:solidFill>
-                <a:latin typeface="Calibri"/>
-                <a:ea typeface="Calibri"/>
-                <a:cs typeface="Calibri"/>
-                <a:sym typeface="Calibri"/>
-              </a:rPr>
-              <a:t>The Tech Layoff Tracker (as of March 13, 2025)</a:t>
-            </a:r>
-            <a:endParaRPr sz="1200">
-              <a:solidFill>
-                <a:srgbClr val="0F0F0F"/>
-              </a:solidFill>
-              <a:latin typeface="Calibri"/>
-              <a:ea typeface="Calibri"/>
-              <a:cs typeface="Calibri"/>
-              <a:sym typeface="Calibri"/>
-            </a:endParaRPr>
-          </a:p>
-          <a:p>
-            <a:pPr marL="457200" lvl="0" indent="457200" algn="l" rtl="0">
-              <a:spcBef>
-                <a:spcPts val="0"/>
-              </a:spcBef>
-              <a:spcAft>
-                <a:spcPts val="0"/>
-              </a:spcAft>
-              <a:buNone/>
-            </a:pPr>
-            <a:r>
-              <a:rPr lang="en" sz="900" u="sng">
-                <a:solidFill>
-                  <a:schemeClr val="accent5"/>
-                </a:solidFill>
-                <a:latin typeface="Calibri"/>
-                <a:ea typeface="Calibri"/>
-                <a:cs typeface="Calibri"/>
-                <a:sym typeface="Calibri"/>
-                <a:hlinkClick r:id="rId8">
-                  <a:extLst>
-                    <a:ext uri="{A12FA001-AC4F-418D-AE19-62706E023703}">
-                      <ahyp:hlinkClr xmlns:ahyp="http://schemas.microsoft.com/office/drawing/2018/hyperlinkcolor" val="tx"/>
-                    </a:ext>
-                  </a:extLst>
-                </a:hlinkClick>
-              </a:rPr>
-              <a:t>https://www.trueup.io/layoffs</a:t>
-            </a:r>
-            <a:endParaRPr sz="1200">
-              <a:solidFill>
-                <a:srgbClr val="0F0F0F"/>
-              </a:solidFill>
-              <a:latin typeface="Calibri"/>
-              <a:ea typeface="Calibri"/>
-              <a:cs typeface="Calibri"/>
-              <a:sym typeface="Calibri"/>
-            </a:endParaRPr>
-          </a:p>
-          <a:p>
-            <a:pPr marL="457200" lvl="0" indent="0" algn="l" rtl="0">
-              <a:spcBef>
-                <a:spcPts val="0"/>
-              </a:spcBef>
-              <a:spcAft>
-                <a:spcPts val="0"/>
-              </a:spcAft>
-              <a:buNone/>
-            </a:pPr>
-            <a:endParaRPr sz="1200">
-              <a:solidFill>
-                <a:srgbClr val="0F0F0F"/>
-              </a:solidFill>
-              <a:latin typeface="Calibri"/>
-              <a:ea typeface="Calibri"/>
-              <a:cs typeface="Calibri"/>
-              <a:sym typeface="Calibri"/>
-            </a:endParaRPr>
-          </a:p>
-          <a:p>
-            <a:pPr marL="228600" lvl="0" indent="-133350" algn="l" rtl="0">
-              <a:spcBef>
-                <a:spcPts val="0"/>
-              </a:spcBef>
-              <a:spcAft>
-                <a:spcPts val="0"/>
-              </a:spcAft>
-              <a:buClr>
-                <a:srgbClr val="0F0F0F"/>
-              </a:buClr>
-              <a:buSzPts val="1200"/>
-              <a:buFont typeface="Calibri"/>
-              <a:buChar char="●"/>
-            </a:pPr>
-            <a:r>
-              <a:rPr lang="en" sz="1200">
-                <a:solidFill>
-                  <a:srgbClr val="0F0F0F"/>
-                </a:solidFill>
-                <a:latin typeface="Calibri"/>
-                <a:ea typeface="Calibri"/>
-                <a:cs typeface="Calibri"/>
-                <a:sym typeface="Calibri"/>
-              </a:rPr>
-              <a:t>So far in 2025 - 531 people per day, total of 38,252 people </a:t>
-            </a:r>
-            <a:endParaRPr sz="1200">
-              <a:solidFill>
-                <a:srgbClr val="0F0F0F"/>
-              </a:solidFill>
-              <a:latin typeface="Calibri"/>
-              <a:ea typeface="Calibri"/>
-              <a:cs typeface="Calibri"/>
-              <a:sym typeface="Calibri"/>
-            </a:endParaRPr>
-          </a:p>
-          <a:p>
-            <a:pPr marL="228600" lvl="0" indent="-133350" algn="l" rtl="0">
-              <a:spcBef>
-                <a:spcPts val="0"/>
-              </a:spcBef>
-              <a:spcAft>
-                <a:spcPts val="0"/>
-              </a:spcAft>
-              <a:buClr>
-                <a:srgbClr val="0F0F0F"/>
-              </a:buClr>
-              <a:buSzPts val="1200"/>
-              <a:buFont typeface="Calibri"/>
-              <a:buChar char="●"/>
-            </a:pPr>
-            <a:r>
-              <a:rPr lang="en" sz="1200">
-                <a:solidFill>
-                  <a:srgbClr val="0F0F0F"/>
-                </a:solidFill>
-                <a:latin typeface="Calibri"/>
-                <a:ea typeface="Calibri"/>
-                <a:cs typeface="Calibri"/>
-                <a:sym typeface="Calibri"/>
-              </a:rPr>
-              <a:t>In 2024 - 653 people per day, total of 238,461 people </a:t>
-            </a:r>
-            <a:endParaRPr sz="1200">
-              <a:solidFill>
-                <a:srgbClr val="0F0F0F"/>
-              </a:solidFill>
-              <a:latin typeface="Calibri"/>
-              <a:ea typeface="Calibri"/>
-              <a:cs typeface="Calibri"/>
-              <a:sym typeface="Calibri"/>
-            </a:endParaRPr>
-          </a:p>
-          <a:p>
-            <a:pPr marL="228600" lvl="0" indent="-133350" algn="l" rtl="0">
-              <a:spcBef>
-                <a:spcPts val="0"/>
-              </a:spcBef>
-              <a:spcAft>
-                <a:spcPts val="0"/>
-              </a:spcAft>
-              <a:buClr>
-                <a:srgbClr val="0F0F0F"/>
-              </a:buClr>
-              <a:buSzPts val="1200"/>
-              <a:buFont typeface="Calibri"/>
-              <a:buChar char="●"/>
-            </a:pPr>
-            <a:r>
-              <a:rPr lang="en" sz="1200">
-                <a:solidFill>
-                  <a:schemeClr val="dk1"/>
-                </a:solidFill>
-                <a:latin typeface="Calibri"/>
-                <a:ea typeface="Calibri"/>
-                <a:cs typeface="Calibri"/>
-                <a:sym typeface="Calibri"/>
-              </a:rPr>
-              <a:t>In 2023: More than 191,000 people </a:t>
-            </a:r>
-            <a:endParaRPr sz="1200">
-              <a:solidFill>
-                <a:schemeClr val="dk1"/>
-              </a:solidFill>
-              <a:latin typeface="Calibri"/>
-              <a:ea typeface="Calibri"/>
-              <a:cs typeface="Calibri"/>
-              <a:sym typeface="Calibri"/>
-            </a:endParaRPr>
-          </a:p>
-          <a:p>
-            <a:pPr marL="228600" lvl="0" indent="-133350" algn="l" rtl="0">
-              <a:spcBef>
-                <a:spcPts val="0"/>
-              </a:spcBef>
-              <a:spcAft>
-                <a:spcPts val="0"/>
-              </a:spcAft>
-              <a:buClr>
-                <a:schemeClr val="dk1"/>
-              </a:buClr>
-              <a:buSzPts val="1200"/>
-              <a:buFont typeface="Calibri"/>
-              <a:buChar char="●"/>
-            </a:pPr>
-            <a:r>
-              <a:rPr lang="en" sz="1200">
-                <a:solidFill>
-                  <a:schemeClr val="dk1"/>
-                </a:solidFill>
-                <a:latin typeface="Calibri"/>
-                <a:ea typeface="Calibri"/>
-                <a:cs typeface="Calibri"/>
-                <a:sym typeface="Calibri"/>
-              </a:rPr>
-              <a:t>In 2022: More than 93,000 workers </a:t>
-            </a:r>
-            <a:r>
-              <a:rPr lang="en" sz="1200">
-                <a:solidFill>
-                  <a:srgbClr val="0F0F0F"/>
-                </a:solidFill>
-                <a:latin typeface="Calibri"/>
-                <a:ea typeface="Calibri"/>
-                <a:cs typeface="Calibri"/>
-                <a:sym typeface="Calibri"/>
-              </a:rPr>
-              <a:t>laid off</a:t>
-            </a:r>
-            <a:endParaRPr sz="1200">
-              <a:solidFill>
-                <a:schemeClr val="dk1"/>
-              </a:solidFill>
-              <a:latin typeface="Calibri"/>
-              <a:ea typeface="Calibri"/>
-              <a:cs typeface="Calibri"/>
-              <a:sym typeface="Calibri"/>
-            </a:endParaRPr>
-          </a:p>
-          <a:p>
-            <a:pPr marL="914400" lvl="0" indent="457200" algn="l" rtl="0">
-              <a:spcBef>
-                <a:spcPts val="0"/>
-              </a:spcBef>
-              <a:spcAft>
-                <a:spcPts val="0"/>
-              </a:spcAft>
-              <a:buNone/>
-            </a:pPr>
-            <a:r>
-              <a:rPr lang="en" sz="900" u="sng">
-                <a:solidFill>
-                  <a:schemeClr val="accent5"/>
-                </a:solidFill>
-                <a:latin typeface="Calibri"/>
-                <a:ea typeface="Calibri"/>
-                <a:cs typeface="Calibri"/>
-                <a:sym typeface="Calibri"/>
-                <a:hlinkClick r:id="rId9">
-                  <a:extLst>
-                    <a:ext uri="{A12FA001-AC4F-418D-AE19-62706E023703}">
-                      <ahyp:hlinkClr xmlns:ahyp="http://schemas.microsoft.com/office/drawing/2018/hyperlinkcolor" val="tx"/>
-                    </a:ext>
-                  </a:extLst>
-                </a:hlinkClick>
-              </a:rPr>
-              <a:t>https://news.crunchbase.com/startups/tech-layoffs/</a:t>
-            </a:r>
-            <a:endParaRPr sz="1200">
-              <a:solidFill>
-                <a:schemeClr val="dk1"/>
-              </a:solidFill>
-              <a:latin typeface="Calibri"/>
-              <a:ea typeface="Calibri"/>
-              <a:cs typeface="Calibri"/>
-              <a:sym typeface="Calibri"/>
-            </a:endParaRPr>
-          </a:p>
-        </p:txBody>
-      </p:sp>
-      <p:pic>
-        <p:nvPicPr>
-          <p:cNvPr id="315" name="Google Shape;315;p35"/>
-          <p:cNvPicPr preferRelativeResize="0"/>
-          <p:nvPr/>
-        </p:nvPicPr>
-        <p:blipFill>
-          <a:blip r:embed="rId10" cstate="email">
-            <a:alphaModFix/>
-            <a:extLst>
-              <a:ext uri="{28A0092B-C50C-407E-A947-70E740481C1C}">
-                <a14:useLocalDpi xmlns:a14="http://schemas.microsoft.com/office/drawing/2010/main"/>
-              </a:ext>
-            </a:extLst>
-          </a:blip>
-          <a:stretch>
-            <a:fillRect/>
-          </a:stretch>
-        </p:blipFill>
-        <p:spPr>
-          <a:xfrm>
-            <a:off x="121850" y="2859048"/>
-            <a:ext cx="3991802" cy="2243852"/>
-          </a:xfrm>
-          <a:prstGeom prst="rect">
-            <a:avLst/>
-          </a:prstGeom>
-          <a:noFill/>
-          <a:ln w="9525" cap="flat" cmpd="sng">
-            <a:solidFill>
-              <a:srgbClr val="FF0000"/>
-            </a:solidFill>
-            <a:prstDash val="solid"/>
-            <a:round/>
-            <a:headEnd type="none" w="sm" len="sm"/>
-            <a:tailEnd type="none" w="sm" len="sm"/>
-          </a:ln>
-        </p:spPr>
-      </p:pic>
-      <p:sp>
-        <p:nvSpPr>
-          <p:cNvPr id="316" name="Google Shape;316;p35"/>
-          <p:cNvSpPr txBox="1"/>
-          <p:nvPr/>
-        </p:nvSpPr>
-        <p:spPr>
-          <a:xfrm>
-            <a:off x="4870950" y="2261850"/>
-            <a:ext cx="3991800" cy="942000"/>
-          </a:xfrm>
-          <a:prstGeom prst="rect">
-            <a:avLst/>
-          </a:prstGeom>
-          <a:solidFill>
-            <a:srgbClr val="FFF2CC"/>
-          </a:solidFill>
-          <a:ln w="9525" cap="flat" cmpd="sng">
-            <a:solidFill>
-              <a:srgbClr val="FF0000"/>
-            </a:solidFill>
-            <a:prstDash val="solid"/>
-            <a:round/>
-            <a:headEnd type="none" w="sm" len="sm"/>
-            <a:tailEnd type="none" w="sm" len="sm"/>
-          </a:ln>
-        </p:spPr>
-        <p:txBody>
-          <a:bodyPr spcFirstLastPara="1" wrap="square" lIns="9125" tIns="9125" rIns="9125" bIns="9125" anchor="t" anchorCtr="0">
-            <a:spAutoFit/>
-          </a:bodyPr>
-          <a:lstStyle/>
-          <a:p>
-            <a:pPr marL="57150" lvl="0" indent="0" algn="l" rtl="0">
-              <a:spcBef>
-                <a:spcPts val="0"/>
-              </a:spcBef>
-              <a:spcAft>
-                <a:spcPts val="0"/>
-              </a:spcAft>
-              <a:buNone/>
-            </a:pPr>
-            <a:r>
-              <a:rPr lang="en" sz="1200">
-                <a:solidFill>
-                  <a:srgbClr val="0F0F0F"/>
-                </a:solidFill>
-                <a:latin typeface="Calibri"/>
-                <a:ea typeface="Calibri"/>
-                <a:cs typeface="Calibri"/>
-                <a:sym typeface="Calibri"/>
-              </a:rPr>
-              <a:t>AI jobs percentage:</a:t>
-            </a:r>
-            <a:endParaRPr sz="1200">
-              <a:solidFill>
-                <a:srgbClr val="0F0F0F"/>
-              </a:solidFill>
-              <a:latin typeface="Calibri"/>
-              <a:ea typeface="Calibri"/>
-              <a:cs typeface="Calibri"/>
-              <a:sym typeface="Calibri"/>
-            </a:endParaRPr>
-          </a:p>
-          <a:p>
-            <a:pPr marL="57150" lvl="0" indent="0" algn="l" rtl="0">
-              <a:spcBef>
-                <a:spcPts val="0"/>
-              </a:spcBef>
-              <a:spcAft>
-                <a:spcPts val="0"/>
-              </a:spcAft>
-              <a:buNone/>
-            </a:pPr>
-            <a:r>
-              <a:rPr lang="en" sz="1200">
-                <a:solidFill>
-                  <a:srgbClr val="0F0F0F"/>
-                </a:solidFill>
-                <a:latin typeface="Calibri"/>
-                <a:ea typeface="Calibri"/>
-                <a:cs typeface="Calibri"/>
-                <a:sym typeface="Calibri"/>
-              </a:rPr>
-              <a:t>2022 - 3.3%</a:t>
-            </a:r>
-            <a:endParaRPr sz="1200">
-              <a:solidFill>
-                <a:srgbClr val="0F0F0F"/>
-              </a:solidFill>
-              <a:latin typeface="Calibri"/>
-              <a:ea typeface="Calibri"/>
-              <a:cs typeface="Calibri"/>
-              <a:sym typeface="Calibri"/>
-            </a:endParaRPr>
-          </a:p>
-          <a:p>
-            <a:pPr marL="57150" lvl="0" indent="0" algn="l" rtl="0">
-              <a:spcBef>
-                <a:spcPts val="0"/>
-              </a:spcBef>
-              <a:spcAft>
-                <a:spcPts val="0"/>
-              </a:spcAft>
-              <a:buNone/>
-            </a:pPr>
-            <a:r>
-              <a:rPr lang="en" sz="1200">
-                <a:solidFill>
-                  <a:srgbClr val="0F0F0F"/>
-                </a:solidFill>
-                <a:latin typeface="Calibri"/>
-                <a:ea typeface="Calibri"/>
-                <a:cs typeface="Calibri"/>
-                <a:sym typeface="Calibri"/>
-              </a:rPr>
-              <a:t>2024 - 14.3%</a:t>
-            </a:r>
-            <a:endParaRPr sz="1200">
-              <a:solidFill>
-                <a:srgbClr val="0F0F0F"/>
-              </a:solidFill>
-              <a:latin typeface="Calibri"/>
-              <a:ea typeface="Calibri"/>
-              <a:cs typeface="Calibri"/>
-              <a:sym typeface="Calibri"/>
-            </a:endParaRPr>
-          </a:p>
-          <a:p>
-            <a:pPr marL="57150" lvl="0" indent="0" algn="l" rtl="0">
-              <a:spcBef>
-                <a:spcPts val="0"/>
-              </a:spcBef>
-              <a:spcAft>
-                <a:spcPts val="0"/>
-              </a:spcAft>
-              <a:buNone/>
-            </a:pPr>
-            <a:r>
-              <a:rPr lang="en" sz="1200">
-                <a:solidFill>
-                  <a:srgbClr val="0F0F0F"/>
-                </a:solidFill>
-                <a:latin typeface="Calibri"/>
-                <a:ea typeface="Calibri"/>
-                <a:cs typeface="Calibri"/>
-                <a:sym typeface="Calibri"/>
-              </a:rPr>
-              <a:t>2025 - 25% of all new tech job openings require AI skills</a:t>
-            </a:r>
-            <a:endParaRPr sz="1200">
-              <a:solidFill>
-                <a:srgbClr val="0F0F0F"/>
-              </a:solidFill>
-              <a:latin typeface="Calibri"/>
-              <a:ea typeface="Calibri"/>
-              <a:cs typeface="Calibri"/>
-              <a:sym typeface="Calibri"/>
-            </a:endParaRPr>
-          </a:p>
-          <a:p>
-            <a:pPr marL="57150" lvl="0" indent="0" algn="l" rtl="0">
-              <a:spcBef>
-                <a:spcPts val="0"/>
-              </a:spcBef>
-              <a:spcAft>
-                <a:spcPts val="0"/>
-              </a:spcAft>
-              <a:buNone/>
-            </a:pPr>
-            <a:r>
-              <a:rPr lang="en" sz="1200">
-                <a:solidFill>
-                  <a:srgbClr val="0F0F0F"/>
-                </a:solidFill>
-                <a:latin typeface="Calibri"/>
-                <a:ea typeface="Calibri"/>
-                <a:cs typeface="Calibri"/>
-                <a:sym typeface="Calibri"/>
-              </a:rPr>
-              <a:t>            36% of IT job postings tied to AI needs</a:t>
-            </a:r>
-            <a:endParaRPr sz="1200">
-              <a:solidFill>
-                <a:srgbClr val="0F0F0F"/>
-              </a:solidFill>
-              <a:latin typeface="Calibri"/>
-              <a:ea typeface="Calibri"/>
-              <a:cs typeface="Calibri"/>
-              <a:sym typeface="Calibri"/>
-            </a:endParaRPr>
-          </a:p>
-        </p:txBody>
-      </p:sp>
-      <p:sp>
-        <p:nvSpPr>
-          <p:cNvPr id="317" name="Google Shape;317;p35"/>
-          <p:cNvSpPr txBox="1"/>
-          <p:nvPr/>
-        </p:nvSpPr>
-        <p:spPr>
-          <a:xfrm>
-            <a:off x="4870950" y="3509975"/>
-            <a:ext cx="2467200" cy="1126800"/>
-          </a:xfrm>
-          <a:prstGeom prst="rect">
-            <a:avLst/>
-          </a:prstGeom>
-          <a:solidFill>
-            <a:srgbClr val="FFF2CC"/>
-          </a:solidFill>
-          <a:ln w="9525" cap="flat" cmpd="sng">
-            <a:solidFill>
-              <a:srgbClr val="FF0000"/>
-            </a:solidFill>
-            <a:prstDash val="solid"/>
-            <a:round/>
-            <a:headEnd type="none" w="sm" len="sm"/>
-            <a:tailEnd type="none" w="sm" len="sm"/>
-          </a:ln>
-        </p:spPr>
-        <p:txBody>
-          <a:bodyPr spcFirstLastPara="1" wrap="square" lIns="9125" tIns="9125" rIns="9125" bIns="9125" anchor="t" anchorCtr="0">
-            <a:spAutoFit/>
-          </a:bodyPr>
-          <a:lstStyle/>
-          <a:p>
-            <a:pPr marL="57150" lvl="0" indent="0" algn="l" rtl="0">
-              <a:spcBef>
-                <a:spcPts val="0"/>
-              </a:spcBef>
-              <a:spcAft>
-                <a:spcPts val="0"/>
-              </a:spcAft>
-              <a:buNone/>
-            </a:pPr>
-            <a:r>
-              <a:rPr lang="en" sz="1200">
-                <a:solidFill>
-                  <a:srgbClr val="0F0F0F"/>
-                </a:solidFill>
-                <a:latin typeface="Calibri"/>
-                <a:ea typeface="Calibri"/>
-                <a:cs typeface="Calibri"/>
-                <a:sym typeface="Calibri"/>
-              </a:rPr>
-              <a:t>Number of AI Job postings by year</a:t>
-            </a:r>
-            <a:endParaRPr sz="1200">
-              <a:solidFill>
-                <a:srgbClr val="0F0F0F"/>
-              </a:solidFill>
-              <a:latin typeface="Calibri"/>
-              <a:ea typeface="Calibri"/>
-              <a:cs typeface="Calibri"/>
-              <a:sym typeface="Calibri"/>
-            </a:endParaRPr>
-          </a:p>
-          <a:p>
-            <a:pPr marL="57150" lvl="0" indent="0" algn="l" rtl="0">
-              <a:spcBef>
-                <a:spcPts val="0"/>
-              </a:spcBef>
-              <a:spcAft>
-                <a:spcPts val="0"/>
-              </a:spcAft>
-              <a:buNone/>
-            </a:pPr>
-            <a:r>
-              <a:rPr lang="en" sz="1000">
-                <a:solidFill>
-                  <a:srgbClr val="3C78D8"/>
-                </a:solidFill>
-                <a:latin typeface="Roboto Mono"/>
-                <a:ea typeface="Roboto Mono"/>
-                <a:cs typeface="Roboto Mono"/>
-                <a:sym typeface="Roboto Mono"/>
-              </a:rPr>
-              <a:t>2020	27K</a:t>
-            </a:r>
-            <a:endParaRPr sz="1000">
-              <a:solidFill>
-                <a:srgbClr val="3C78D8"/>
-              </a:solidFill>
-              <a:latin typeface="Roboto Mono"/>
-              <a:ea typeface="Roboto Mono"/>
-              <a:cs typeface="Roboto Mono"/>
-              <a:sym typeface="Roboto Mono"/>
-            </a:endParaRPr>
-          </a:p>
-          <a:p>
-            <a:pPr marL="57150" lvl="0" indent="0" algn="l" rtl="0">
-              <a:spcBef>
-                <a:spcPts val="0"/>
-              </a:spcBef>
-              <a:spcAft>
-                <a:spcPts val="0"/>
-              </a:spcAft>
-              <a:buNone/>
-            </a:pPr>
-            <a:r>
-              <a:rPr lang="en" sz="1000">
-                <a:solidFill>
-                  <a:srgbClr val="3C78D8"/>
-                </a:solidFill>
-                <a:latin typeface="Roboto Mono"/>
-                <a:ea typeface="Roboto Mono"/>
-                <a:cs typeface="Roboto Mono"/>
-                <a:sym typeface="Roboto Mono"/>
-              </a:rPr>
-              <a:t>2021	38K</a:t>
-            </a:r>
-            <a:endParaRPr sz="1000">
-              <a:solidFill>
-                <a:srgbClr val="3C78D8"/>
-              </a:solidFill>
-              <a:latin typeface="Roboto Mono"/>
-              <a:ea typeface="Roboto Mono"/>
-              <a:cs typeface="Roboto Mono"/>
-              <a:sym typeface="Roboto Mono"/>
-            </a:endParaRPr>
-          </a:p>
-          <a:p>
-            <a:pPr marL="57150" lvl="0" indent="0" algn="l" rtl="0">
-              <a:spcBef>
-                <a:spcPts val="0"/>
-              </a:spcBef>
-              <a:spcAft>
-                <a:spcPts val="0"/>
-              </a:spcAft>
-              <a:buNone/>
-            </a:pPr>
-            <a:r>
-              <a:rPr lang="en" sz="1000">
-                <a:solidFill>
-                  <a:srgbClr val="3C78D8"/>
-                </a:solidFill>
-                <a:latin typeface="Roboto Mono"/>
-                <a:ea typeface="Roboto Mono"/>
-                <a:cs typeface="Roboto Mono"/>
-                <a:sym typeface="Roboto Mono"/>
-              </a:rPr>
-              <a:t>2022	52K</a:t>
-            </a:r>
-            <a:endParaRPr sz="1000">
-              <a:solidFill>
-                <a:srgbClr val="3C78D8"/>
-              </a:solidFill>
-              <a:latin typeface="Roboto Mono"/>
-              <a:ea typeface="Roboto Mono"/>
-              <a:cs typeface="Roboto Mono"/>
-              <a:sym typeface="Roboto Mono"/>
-            </a:endParaRPr>
-          </a:p>
-          <a:p>
-            <a:pPr marL="57150" lvl="0" indent="0" algn="l" rtl="0">
-              <a:spcBef>
-                <a:spcPts val="0"/>
-              </a:spcBef>
-              <a:spcAft>
-                <a:spcPts val="0"/>
-              </a:spcAft>
-              <a:buNone/>
-            </a:pPr>
-            <a:r>
-              <a:rPr lang="en" sz="1000">
-                <a:solidFill>
-                  <a:srgbClr val="3C78D8"/>
-                </a:solidFill>
-                <a:latin typeface="Roboto Mono"/>
-                <a:ea typeface="Roboto Mono"/>
-                <a:cs typeface="Roboto Mono"/>
-                <a:sym typeface="Roboto Mono"/>
-              </a:rPr>
-              <a:t>2023	65K</a:t>
-            </a:r>
-            <a:endParaRPr sz="1000">
-              <a:solidFill>
-                <a:srgbClr val="3C78D8"/>
-              </a:solidFill>
-              <a:latin typeface="Roboto Mono"/>
-              <a:ea typeface="Roboto Mono"/>
-              <a:cs typeface="Roboto Mono"/>
-              <a:sym typeface="Roboto Mono"/>
-            </a:endParaRPr>
-          </a:p>
-          <a:p>
-            <a:pPr marL="57150" lvl="0" indent="0" algn="l" rtl="0">
-              <a:spcBef>
-                <a:spcPts val="0"/>
-              </a:spcBef>
-              <a:spcAft>
-                <a:spcPts val="0"/>
-              </a:spcAft>
-              <a:buNone/>
-            </a:pPr>
-            <a:r>
-              <a:rPr lang="en" sz="1000">
-                <a:solidFill>
-                  <a:srgbClr val="3C78D8"/>
-                </a:solidFill>
-                <a:latin typeface="Roboto Mono"/>
-                <a:ea typeface="Roboto Mono"/>
-                <a:cs typeface="Roboto Mono"/>
-                <a:sym typeface="Roboto Mono"/>
-              </a:rPr>
-              <a:t>2024	81K</a:t>
-            </a:r>
-            <a:endParaRPr sz="1000">
-              <a:solidFill>
-                <a:srgbClr val="3C78D8"/>
-              </a:solidFill>
-              <a:latin typeface="Roboto Mono"/>
-              <a:ea typeface="Roboto Mono"/>
-              <a:cs typeface="Roboto Mono"/>
-              <a:sym typeface="Roboto Mono"/>
-            </a:endParaRPr>
-          </a:p>
-          <a:p>
-            <a:pPr marL="57150" lvl="0" indent="0" algn="l" rtl="0">
-              <a:spcBef>
-                <a:spcPts val="0"/>
-              </a:spcBef>
-              <a:spcAft>
-                <a:spcPts val="0"/>
-              </a:spcAft>
-              <a:buNone/>
-            </a:pPr>
-            <a:r>
-              <a:rPr lang="en" sz="1000">
-                <a:solidFill>
-                  <a:srgbClr val="3C78D8"/>
-                </a:solidFill>
-                <a:latin typeface="Roboto Mono"/>
-                <a:ea typeface="Roboto Mono"/>
-                <a:cs typeface="Roboto Mono"/>
-                <a:sym typeface="Roboto Mono"/>
-              </a:rPr>
-              <a:t>2025	105 - 200K (projected)</a:t>
-            </a:r>
-            <a:endParaRPr sz="1000">
-              <a:solidFill>
-                <a:srgbClr val="3C78D8"/>
-              </a:solidFill>
-              <a:latin typeface="Roboto Mono"/>
-              <a:ea typeface="Roboto Mono"/>
-              <a:cs typeface="Roboto Mono"/>
-              <a:sym typeface="Roboto Mono"/>
-            </a:endParaRPr>
-          </a:p>
-        </p:txBody>
-      </p:sp>
-    </p:spTree>
-  </p:cSld>
-  <p:clrMapOvr>
-    <a:masterClrMapping/>
-  </p:clrMapOvr>
-</p:sld>
-</file>
-
-<file path=ppt/slides/slide22.xml><?xml version="1.0" encoding="utf-8"?>
-<p:sld xmlns:a="http://schemas.openxmlformats.org/drawingml/2006/main" xmlns:r="http://schemas.openxmlformats.org/officeDocument/2006/relationships" xmlns:p="http://schemas.openxmlformats.org/presentationml/2006/main">
-  <p:cSld>
-    <p:spTree>
-      <p:nvGrpSpPr>
-        <p:cNvPr id="1" name="Shape 321"/>
-        <p:cNvGrpSpPr/>
-        <p:nvPr/>
-      </p:nvGrpSpPr>
-      <p:grpSpPr>
-        <a:xfrm>
-          <a:off x="0" y="0"/>
-          <a:ext cx="0" cy="0"/>
-          <a:chOff x="0" y="0"/>
-          <a:chExt cx="0" cy="0"/>
-        </a:xfrm>
-      </p:grpSpPr>
-      <p:sp>
-        <p:nvSpPr>
-          <p:cNvPr id="322" name="Google Shape;322;p36"/>
-          <p:cNvSpPr txBox="1"/>
-          <p:nvPr/>
-        </p:nvSpPr>
-        <p:spPr>
-          <a:xfrm>
-            <a:off x="41900" y="44350"/>
-            <a:ext cx="3632100" cy="492600"/>
-          </a:xfrm>
-          <a:prstGeom prst="rect">
-            <a:avLst/>
-          </a:prstGeom>
-          <a:noFill/>
-          <a:ln>
-            <a:noFill/>
-          </a:ln>
-        </p:spPr>
-        <p:txBody>
-          <a:bodyPr spcFirstLastPara="1" wrap="square" lIns="91425" tIns="91425" rIns="91425" bIns="91425" anchor="t" anchorCtr="0">
-            <a:spAutoFit/>
-          </a:bodyPr>
-          <a:lstStyle/>
-          <a:p>
-            <a:pPr marL="0" marR="0" lvl="0" indent="0" algn="l" rtl="0">
-              <a:lnSpc>
-                <a:spcPct val="100000"/>
-              </a:lnSpc>
-              <a:spcBef>
-                <a:spcPts val="0"/>
-              </a:spcBef>
-              <a:spcAft>
-                <a:spcPts val="0"/>
-              </a:spcAft>
-              <a:buClr>
-                <a:srgbClr val="000000"/>
-              </a:buClr>
-              <a:buSzPts val="2000"/>
-              <a:buFont typeface="Arial"/>
-              <a:buNone/>
-            </a:pPr>
-            <a:r>
-              <a:rPr lang="en" sz="2000" b="1">
-                <a:solidFill>
-                  <a:schemeClr val="dk1"/>
-                </a:solidFill>
-                <a:latin typeface="Calibri"/>
-                <a:ea typeface="Calibri"/>
-                <a:cs typeface="Calibri"/>
-                <a:sym typeface="Calibri"/>
-              </a:rPr>
-              <a:t>Electric Vehicle for 13,000 euros </a:t>
-            </a:r>
-            <a:endParaRPr sz="2000" b="1" i="0" u="none" strike="noStrike" cap="none">
-              <a:solidFill>
-                <a:srgbClr val="000000"/>
-              </a:solidFill>
-              <a:latin typeface="Calibri"/>
-              <a:ea typeface="Calibri"/>
-              <a:cs typeface="Calibri"/>
-              <a:sym typeface="Calibri"/>
-            </a:endParaRPr>
-          </a:p>
-        </p:txBody>
-      </p:sp>
-      <p:sp>
-        <p:nvSpPr>
-          <p:cNvPr id="323" name="Google Shape;323;p36"/>
-          <p:cNvSpPr txBox="1"/>
-          <p:nvPr/>
-        </p:nvSpPr>
-        <p:spPr>
-          <a:xfrm>
-            <a:off x="121850" y="1374075"/>
-            <a:ext cx="2323800" cy="738900"/>
-          </a:xfrm>
-          <a:prstGeom prst="rect">
-            <a:avLst/>
-          </a:prstGeom>
-          <a:noFill/>
-          <a:ln>
-            <a:noFill/>
-          </a:ln>
-        </p:spPr>
-        <p:txBody>
-          <a:bodyPr spcFirstLastPara="1" wrap="square" lIns="91425" tIns="91425" rIns="91425" bIns="91425" anchor="t" anchorCtr="0">
-            <a:spAutoFit/>
-          </a:bodyPr>
-          <a:lstStyle/>
-          <a:p>
-            <a:pPr marL="0" marR="0" lvl="0" indent="0" algn="l" rtl="0">
-              <a:lnSpc>
-                <a:spcPct val="100000"/>
-              </a:lnSpc>
-              <a:spcBef>
-                <a:spcPts val="0"/>
-              </a:spcBef>
-              <a:spcAft>
-                <a:spcPts val="0"/>
-              </a:spcAft>
-              <a:buClr>
-                <a:srgbClr val="000000"/>
-              </a:buClr>
-              <a:buSzPts val="1300"/>
-              <a:buFont typeface="Arial"/>
-              <a:buNone/>
-            </a:pPr>
-            <a:endParaRPr sz="1200">
-              <a:solidFill>
-                <a:schemeClr val="dk1"/>
-              </a:solidFill>
-              <a:latin typeface="Calibri"/>
-              <a:ea typeface="Calibri"/>
-              <a:cs typeface="Calibri"/>
-              <a:sym typeface="Calibri"/>
-            </a:endParaRPr>
-          </a:p>
-          <a:p>
-            <a:pPr marL="0" marR="0" lvl="0" indent="0" algn="l" rtl="0">
-              <a:lnSpc>
-                <a:spcPct val="100000"/>
-              </a:lnSpc>
-              <a:spcBef>
-                <a:spcPts val="0"/>
-              </a:spcBef>
-              <a:spcAft>
-                <a:spcPts val="0"/>
-              </a:spcAft>
-              <a:buClr>
-                <a:srgbClr val="000000"/>
-              </a:buClr>
-              <a:buSzPts val="1300"/>
-              <a:buFont typeface="Arial"/>
-              <a:buNone/>
-            </a:pPr>
-            <a:endParaRPr sz="1200">
-              <a:solidFill>
-                <a:srgbClr val="0F0F0F"/>
-              </a:solidFill>
-              <a:latin typeface="Calibri"/>
-              <a:ea typeface="Calibri"/>
-              <a:cs typeface="Calibri"/>
-              <a:sym typeface="Calibri"/>
-            </a:endParaRPr>
-          </a:p>
-          <a:p>
-            <a:pPr marL="0" marR="0" lvl="0" indent="0" algn="l" rtl="0">
-              <a:lnSpc>
-                <a:spcPct val="100000"/>
-              </a:lnSpc>
-              <a:spcBef>
-                <a:spcPts val="0"/>
-              </a:spcBef>
-              <a:spcAft>
-                <a:spcPts val="0"/>
-              </a:spcAft>
-              <a:buClr>
-                <a:srgbClr val="000000"/>
-              </a:buClr>
-              <a:buSzPts val="1300"/>
-              <a:buFont typeface="Arial"/>
-              <a:buNone/>
-            </a:pPr>
-            <a:endParaRPr sz="1200">
-              <a:solidFill>
-                <a:srgbClr val="0F0F0F"/>
-              </a:solidFill>
-              <a:latin typeface="Calibri"/>
-              <a:ea typeface="Calibri"/>
-              <a:cs typeface="Calibri"/>
-              <a:sym typeface="Calibri"/>
-            </a:endParaRPr>
-          </a:p>
-        </p:txBody>
-      </p:sp>
-      <p:sp>
-        <p:nvSpPr>
-          <p:cNvPr id="324" name="Google Shape;324;p36"/>
-          <p:cNvSpPr txBox="1"/>
-          <p:nvPr/>
-        </p:nvSpPr>
-        <p:spPr>
-          <a:xfrm>
-            <a:off x="295050" y="981463"/>
-            <a:ext cx="2950500" cy="415500"/>
-          </a:xfrm>
-          <a:prstGeom prst="rect">
-            <a:avLst/>
-          </a:prstGeom>
-          <a:noFill/>
-          <a:ln>
-            <a:noFill/>
-          </a:ln>
-        </p:spPr>
-        <p:txBody>
-          <a:bodyPr spcFirstLastPara="1" wrap="square" lIns="91425" tIns="91425" rIns="91425" bIns="91425" anchor="t" anchorCtr="0">
-            <a:spAutoFit/>
-          </a:bodyPr>
-          <a:lstStyle/>
-          <a:p>
-            <a:pPr marL="0" lvl="0" indent="0" algn="l" rtl="0">
-              <a:lnSpc>
-                <a:spcPct val="115000"/>
-              </a:lnSpc>
-              <a:spcBef>
-                <a:spcPts val="0"/>
-              </a:spcBef>
-              <a:spcAft>
-                <a:spcPts val="1800"/>
-              </a:spcAft>
-              <a:buNone/>
-            </a:pPr>
-            <a:endParaRPr sz="1500">
-              <a:solidFill>
-                <a:srgbClr val="4F4F4F"/>
-              </a:solidFill>
-              <a:highlight>
-                <a:srgbClr val="FFFFFF"/>
-              </a:highlight>
-            </a:endParaRPr>
-          </a:p>
-        </p:txBody>
-      </p:sp>
-      <p:sp>
-        <p:nvSpPr>
-          <p:cNvPr id="325" name="Google Shape;325;p36"/>
+          <p:cNvPr id="310" name="Google Shape;310;p35"/>
           <p:cNvSpPr txBox="1"/>
           <p:nvPr/>
         </p:nvSpPr>
@@ -31098,7 +29702,7 @@
       </p:sp>
       <p:pic>
         <p:nvPicPr>
-          <p:cNvPr id="326" name="Google Shape;326;p36"/>
+          <p:cNvPr id="311" name="Google Shape;311;p35"/>
           <p:cNvPicPr preferRelativeResize="0"/>
           <p:nvPr/>
         </p:nvPicPr>
@@ -31137,12 +29741,12 @@
 </p:sld>
 </file>
 
-<file path=ppt/slides/slide23.xml><?xml version="1.0" encoding="utf-8"?>
+<file path=ppt/slides/slide22.xml><?xml version="1.0" encoding="utf-8"?>
 <p:sld xmlns:a="http://schemas.openxmlformats.org/drawingml/2006/main" xmlns:r="http://schemas.openxmlformats.org/officeDocument/2006/relationships" xmlns:p="http://schemas.openxmlformats.org/presentationml/2006/main">
   <p:cSld>
     <p:spTree>
       <p:nvGrpSpPr>
-        <p:cNvPr id="1" name="Shape 330"/>
+        <p:cNvPr id="1" name="Shape 315"/>
         <p:cNvGrpSpPr/>
         <p:nvPr/>
       </p:nvGrpSpPr>
@@ -31156,7 +29760,7 @@
       </p:grpSpPr>
       <p:pic>
         <p:nvPicPr>
-          <p:cNvPr id="331" name="Google Shape;331;p37"/>
+          <p:cNvPr id="316" name="Google Shape;316;p36"/>
           <p:cNvPicPr preferRelativeResize="0"/>
           <p:nvPr/>
         </p:nvPicPr>
@@ -31188,7 +29792,7 @@
       </p:pic>
       <p:sp>
         <p:nvSpPr>
-          <p:cNvPr id="332" name="Google Shape;332;p37"/>
+          <p:cNvPr id="317" name="Google Shape;317;p36"/>
           <p:cNvSpPr txBox="1"/>
           <p:nvPr/>
         </p:nvSpPr>
@@ -31254,7 +29858,7 @@
       </p:sp>
       <p:sp>
         <p:nvSpPr>
-          <p:cNvPr id="333" name="Google Shape;333;p37"/>
+          <p:cNvPr id="318" name="Google Shape;318;p36"/>
           <p:cNvSpPr txBox="1"/>
           <p:nvPr/>
         </p:nvSpPr>
@@ -31684,7 +30288,7 @@
       </p:sp>
       <p:pic>
         <p:nvPicPr>
-          <p:cNvPr id="334" name="Google Shape;334;p37"/>
+          <p:cNvPr id="319" name="Google Shape;319;p36"/>
           <p:cNvPicPr preferRelativeResize="0"/>
           <p:nvPr/>
         </p:nvPicPr>
@@ -31716,7 +30320,7 @@
       </p:pic>
       <p:sp>
         <p:nvSpPr>
-          <p:cNvPr id="335" name="Google Shape;335;p37"/>
+          <p:cNvPr id="320" name="Google Shape;320;p36"/>
           <p:cNvSpPr txBox="1"/>
           <p:nvPr/>
         </p:nvSpPr>
@@ -31795,7 +30399,7 @@
       </p:sp>
       <p:sp>
         <p:nvSpPr>
-          <p:cNvPr id="336" name="Google Shape;336;p37"/>
+          <p:cNvPr id="321" name="Google Shape;321;p36"/>
           <p:cNvSpPr txBox="1"/>
           <p:nvPr/>
         </p:nvSpPr>
@@ -31867,12 +30471,12 @@
 </p:sld>
 </file>
 
-<file path=ppt/slides/slide24.xml><?xml version="1.0" encoding="utf-8"?>
+<file path=ppt/slides/slide23.xml><?xml version="1.0" encoding="utf-8"?>
 <p:sld xmlns:a="http://schemas.openxmlformats.org/drawingml/2006/main" xmlns:r="http://schemas.openxmlformats.org/officeDocument/2006/relationships" xmlns:p="http://schemas.openxmlformats.org/presentationml/2006/main">
   <p:cSld>
     <p:spTree>
       <p:nvGrpSpPr>
-        <p:cNvPr id="1" name="Shape 340"/>
+        <p:cNvPr id="1" name="Shape 325"/>
         <p:cNvGrpSpPr/>
         <p:nvPr/>
       </p:nvGrpSpPr>
@@ -31886,7 +30490,7 @@
       </p:grpSpPr>
       <p:sp>
         <p:nvSpPr>
-          <p:cNvPr id="341" name="Google Shape;341;p38"/>
+          <p:cNvPr id="326" name="Google Shape;326;p37"/>
           <p:cNvSpPr txBox="1"/>
           <p:nvPr/>
         </p:nvSpPr>
@@ -32875,7 +31479,7 @@
             <a:tbl>
               <a:tblPr>
                 <a:noFill/>
-                <a:tableStyleId>{2346E2C7-764D-4120-BA29-5CF06B0561F4}</a:tableStyleId>
+                <a:tableStyleId>{DA1F4E2C-E081-4425-AD70-F2C9295AFD50}</a:tableStyleId>
               </a:tblPr>
               <a:tblGrid>
                 <a:gridCol w="656925">
